--- a/CalculdeRouteAérienne.pptx
+++ b/CalculdeRouteAérienne.pptx
@@ -4,8 +4,14 @@
   <p:sldMasterIdLst>
     <p:sldMasterId id="2147483648" r:id="rId1"/>
   </p:sldMasterIdLst>
+  <p:notesMasterIdLst>
+    <p:notesMasterId r:id="rId6"/>
+  </p:notesMasterIdLst>
   <p:sldIdLst>
     <p:sldId id="256" r:id="rId2"/>
+    <p:sldId id="257" r:id="rId3"/>
+    <p:sldId id="258" r:id="rId4"/>
+    <p:sldId id="259" r:id="rId5"/>
   </p:sldIdLst>
   <p:sldSz cx="12192000" cy="6858000"/>
   <p:notesSz cx="6858000" cy="9144000"/>
@@ -107,8 +113,1602 @@
 </p:presentation>
 </file>
 
-<file path=ppt/revisionInfo.xml><?xml version="1.0" encoding="utf-8"?>
-<p1510:revInfo xmlns:a="http://schemas.openxmlformats.org/drawingml/2006/main" xmlns:r="http://schemas.openxmlformats.org/officeDocument/2006/relationships" xmlns:p1510="http://schemas.microsoft.com/office/powerpoint/2015/10/main"/>
+<file path=ppt/notesMasters/notesMaster1.xml><?xml version="1.0" encoding="utf-8"?>
+<p:notesMaster xmlns:a="http://schemas.openxmlformats.org/drawingml/2006/main" xmlns:r="http://schemas.openxmlformats.org/officeDocument/2006/relationships" xmlns:p="http://schemas.openxmlformats.org/presentationml/2006/main">
+  <p:cSld>
+    <p:bg>
+      <p:bgRef idx="1001">
+        <a:schemeClr val="bg1"/>
+      </p:bgRef>
+    </p:bg>
+    <p:spTree>
+      <p:nvGrpSpPr>
+        <p:cNvPr id="1" name=""/>
+        <p:cNvGrpSpPr/>
+        <p:nvPr/>
+      </p:nvGrpSpPr>
+      <p:grpSpPr>
+        <a:xfrm>
+          <a:off x="0" y="0"/>
+          <a:ext cx="0" cy="0"/>
+          <a:chOff x="0" y="0"/>
+          <a:chExt cx="0" cy="0"/>
+        </a:xfrm>
+      </p:grpSpPr>
+      <p:sp>
+        <p:nvSpPr>
+          <p:cNvPr id="2" name="Espace réservé de l'en-tête 1"/>
+          <p:cNvSpPr>
+            <a:spLocks noGrp="1"/>
+          </p:cNvSpPr>
+          <p:nvPr>
+            <p:ph type="hdr" sz="quarter"/>
+          </p:nvPr>
+        </p:nvSpPr>
+        <p:spPr>
+          <a:xfrm>
+            <a:off x="0" y="0"/>
+            <a:ext cx="2971800" cy="458788"/>
+          </a:xfrm>
+          <a:prstGeom prst="rect">
+            <a:avLst/>
+          </a:prstGeom>
+        </p:spPr>
+        <p:txBody>
+          <a:bodyPr vert="horz" lIns="91440" tIns="45720" rIns="91440" bIns="45720" rtlCol="0"/>
+          <a:lstStyle>
+            <a:lvl1pPr algn="l">
+              <a:defRPr sz="1200"/>
+            </a:lvl1pPr>
+          </a:lstStyle>
+          <a:p>
+            <a:endParaRPr lang="fr-FR"/>
+          </a:p>
+        </p:txBody>
+      </p:sp>
+      <p:sp>
+        <p:nvSpPr>
+          <p:cNvPr id="3" name="Espace réservé de la date 2"/>
+          <p:cNvSpPr>
+            <a:spLocks noGrp="1"/>
+          </p:cNvSpPr>
+          <p:nvPr>
+            <p:ph type="dt" idx="1"/>
+          </p:nvPr>
+        </p:nvSpPr>
+        <p:spPr>
+          <a:xfrm>
+            <a:off x="3884613" y="0"/>
+            <a:ext cx="2971800" cy="458788"/>
+          </a:xfrm>
+          <a:prstGeom prst="rect">
+            <a:avLst/>
+          </a:prstGeom>
+        </p:spPr>
+        <p:txBody>
+          <a:bodyPr vert="horz" lIns="91440" tIns="45720" rIns="91440" bIns="45720" rtlCol="0"/>
+          <a:lstStyle>
+            <a:lvl1pPr algn="r">
+              <a:defRPr sz="1200"/>
+            </a:lvl1pPr>
+          </a:lstStyle>
+          <a:p>
+            <a:fld id="{2A8BB40B-8AE3-41F7-B45F-BC245A0FB7C7}" type="datetimeFigureOut">
+              <a:rPr lang="fr-FR" smtClean="0"/>
+              <a:t>19/12/2017</a:t>
+            </a:fld>
+            <a:endParaRPr lang="fr-FR"/>
+          </a:p>
+        </p:txBody>
+      </p:sp>
+      <p:sp>
+        <p:nvSpPr>
+          <p:cNvPr id="4" name="Espace réservé de l'image des diapositives 3"/>
+          <p:cNvSpPr>
+            <a:spLocks noGrp="1" noRot="1" noChangeAspect="1"/>
+          </p:cNvSpPr>
+          <p:nvPr>
+            <p:ph type="sldImg" idx="2"/>
+          </p:nvPr>
+        </p:nvSpPr>
+        <p:spPr>
+          <a:xfrm>
+            <a:off x="685800" y="1143000"/>
+            <a:ext cx="5486400" cy="3086100"/>
+          </a:xfrm>
+          <a:prstGeom prst="rect">
+            <a:avLst/>
+          </a:prstGeom>
+          <a:noFill/>
+          <a:ln w="12700">
+            <a:solidFill>
+              <a:prstClr val="black"/>
+            </a:solidFill>
+          </a:ln>
+        </p:spPr>
+        <p:txBody>
+          <a:bodyPr vert="horz" lIns="91440" tIns="45720" rIns="91440" bIns="45720" rtlCol="0" anchor="ctr"/>
+          <a:lstStyle/>
+          <a:p>
+            <a:endParaRPr lang="fr-FR"/>
+          </a:p>
+        </p:txBody>
+      </p:sp>
+      <p:sp>
+        <p:nvSpPr>
+          <p:cNvPr id="5" name="Espace réservé des notes 4"/>
+          <p:cNvSpPr>
+            <a:spLocks noGrp="1"/>
+          </p:cNvSpPr>
+          <p:nvPr>
+            <p:ph type="body" sz="quarter" idx="3"/>
+          </p:nvPr>
+        </p:nvSpPr>
+        <p:spPr>
+          <a:xfrm>
+            <a:off x="685800" y="4400550"/>
+            <a:ext cx="5486400" cy="3600450"/>
+          </a:xfrm>
+          <a:prstGeom prst="rect">
+            <a:avLst/>
+          </a:prstGeom>
+        </p:spPr>
+        <p:txBody>
+          <a:bodyPr vert="horz" lIns="91440" tIns="45720" rIns="91440" bIns="45720" rtlCol="0"/>
+          <a:lstStyle/>
+          <a:p>
+            <a:pPr lvl="0"/>
+            <a:r>
+              <a:rPr lang="fr-FR"/>
+              <a:t>Modifier les styles du texte du masque</a:t>
+            </a:r>
+          </a:p>
+          <a:p>
+            <a:pPr lvl="1"/>
+            <a:r>
+              <a:rPr lang="fr-FR"/>
+              <a:t>Deuxième niveau</a:t>
+            </a:r>
+          </a:p>
+          <a:p>
+            <a:pPr lvl="2"/>
+            <a:r>
+              <a:rPr lang="fr-FR"/>
+              <a:t>Troisième niveau</a:t>
+            </a:r>
+          </a:p>
+          <a:p>
+            <a:pPr lvl="3"/>
+            <a:r>
+              <a:rPr lang="fr-FR"/>
+              <a:t>Quatrième niveau</a:t>
+            </a:r>
+          </a:p>
+          <a:p>
+            <a:pPr lvl="4"/>
+            <a:r>
+              <a:rPr lang="fr-FR"/>
+              <a:t>Cinquième niveau</a:t>
+            </a:r>
+          </a:p>
+        </p:txBody>
+      </p:sp>
+      <p:sp>
+        <p:nvSpPr>
+          <p:cNvPr id="6" name="Espace réservé du pied de page 5"/>
+          <p:cNvSpPr>
+            <a:spLocks noGrp="1"/>
+          </p:cNvSpPr>
+          <p:nvPr>
+            <p:ph type="ftr" sz="quarter" idx="4"/>
+          </p:nvPr>
+        </p:nvSpPr>
+        <p:spPr>
+          <a:xfrm>
+            <a:off x="0" y="8685213"/>
+            <a:ext cx="2971800" cy="458787"/>
+          </a:xfrm>
+          <a:prstGeom prst="rect">
+            <a:avLst/>
+          </a:prstGeom>
+        </p:spPr>
+        <p:txBody>
+          <a:bodyPr vert="horz" lIns="91440" tIns="45720" rIns="91440" bIns="45720" rtlCol="0" anchor="b"/>
+          <a:lstStyle>
+            <a:lvl1pPr algn="l">
+              <a:defRPr sz="1200"/>
+            </a:lvl1pPr>
+          </a:lstStyle>
+          <a:p>
+            <a:endParaRPr lang="fr-FR"/>
+          </a:p>
+        </p:txBody>
+      </p:sp>
+      <p:sp>
+        <p:nvSpPr>
+          <p:cNvPr id="7" name="Espace réservé du numéro de diapositive 6"/>
+          <p:cNvSpPr>
+            <a:spLocks noGrp="1"/>
+          </p:cNvSpPr>
+          <p:nvPr>
+            <p:ph type="sldNum" sz="quarter" idx="5"/>
+          </p:nvPr>
+        </p:nvSpPr>
+        <p:spPr>
+          <a:xfrm>
+            <a:off x="3884613" y="8685213"/>
+            <a:ext cx="2971800" cy="458787"/>
+          </a:xfrm>
+          <a:prstGeom prst="rect">
+            <a:avLst/>
+          </a:prstGeom>
+        </p:spPr>
+        <p:txBody>
+          <a:bodyPr vert="horz" lIns="91440" tIns="45720" rIns="91440" bIns="45720" rtlCol="0" anchor="b"/>
+          <a:lstStyle>
+            <a:lvl1pPr algn="r">
+              <a:defRPr sz="1200"/>
+            </a:lvl1pPr>
+          </a:lstStyle>
+          <a:p>
+            <a:fld id="{4AD3E05C-2A7A-4B67-B246-8E4D9A066A55}" type="slidenum">
+              <a:rPr lang="fr-FR" smtClean="0"/>
+              <a:t>‹N°›</a:t>
+            </a:fld>
+            <a:endParaRPr lang="fr-FR"/>
+          </a:p>
+        </p:txBody>
+      </p:sp>
+    </p:spTree>
+    <p:extLst>
+      <p:ext uri="{BB962C8B-B14F-4D97-AF65-F5344CB8AC3E}">
+        <p14:creationId xmlns:p14="http://schemas.microsoft.com/office/powerpoint/2010/main" val="3583193627"/>
+      </p:ext>
+    </p:extLst>
+  </p:cSld>
+  <p:clrMap bg1="lt1" tx1="dk1" bg2="lt2" tx2="dk2" accent1="accent1" accent2="accent2" accent3="accent3" accent4="accent4" accent5="accent5" accent6="accent6" hlink="hlink" folHlink="folHlink"/>
+  <p:notesStyle>
+    <a:lvl1pPr marL="0" algn="l" defTabSz="914400" rtl="0" eaLnBrk="1" latinLnBrk="0" hangingPunct="1">
+      <a:defRPr sz="1200" kern="1200">
+        <a:solidFill>
+          <a:schemeClr val="tx1"/>
+        </a:solidFill>
+        <a:latin typeface="+mn-lt"/>
+        <a:ea typeface="+mn-ea"/>
+        <a:cs typeface="+mn-cs"/>
+      </a:defRPr>
+    </a:lvl1pPr>
+    <a:lvl2pPr marL="457200" algn="l" defTabSz="914400" rtl="0" eaLnBrk="1" latinLnBrk="0" hangingPunct="1">
+      <a:defRPr sz="1200" kern="1200">
+        <a:solidFill>
+          <a:schemeClr val="tx1"/>
+        </a:solidFill>
+        <a:latin typeface="+mn-lt"/>
+        <a:ea typeface="+mn-ea"/>
+        <a:cs typeface="+mn-cs"/>
+      </a:defRPr>
+    </a:lvl2pPr>
+    <a:lvl3pPr marL="914400" algn="l" defTabSz="914400" rtl="0" eaLnBrk="1" latinLnBrk="0" hangingPunct="1">
+      <a:defRPr sz="1200" kern="1200">
+        <a:solidFill>
+          <a:schemeClr val="tx1"/>
+        </a:solidFill>
+        <a:latin typeface="+mn-lt"/>
+        <a:ea typeface="+mn-ea"/>
+        <a:cs typeface="+mn-cs"/>
+      </a:defRPr>
+    </a:lvl3pPr>
+    <a:lvl4pPr marL="1371600" algn="l" defTabSz="914400" rtl="0" eaLnBrk="1" latinLnBrk="0" hangingPunct="1">
+      <a:defRPr sz="1200" kern="1200">
+        <a:solidFill>
+          <a:schemeClr val="tx1"/>
+        </a:solidFill>
+        <a:latin typeface="+mn-lt"/>
+        <a:ea typeface="+mn-ea"/>
+        <a:cs typeface="+mn-cs"/>
+      </a:defRPr>
+    </a:lvl4pPr>
+    <a:lvl5pPr marL="1828800" algn="l" defTabSz="914400" rtl="0" eaLnBrk="1" latinLnBrk="0" hangingPunct="1">
+      <a:defRPr sz="1200" kern="1200">
+        <a:solidFill>
+          <a:schemeClr val="tx1"/>
+        </a:solidFill>
+        <a:latin typeface="+mn-lt"/>
+        <a:ea typeface="+mn-ea"/>
+        <a:cs typeface="+mn-cs"/>
+      </a:defRPr>
+    </a:lvl5pPr>
+    <a:lvl6pPr marL="2286000" algn="l" defTabSz="914400" rtl="0" eaLnBrk="1" latinLnBrk="0" hangingPunct="1">
+      <a:defRPr sz="1200" kern="1200">
+        <a:solidFill>
+          <a:schemeClr val="tx1"/>
+        </a:solidFill>
+        <a:latin typeface="+mn-lt"/>
+        <a:ea typeface="+mn-ea"/>
+        <a:cs typeface="+mn-cs"/>
+      </a:defRPr>
+    </a:lvl6pPr>
+    <a:lvl7pPr marL="2743200" algn="l" defTabSz="914400" rtl="0" eaLnBrk="1" latinLnBrk="0" hangingPunct="1">
+      <a:defRPr sz="1200" kern="1200">
+        <a:solidFill>
+          <a:schemeClr val="tx1"/>
+        </a:solidFill>
+        <a:latin typeface="+mn-lt"/>
+        <a:ea typeface="+mn-ea"/>
+        <a:cs typeface="+mn-cs"/>
+      </a:defRPr>
+    </a:lvl7pPr>
+    <a:lvl8pPr marL="3200400" algn="l" defTabSz="914400" rtl="0" eaLnBrk="1" latinLnBrk="0" hangingPunct="1">
+      <a:defRPr sz="1200" kern="1200">
+        <a:solidFill>
+          <a:schemeClr val="tx1"/>
+        </a:solidFill>
+        <a:latin typeface="+mn-lt"/>
+        <a:ea typeface="+mn-ea"/>
+        <a:cs typeface="+mn-cs"/>
+      </a:defRPr>
+    </a:lvl8pPr>
+    <a:lvl9pPr marL="3657600" algn="l" defTabSz="914400" rtl="0" eaLnBrk="1" latinLnBrk="0" hangingPunct="1">
+      <a:defRPr sz="1200" kern="1200">
+        <a:solidFill>
+          <a:schemeClr val="tx1"/>
+        </a:solidFill>
+        <a:latin typeface="+mn-lt"/>
+        <a:ea typeface="+mn-ea"/>
+        <a:cs typeface="+mn-cs"/>
+      </a:defRPr>
+    </a:lvl9pPr>
+  </p:notesStyle>
+</p:notesMaster>
+</file>
+
+<file path=ppt/notesSlides/notesSlide1.xml><?xml version="1.0" encoding="utf-8"?>
+<p:notes xmlns:a="http://schemas.openxmlformats.org/drawingml/2006/main" xmlns:r="http://schemas.openxmlformats.org/officeDocument/2006/relationships" xmlns:p="http://schemas.openxmlformats.org/presentationml/2006/main">
+  <p:cSld>
+    <p:spTree>
+      <p:nvGrpSpPr>
+        <p:cNvPr id="1" name=""/>
+        <p:cNvGrpSpPr/>
+        <p:nvPr/>
+      </p:nvGrpSpPr>
+      <p:grpSpPr>
+        <a:xfrm>
+          <a:off x="0" y="0"/>
+          <a:ext cx="0" cy="0"/>
+          <a:chOff x="0" y="0"/>
+          <a:chExt cx="0" cy="0"/>
+        </a:xfrm>
+      </p:grpSpPr>
+      <p:sp>
+        <p:nvSpPr>
+          <p:cNvPr id="2" name="Espace réservé de l'image des diapositives 1"/>
+          <p:cNvSpPr>
+            <a:spLocks noGrp="1" noRot="1" noChangeAspect="1"/>
+          </p:cNvSpPr>
+          <p:nvPr>
+            <p:ph type="sldImg"/>
+          </p:nvPr>
+        </p:nvSpPr>
+        <p:spPr/>
+      </p:sp>
+      <p:sp>
+        <p:nvSpPr>
+          <p:cNvPr id="3" name="Espace réservé des notes 2"/>
+          <p:cNvSpPr>
+            <a:spLocks noGrp="1"/>
+          </p:cNvSpPr>
+          <p:nvPr>
+            <p:ph type="body" idx="1"/>
+          </p:nvPr>
+        </p:nvSpPr>
+        <p:spPr/>
+        <p:txBody>
+          <a:bodyPr/>
+          <a:lstStyle/>
+          <a:p>
+            <a:pPr marL="0" marR="0" lvl="0" indent="0" algn="l" defTabSz="914400" rtl="0" eaLnBrk="1" fontAlgn="auto" latinLnBrk="0" hangingPunct="1">
+              <a:lnSpc>
+                <a:spcPct val="100000"/>
+              </a:lnSpc>
+              <a:spcBef>
+                <a:spcPts val="0"/>
+              </a:spcBef>
+              <a:spcAft>
+                <a:spcPts val="0"/>
+              </a:spcAft>
+              <a:buClrTx/>
+              <a:buSzTx/>
+              <a:buFontTx/>
+              <a:buNone/>
+              <a:tabLst/>
+              <a:defRPr/>
+            </a:pPr>
+            <a:r>
+              <a:rPr lang="fr-FR" sz="1200" kern="1200" dirty="0">
+                <a:solidFill>
+                  <a:schemeClr val="tx1"/>
+                </a:solidFill>
+                <a:effectLst/>
+                <a:latin typeface="+mn-lt"/>
+                <a:ea typeface="+mn-ea"/>
+                <a:cs typeface="+mn-cs"/>
+              </a:rPr>
+              <a:t>Pour pouvoir naviguer sur une route orthodromique en suivant un cap il faut le calculer. Le pilote doit ensuite partitionner sa route pour vérifier s’il ne dévie pas, chaque fin de partition il doit récupérer ces coordonnée actuel et répéter l’opération de calcul de cap.</a:t>
+            </a:r>
+          </a:p>
+          <a:p>
+            <a:endParaRPr lang="fr-FR" dirty="0"/>
+          </a:p>
+        </p:txBody>
+      </p:sp>
+      <p:sp>
+        <p:nvSpPr>
+          <p:cNvPr id="4" name="Espace réservé du numéro de diapositive 3"/>
+          <p:cNvSpPr>
+            <a:spLocks noGrp="1"/>
+          </p:cNvSpPr>
+          <p:nvPr>
+            <p:ph type="sldNum" sz="quarter" idx="10"/>
+          </p:nvPr>
+        </p:nvSpPr>
+        <p:spPr/>
+        <p:txBody>
+          <a:bodyPr/>
+          <a:lstStyle/>
+          <a:p>
+            <a:fld id="{4AD3E05C-2A7A-4B67-B246-8E4D9A066A55}" type="slidenum">
+              <a:rPr lang="fr-FR" smtClean="0"/>
+              <a:t>2</a:t>
+            </a:fld>
+            <a:endParaRPr lang="fr-FR"/>
+          </a:p>
+        </p:txBody>
+      </p:sp>
+    </p:spTree>
+    <p:extLst>
+      <p:ext uri="{BB962C8B-B14F-4D97-AF65-F5344CB8AC3E}">
+        <p14:creationId xmlns:p14="http://schemas.microsoft.com/office/powerpoint/2010/main" val="1202851567"/>
+      </p:ext>
+    </p:extLst>
+  </p:cSld>
+  <p:clrMapOvr>
+    <a:masterClrMapping/>
+  </p:clrMapOvr>
+</p:notes>
+</file>
+
+<file path=ppt/notesSlides/notesSlide2.xml><?xml version="1.0" encoding="utf-8"?>
+<p:notes xmlns:a="http://schemas.openxmlformats.org/drawingml/2006/main" xmlns:r="http://schemas.openxmlformats.org/officeDocument/2006/relationships" xmlns:p="http://schemas.openxmlformats.org/presentationml/2006/main">
+  <p:cSld>
+    <p:spTree>
+      <p:nvGrpSpPr>
+        <p:cNvPr id="1" name=""/>
+        <p:cNvGrpSpPr/>
+        <p:nvPr/>
+      </p:nvGrpSpPr>
+      <p:grpSpPr>
+        <a:xfrm>
+          <a:off x="0" y="0"/>
+          <a:ext cx="0" cy="0"/>
+          <a:chOff x="0" y="0"/>
+          <a:chExt cx="0" cy="0"/>
+        </a:xfrm>
+      </p:grpSpPr>
+      <p:sp>
+        <p:nvSpPr>
+          <p:cNvPr id="2" name="Espace réservé de l'image des diapositives 1"/>
+          <p:cNvSpPr>
+            <a:spLocks noGrp="1" noRot="1" noChangeAspect="1"/>
+          </p:cNvSpPr>
+          <p:nvPr>
+            <p:ph type="sldImg"/>
+          </p:nvPr>
+        </p:nvSpPr>
+        <p:spPr/>
+      </p:sp>
+      <mc:AlternateContent xmlns:mc="http://schemas.openxmlformats.org/markup-compatibility/2006">
+        <mc:Choice xmlns:a14="http://schemas.microsoft.com/office/drawing/2010/main" Requires="a14">
+          <p:sp>
+            <p:nvSpPr>
+              <p:cNvPr id="3" name="Espace réservé des notes 2"/>
+              <p:cNvSpPr>
+                <a:spLocks noGrp="1"/>
+              </p:cNvSpPr>
+              <p:nvPr>
+                <p:ph type="body" idx="1"/>
+              </p:nvPr>
+            </p:nvSpPr>
+            <p:spPr/>
+            <p:txBody>
+              <a:bodyPr/>
+              <a:lstStyle/>
+              <a:p>
+                <a:pPr indent="449580" algn="just">
+                  <a:lnSpc>
+                    <a:spcPct val="107000"/>
+                  </a:lnSpc>
+                  <a:spcAft>
+                    <a:spcPts val="0"/>
+                  </a:spcAft>
+                </a:pPr>
+                <a:r>
+                  <a:rPr lang="fr-FR" sz="1200" dirty="0">
+                    <a:solidFill>
+                      <a:srgbClr val="282525"/>
+                    </a:solidFill>
+                    <a:effectLst/>
+                    <a:latin typeface="Times New Roman" panose="02020603050405020304" pitchFamily="18" charset="0"/>
+                    <a:ea typeface="Times New Roman" panose="02020603050405020304" pitchFamily="18" charset="0"/>
+                    <a:cs typeface="Times New Roman" panose="02020603050405020304" pitchFamily="18" charset="0"/>
+                  </a:rPr>
+                  <a:t>On applique la formule des sinus en trigonométrie sphérique au triangle ABN ou N est le nord géographique : </a:t>
+                </a:r>
+                <a14:m>
+                  <m:oMath xmlns:m="http://schemas.openxmlformats.org/officeDocument/2006/math">
+                    <m:f>
+                      <m:fPr>
+                        <m:ctrlPr>
+                          <a:rPr lang="fr-FR" sz="1200" i="1">
+                            <a:solidFill>
+                              <a:srgbClr val="282525"/>
+                            </a:solidFill>
+                            <a:effectLst/>
+                            <a:latin typeface="Cambria Math" panose="02040503050406030204" pitchFamily="18" charset="0"/>
+                            <a:ea typeface="Times New Roman" panose="02020603050405020304" pitchFamily="18" charset="0"/>
+                            <a:cs typeface="Times New Roman" panose="02020603050405020304" pitchFamily="18" charset="0"/>
+                          </a:rPr>
+                        </m:ctrlPr>
+                      </m:fPr>
+                      <m:num>
+                        <m:r>
+                          <a:rPr lang="fr-FR" sz="1200" i="1">
+                            <a:solidFill>
+                              <a:srgbClr val="282525"/>
+                            </a:solidFill>
+                            <a:effectLst/>
+                            <a:latin typeface="Cambria Math" panose="02040503050406030204" pitchFamily="18" charset="0"/>
+                            <a:ea typeface="Times New Roman" panose="02020603050405020304" pitchFamily="18" charset="0"/>
+                            <a:cs typeface="Times New Roman" panose="02020603050405020304" pitchFamily="18" charset="0"/>
+                          </a:rPr>
+                          <m:t>𝑆𝑖𝑛</m:t>
+                        </m:r>
+                        <m:r>
+                          <a:rPr lang="fr-FR" sz="1200" i="1">
+                            <a:solidFill>
+                              <a:srgbClr val="282525"/>
+                            </a:solidFill>
+                            <a:effectLst/>
+                            <a:latin typeface="Cambria Math" panose="02040503050406030204" pitchFamily="18" charset="0"/>
+                            <a:ea typeface="Times New Roman" panose="02020603050405020304" pitchFamily="18" charset="0"/>
+                            <a:cs typeface="Times New Roman" panose="02020603050405020304" pitchFamily="18" charset="0"/>
+                          </a:rPr>
+                          <m:t> </m:t>
+                        </m:r>
+                        <m:acc>
+                          <m:accPr>
+                            <m:chr m:val="̂"/>
+                            <m:ctrlPr>
+                              <a:rPr lang="fr-FR" sz="1200" i="1">
+                                <a:solidFill>
+                                  <a:srgbClr val="282525"/>
+                                </a:solidFill>
+                                <a:effectLst/>
+                                <a:latin typeface="Cambria Math" panose="02040503050406030204" pitchFamily="18" charset="0"/>
+                                <a:ea typeface="Times New Roman" panose="02020603050405020304" pitchFamily="18" charset="0"/>
+                                <a:cs typeface="Times New Roman" panose="02020603050405020304" pitchFamily="18" charset="0"/>
+                              </a:rPr>
+                            </m:ctrlPr>
+                          </m:accPr>
+                          <m:e>
+                            <m:r>
+                              <a:rPr lang="fr-FR" sz="1200" i="1">
+                                <a:solidFill>
+                                  <a:srgbClr val="282525"/>
+                                </a:solidFill>
+                                <a:effectLst/>
+                                <a:latin typeface="Cambria Math" panose="02040503050406030204" pitchFamily="18" charset="0"/>
+                                <a:ea typeface="Times New Roman" panose="02020603050405020304" pitchFamily="18" charset="0"/>
+                                <a:cs typeface="Times New Roman" panose="02020603050405020304" pitchFamily="18" charset="0"/>
+                              </a:rPr>
+                              <m:t>𝐴𝐵</m:t>
+                            </m:r>
+                          </m:e>
+                        </m:acc>
+                      </m:num>
+                      <m:den>
+                        <m:r>
+                          <a:rPr lang="fr-FR" sz="1200" i="1">
+                            <a:solidFill>
+                              <a:srgbClr val="282525"/>
+                            </a:solidFill>
+                            <a:effectLst/>
+                            <a:latin typeface="Cambria Math" panose="02040503050406030204" pitchFamily="18" charset="0"/>
+                            <a:ea typeface="Times New Roman" panose="02020603050405020304" pitchFamily="18" charset="0"/>
+                            <a:cs typeface="Times New Roman" panose="02020603050405020304" pitchFamily="18" charset="0"/>
+                          </a:rPr>
+                          <m:t>𝑆𝑖𝑛</m:t>
+                        </m:r>
+                        <m:r>
+                          <a:rPr lang="fr-FR" sz="1200" i="1">
+                            <a:solidFill>
+                              <a:srgbClr val="282525"/>
+                            </a:solidFill>
+                            <a:effectLst/>
+                            <a:latin typeface="Cambria Math" panose="02040503050406030204" pitchFamily="18" charset="0"/>
+                            <a:ea typeface="Times New Roman" panose="02020603050405020304" pitchFamily="18" charset="0"/>
+                            <a:cs typeface="Times New Roman" panose="02020603050405020304" pitchFamily="18" charset="0"/>
+                          </a:rPr>
+                          <m:t> </m:t>
+                        </m:r>
+                        <m:acc>
+                          <m:accPr>
+                            <m:chr m:val="̂"/>
+                            <m:ctrlPr>
+                              <a:rPr lang="fr-FR" sz="1200" i="1">
+                                <a:solidFill>
+                                  <a:srgbClr val="282525"/>
+                                </a:solidFill>
+                                <a:effectLst/>
+                                <a:latin typeface="Cambria Math" panose="02040503050406030204" pitchFamily="18" charset="0"/>
+                                <a:ea typeface="Times New Roman" panose="02020603050405020304" pitchFamily="18" charset="0"/>
+                                <a:cs typeface="Times New Roman" panose="02020603050405020304" pitchFamily="18" charset="0"/>
+                              </a:rPr>
+                            </m:ctrlPr>
+                          </m:accPr>
+                          <m:e>
+                            <m:r>
+                              <a:rPr lang="fr-FR" sz="1200" i="1">
+                                <a:solidFill>
+                                  <a:srgbClr val="282525"/>
+                                </a:solidFill>
+                                <a:effectLst/>
+                                <a:latin typeface="Cambria Math" panose="02040503050406030204" pitchFamily="18" charset="0"/>
+                                <a:ea typeface="Times New Roman" panose="02020603050405020304" pitchFamily="18" charset="0"/>
+                                <a:cs typeface="Times New Roman" panose="02020603050405020304" pitchFamily="18" charset="0"/>
+                              </a:rPr>
+                              <m:t>𝑁</m:t>
+                            </m:r>
+                          </m:e>
+                        </m:acc>
+                      </m:den>
+                    </m:f>
+                    <m:r>
+                      <a:rPr lang="fr-FR" sz="1200" i="1">
+                        <a:solidFill>
+                          <a:srgbClr val="282525"/>
+                        </a:solidFill>
+                        <a:effectLst/>
+                        <a:latin typeface="Cambria Math" panose="02040503050406030204" pitchFamily="18" charset="0"/>
+                        <a:ea typeface="Times New Roman" panose="02020603050405020304" pitchFamily="18" charset="0"/>
+                        <a:cs typeface="Times New Roman" panose="02020603050405020304" pitchFamily="18" charset="0"/>
+                      </a:rPr>
+                      <m:t>=</m:t>
+                    </m:r>
+                    <m:f>
+                      <m:fPr>
+                        <m:ctrlPr>
+                          <a:rPr lang="fr-FR" sz="1200" i="1">
+                            <a:solidFill>
+                              <a:srgbClr val="282525"/>
+                            </a:solidFill>
+                            <a:effectLst/>
+                            <a:latin typeface="Cambria Math" panose="02040503050406030204" pitchFamily="18" charset="0"/>
+                            <a:ea typeface="Times New Roman" panose="02020603050405020304" pitchFamily="18" charset="0"/>
+                            <a:cs typeface="Times New Roman" panose="02020603050405020304" pitchFamily="18" charset="0"/>
+                          </a:rPr>
+                        </m:ctrlPr>
+                      </m:fPr>
+                      <m:num>
+                        <m:r>
+                          <a:rPr lang="fr-FR" sz="1200" i="1">
+                            <a:solidFill>
+                              <a:srgbClr val="282525"/>
+                            </a:solidFill>
+                            <a:effectLst/>
+                            <a:latin typeface="Cambria Math" panose="02040503050406030204" pitchFamily="18" charset="0"/>
+                            <a:ea typeface="Times New Roman" panose="02020603050405020304" pitchFamily="18" charset="0"/>
+                            <a:cs typeface="Times New Roman" panose="02020603050405020304" pitchFamily="18" charset="0"/>
+                          </a:rPr>
+                          <m:t>𝑆𝑖𝑛</m:t>
+                        </m:r>
+                        <m:r>
+                          <a:rPr lang="fr-FR" sz="1200" i="1">
+                            <a:solidFill>
+                              <a:srgbClr val="282525"/>
+                            </a:solidFill>
+                            <a:effectLst/>
+                            <a:latin typeface="Cambria Math" panose="02040503050406030204" pitchFamily="18" charset="0"/>
+                            <a:ea typeface="Times New Roman" panose="02020603050405020304" pitchFamily="18" charset="0"/>
+                            <a:cs typeface="Times New Roman" panose="02020603050405020304" pitchFamily="18" charset="0"/>
+                          </a:rPr>
+                          <m:t> </m:t>
+                        </m:r>
+                        <m:acc>
+                          <m:accPr>
+                            <m:chr m:val="̂"/>
+                            <m:ctrlPr>
+                              <a:rPr lang="fr-FR" sz="1200" i="1">
+                                <a:solidFill>
+                                  <a:srgbClr val="282525"/>
+                                </a:solidFill>
+                                <a:effectLst/>
+                                <a:latin typeface="Cambria Math" panose="02040503050406030204" pitchFamily="18" charset="0"/>
+                                <a:ea typeface="Times New Roman" panose="02020603050405020304" pitchFamily="18" charset="0"/>
+                                <a:cs typeface="Times New Roman" panose="02020603050405020304" pitchFamily="18" charset="0"/>
+                              </a:rPr>
+                            </m:ctrlPr>
+                          </m:accPr>
+                          <m:e>
+                            <m:r>
+                              <a:rPr lang="fr-FR" sz="1200" i="1">
+                                <a:solidFill>
+                                  <a:srgbClr val="282525"/>
+                                </a:solidFill>
+                                <a:effectLst/>
+                                <a:latin typeface="Cambria Math" panose="02040503050406030204" pitchFamily="18" charset="0"/>
+                                <a:ea typeface="Times New Roman" panose="02020603050405020304" pitchFamily="18" charset="0"/>
+                                <a:cs typeface="Times New Roman" panose="02020603050405020304" pitchFamily="18" charset="0"/>
+                              </a:rPr>
+                              <m:t>𝐵𝑁</m:t>
+                            </m:r>
+                          </m:e>
+                        </m:acc>
+                      </m:num>
+                      <m:den>
+                        <m:r>
+                          <a:rPr lang="fr-FR" sz="1200" i="1">
+                            <a:solidFill>
+                              <a:srgbClr val="282525"/>
+                            </a:solidFill>
+                            <a:effectLst/>
+                            <a:latin typeface="Cambria Math" panose="02040503050406030204" pitchFamily="18" charset="0"/>
+                            <a:ea typeface="Times New Roman" panose="02020603050405020304" pitchFamily="18" charset="0"/>
+                            <a:cs typeface="Times New Roman" panose="02020603050405020304" pitchFamily="18" charset="0"/>
+                          </a:rPr>
+                          <m:t>𝑆𝑖𝑛</m:t>
+                        </m:r>
+                        <m:r>
+                          <a:rPr lang="fr-FR" sz="1200" i="1">
+                            <a:solidFill>
+                              <a:srgbClr val="282525"/>
+                            </a:solidFill>
+                            <a:effectLst/>
+                            <a:latin typeface="Cambria Math" panose="02040503050406030204" pitchFamily="18" charset="0"/>
+                            <a:ea typeface="Times New Roman" panose="02020603050405020304" pitchFamily="18" charset="0"/>
+                            <a:cs typeface="Times New Roman" panose="02020603050405020304" pitchFamily="18" charset="0"/>
+                          </a:rPr>
+                          <m:t> </m:t>
+                        </m:r>
+                        <m:acc>
+                          <m:accPr>
+                            <m:chr m:val="̂"/>
+                            <m:ctrlPr>
+                              <a:rPr lang="fr-FR" sz="1200" i="1">
+                                <a:solidFill>
+                                  <a:srgbClr val="282525"/>
+                                </a:solidFill>
+                                <a:effectLst/>
+                                <a:latin typeface="Cambria Math" panose="02040503050406030204" pitchFamily="18" charset="0"/>
+                                <a:ea typeface="Times New Roman" panose="02020603050405020304" pitchFamily="18" charset="0"/>
+                                <a:cs typeface="Times New Roman" panose="02020603050405020304" pitchFamily="18" charset="0"/>
+                              </a:rPr>
+                            </m:ctrlPr>
+                          </m:accPr>
+                          <m:e>
+                            <m:r>
+                              <a:rPr lang="fr-FR" sz="1200" i="1">
+                                <a:solidFill>
+                                  <a:srgbClr val="282525"/>
+                                </a:solidFill>
+                                <a:effectLst/>
+                                <a:latin typeface="Cambria Math" panose="02040503050406030204" pitchFamily="18" charset="0"/>
+                                <a:ea typeface="Times New Roman" panose="02020603050405020304" pitchFamily="18" charset="0"/>
+                                <a:cs typeface="Times New Roman" panose="02020603050405020304" pitchFamily="18" charset="0"/>
+                              </a:rPr>
+                              <m:t>𝐴</m:t>
+                            </m:r>
+                          </m:e>
+                        </m:acc>
+                      </m:den>
+                    </m:f>
+                    <m:r>
+                      <a:rPr lang="fr-FR" sz="1200" i="1">
+                        <a:solidFill>
+                          <a:srgbClr val="282525"/>
+                        </a:solidFill>
+                        <a:effectLst/>
+                        <a:latin typeface="Cambria Math" panose="02040503050406030204" pitchFamily="18" charset="0"/>
+                        <a:ea typeface="Times New Roman" panose="02020603050405020304" pitchFamily="18" charset="0"/>
+                        <a:cs typeface="Times New Roman" panose="02020603050405020304" pitchFamily="18" charset="0"/>
+                      </a:rPr>
+                      <m:t>=</m:t>
+                    </m:r>
+                    <m:f>
+                      <m:fPr>
+                        <m:ctrlPr>
+                          <a:rPr lang="fr-FR" sz="1200" i="1">
+                            <a:solidFill>
+                              <a:srgbClr val="282525"/>
+                            </a:solidFill>
+                            <a:effectLst/>
+                            <a:latin typeface="Cambria Math" panose="02040503050406030204" pitchFamily="18" charset="0"/>
+                            <a:ea typeface="Times New Roman" panose="02020603050405020304" pitchFamily="18" charset="0"/>
+                            <a:cs typeface="Times New Roman" panose="02020603050405020304" pitchFamily="18" charset="0"/>
+                          </a:rPr>
+                        </m:ctrlPr>
+                      </m:fPr>
+                      <m:num>
+                        <m:r>
+                          <a:rPr lang="fr-FR" sz="1200" i="1">
+                            <a:solidFill>
+                              <a:srgbClr val="282525"/>
+                            </a:solidFill>
+                            <a:effectLst/>
+                            <a:latin typeface="Cambria Math" panose="02040503050406030204" pitchFamily="18" charset="0"/>
+                            <a:ea typeface="Times New Roman" panose="02020603050405020304" pitchFamily="18" charset="0"/>
+                            <a:cs typeface="Times New Roman" panose="02020603050405020304" pitchFamily="18" charset="0"/>
+                          </a:rPr>
+                          <m:t>𝑆𝑖𝑛</m:t>
+                        </m:r>
+                        <m:r>
+                          <a:rPr lang="fr-FR" sz="1200" i="1">
+                            <a:solidFill>
+                              <a:srgbClr val="282525"/>
+                            </a:solidFill>
+                            <a:effectLst/>
+                            <a:latin typeface="Cambria Math" panose="02040503050406030204" pitchFamily="18" charset="0"/>
+                            <a:ea typeface="Times New Roman" panose="02020603050405020304" pitchFamily="18" charset="0"/>
+                            <a:cs typeface="Times New Roman" panose="02020603050405020304" pitchFamily="18" charset="0"/>
+                          </a:rPr>
+                          <m:t> </m:t>
+                        </m:r>
+                        <m:acc>
+                          <m:accPr>
+                            <m:chr m:val="̂"/>
+                            <m:ctrlPr>
+                              <a:rPr lang="fr-FR" sz="1200" i="1">
+                                <a:solidFill>
+                                  <a:srgbClr val="282525"/>
+                                </a:solidFill>
+                                <a:effectLst/>
+                                <a:latin typeface="Cambria Math" panose="02040503050406030204" pitchFamily="18" charset="0"/>
+                                <a:ea typeface="Times New Roman" panose="02020603050405020304" pitchFamily="18" charset="0"/>
+                                <a:cs typeface="Times New Roman" panose="02020603050405020304" pitchFamily="18" charset="0"/>
+                              </a:rPr>
+                            </m:ctrlPr>
+                          </m:accPr>
+                          <m:e>
+                            <m:r>
+                              <a:rPr lang="fr-FR" sz="1200" i="1">
+                                <a:solidFill>
+                                  <a:srgbClr val="282525"/>
+                                </a:solidFill>
+                                <a:effectLst/>
+                                <a:latin typeface="Cambria Math" panose="02040503050406030204" pitchFamily="18" charset="0"/>
+                                <a:ea typeface="Times New Roman" panose="02020603050405020304" pitchFamily="18" charset="0"/>
+                                <a:cs typeface="Times New Roman" panose="02020603050405020304" pitchFamily="18" charset="0"/>
+                              </a:rPr>
+                              <m:t>𝐴𝑁</m:t>
+                            </m:r>
+                          </m:e>
+                        </m:acc>
+                      </m:num>
+                      <m:den>
+                        <m:r>
+                          <a:rPr lang="fr-FR" sz="1200" i="1">
+                            <a:solidFill>
+                              <a:srgbClr val="282525"/>
+                            </a:solidFill>
+                            <a:effectLst/>
+                            <a:latin typeface="Cambria Math" panose="02040503050406030204" pitchFamily="18" charset="0"/>
+                            <a:ea typeface="Times New Roman" panose="02020603050405020304" pitchFamily="18" charset="0"/>
+                            <a:cs typeface="Times New Roman" panose="02020603050405020304" pitchFamily="18" charset="0"/>
+                          </a:rPr>
+                          <m:t>𝑆𝑖𝑛</m:t>
+                        </m:r>
+                        <m:r>
+                          <a:rPr lang="fr-FR" sz="1200" i="1">
+                            <a:solidFill>
+                              <a:srgbClr val="282525"/>
+                            </a:solidFill>
+                            <a:effectLst/>
+                            <a:latin typeface="Cambria Math" panose="02040503050406030204" pitchFamily="18" charset="0"/>
+                            <a:ea typeface="Times New Roman" panose="02020603050405020304" pitchFamily="18" charset="0"/>
+                            <a:cs typeface="Times New Roman" panose="02020603050405020304" pitchFamily="18" charset="0"/>
+                          </a:rPr>
+                          <m:t> </m:t>
+                        </m:r>
+                        <m:acc>
+                          <m:accPr>
+                            <m:chr m:val="̂"/>
+                            <m:ctrlPr>
+                              <a:rPr lang="fr-FR" sz="1200" i="1">
+                                <a:solidFill>
+                                  <a:srgbClr val="282525"/>
+                                </a:solidFill>
+                                <a:effectLst/>
+                                <a:latin typeface="Cambria Math" panose="02040503050406030204" pitchFamily="18" charset="0"/>
+                                <a:ea typeface="Times New Roman" panose="02020603050405020304" pitchFamily="18" charset="0"/>
+                                <a:cs typeface="Times New Roman" panose="02020603050405020304" pitchFamily="18" charset="0"/>
+                              </a:rPr>
+                            </m:ctrlPr>
+                          </m:accPr>
+                          <m:e>
+                            <m:r>
+                              <a:rPr lang="fr-FR" sz="1200" i="1">
+                                <a:solidFill>
+                                  <a:srgbClr val="282525"/>
+                                </a:solidFill>
+                                <a:effectLst/>
+                                <a:latin typeface="Cambria Math" panose="02040503050406030204" pitchFamily="18" charset="0"/>
+                                <a:ea typeface="Times New Roman" panose="02020603050405020304" pitchFamily="18" charset="0"/>
+                                <a:cs typeface="Times New Roman" panose="02020603050405020304" pitchFamily="18" charset="0"/>
+                              </a:rPr>
+                              <m:t>𝐵</m:t>
+                            </m:r>
+                          </m:e>
+                        </m:acc>
+                      </m:den>
+                    </m:f>
+                  </m:oMath>
+                </a14:m>
+                <a:r>
+                  <a:rPr lang="fr-FR" sz="1200" dirty="0">
+                    <a:solidFill>
+                      <a:srgbClr val="282525"/>
+                    </a:solidFill>
+                    <a:effectLst/>
+                    <a:latin typeface="Times New Roman" panose="02020603050405020304" pitchFamily="18" charset="0"/>
+                    <a:ea typeface="Times New Roman" panose="02020603050405020304" pitchFamily="18" charset="0"/>
+                    <a:cs typeface="Times New Roman" panose="02020603050405020304" pitchFamily="18" charset="0"/>
+                  </a:rPr>
+                  <a:t> Donc dans ce triangle l’angle en A est ce que l’on cherche (</a:t>
+                </a:r>
+                <a14:m>
+                  <m:oMath xmlns:m="http://schemas.openxmlformats.org/officeDocument/2006/math">
+                    <m:sSub>
+                      <m:sSubPr>
+                        <m:ctrlPr>
+                          <a:rPr lang="fr-FR" sz="1200" i="1">
+                            <a:solidFill>
+                              <a:srgbClr val="282525"/>
+                            </a:solidFill>
+                            <a:effectLst/>
+                            <a:latin typeface="Cambria Math" panose="02040503050406030204" pitchFamily="18" charset="0"/>
+                            <a:ea typeface="Times New Roman" panose="02020603050405020304" pitchFamily="18" charset="0"/>
+                            <a:cs typeface="Times New Roman" panose="02020603050405020304" pitchFamily="18" charset="0"/>
+                          </a:rPr>
+                        </m:ctrlPr>
+                      </m:sSubPr>
+                      <m:e>
+                        <m:r>
+                          <a:rPr lang="fr-FR" sz="1200" i="1">
+                            <a:solidFill>
+                              <a:srgbClr val="282525"/>
+                            </a:solidFill>
+                            <a:effectLst/>
+                            <a:latin typeface="Cambria Math" panose="02040503050406030204" pitchFamily="18" charset="0"/>
+                            <a:ea typeface="Times New Roman" panose="02020603050405020304" pitchFamily="18" charset="0"/>
+                            <a:cs typeface="Times New Roman" panose="02020603050405020304" pitchFamily="18" charset="0"/>
+                          </a:rPr>
+                          <m:t>𝑅</m:t>
+                        </m:r>
+                      </m:e>
+                      <m:sub>
+                        <m:r>
+                          <a:rPr lang="fr-FR" sz="1200" i="1">
+                            <a:solidFill>
+                              <a:srgbClr val="282525"/>
+                            </a:solidFill>
+                            <a:effectLst/>
+                            <a:latin typeface="Cambria Math" panose="02040503050406030204" pitchFamily="18" charset="0"/>
+                            <a:ea typeface="Times New Roman" panose="02020603050405020304" pitchFamily="18" charset="0"/>
+                            <a:cs typeface="Times New Roman" panose="02020603050405020304" pitchFamily="18" charset="0"/>
+                          </a:rPr>
+                          <m:t>0</m:t>
+                        </m:r>
+                      </m:sub>
+                    </m:sSub>
+                  </m:oMath>
+                </a14:m>
+                <a:r>
+                  <a:rPr lang="fr-FR" sz="1200" dirty="0">
+                    <a:solidFill>
+                      <a:srgbClr val="282525"/>
+                    </a:solidFill>
+                    <a:effectLst/>
+                    <a:latin typeface="Times New Roman" panose="02020603050405020304" pitchFamily="18" charset="0"/>
+                    <a:ea typeface="Times New Roman" panose="02020603050405020304" pitchFamily="18" charset="0"/>
+                    <a:cs typeface="Times New Roman" panose="02020603050405020304" pitchFamily="18" charset="0"/>
+                  </a:rPr>
+                  <a:t>), l’arc qui lui est opposée est l’arc BN, </a:t>
+                </a:r>
+                <a14:m>
+                  <m:oMath xmlns:m="http://schemas.openxmlformats.org/officeDocument/2006/math">
+                    <m:r>
+                      <a:rPr lang="fr-FR" sz="1200" i="1">
+                        <a:solidFill>
+                          <a:srgbClr val="282525"/>
+                        </a:solidFill>
+                        <a:effectLst/>
+                        <a:latin typeface="Cambria Math" panose="02040503050406030204" pitchFamily="18" charset="0"/>
+                        <a:ea typeface="Times New Roman" panose="02020603050405020304" pitchFamily="18" charset="0"/>
+                        <a:cs typeface="Times New Roman" panose="02020603050405020304" pitchFamily="18" charset="0"/>
+                      </a:rPr>
+                      <m:t>𝐵𝑁</m:t>
+                    </m:r>
+                    <m:r>
+                      <a:rPr lang="fr-FR" sz="1200" i="1">
+                        <a:solidFill>
+                          <a:srgbClr val="282525"/>
+                        </a:solidFill>
+                        <a:effectLst/>
+                        <a:latin typeface="Cambria Math" panose="02040503050406030204" pitchFamily="18" charset="0"/>
+                        <a:ea typeface="Times New Roman" panose="02020603050405020304" pitchFamily="18" charset="0"/>
+                        <a:cs typeface="Times New Roman" panose="02020603050405020304" pitchFamily="18" charset="0"/>
+                      </a:rPr>
+                      <m:t>=</m:t>
+                    </m:r>
+                    <m:f>
+                      <m:fPr>
+                        <m:ctrlPr>
+                          <a:rPr lang="fr-FR" sz="1200" i="1">
+                            <a:solidFill>
+                              <a:srgbClr val="282525"/>
+                            </a:solidFill>
+                            <a:effectLst/>
+                            <a:latin typeface="Cambria Math" panose="02040503050406030204" pitchFamily="18" charset="0"/>
+                            <a:ea typeface="Times New Roman" panose="02020603050405020304" pitchFamily="18" charset="0"/>
+                            <a:cs typeface="Times New Roman" panose="02020603050405020304" pitchFamily="18" charset="0"/>
+                          </a:rPr>
+                        </m:ctrlPr>
+                      </m:fPr>
+                      <m:num>
+                        <m:r>
+                          <a:rPr lang="fr-FR" sz="1200" i="1">
+                            <a:solidFill>
+                              <a:srgbClr val="282525"/>
+                            </a:solidFill>
+                            <a:effectLst/>
+                            <a:latin typeface="Cambria Math" panose="02040503050406030204" pitchFamily="18" charset="0"/>
+                            <a:ea typeface="Times New Roman" panose="02020603050405020304" pitchFamily="18" charset="0"/>
+                            <a:cs typeface="Times New Roman" panose="02020603050405020304" pitchFamily="18" charset="0"/>
+                          </a:rPr>
+                          <m:t>𝜋</m:t>
+                        </m:r>
+                      </m:num>
+                      <m:den>
+                        <m:r>
+                          <a:rPr lang="fr-FR" sz="1200" i="1">
+                            <a:solidFill>
+                              <a:srgbClr val="282525"/>
+                            </a:solidFill>
+                            <a:effectLst/>
+                            <a:latin typeface="Cambria Math" panose="02040503050406030204" pitchFamily="18" charset="0"/>
+                            <a:ea typeface="Times New Roman" panose="02020603050405020304" pitchFamily="18" charset="0"/>
+                            <a:cs typeface="Times New Roman" panose="02020603050405020304" pitchFamily="18" charset="0"/>
+                          </a:rPr>
+                          <m:t>2</m:t>
+                        </m:r>
+                      </m:den>
+                    </m:f>
+                    <m:r>
+                      <a:rPr lang="fr-FR" sz="1200" i="1">
+                        <a:solidFill>
+                          <a:srgbClr val="282525"/>
+                        </a:solidFill>
+                        <a:effectLst/>
+                        <a:latin typeface="Cambria Math" panose="02040503050406030204" pitchFamily="18" charset="0"/>
+                        <a:ea typeface="Times New Roman" panose="02020603050405020304" pitchFamily="18" charset="0"/>
+                        <a:cs typeface="Times New Roman" panose="02020603050405020304" pitchFamily="18" charset="0"/>
+                      </a:rPr>
+                      <m:t>−</m:t>
+                    </m:r>
+                    <m:sSub>
+                      <m:sSubPr>
+                        <m:ctrlPr>
+                          <a:rPr lang="fr-FR" sz="1200" i="1">
+                            <a:solidFill>
+                              <a:srgbClr val="282525"/>
+                            </a:solidFill>
+                            <a:effectLst/>
+                            <a:latin typeface="Cambria Math" panose="02040503050406030204" pitchFamily="18" charset="0"/>
+                            <a:ea typeface="Times New Roman" panose="02020603050405020304" pitchFamily="18" charset="0"/>
+                            <a:cs typeface="Times New Roman" panose="02020603050405020304" pitchFamily="18" charset="0"/>
+                          </a:rPr>
+                        </m:ctrlPr>
+                      </m:sSubPr>
+                      <m:e>
+                        <m:r>
+                          <a:rPr lang="fr-FR" sz="1200" i="1">
+                            <a:solidFill>
+                              <a:srgbClr val="282525"/>
+                            </a:solidFill>
+                            <a:effectLst/>
+                            <a:latin typeface="Cambria Math" panose="02040503050406030204" pitchFamily="18" charset="0"/>
+                            <a:ea typeface="Times New Roman" panose="02020603050405020304" pitchFamily="18" charset="0"/>
+                            <a:cs typeface="Times New Roman" panose="02020603050405020304" pitchFamily="18" charset="0"/>
+                          </a:rPr>
+                          <m:t>𝜑</m:t>
+                        </m:r>
+                      </m:e>
+                      <m:sub>
+                        <m:r>
+                          <a:rPr lang="fr-FR" sz="1200" i="1">
+                            <a:solidFill>
+                              <a:srgbClr val="282525"/>
+                            </a:solidFill>
+                            <a:effectLst/>
+                            <a:latin typeface="Cambria Math" panose="02040503050406030204" pitchFamily="18" charset="0"/>
+                            <a:ea typeface="Times New Roman" panose="02020603050405020304" pitchFamily="18" charset="0"/>
+                            <a:cs typeface="Times New Roman" panose="02020603050405020304" pitchFamily="18" charset="0"/>
+                          </a:rPr>
+                          <m:t>𝐵</m:t>
+                        </m:r>
+                      </m:sub>
+                    </m:sSub>
+                  </m:oMath>
+                </a14:m>
+                <a:r>
+                  <a:rPr lang="fr-FR" sz="1200" dirty="0">
+                    <a:solidFill>
+                      <a:srgbClr val="282525"/>
+                    </a:solidFill>
+                    <a:effectLst/>
+                    <a:latin typeface="Times New Roman" panose="02020603050405020304" pitchFamily="18" charset="0"/>
+                    <a:ea typeface="Times New Roman" panose="02020603050405020304" pitchFamily="18" charset="0"/>
+                    <a:cs typeface="Times New Roman" panose="02020603050405020304" pitchFamily="18" charset="0"/>
+                  </a:rPr>
+                  <a:t> et l’angle au pôle est </a:t>
+                </a:r>
+                <a14:m>
+                  <m:oMath xmlns:m="http://schemas.openxmlformats.org/officeDocument/2006/math">
+                    <m:sSub>
+                      <m:sSubPr>
+                        <m:ctrlPr>
+                          <a:rPr lang="fr-FR" sz="1200" i="1">
+                            <a:solidFill>
+                              <a:srgbClr val="282525"/>
+                            </a:solidFill>
+                            <a:effectLst/>
+                            <a:latin typeface="Cambria Math" panose="02040503050406030204" pitchFamily="18" charset="0"/>
+                            <a:ea typeface="Times New Roman" panose="02020603050405020304" pitchFamily="18" charset="0"/>
+                            <a:cs typeface="Times New Roman" panose="02020603050405020304" pitchFamily="18" charset="0"/>
+                          </a:rPr>
+                        </m:ctrlPr>
+                      </m:sSubPr>
+                      <m:e>
+                        <m:r>
+                          <a:rPr lang="fr-FR" sz="1200" i="1">
+                            <a:solidFill>
+                              <a:srgbClr val="282525"/>
+                            </a:solidFill>
+                            <a:effectLst/>
+                            <a:latin typeface="Cambria Math" panose="02040503050406030204" pitchFamily="18" charset="0"/>
+                            <a:ea typeface="Times New Roman" panose="02020603050405020304" pitchFamily="18" charset="0"/>
+                            <a:cs typeface="Times New Roman" panose="02020603050405020304" pitchFamily="18" charset="0"/>
+                          </a:rPr>
+                          <m:t>𝛾</m:t>
+                        </m:r>
+                      </m:e>
+                      <m:sub>
+                        <m:r>
+                          <a:rPr lang="fr-FR" sz="1200" i="1">
+                            <a:solidFill>
+                              <a:srgbClr val="282525"/>
+                            </a:solidFill>
+                            <a:effectLst/>
+                            <a:latin typeface="Cambria Math" panose="02040503050406030204" pitchFamily="18" charset="0"/>
+                            <a:ea typeface="Times New Roman" panose="02020603050405020304" pitchFamily="18" charset="0"/>
+                            <a:cs typeface="Times New Roman" panose="02020603050405020304" pitchFamily="18" charset="0"/>
+                          </a:rPr>
+                          <m:t>𝐵</m:t>
+                        </m:r>
+                      </m:sub>
+                    </m:sSub>
+                    <m:r>
+                      <a:rPr lang="fr-FR" sz="1200" i="1">
+                        <a:solidFill>
+                          <a:srgbClr val="282525"/>
+                        </a:solidFill>
+                        <a:effectLst/>
+                        <a:latin typeface="Cambria Math" panose="02040503050406030204" pitchFamily="18" charset="0"/>
+                        <a:ea typeface="Times New Roman" panose="02020603050405020304" pitchFamily="18" charset="0"/>
+                        <a:cs typeface="Times New Roman" panose="02020603050405020304" pitchFamily="18" charset="0"/>
+                      </a:rPr>
+                      <m:t>− </m:t>
+                    </m:r>
+                    <m:sSub>
+                      <m:sSubPr>
+                        <m:ctrlPr>
+                          <a:rPr lang="fr-FR" sz="1200" i="1">
+                            <a:solidFill>
+                              <a:srgbClr val="282525"/>
+                            </a:solidFill>
+                            <a:effectLst/>
+                            <a:latin typeface="Cambria Math" panose="02040503050406030204" pitchFamily="18" charset="0"/>
+                            <a:ea typeface="Times New Roman" panose="02020603050405020304" pitchFamily="18" charset="0"/>
+                            <a:cs typeface="Times New Roman" panose="02020603050405020304" pitchFamily="18" charset="0"/>
+                          </a:rPr>
+                        </m:ctrlPr>
+                      </m:sSubPr>
+                      <m:e>
+                        <m:r>
+                          <a:rPr lang="fr-FR" sz="1200" i="1">
+                            <a:solidFill>
+                              <a:srgbClr val="282525"/>
+                            </a:solidFill>
+                            <a:effectLst/>
+                            <a:latin typeface="Cambria Math" panose="02040503050406030204" pitchFamily="18" charset="0"/>
+                            <a:ea typeface="Times New Roman" panose="02020603050405020304" pitchFamily="18" charset="0"/>
+                            <a:cs typeface="Times New Roman" panose="02020603050405020304" pitchFamily="18" charset="0"/>
+                          </a:rPr>
+                          <m:t>𝛾</m:t>
+                        </m:r>
+                      </m:e>
+                      <m:sub>
+                        <m:r>
+                          <a:rPr lang="fr-FR" sz="1200" i="1">
+                            <a:solidFill>
+                              <a:srgbClr val="282525"/>
+                            </a:solidFill>
+                            <a:effectLst/>
+                            <a:latin typeface="Cambria Math" panose="02040503050406030204" pitchFamily="18" charset="0"/>
+                            <a:ea typeface="Times New Roman" panose="02020603050405020304" pitchFamily="18" charset="0"/>
+                            <a:cs typeface="Times New Roman" panose="02020603050405020304" pitchFamily="18" charset="0"/>
+                          </a:rPr>
+                          <m:t>𝐴</m:t>
+                        </m:r>
+                      </m:sub>
+                    </m:sSub>
+                  </m:oMath>
+                </a14:m>
+                <a:r>
+                  <a:rPr lang="fr-FR" sz="1200" dirty="0">
+                    <a:solidFill>
+                      <a:srgbClr val="282525"/>
+                    </a:solidFill>
+                    <a:effectLst/>
+                    <a:latin typeface="Times New Roman" panose="02020603050405020304" pitchFamily="18" charset="0"/>
+                    <a:ea typeface="Times New Roman" panose="02020603050405020304" pitchFamily="18" charset="0"/>
+                    <a:cs typeface="Times New Roman" panose="02020603050405020304" pitchFamily="18" charset="0"/>
+                  </a:rPr>
+                  <a:t> on obtient donc :</a:t>
+                </a:r>
+                <a:endParaRPr lang="fr-FR" sz="1100" dirty="0">
+                  <a:effectLst/>
+                  <a:latin typeface="Calibri" panose="020F0502020204030204" pitchFamily="34" charset="0"/>
+                  <a:ea typeface="Calibri" panose="020F0502020204030204" pitchFamily="34" charset="0"/>
+                  <a:cs typeface="Times New Roman" panose="02020603050405020304" pitchFamily="18" charset="0"/>
+                </a:endParaRPr>
+              </a:p>
+              <a:p>
+                <a:endParaRPr lang="fr-FR" dirty="0"/>
+              </a:p>
+            </p:txBody>
+          </p:sp>
+        </mc:Choice>
+        <mc:Fallback>
+          <p:sp>
+            <p:nvSpPr>
+              <p:cNvPr id="3" name="Espace réservé des notes 2"/>
+              <p:cNvSpPr>
+                <a:spLocks noGrp="1"/>
+              </p:cNvSpPr>
+              <p:nvPr>
+                <p:ph type="body" idx="1"/>
+              </p:nvPr>
+            </p:nvSpPr>
+            <p:spPr/>
+            <p:txBody>
+              <a:bodyPr/>
+              <a:lstStyle/>
+              <a:p>
+                <a:pPr indent="449580" algn="just">
+                  <a:lnSpc>
+                    <a:spcPct val="107000"/>
+                  </a:lnSpc>
+                  <a:spcAft>
+                    <a:spcPts val="0"/>
+                  </a:spcAft>
+                </a:pPr>
+                <a:r>
+                  <a:rPr lang="fr-FR" sz="1200" dirty="0">
+                    <a:solidFill>
+                      <a:srgbClr val="282525"/>
+                    </a:solidFill>
+                    <a:effectLst/>
+                    <a:latin typeface="Times New Roman" panose="02020603050405020304" pitchFamily="18" charset="0"/>
+                    <a:ea typeface="Times New Roman" panose="02020603050405020304" pitchFamily="18" charset="0"/>
+                    <a:cs typeface="Times New Roman" panose="02020603050405020304" pitchFamily="18" charset="0"/>
+                  </a:rPr>
+                  <a:t>On applique la formule des sinus en trigonométrie sphérique au triangle ABN ou N est le nord géographique : </a:t>
+                </a:r>
+                <a:r>
+                  <a:rPr lang="fr-FR" sz="1200" i="0">
+                    <a:solidFill>
+                      <a:srgbClr val="282525"/>
+                    </a:solidFill>
+                    <a:effectLst/>
+                    <a:latin typeface="Cambria Math" panose="02040503050406030204" pitchFamily="18" charset="0"/>
+                    <a:cs typeface="Times New Roman" panose="02020603050405020304" pitchFamily="18" charset="0"/>
+                  </a:rPr>
+                  <a:t>(</a:t>
+                </a:r>
+                <a:r>
+                  <a:rPr lang="fr-FR" sz="1200" i="0">
+                    <a:solidFill>
+                      <a:srgbClr val="282525"/>
+                    </a:solidFill>
+                    <a:effectLst/>
+                    <a:latin typeface="Cambria Math" panose="02040503050406030204" pitchFamily="18" charset="0"/>
+                    <a:ea typeface="Times New Roman" panose="02020603050405020304" pitchFamily="18" charset="0"/>
+                    <a:cs typeface="Times New Roman" panose="02020603050405020304" pitchFamily="18" charset="0"/>
+                  </a:rPr>
+                  <a:t>𝑆𝑖𝑛 (𝐴𝐵) ̂)/(𝑆𝑖𝑛 𝑁 ̂ )=</a:t>
+                </a:r>
+                <a:r>
+                  <a:rPr lang="fr-FR" sz="1200" i="0">
+                    <a:solidFill>
+                      <a:srgbClr val="282525"/>
+                    </a:solidFill>
+                    <a:effectLst/>
+                    <a:latin typeface="Cambria Math" panose="02040503050406030204" pitchFamily="18" charset="0"/>
+                    <a:cs typeface="Times New Roman" panose="02020603050405020304" pitchFamily="18" charset="0"/>
+                  </a:rPr>
+                  <a:t>(</a:t>
+                </a:r>
+                <a:r>
+                  <a:rPr lang="fr-FR" sz="1200" i="0">
+                    <a:solidFill>
+                      <a:srgbClr val="282525"/>
+                    </a:solidFill>
+                    <a:effectLst/>
+                    <a:latin typeface="Cambria Math" panose="02040503050406030204" pitchFamily="18" charset="0"/>
+                    <a:ea typeface="Times New Roman" panose="02020603050405020304" pitchFamily="18" charset="0"/>
+                    <a:cs typeface="Times New Roman" panose="02020603050405020304" pitchFamily="18" charset="0"/>
+                  </a:rPr>
+                  <a:t>𝑆𝑖𝑛 (𝐵𝑁) ̂)/(𝑆𝑖𝑛 𝐴 ̂ )=</a:t>
+                </a:r>
+                <a:r>
+                  <a:rPr lang="fr-FR" sz="1200" i="0">
+                    <a:solidFill>
+                      <a:srgbClr val="282525"/>
+                    </a:solidFill>
+                    <a:effectLst/>
+                    <a:latin typeface="Cambria Math" panose="02040503050406030204" pitchFamily="18" charset="0"/>
+                    <a:cs typeface="Times New Roman" panose="02020603050405020304" pitchFamily="18" charset="0"/>
+                  </a:rPr>
+                  <a:t>(</a:t>
+                </a:r>
+                <a:r>
+                  <a:rPr lang="fr-FR" sz="1200" i="0">
+                    <a:solidFill>
+                      <a:srgbClr val="282525"/>
+                    </a:solidFill>
+                    <a:effectLst/>
+                    <a:latin typeface="Cambria Math" panose="02040503050406030204" pitchFamily="18" charset="0"/>
+                    <a:ea typeface="Times New Roman" panose="02020603050405020304" pitchFamily="18" charset="0"/>
+                    <a:cs typeface="Times New Roman" panose="02020603050405020304" pitchFamily="18" charset="0"/>
+                  </a:rPr>
+                  <a:t>𝑆𝑖𝑛 (𝐴𝑁) ̂)/(𝑆𝑖𝑛 𝐵 ̂ )</a:t>
+                </a:r>
+                <a:r>
+                  <a:rPr lang="fr-FR" sz="1200" dirty="0">
+                    <a:solidFill>
+                      <a:srgbClr val="282525"/>
+                    </a:solidFill>
+                    <a:effectLst/>
+                    <a:latin typeface="Times New Roman" panose="02020603050405020304" pitchFamily="18" charset="0"/>
+                    <a:ea typeface="Times New Roman" panose="02020603050405020304" pitchFamily="18" charset="0"/>
+                    <a:cs typeface="Times New Roman" panose="02020603050405020304" pitchFamily="18" charset="0"/>
+                  </a:rPr>
+                  <a:t> Donc dans ce triangle l’angle en A est ce que l’on cherche (</a:t>
+                </a:r>
+                <a:r>
+                  <a:rPr lang="fr-FR" sz="1200" i="0">
+                    <a:solidFill>
+                      <a:srgbClr val="282525"/>
+                    </a:solidFill>
+                    <a:effectLst/>
+                    <a:latin typeface="Cambria Math" panose="02040503050406030204" pitchFamily="18" charset="0"/>
+                    <a:ea typeface="Times New Roman" panose="02020603050405020304" pitchFamily="18" charset="0"/>
+                    <a:cs typeface="Times New Roman" panose="02020603050405020304" pitchFamily="18" charset="0"/>
+                  </a:rPr>
+                  <a:t>𝑅_0</a:t>
+                </a:r>
+                <a:r>
+                  <a:rPr lang="fr-FR" sz="1200" dirty="0">
+                    <a:solidFill>
+                      <a:srgbClr val="282525"/>
+                    </a:solidFill>
+                    <a:effectLst/>
+                    <a:latin typeface="Times New Roman" panose="02020603050405020304" pitchFamily="18" charset="0"/>
+                    <a:ea typeface="Times New Roman" panose="02020603050405020304" pitchFamily="18" charset="0"/>
+                    <a:cs typeface="Times New Roman" panose="02020603050405020304" pitchFamily="18" charset="0"/>
+                  </a:rPr>
+                  <a:t>), l’arc qui lui est opposée est l’arc BN, </a:t>
+                </a:r>
+                <a:r>
+                  <a:rPr lang="fr-FR" sz="1200" i="0">
+                    <a:solidFill>
+                      <a:srgbClr val="282525"/>
+                    </a:solidFill>
+                    <a:effectLst/>
+                    <a:latin typeface="Cambria Math" panose="02040503050406030204" pitchFamily="18" charset="0"/>
+                    <a:ea typeface="Times New Roman" panose="02020603050405020304" pitchFamily="18" charset="0"/>
+                    <a:cs typeface="Times New Roman" panose="02020603050405020304" pitchFamily="18" charset="0"/>
+                  </a:rPr>
+                  <a:t>𝐵𝑁=𝜋/2−𝜑_𝐵</a:t>
+                </a:r>
+                <a:r>
+                  <a:rPr lang="fr-FR" sz="1200" dirty="0">
+                    <a:solidFill>
+                      <a:srgbClr val="282525"/>
+                    </a:solidFill>
+                    <a:effectLst/>
+                    <a:latin typeface="Times New Roman" panose="02020603050405020304" pitchFamily="18" charset="0"/>
+                    <a:ea typeface="Times New Roman" panose="02020603050405020304" pitchFamily="18" charset="0"/>
+                    <a:cs typeface="Times New Roman" panose="02020603050405020304" pitchFamily="18" charset="0"/>
+                  </a:rPr>
+                  <a:t> et l’angle au pôle est </a:t>
+                </a:r>
+                <a:r>
+                  <a:rPr lang="fr-FR" sz="1200" i="0">
+                    <a:solidFill>
+                      <a:srgbClr val="282525"/>
+                    </a:solidFill>
+                    <a:effectLst/>
+                    <a:latin typeface="Cambria Math" panose="02040503050406030204" pitchFamily="18" charset="0"/>
+                    <a:ea typeface="Times New Roman" panose="02020603050405020304" pitchFamily="18" charset="0"/>
+                    <a:cs typeface="Times New Roman" panose="02020603050405020304" pitchFamily="18" charset="0"/>
+                  </a:rPr>
+                  <a:t>𝛾_𝐵− 𝛾_𝐴</a:t>
+                </a:r>
+                <a:r>
+                  <a:rPr lang="fr-FR" sz="1200" dirty="0">
+                    <a:solidFill>
+                      <a:srgbClr val="282525"/>
+                    </a:solidFill>
+                    <a:effectLst/>
+                    <a:latin typeface="Times New Roman" panose="02020603050405020304" pitchFamily="18" charset="0"/>
+                    <a:ea typeface="Times New Roman" panose="02020603050405020304" pitchFamily="18" charset="0"/>
+                    <a:cs typeface="Times New Roman" panose="02020603050405020304" pitchFamily="18" charset="0"/>
+                  </a:rPr>
+                  <a:t> on obtient donc :</a:t>
+                </a:r>
+                <a:endParaRPr lang="fr-FR" sz="1100" dirty="0">
+                  <a:effectLst/>
+                  <a:latin typeface="Calibri" panose="020F0502020204030204" pitchFamily="34" charset="0"/>
+                  <a:ea typeface="Calibri" panose="020F0502020204030204" pitchFamily="34" charset="0"/>
+                  <a:cs typeface="Times New Roman" panose="02020603050405020304" pitchFamily="18" charset="0"/>
+                </a:endParaRPr>
+              </a:p>
+              <a:p>
+                <a:endParaRPr lang="fr-FR" dirty="0"/>
+              </a:p>
+            </p:txBody>
+          </p:sp>
+        </mc:Fallback>
+      </mc:AlternateContent>
+      <p:sp>
+        <p:nvSpPr>
+          <p:cNvPr id="4" name="Espace réservé du numéro de diapositive 3"/>
+          <p:cNvSpPr>
+            <a:spLocks noGrp="1"/>
+          </p:cNvSpPr>
+          <p:nvPr>
+            <p:ph type="sldNum" sz="quarter" idx="10"/>
+          </p:nvPr>
+        </p:nvSpPr>
+        <p:spPr/>
+        <p:txBody>
+          <a:bodyPr/>
+          <a:lstStyle/>
+          <a:p>
+            <a:fld id="{4AD3E05C-2A7A-4B67-B246-8E4D9A066A55}" type="slidenum">
+              <a:rPr lang="fr-FR" smtClean="0"/>
+              <a:t>3</a:t>
+            </a:fld>
+            <a:endParaRPr lang="fr-FR"/>
+          </a:p>
+        </p:txBody>
+      </p:sp>
+    </p:spTree>
+    <p:extLst>
+      <p:ext uri="{BB962C8B-B14F-4D97-AF65-F5344CB8AC3E}">
+        <p14:creationId xmlns:p14="http://schemas.microsoft.com/office/powerpoint/2010/main" val="1020039532"/>
+      </p:ext>
+    </p:extLst>
+  </p:cSld>
+  <p:clrMapOvr>
+    <a:masterClrMapping/>
+  </p:clrMapOvr>
+</p:notes>
+</file>
+
+<file path=ppt/notesSlides/notesSlide3.xml><?xml version="1.0" encoding="utf-8"?>
+<p:notes xmlns:a="http://schemas.openxmlformats.org/drawingml/2006/main" xmlns:r="http://schemas.openxmlformats.org/officeDocument/2006/relationships" xmlns:p="http://schemas.openxmlformats.org/presentationml/2006/main">
+  <p:cSld>
+    <p:spTree>
+      <p:nvGrpSpPr>
+        <p:cNvPr id="1" name=""/>
+        <p:cNvGrpSpPr/>
+        <p:nvPr/>
+      </p:nvGrpSpPr>
+      <p:grpSpPr>
+        <a:xfrm>
+          <a:off x="0" y="0"/>
+          <a:ext cx="0" cy="0"/>
+          <a:chOff x="0" y="0"/>
+          <a:chExt cx="0" cy="0"/>
+        </a:xfrm>
+      </p:grpSpPr>
+      <p:sp>
+        <p:nvSpPr>
+          <p:cNvPr id="2" name="Espace réservé de l'image des diapositives 1"/>
+          <p:cNvSpPr>
+            <a:spLocks noGrp="1" noRot="1" noChangeAspect="1"/>
+          </p:cNvSpPr>
+          <p:nvPr>
+            <p:ph type="sldImg"/>
+          </p:nvPr>
+        </p:nvSpPr>
+        <p:spPr/>
+      </p:sp>
+      <p:sp>
+        <p:nvSpPr>
+          <p:cNvPr id="3" name="Espace réservé des notes 2"/>
+          <p:cNvSpPr>
+            <a:spLocks noGrp="1"/>
+          </p:cNvSpPr>
+          <p:nvPr>
+            <p:ph type="body" idx="1"/>
+          </p:nvPr>
+        </p:nvSpPr>
+        <p:spPr/>
+        <p:txBody>
+          <a:bodyPr/>
+          <a:lstStyle/>
+          <a:p>
+            <a:endParaRPr lang="fr-FR" dirty="0"/>
+          </a:p>
+        </p:txBody>
+      </p:sp>
+      <p:sp>
+        <p:nvSpPr>
+          <p:cNvPr id="4" name="Espace réservé du numéro de diapositive 3"/>
+          <p:cNvSpPr>
+            <a:spLocks noGrp="1"/>
+          </p:cNvSpPr>
+          <p:nvPr>
+            <p:ph type="sldNum" sz="quarter" idx="10"/>
+          </p:nvPr>
+        </p:nvSpPr>
+        <p:spPr/>
+        <p:txBody>
+          <a:bodyPr/>
+          <a:lstStyle/>
+          <a:p>
+            <a:fld id="{4AD3E05C-2A7A-4B67-B246-8E4D9A066A55}" type="slidenum">
+              <a:rPr lang="fr-FR" smtClean="0"/>
+              <a:t>4</a:t>
+            </a:fld>
+            <a:endParaRPr lang="fr-FR"/>
+          </a:p>
+        </p:txBody>
+      </p:sp>
+    </p:spTree>
+    <p:extLst>
+      <p:ext uri="{BB962C8B-B14F-4D97-AF65-F5344CB8AC3E}">
+        <p14:creationId xmlns:p14="http://schemas.microsoft.com/office/powerpoint/2010/main" val="2749746882"/>
+      </p:ext>
+    </p:extLst>
+  </p:cSld>
+  <p:clrMapOvr>
+    <a:masterClrMapping/>
+  </p:clrMapOvr>
+</p:notes>
 </file>
 
 <file path=ppt/slideLayouts/slideLayout1.xml><?xml version="1.0" encoding="utf-8"?>
@@ -6351,6 +7951,1917 @@
 </p:sld>
 </file>
 
+<file path=ppt/slides/slide2.xml><?xml version="1.0" encoding="utf-8"?>
+<p:sld xmlns:a="http://schemas.openxmlformats.org/drawingml/2006/main" xmlns:r="http://schemas.openxmlformats.org/officeDocument/2006/relationships" xmlns:p="http://schemas.openxmlformats.org/presentationml/2006/main">
+  <p:cSld>
+    <p:spTree>
+      <p:nvGrpSpPr>
+        <p:cNvPr id="1" name=""/>
+        <p:cNvGrpSpPr/>
+        <p:nvPr/>
+      </p:nvGrpSpPr>
+      <p:grpSpPr>
+        <a:xfrm>
+          <a:off x="0" y="0"/>
+          <a:ext cx="0" cy="0"/>
+          <a:chOff x="0" y="0"/>
+          <a:chExt cx="0" cy="0"/>
+        </a:xfrm>
+      </p:grpSpPr>
+      <p:sp>
+        <p:nvSpPr>
+          <p:cNvPr id="2" name="Titre 1">
+            <a:extLst>
+              <a:ext uri="{FF2B5EF4-FFF2-40B4-BE49-F238E27FC236}">
+                <a16:creationId xmlns:a16="http://schemas.microsoft.com/office/drawing/2014/main" id="{9357E74B-98CD-4043-82B7-6A54F107A346}"/>
+              </a:ext>
+            </a:extLst>
+          </p:cNvPr>
+          <p:cNvSpPr>
+            <a:spLocks noGrp="1"/>
+          </p:cNvSpPr>
+          <p:nvPr>
+            <p:ph type="title"/>
+          </p:nvPr>
+        </p:nvSpPr>
+        <p:spPr>
+          <a:xfrm>
+            <a:off x="1299459" y="238466"/>
+            <a:ext cx="10018713" cy="1113691"/>
+          </a:xfrm>
+        </p:spPr>
+        <p:txBody>
+          <a:bodyPr/>
+          <a:lstStyle/>
+          <a:p>
+            <a:r>
+              <a:rPr lang="fr-FR" dirty="0"/>
+              <a:t>Route Initial</a:t>
+            </a:r>
+          </a:p>
+        </p:txBody>
+      </p:sp>
+      <p:pic>
+        <p:nvPicPr>
+          <p:cNvPr id="4" name="Image 3">
+            <a:extLst>
+              <a:ext uri="{FF2B5EF4-FFF2-40B4-BE49-F238E27FC236}">
+                <a16:creationId xmlns:a16="http://schemas.microsoft.com/office/drawing/2014/main" id="{54CEC515-1CFC-4F25-A74E-E5DB223D6850}"/>
+              </a:ext>
+            </a:extLst>
+          </p:cNvPr>
+          <p:cNvPicPr>
+            <a:picLocks noChangeAspect="1"/>
+          </p:cNvPicPr>
+          <p:nvPr/>
+        </p:nvPicPr>
+        <p:blipFill>
+          <a:blip r:embed="rId3"/>
+          <a:stretch>
+            <a:fillRect/>
+          </a:stretch>
+        </p:blipFill>
+        <p:spPr>
+          <a:xfrm>
+            <a:off x="2653017" y="1352157"/>
+            <a:ext cx="8243660" cy="5267377"/>
+          </a:xfrm>
+          <a:prstGeom prst="rect">
+            <a:avLst/>
+          </a:prstGeom>
+        </p:spPr>
+      </p:pic>
+    </p:spTree>
+    <p:extLst>
+      <p:ext uri="{BB962C8B-B14F-4D97-AF65-F5344CB8AC3E}">
+        <p14:creationId xmlns:p14="http://schemas.microsoft.com/office/powerpoint/2010/main" val="4025498297"/>
+      </p:ext>
+    </p:extLst>
+  </p:cSld>
+  <p:clrMapOvr>
+    <a:masterClrMapping/>
+  </p:clrMapOvr>
+</p:sld>
+</file>
+
+<file path=ppt/slides/slide3.xml><?xml version="1.0" encoding="utf-8"?>
+<p:sld xmlns:a="http://schemas.openxmlformats.org/drawingml/2006/main" xmlns:r="http://schemas.openxmlformats.org/officeDocument/2006/relationships" xmlns:p="http://schemas.openxmlformats.org/presentationml/2006/main">
+  <p:cSld>
+    <p:spTree>
+      <p:nvGrpSpPr>
+        <p:cNvPr id="1" name=""/>
+        <p:cNvGrpSpPr/>
+        <p:nvPr/>
+      </p:nvGrpSpPr>
+      <p:grpSpPr>
+        <a:xfrm>
+          <a:off x="0" y="0"/>
+          <a:ext cx="0" cy="0"/>
+          <a:chOff x="0" y="0"/>
+          <a:chExt cx="0" cy="0"/>
+        </a:xfrm>
+      </p:grpSpPr>
+      <p:sp>
+        <p:nvSpPr>
+          <p:cNvPr id="2" name="Titre 1">
+            <a:extLst>
+              <a:ext uri="{FF2B5EF4-FFF2-40B4-BE49-F238E27FC236}">
+                <a16:creationId xmlns:a16="http://schemas.microsoft.com/office/drawing/2014/main" id="{386EDC80-684C-4671-A05A-8DB535864715}"/>
+              </a:ext>
+            </a:extLst>
+          </p:cNvPr>
+          <p:cNvSpPr>
+            <a:spLocks noGrp="1"/>
+          </p:cNvSpPr>
+          <p:nvPr>
+            <p:ph type="title"/>
+          </p:nvPr>
+        </p:nvSpPr>
+        <p:spPr>
+          <a:xfrm>
+            <a:off x="1601542" y="252047"/>
+            <a:ext cx="10018713" cy="1213338"/>
+          </a:xfrm>
+        </p:spPr>
+        <p:txBody>
+          <a:bodyPr/>
+          <a:lstStyle/>
+          <a:p>
+            <a:r>
+              <a:rPr lang="fr-FR" b="1" dirty="0"/>
+              <a:t>Calcul de route Initial</a:t>
+            </a:r>
+            <a:endParaRPr lang="fr-FR" dirty="0"/>
+          </a:p>
+        </p:txBody>
+      </p:sp>
+      <p:pic>
+        <p:nvPicPr>
+          <p:cNvPr id="4" name="Image 3">
+            <a:extLst>
+              <a:ext uri="{FF2B5EF4-FFF2-40B4-BE49-F238E27FC236}">
+                <a16:creationId xmlns:a16="http://schemas.microsoft.com/office/drawing/2014/main" id="{4E5B734A-38A3-4AC5-B489-08A77F0768FE}"/>
+              </a:ext>
+            </a:extLst>
+          </p:cNvPr>
+          <p:cNvPicPr>
+            <a:picLocks noChangeAspect="1"/>
+          </p:cNvPicPr>
+          <p:nvPr/>
+        </p:nvPicPr>
+        <p:blipFill>
+          <a:blip r:embed="rId3"/>
+          <a:stretch>
+            <a:fillRect/>
+          </a:stretch>
+        </p:blipFill>
+        <p:spPr>
+          <a:xfrm>
+            <a:off x="3556822" y="1175284"/>
+            <a:ext cx="6114716" cy="5430669"/>
+          </a:xfrm>
+          <a:prstGeom prst="rect">
+            <a:avLst/>
+          </a:prstGeom>
+        </p:spPr>
+      </p:pic>
+      <mc:AlternateContent xmlns:mc="http://schemas.openxmlformats.org/markup-compatibility/2006">
+        <mc:Choice xmlns:a14="http://schemas.microsoft.com/office/drawing/2010/main" Requires="a14">
+          <p:sp>
+            <p:nvSpPr>
+              <p:cNvPr id="5" name="Rectangle 4">
+                <a:extLst>
+                  <a:ext uri="{FF2B5EF4-FFF2-40B4-BE49-F238E27FC236}">
+                    <a16:creationId xmlns:a16="http://schemas.microsoft.com/office/drawing/2014/main" id="{778F6B41-4A0B-4024-9A6B-5C54D80DD844}"/>
+                  </a:ext>
+                </a:extLst>
+              </p:cNvPr>
+              <p:cNvSpPr/>
+              <p:nvPr/>
+            </p:nvSpPr>
+            <p:spPr>
+              <a:xfrm>
+                <a:off x="724217" y="4802624"/>
+                <a:ext cx="2935997" cy="675891"/>
+              </a:xfrm>
+              <a:prstGeom prst="rect">
+                <a:avLst/>
+              </a:prstGeom>
+            </p:spPr>
+            <p:txBody>
+              <a:bodyPr wrap="none">
+                <a:spAutoFit/>
+              </a:bodyPr>
+              <a:lstStyle/>
+              <a:p>
+                <a14:m>
+                  <m:oMathPara xmlns:m="http://schemas.openxmlformats.org/officeDocument/2006/math">
+                    <m:oMathParaPr>
+                      <m:jc m:val="centerGroup"/>
+                    </m:oMathParaPr>
+                    <m:oMath xmlns:m="http://schemas.openxmlformats.org/officeDocument/2006/math">
+                      <m:f>
+                        <m:fPr>
+                          <m:ctrlPr>
+                            <a:rPr lang="fr-FR">
+                              <a:latin typeface="Cambria Math" panose="02040503050406030204" pitchFamily="18" charset="0"/>
+                            </a:rPr>
+                          </m:ctrlPr>
+                        </m:fPr>
+                        <m:num>
+                          <m:r>
+                            <a:rPr lang="fr-FR" i="1">
+                              <a:latin typeface="Cambria Math" panose="02040503050406030204" pitchFamily="18" charset="0"/>
+                            </a:rPr>
+                            <m:t>𝑆𝑖𝑛</m:t>
+                          </m:r>
+                          <m:r>
+                            <a:rPr lang="fr-FR" i="0">
+                              <a:latin typeface="Cambria Math" panose="02040503050406030204" pitchFamily="18" charset="0"/>
+                            </a:rPr>
+                            <m:t> </m:t>
+                          </m:r>
+                          <m:acc>
+                            <m:accPr>
+                              <m:chr m:val="̂"/>
+                              <m:ctrlPr>
+                                <a:rPr lang="fr-FR" i="1">
+                                  <a:latin typeface="Cambria Math" panose="02040503050406030204" pitchFamily="18" charset="0"/>
+                                </a:rPr>
+                              </m:ctrlPr>
+                            </m:accPr>
+                            <m:e>
+                              <m:r>
+                                <a:rPr lang="fr-FR" i="1">
+                                  <a:latin typeface="Cambria Math" panose="02040503050406030204" pitchFamily="18" charset="0"/>
+                                </a:rPr>
+                                <m:t>𝐴𝐵</m:t>
+                              </m:r>
+                            </m:e>
+                          </m:acc>
+                        </m:num>
+                        <m:den>
+                          <m:r>
+                            <a:rPr lang="fr-FR" i="1">
+                              <a:latin typeface="Cambria Math" panose="02040503050406030204" pitchFamily="18" charset="0"/>
+                            </a:rPr>
+                            <m:t>𝑆𝑖𝑛</m:t>
+                          </m:r>
+                          <m:r>
+                            <a:rPr lang="fr-FR" i="0">
+                              <a:latin typeface="Cambria Math" panose="02040503050406030204" pitchFamily="18" charset="0"/>
+                            </a:rPr>
+                            <m:t> </m:t>
+                          </m:r>
+                          <m:acc>
+                            <m:accPr>
+                              <m:chr m:val="̂"/>
+                              <m:ctrlPr>
+                                <a:rPr lang="fr-FR" i="1">
+                                  <a:latin typeface="Cambria Math" panose="02040503050406030204" pitchFamily="18" charset="0"/>
+                                </a:rPr>
+                              </m:ctrlPr>
+                            </m:accPr>
+                            <m:e>
+                              <m:r>
+                                <a:rPr lang="fr-FR" i="1">
+                                  <a:latin typeface="Cambria Math" panose="02040503050406030204" pitchFamily="18" charset="0"/>
+                                </a:rPr>
+                                <m:t>𝑁</m:t>
+                              </m:r>
+                            </m:e>
+                          </m:acc>
+                        </m:den>
+                      </m:f>
+                      <m:r>
+                        <a:rPr lang="fr-FR" i="0">
+                          <a:latin typeface="Cambria Math" panose="02040503050406030204" pitchFamily="18" charset="0"/>
+                        </a:rPr>
+                        <m:t>=</m:t>
+                      </m:r>
+                      <m:f>
+                        <m:fPr>
+                          <m:ctrlPr>
+                            <a:rPr lang="fr-FR" i="1">
+                              <a:latin typeface="Cambria Math" panose="02040503050406030204" pitchFamily="18" charset="0"/>
+                            </a:rPr>
+                          </m:ctrlPr>
+                        </m:fPr>
+                        <m:num>
+                          <m:r>
+                            <a:rPr lang="fr-FR" i="1">
+                              <a:latin typeface="Cambria Math" panose="02040503050406030204" pitchFamily="18" charset="0"/>
+                            </a:rPr>
+                            <m:t>𝑆𝑖𝑛</m:t>
+                          </m:r>
+                          <m:r>
+                            <a:rPr lang="fr-FR" i="0">
+                              <a:latin typeface="Cambria Math" panose="02040503050406030204" pitchFamily="18" charset="0"/>
+                            </a:rPr>
+                            <m:t> </m:t>
+                          </m:r>
+                          <m:acc>
+                            <m:accPr>
+                              <m:chr m:val="̂"/>
+                              <m:ctrlPr>
+                                <a:rPr lang="fr-FR" i="1">
+                                  <a:latin typeface="Cambria Math" panose="02040503050406030204" pitchFamily="18" charset="0"/>
+                                </a:rPr>
+                              </m:ctrlPr>
+                            </m:accPr>
+                            <m:e>
+                              <m:r>
+                                <a:rPr lang="fr-FR" i="1">
+                                  <a:latin typeface="Cambria Math" panose="02040503050406030204" pitchFamily="18" charset="0"/>
+                                </a:rPr>
+                                <m:t>𝐵𝑁</m:t>
+                              </m:r>
+                            </m:e>
+                          </m:acc>
+                        </m:num>
+                        <m:den>
+                          <m:r>
+                            <a:rPr lang="fr-FR" i="1">
+                              <a:latin typeface="Cambria Math" panose="02040503050406030204" pitchFamily="18" charset="0"/>
+                            </a:rPr>
+                            <m:t>𝑆𝑖𝑛</m:t>
+                          </m:r>
+                          <m:r>
+                            <a:rPr lang="fr-FR" i="0">
+                              <a:latin typeface="Cambria Math" panose="02040503050406030204" pitchFamily="18" charset="0"/>
+                            </a:rPr>
+                            <m:t> </m:t>
+                          </m:r>
+                          <m:acc>
+                            <m:accPr>
+                              <m:chr m:val="̂"/>
+                              <m:ctrlPr>
+                                <a:rPr lang="fr-FR" i="1">
+                                  <a:latin typeface="Cambria Math" panose="02040503050406030204" pitchFamily="18" charset="0"/>
+                                </a:rPr>
+                              </m:ctrlPr>
+                            </m:accPr>
+                            <m:e>
+                              <m:r>
+                                <a:rPr lang="fr-FR" i="1">
+                                  <a:latin typeface="Cambria Math" panose="02040503050406030204" pitchFamily="18" charset="0"/>
+                                </a:rPr>
+                                <m:t>𝐴</m:t>
+                              </m:r>
+                            </m:e>
+                          </m:acc>
+                        </m:den>
+                      </m:f>
+                      <m:r>
+                        <a:rPr lang="fr-FR" i="0">
+                          <a:latin typeface="Cambria Math" panose="02040503050406030204" pitchFamily="18" charset="0"/>
+                        </a:rPr>
+                        <m:t>=</m:t>
+                      </m:r>
+                      <m:f>
+                        <m:fPr>
+                          <m:ctrlPr>
+                            <a:rPr lang="fr-FR" i="1">
+                              <a:latin typeface="Cambria Math" panose="02040503050406030204" pitchFamily="18" charset="0"/>
+                            </a:rPr>
+                          </m:ctrlPr>
+                        </m:fPr>
+                        <m:num>
+                          <m:r>
+                            <a:rPr lang="fr-FR" i="1">
+                              <a:latin typeface="Cambria Math" panose="02040503050406030204" pitchFamily="18" charset="0"/>
+                            </a:rPr>
+                            <m:t>𝑆𝑖𝑛</m:t>
+                          </m:r>
+                          <m:r>
+                            <a:rPr lang="fr-FR" i="0">
+                              <a:latin typeface="Cambria Math" panose="02040503050406030204" pitchFamily="18" charset="0"/>
+                            </a:rPr>
+                            <m:t> </m:t>
+                          </m:r>
+                          <m:acc>
+                            <m:accPr>
+                              <m:chr m:val="̂"/>
+                              <m:ctrlPr>
+                                <a:rPr lang="fr-FR" i="1">
+                                  <a:latin typeface="Cambria Math" panose="02040503050406030204" pitchFamily="18" charset="0"/>
+                                </a:rPr>
+                              </m:ctrlPr>
+                            </m:accPr>
+                            <m:e>
+                              <m:r>
+                                <a:rPr lang="fr-FR" i="1">
+                                  <a:latin typeface="Cambria Math" panose="02040503050406030204" pitchFamily="18" charset="0"/>
+                                </a:rPr>
+                                <m:t>𝐴𝑁</m:t>
+                              </m:r>
+                            </m:e>
+                          </m:acc>
+                        </m:num>
+                        <m:den>
+                          <m:r>
+                            <a:rPr lang="fr-FR" i="1">
+                              <a:latin typeface="Cambria Math" panose="02040503050406030204" pitchFamily="18" charset="0"/>
+                            </a:rPr>
+                            <m:t>𝑆𝑖𝑛</m:t>
+                          </m:r>
+                          <m:r>
+                            <a:rPr lang="fr-FR" i="0">
+                              <a:latin typeface="Cambria Math" panose="02040503050406030204" pitchFamily="18" charset="0"/>
+                            </a:rPr>
+                            <m:t> </m:t>
+                          </m:r>
+                          <m:acc>
+                            <m:accPr>
+                              <m:chr m:val="̂"/>
+                              <m:ctrlPr>
+                                <a:rPr lang="fr-FR" i="1">
+                                  <a:latin typeface="Cambria Math" panose="02040503050406030204" pitchFamily="18" charset="0"/>
+                                </a:rPr>
+                              </m:ctrlPr>
+                            </m:accPr>
+                            <m:e>
+                              <m:r>
+                                <a:rPr lang="fr-FR" i="1">
+                                  <a:latin typeface="Cambria Math" panose="02040503050406030204" pitchFamily="18" charset="0"/>
+                                </a:rPr>
+                                <m:t>𝐵</m:t>
+                              </m:r>
+                            </m:e>
+                          </m:acc>
+                        </m:den>
+                      </m:f>
+                    </m:oMath>
+                  </m:oMathPara>
+                </a14:m>
+                <a:endParaRPr lang="fr-FR" dirty="0"/>
+              </a:p>
+            </p:txBody>
+          </p:sp>
+        </mc:Choice>
+        <mc:Fallback>
+          <p:sp>
+            <p:nvSpPr>
+              <p:cNvPr id="5" name="Rectangle 4">
+                <a:extLst>
+                  <a:ext uri="{FF2B5EF4-FFF2-40B4-BE49-F238E27FC236}">
+                    <a16:creationId xmlns:a16="http://schemas.microsoft.com/office/drawing/2014/main" id="{778F6B41-4A0B-4024-9A6B-5C54D80DD844}"/>
+                  </a:ext>
+                </a:extLst>
+              </p:cNvPr>
+              <p:cNvSpPr>
+                <a:spLocks noRot="1" noChangeAspect="1" noMove="1" noResize="1" noEditPoints="1" noAdjustHandles="1" noChangeArrowheads="1" noChangeShapeType="1" noTextEdit="1"/>
+              </p:cNvSpPr>
+              <p:nvPr/>
+            </p:nvSpPr>
+            <p:spPr>
+              <a:xfrm>
+                <a:off x="724217" y="4802624"/>
+                <a:ext cx="2935997" cy="675891"/>
+              </a:xfrm>
+              <a:prstGeom prst="rect">
+                <a:avLst/>
+              </a:prstGeom>
+              <a:blipFill>
+                <a:blip r:embed="rId4"/>
+                <a:stretch>
+                  <a:fillRect/>
+                </a:stretch>
+              </a:blipFill>
+            </p:spPr>
+            <p:txBody>
+              <a:bodyPr/>
+              <a:lstStyle/>
+              <a:p>
+                <a:r>
+                  <a:rPr lang="fr-FR">
+                    <a:noFill/>
+                  </a:rPr>
+                  <a:t> </a:t>
+                </a:r>
+              </a:p>
+            </p:txBody>
+          </p:sp>
+        </mc:Fallback>
+      </mc:AlternateContent>
+    </p:spTree>
+    <p:extLst>
+      <p:ext uri="{BB962C8B-B14F-4D97-AF65-F5344CB8AC3E}">
+        <p14:creationId xmlns:p14="http://schemas.microsoft.com/office/powerpoint/2010/main" val="1986595392"/>
+      </p:ext>
+    </p:extLst>
+  </p:cSld>
+  <p:clrMapOvr>
+    <a:masterClrMapping/>
+  </p:clrMapOvr>
+</p:sld>
+</file>
+
+<file path=ppt/slides/slide4.xml><?xml version="1.0" encoding="utf-8"?>
+<p:sld xmlns:a="http://schemas.openxmlformats.org/drawingml/2006/main" xmlns:r="http://schemas.openxmlformats.org/officeDocument/2006/relationships" xmlns:p="http://schemas.openxmlformats.org/presentationml/2006/main">
+  <p:cSld>
+    <p:spTree>
+      <p:nvGrpSpPr>
+        <p:cNvPr id="1" name=""/>
+        <p:cNvGrpSpPr/>
+        <p:nvPr/>
+      </p:nvGrpSpPr>
+      <p:grpSpPr>
+        <a:xfrm>
+          <a:off x="0" y="0"/>
+          <a:ext cx="0" cy="0"/>
+          <a:chOff x="0" y="0"/>
+          <a:chExt cx="0" cy="0"/>
+        </a:xfrm>
+      </p:grpSpPr>
+      <mc:AlternateContent xmlns:mc="http://schemas.openxmlformats.org/markup-compatibility/2006">
+        <mc:Choice xmlns:a14="http://schemas.microsoft.com/office/drawing/2010/main" Requires="a14">
+          <p:sp>
+            <p:nvSpPr>
+              <p:cNvPr id="3" name="Espace réservé du contenu 2">
+                <a:extLst>
+                  <a:ext uri="{FF2B5EF4-FFF2-40B4-BE49-F238E27FC236}">
+                    <a16:creationId xmlns:a16="http://schemas.microsoft.com/office/drawing/2014/main" id="{D4653717-C589-4BAE-8397-EC369364860C}"/>
+                  </a:ext>
+                </a:extLst>
+              </p:cNvPr>
+              <p:cNvSpPr>
+                <a:spLocks noGrp="1"/>
+              </p:cNvSpPr>
+              <p:nvPr>
+                <p:ph idx="1"/>
+              </p:nvPr>
+            </p:nvSpPr>
+            <p:spPr>
+              <a:xfrm>
+                <a:off x="7233138" y="603738"/>
+                <a:ext cx="3974124" cy="5650524"/>
+              </a:xfrm>
+            </p:spPr>
+            <p:txBody>
+              <a:bodyPr>
+                <a:normAutofit fontScale="92500"/>
+              </a:bodyPr>
+              <a:lstStyle/>
+              <a:p>
+                <a:pPr marL="0" indent="0">
+                  <a:buNone/>
+                </a:pPr>
+                <a14:m>
+                  <m:oMathPara xmlns:m="http://schemas.openxmlformats.org/officeDocument/2006/math">
+                    <m:oMathParaPr>
+                      <m:jc m:val="centerGroup"/>
+                    </m:oMathParaPr>
+                    <m:oMath xmlns:m="http://schemas.openxmlformats.org/officeDocument/2006/math">
+                      <m:f>
+                        <m:fPr>
+                          <m:ctrlPr>
+                            <a:rPr lang="fr-FR" i="1"/>
+                          </m:ctrlPr>
+                        </m:fPr>
+                        <m:num>
+                          <m:func>
+                            <m:funcPr>
+                              <m:ctrlPr>
+                                <a:rPr lang="fr-FR" i="1"/>
+                              </m:ctrlPr>
+                            </m:funcPr>
+                            <m:fName>
+                              <m:r>
+                                <a:rPr lang="fr-FR" i="1"/>
+                                <m:t>𝑠𝑖𝑛</m:t>
+                              </m:r>
+                            </m:fName>
+                            <m:e>
+                              <m:r>
+                                <a:rPr lang="fr-FR" i="1"/>
+                                <m:t>(</m:t>
+                              </m:r>
+                              <m:r>
+                                <a:rPr lang="fr-FR" i="1"/>
+                                <m:t>𝐴𝐵</m:t>
+                              </m:r>
+                              <m:r>
+                                <a:rPr lang="fr-FR" i="1"/>
+                                <m:t>)</m:t>
+                              </m:r>
+                            </m:e>
+                          </m:func>
+                        </m:num>
+                        <m:den>
+                          <m:func>
+                            <m:funcPr>
+                              <m:ctrlPr>
+                                <a:rPr lang="fr-FR" i="1"/>
+                              </m:ctrlPr>
+                            </m:funcPr>
+                            <m:fName>
+                              <m:r>
+                                <a:rPr lang="fr-FR" i="1"/>
+                                <m:t>𝑠𝑖𝑛</m:t>
+                              </m:r>
+                            </m:fName>
+                            <m:e>
+                              <m:r>
+                                <a:rPr lang="fr-FR" i="1"/>
+                                <m:t>(</m:t>
+                              </m:r>
+                              <m:sSub>
+                                <m:sSubPr>
+                                  <m:ctrlPr>
+                                    <a:rPr lang="fr-FR" i="1"/>
+                                  </m:ctrlPr>
+                                </m:sSubPr>
+                                <m:e>
+                                  <m:r>
+                                    <a:rPr lang="fr-FR" i="1"/>
+                                    <m:t>𝛾</m:t>
+                                  </m:r>
+                                </m:e>
+                                <m:sub>
+                                  <m:r>
+                                    <a:rPr lang="fr-FR" i="1"/>
+                                    <m:t>𝐵</m:t>
+                                  </m:r>
+                                </m:sub>
+                              </m:sSub>
+                              <m:r>
+                                <a:rPr lang="fr-FR" i="1"/>
+                                <m:t>−</m:t>
+                              </m:r>
+                              <m:sSub>
+                                <m:sSubPr>
+                                  <m:ctrlPr>
+                                    <a:rPr lang="fr-FR" i="1"/>
+                                  </m:ctrlPr>
+                                </m:sSubPr>
+                                <m:e>
+                                  <m:r>
+                                    <a:rPr lang="fr-FR" i="1"/>
+                                    <m:t>𝛾</m:t>
+                                  </m:r>
+                                </m:e>
+                                <m:sub>
+                                  <m:r>
+                                    <a:rPr lang="fr-FR" i="1"/>
+                                    <m:t>𝐴</m:t>
+                                  </m:r>
+                                </m:sub>
+                              </m:sSub>
+                              <m:r>
+                                <a:rPr lang="fr-FR" i="1"/>
+                                <m:t>)</m:t>
+                              </m:r>
+                            </m:e>
+                          </m:func>
+                        </m:den>
+                      </m:f>
+                      <m:r>
+                        <a:rPr lang="fr-FR" i="1"/>
+                        <m:t>=</m:t>
+                      </m:r>
+                      <m:f>
+                        <m:fPr>
+                          <m:ctrlPr>
+                            <a:rPr lang="fr-FR" i="1"/>
+                          </m:ctrlPr>
+                        </m:fPr>
+                        <m:num>
+                          <m:func>
+                            <m:funcPr>
+                              <m:ctrlPr>
+                                <a:rPr lang="fr-FR" i="1"/>
+                              </m:ctrlPr>
+                            </m:funcPr>
+                            <m:fName>
+                              <m:r>
+                                <m:rPr>
+                                  <m:sty m:val="p"/>
+                                </m:rPr>
+                                <a:rPr lang="fr-FR"/>
+                                <m:t>sin</m:t>
+                              </m:r>
+                            </m:fName>
+                            <m:e>
+                              <m:r>
+                                <a:rPr lang="fr-FR" i="1"/>
+                                <m:t>(</m:t>
+                              </m:r>
+                              <m:f>
+                                <m:fPr>
+                                  <m:ctrlPr>
+                                    <a:rPr lang="fr-FR" i="1"/>
+                                  </m:ctrlPr>
+                                </m:fPr>
+                                <m:num>
+                                  <m:r>
+                                    <a:rPr lang="fr-FR" i="1"/>
+                                    <m:t>𝜋</m:t>
+                                  </m:r>
+                                </m:num>
+                                <m:den>
+                                  <m:r>
+                                    <a:rPr lang="fr-FR" i="1"/>
+                                    <m:t>2</m:t>
+                                  </m:r>
+                                </m:den>
+                              </m:f>
+                              <m:r>
+                                <a:rPr lang="fr-FR" i="1"/>
+                                <m:t>−</m:t>
+                              </m:r>
+                              <m:sSub>
+                                <m:sSubPr>
+                                  <m:ctrlPr>
+                                    <a:rPr lang="fr-FR" i="1"/>
+                                  </m:ctrlPr>
+                                </m:sSubPr>
+                                <m:e>
+                                  <m:r>
+                                    <a:rPr lang="fr-FR" i="1"/>
+                                    <m:t>𝜑</m:t>
+                                  </m:r>
+                                </m:e>
+                                <m:sub>
+                                  <m:r>
+                                    <a:rPr lang="fr-FR" i="1"/>
+                                    <m:t>𝐵</m:t>
+                                  </m:r>
+                                </m:sub>
+                              </m:sSub>
+                              <m:r>
+                                <a:rPr lang="fr-FR" i="1"/>
+                                <m:t>)</m:t>
+                              </m:r>
+                            </m:e>
+                          </m:func>
+                        </m:num>
+                        <m:den>
+                          <m:func>
+                            <m:funcPr>
+                              <m:ctrlPr>
+                                <a:rPr lang="fr-FR" i="1"/>
+                              </m:ctrlPr>
+                            </m:funcPr>
+                            <m:fName>
+                              <m:r>
+                                <m:rPr>
+                                  <m:sty m:val="p"/>
+                                </m:rPr>
+                                <a:rPr lang="fr-FR"/>
+                                <m:t>sin</m:t>
+                              </m:r>
+                            </m:fName>
+                            <m:e>
+                              <m:r>
+                                <a:rPr lang="fr-FR" i="1"/>
+                                <m:t>(</m:t>
+                              </m:r>
+                              <m:sSub>
+                                <m:sSubPr>
+                                  <m:ctrlPr>
+                                    <a:rPr lang="fr-FR" i="1"/>
+                                  </m:ctrlPr>
+                                </m:sSubPr>
+                                <m:e>
+                                  <m:r>
+                                    <a:rPr lang="fr-FR" i="1"/>
+                                    <m:t>𝑅</m:t>
+                                  </m:r>
+                                </m:e>
+                                <m:sub>
+                                  <m:r>
+                                    <a:rPr lang="fr-FR" i="1"/>
+                                    <m:t>0</m:t>
+                                  </m:r>
+                                </m:sub>
+                              </m:sSub>
+                              <m:r>
+                                <a:rPr lang="fr-FR" i="1"/>
+                                <m:t>)</m:t>
+                              </m:r>
+                            </m:e>
+                          </m:func>
+                        </m:den>
+                      </m:f>
+                    </m:oMath>
+                  </m:oMathPara>
+                </a14:m>
+                <a:endParaRPr lang="fr-FR" dirty="0"/>
+              </a:p>
+              <a:p>
+                <a:pPr marL="0" indent="0">
+                  <a:buNone/>
+                </a:pPr>
+                <a:r>
+                  <a:rPr lang="fr-FR" dirty="0"/>
+                  <a:t>Or :</a:t>
+                </a:r>
+              </a:p>
+              <a:p>
+                <a:pPr marL="0" indent="0">
+                  <a:buNone/>
+                </a:pPr>
+                <a14:m>
+                  <m:oMathPara xmlns:m="http://schemas.openxmlformats.org/officeDocument/2006/math">
+                    <m:oMathParaPr>
+                      <m:jc m:val="centerGroup"/>
+                    </m:oMathParaPr>
+                    <m:oMath xmlns:m="http://schemas.openxmlformats.org/officeDocument/2006/math">
+                      <m:func>
+                        <m:funcPr>
+                          <m:ctrlPr>
+                            <a:rPr lang="fr-FR" i="1"/>
+                          </m:ctrlPr>
+                        </m:funcPr>
+                        <m:fName>
+                          <m:r>
+                            <m:rPr>
+                              <m:sty m:val="p"/>
+                            </m:rPr>
+                            <a:rPr lang="fr-FR"/>
+                            <m:t>sin</m:t>
+                          </m:r>
+                        </m:fName>
+                        <m:e>
+                          <m:r>
+                            <a:rPr lang="fr-FR" i="1"/>
+                            <m:t>(</m:t>
+                          </m:r>
+                          <m:f>
+                            <m:fPr>
+                              <m:ctrlPr>
+                                <a:rPr lang="fr-FR" i="1"/>
+                              </m:ctrlPr>
+                            </m:fPr>
+                            <m:num>
+                              <m:r>
+                                <a:rPr lang="fr-FR" i="1"/>
+                                <m:t>𝜋</m:t>
+                              </m:r>
+                            </m:num>
+                            <m:den>
+                              <m:r>
+                                <a:rPr lang="fr-FR" i="1"/>
+                                <m:t>2</m:t>
+                              </m:r>
+                            </m:den>
+                          </m:f>
+                          <m:r>
+                            <a:rPr lang="fr-FR" i="1"/>
+                            <m:t>−</m:t>
+                          </m:r>
+                          <m:sSub>
+                            <m:sSubPr>
+                              <m:ctrlPr>
+                                <a:rPr lang="fr-FR" i="1"/>
+                              </m:ctrlPr>
+                            </m:sSubPr>
+                            <m:e>
+                              <m:r>
+                                <a:rPr lang="fr-FR" i="1"/>
+                                <m:t>𝜑</m:t>
+                              </m:r>
+                            </m:e>
+                            <m:sub>
+                              <m:r>
+                                <a:rPr lang="fr-FR" i="1"/>
+                                <m:t>𝐵</m:t>
+                              </m:r>
+                            </m:sub>
+                          </m:sSub>
+                        </m:e>
+                      </m:func>
+                      <m:r>
+                        <a:rPr lang="fr-FR" i="1"/>
+                        <m:t>)=</m:t>
+                      </m:r>
+                      <m:func>
+                        <m:funcPr>
+                          <m:ctrlPr>
+                            <a:rPr lang="fr-FR" i="1"/>
+                          </m:ctrlPr>
+                        </m:funcPr>
+                        <m:fName>
+                          <m:r>
+                            <m:rPr>
+                              <m:sty m:val="p"/>
+                            </m:rPr>
+                            <a:rPr lang="fr-FR"/>
+                            <m:t>cos</m:t>
+                          </m:r>
+                        </m:fName>
+                        <m:e>
+                          <m:r>
+                            <a:rPr lang="fr-FR" i="1"/>
+                            <m:t>(</m:t>
+                          </m:r>
+                          <m:sSub>
+                            <m:sSubPr>
+                              <m:ctrlPr>
+                                <a:rPr lang="fr-FR" i="1"/>
+                              </m:ctrlPr>
+                            </m:sSubPr>
+                            <m:e>
+                              <m:r>
+                                <a:rPr lang="fr-FR" i="1"/>
+                                <m:t>𝜑</m:t>
+                              </m:r>
+                            </m:e>
+                            <m:sub>
+                              <m:r>
+                                <a:rPr lang="fr-FR" i="1"/>
+                                <m:t>𝐵</m:t>
+                              </m:r>
+                            </m:sub>
+                          </m:sSub>
+                          <m:r>
+                            <a:rPr lang="fr-FR" i="1"/>
+                            <m:t>)</m:t>
+                          </m:r>
+                        </m:e>
+                      </m:func>
+                    </m:oMath>
+                  </m:oMathPara>
+                </a14:m>
+                <a:endParaRPr lang="fr-FR" dirty="0"/>
+              </a:p>
+              <a:p>
+                <a:pPr marL="0" indent="0">
+                  <a:buNone/>
+                </a:pPr>
+                <a:r>
+                  <a:rPr lang="fr-FR" dirty="0"/>
+                  <a:t>Donc :</a:t>
+                </a:r>
+              </a:p>
+              <a:p>
+                <a:pPr marL="0" indent="0">
+                  <a:buNone/>
+                </a:pPr>
+                <a14:m>
+                  <m:oMathPara xmlns:m="http://schemas.openxmlformats.org/officeDocument/2006/math">
+                    <m:oMathParaPr>
+                      <m:jc m:val="centerGroup"/>
+                    </m:oMathParaPr>
+                    <m:oMath xmlns:m="http://schemas.openxmlformats.org/officeDocument/2006/math">
+                      <m:f>
+                        <m:fPr>
+                          <m:ctrlPr>
+                            <a:rPr lang="fr-FR" i="1"/>
+                          </m:ctrlPr>
+                        </m:fPr>
+                        <m:num>
+                          <m:func>
+                            <m:funcPr>
+                              <m:ctrlPr>
+                                <a:rPr lang="fr-FR" i="1"/>
+                              </m:ctrlPr>
+                            </m:funcPr>
+                            <m:fName>
+                              <m:r>
+                                <m:rPr>
+                                  <m:sty m:val="p"/>
+                                </m:rPr>
+                                <a:rPr lang="fr-FR"/>
+                                <m:t>sin</m:t>
+                              </m:r>
+                            </m:fName>
+                            <m:e>
+                              <m:r>
+                                <a:rPr lang="fr-FR" i="1"/>
+                                <m:t>(</m:t>
+                              </m:r>
+                              <m:r>
+                                <a:rPr lang="fr-FR" i="1"/>
+                                <m:t>𝐴𝐵</m:t>
+                              </m:r>
+                              <m:r>
+                                <a:rPr lang="fr-FR" i="1"/>
+                                <m:t>)</m:t>
+                              </m:r>
+                            </m:e>
+                          </m:func>
+                        </m:num>
+                        <m:den>
+                          <m:func>
+                            <m:funcPr>
+                              <m:ctrlPr>
+                                <a:rPr lang="fr-FR" i="1"/>
+                              </m:ctrlPr>
+                            </m:funcPr>
+                            <m:fName>
+                              <m:r>
+                                <m:rPr>
+                                  <m:sty m:val="p"/>
+                                </m:rPr>
+                                <a:rPr lang="fr-FR"/>
+                                <m:t>sin</m:t>
+                              </m:r>
+                            </m:fName>
+                            <m:e>
+                              <m:r>
+                                <a:rPr lang="fr-FR" i="1"/>
+                                <m:t>(</m:t>
+                              </m:r>
+                              <m:sSub>
+                                <m:sSubPr>
+                                  <m:ctrlPr>
+                                    <a:rPr lang="fr-FR" i="1"/>
+                                  </m:ctrlPr>
+                                </m:sSubPr>
+                                <m:e>
+                                  <m:r>
+                                    <a:rPr lang="fr-FR" i="1"/>
+                                    <m:t>𝛾</m:t>
+                                  </m:r>
+                                </m:e>
+                                <m:sub>
+                                  <m:r>
+                                    <a:rPr lang="fr-FR" i="1"/>
+                                    <m:t>𝐵</m:t>
+                                  </m:r>
+                                </m:sub>
+                              </m:sSub>
+                              <m:r>
+                                <a:rPr lang="fr-FR" i="1"/>
+                                <m:t>−</m:t>
+                              </m:r>
+                              <m:sSub>
+                                <m:sSubPr>
+                                  <m:ctrlPr>
+                                    <a:rPr lang="fr-FR" i="1"/>
+                                  </m:ctrlPr>
+                                </m:sSubPr>
+                                <m:e>
+                                  <m:r>
+                                    <a:rPr lang="fr-FR" i="1"/>
+                                    <m:t>𝛾</m:t>
+                                  </m:r>
+                                </m:e>
+                                <m:sub>
+                                  <m:r>
+                                    <a:rPr lang="fr-FR" i="1"/>
+                                    <m:t>𝐴</m:t>
+                                  </m:r>
+                                </m:sub>
+                              </m:sSub>
+                              <m:r>
+                                <a:rPr lang="fr-FR" i="1"/>
+                                <m:t>)</m:t>
+                              </m:r>
+                            </m:e>
+                          </m:func>
+                        </m:den>
+                      </m:f>
+                      <m:r>
+                        <a:rPr lang="fr-FR" i="1"/>
+                        <m:t>=</m:t>
+                      </m:r>
+                      <m:f>
+                        <m:fPr>
+                          <m:ctrlPr>
+                            <a:rPr lang="fr-FR" i="1"/>
+                          </m:ctrlPr>
+                        </m:fPr>
+                        <m:num>
+                          <m:func>
+                            <m:funcPr>
+                              <m:ctrlPr>
+                                <a:rPr lang="fr-FR" i="1"/>
+                              </m:ctrlPr>
+                            </m:funcPr>
+                            <m:fName>
+                              <m:r>
+                                <m:rPr>
+                                  <m:sty m:val="p"/>
+                                </m:rPr>
+                                <a:rPr lang="fr-FR"/>
+                                <m:t>cos</m:t>
+                              </m:r>
+                            </m:fName>
+                            <m:e>
+                              <m:r>
+                                <a:rPr lang="fr-FR" i="1"/>
+                                <m:t>(</m:t>
+                              </m:r>
+                              <m:sSub>
+                                <m:sSubPr>
+                                  <m:ctrlPr>
+                                    <a:rPr lang="fr-FR" i="1"/>
+                                  </m:ctrlPr>
+                                </m:sSubPr>
+                                <m:e>
+                                  <m:r>
+                                    <a:rPr lang="fr-FR" i="1"/>
+                                    <m:t>𝜑</m:t>
+                                  </m:r>
+                                </m:e>
+                                <m:sub>
+                                  <m:r>
+                                    <a:rPr lang="fr-FR" i="1"/>
+                                    <m:t>𝐵</m:t>
+                                  </m:r>
+                                </m:sub>
+                              </m:sSub>
+                              <m:r>
+                                <a:rPr lang="fr-FR" i="1"/>
+                                <m:t>)</m:t>
+                              </m:r>
+                            </m:e>
+                          </m:func>
+                        </m:num>
+                        <m:den>
+                          <m:func>
+                            <m:funcPr>
+                              <m:ctrlPr>
+                                <a:rPr lang="fr-FR" i="1"/>
+                              </m:ctrlPr>
+                            </m:funcPr>
+                            <m:fName>
+                              <m:r>
+                                <m:rPr>
+                                  <m:sty m:val="p"/>
+                                </m:rPr>
+                                <a:rPr lang="fr-FR"/>
+                                <m:t>sin</m:t>
+                              </m:r>
+                            </m:fName>
+                            <m:e>
+                              <m:r>
+                                <a:rPr lang="fr-FR" i="1"/>
+                                <m:t>(</m:t>
+                              </m:r>
+                              <m:sSub>
+                                <m:sSubPr>
+                                  <m:ctrlPr>
+                                    <a:rPr lang="fr-FR" i="1"/>
+                                  </m:ctrlPr>
+                                </m:sSubPr>
+                                <m:e>
+                                  <m:r>
+                                    <a:rPr lang="fr-FR" i="1"/>
+                                    <m:t>𝑅</m:t>
+                                  </m:r>
+                                </m:e>
+                                <m:sub>
+                                  <m:r>
+                                    <a:rPr lang="fr-FR" i="1"/>
+                                    <m:t>0</m:t>
+                                  </m:r>
+                                </m:sub>
+                              </m:sSub>
+                              <m:r>
+                                <a:rPr lang="fr-FR" i="1"/>
+                                <m:t>)</m:t>
+                              </m:r>
+                            </m:e>
+                          </m:func>
+                        </m:den>
+                      </m:f>
+                    </m:oMath>
+                  </m:oMathPara>
+                </a14:m>
+                <a:endParaRPr lang="fr-FR" dirty="0"/>
+              </a:p>
+              <a:p>
+                <a:pPr marL="0" indent="0">
+                  <a:buNone/>
+                </a:pPr>
+                <a:r>
+                  <a:rPr lang="fr-FR" dirty="0"/>
+                  <a:t>Qui donne part la suite :</a:t>
+                </a:r>
+              </a:p>
+              <a:p>
+                <a:pPr marL="0" indent="0">
+                  <a:buNone/>
+                </a:pPr>
+                <a14:m>
+                  <m:oMathPara xmlns:m="http://schemas.openxmlformats.org/officeDocument/2006/math">
+                    <m:oMathParaPr>
+                      <m:jc m:val="centerGroup"/>
+                    </m:oMathParaPr>
+                    <m:oMath xmlns:m="http://schemas.openxmlformats.org/officeDocument/2006/math">
+                      <m:func>
+                        <m:funcPr>
+                          <m:ctrlPr>
+                            <a:rPr lang="fr-FR" i="1"/>
+                          </m:ctrlPr>
+                        </m:funcPr>
+                        <m:fName>
+                          <m:r>
+                            <m:rPr>
+                              <m:sty m:val="p"/>
+                            </m:rPr>
+                            <a:rPr lang="fr-FR"/>
+                            <m:t>sin</m:t>
+                          </m:r>
+                        </m:fName>
+                        <m:e>
+                          <m:d>
+                            <m:dPr>
+                              <m:ctrlPr>
+                                <a:rPr lang="fr-FR" i="1"/>
+                              </m:ctrlPr>
+                            </m:dPr>
+                            <m:e>
+                              <m:sSub>
+                                <m:sSubPr>
+                                  <m:ctrlPr>
+                                    <a:rPr lang="fr-FR" i="1"/>
+                                  </m:ctrlPr>
+                                </m:sSubPr>
+                                <m:e>
+                                  <m:r>
+                                    <a:rPr lang="fr-FR" i="1"/>
+                                    <m:t>𝑅</m:t>
+                                  </m:r>
+                                </m:e>
+                                <m:sub>
+                                  <m:r>
+                                    <a:rPr lang="fr-FR" i="1"/>
+                                    <m:t>0</m:t>
+                                  </m:r>
+                                </m:sub>
+                              </m:sSub>
+                            </m:e>
+                          </m:d>
+                          <m:r>
+                            <a:rPr lang="fr-FR" i="1"/>
+                            <m:t>=</m:t>
+                          </m:r>
+                          <m:f>
+                            <m:fPr>
+                              <m:ctrlPr>
+                                <a:rPr lang="fr-FR" i="1"/>
+                              </m:ctrlPr>
+                            </m:fPr>
+                            <m:num>
+                              <m:func>
+                                <m:funcPr>
+                                  <m:ctrlPr>
+                                    <a:rPr lang="fr-FR" i="1"/>
+                                  </m:ctrlPr>
+                                </m:funcPr>
+                                <m:fName>
+                                  <m:r>
+                                    <m:rPr>
+                                      <m:sty m:val="p"/>
+                                    </m:rPr>
+                                    <a:rPr lang="fr-FR"/>
+                                    <m:t>cos</m:t>
+                                  </m:r>
+                                </m:fName>
+                                <m:e>
+                                  <m:d>
+                                    <m:dPr>
+                                      <m:ctrlPr>
+                                        <a:rPr lang="fr-FR" i="1"/>
+                                      </m:ctrlPr>
+                                    </m:dPr>
+                                    <m:e>
+                                      <m:sSub>
+                                        <m:sSubPr>
+                                          <m:ctrlPr>
+                                            <a:rPr lang="fr-FR" i="1"/>
+                                          </m:ctrlPr>
+                                        </m:sSubPr>
+                                        <m:e>
+                                          <m:r>
+                                            <a:rPr lang="fr-FR" i="1"/>
+                                            <m:t>𝜑</m:t>
+                                          </m:r>
+                                        </m:e>
+                                        <m:sub>
+                                          <m:r>
+                                            <a:rPr lang="fr-FR" i="1"/>
+                                            <m:t>𝐵</m:t>
+                                          </m:r>
+                                        </m:sub>
+                                      </m:sSub>
+                                    </m:e>
+                                  </m:d>
+                                  <m:func>
+                                    <m:funcPr>
+                                      <m:ctrlPr>
+                                        <a:rPr lang="fr-FR" i="1"/>
+                                      </m:ctrlPr>
+                                    </m:funcPr>
+                                    <m:fName>
+                                      <m:r>
+                                        <m:rPr>
+                                          <m:sty m:val="p"/>
+                                        </m:rPr>
+                                        <a:rPr lang="fr-FR"/>
+                                        <m:t>sin</m:t>
+                                      </m:r>
+                                    </m:fName>
+                                    <m:e>
+                                      <m:r>
+                                        <a:rPr lang="fr-FR" i="1"/>
+                                        <m:t>(</m:t>
+                                      </m:r>
+                                      <m:sSub>
+                                        <m:sSubPr>
+                                          <m:ctrlPr>
+                                            <a:rPr lang="fr-FR" i="1"/>
+                                          </m:ctrlPr>
+                                        </m:sSubPr>
+                                        <m:e>
+                                          <m:r>
+                                            <a:rPr lang="fr-FR" i="1"/>
+                                            <m:t>𝛾</m:t>
+                                          </m:r>
+                                        </m:e>
+                                        <m:sub>
+                                          <m:r>
+                                            <a:rPr lang="fr-FR" i="1"/>
+                                            <m:t>𝐴</m:t>
+                                          </m:r>
+                                        </m:sub>
+                                      </m:sSub>
+                                      <m:r>
+                                        <a:rPr lang="fr-FR" i="1"/>
+                                        <m:t>−</m:t>
+                                      </m:r>
+                                      <m:sSub>
+                                        <m:sSubPr>
+                                          <m:ctrlPr>
+                                            <a:rPr lang="fr-FR" i="1"/>
+                                          </m:ctrlPr>
+                                        </m:sSubPr>
+                                        <m:e>
+                                          <m:r>
+                                            <a:rPr lang="fr-FR" i="1"/>
+                                            <m:t>𝛾</m:t>
+                                          </m:r>
+                                        </m:e>
+                                        <m:sub>
+                                          <m:r>
+                                            <a:rPr lang="fr-FR" i="1"/>
+                                            <m:t>𝐵</m:t>
+                                          </m:r>
+                                        </m:sub>
+                                      </m:sSub>
+                                      <m:r>
+                                        <a:rPr lang="fr-FR" i="1"/>
+                                        <m:t>)</m:t>
+                                      </m:r>
+                                    </m:e>
+                                  </m:func>
+                                </m:e>
+                              </m:func>
+                            </m:num>
+                            <m:den>
+                              <m:func>
+                                <m:funcPr>
+                                  <m:ctrlPr>
+                                    <a:rPr lang="fr-FR" i="1"/>
+                                  </m:ctrlPr>
+                                </m:funcPr>
+                                <m:fName>
+                                  <m:r>
+                                    <m:rPr>
+                                      <m:sty m:val="p"/>
+                                    </m:rPr>
+                                    <a:rPr lang="fr-FR"/>
+                                    <m:t>sin</m:t>
+                                  </m:r>
+                                </m:fName>
+                                <m:e>
+                                  <m:r>
+                                    <a:rPr lang="fr-FR" i="1"/>
+                                    <m:t>(</m:t>
+                                  </m:r>
+                                  <m:r>
+                                    <a:rPr lang="fr-FR" i="1"/>
+                                    <m:t>𝐴𝐵</m:t>
+                                  </m:r>
+                                  <m:r>
+                                    <a:rPr lang="fr-FR" i="1"/>
+                                    <m:t>)</m:t>
+                                  </m:r>
+                                </m:e>
+                              </m:func>
+                            </m:den>
+                          </m:f>
+                        </m:e>
+                      </m:func>
+                    </m:oMath>
+                  </m:oMathPara>
+                </a14:m>
+                <a:endParaRPr lang="fr-FR" dirty="0"/>
+              </a:p>
+              <a:p>
+                <a:pPr marL="0" indent="0">
+                  <a:buNone/>
+                </a:pPr>
+                <a:endParaRPr lang="fr-FR" dirty="0"/>
+              </a:p>
+              <a:p>
+                <a:endParaRPr lang="fr-FR" dirty="0"/>
+              </a:p>
+            </p:txBody>
+          </p:sp>
+        </mc:Choice>
+        <mc:Fallback>
+          <p:sp>
+            <p:nvSpPr>
+              <p:cNvPr id="3" name="Espace réservé du contenu 2">
+                <a:extLst>
+                  <a:ext uri="{FF2B5EF4-FFF2-40B4-BE49-F238E27FC236}">
+                    <a16:creationId xmlns:a16="http://schemas.microsoft.com/office/drawing/2014/main" id="{D4653717-C589-4BAE-8397-EC369364860C}"/>
+                  </a:ext>
+                </a:extLst>
+              </p:cNvPr>
+              <p:cNvSpPr>
+                <a:spLocks noGrp="1" noRot="1" noChangeAspect="1" noMove="1" noResize="1" noEditPoints="1" noAdjustHandles="1" noChangeArrowheads="1" noChangeShapeType="1" noTextEdit="1"/>
+              </p:cNvSpPr>
+              <p:nvPr>
+                <p:ph idx="1"/>
+              </p:nvPr>
+            </p:nvSpPr>
+            <p:spPr>
+              <a:xfrm>
+                <a:off x="7233138" y="603738"/>
+                <a:ext cx="3974124" cy="5650524"/>
+              </a:xfrm>
+              <a:blipFill>
+                <a:blip r:embed="rId3"/>
+                <a:stretch>
+                  <a:fillRect l="-1997"/>
+                </a:stretch>
+              </a:blipFill>
+            </p:spPr>
+            <p:txBody>
+              <a:bodyPr/>
+              <a:lstStyle/>
+              <a:p>
+                <a:r>
+                  <a:rPr lang="fr-FR">
+                    <a:noFill/>
+                  </a:rPr>
+                  <a:t> </a:t>
+                </a:r>
+              </a:p>
+            </p:txBody>
+          </p:sp>
+        </mc:Fallback>
+      </mc:AlternateContent>
+      <mc:AlternateContent xmlns:mc="http://schemas.openxmlformats.org/markup-compatibility/2006">
+        <mc:Choice xmlns:a14="http://schemas.microsoft.com/office/drawing/2010/main" Requires="a14">
+          <p:sp>
+            <p:nvSpPr>
+              <p:cNvPr id="4" name="Rectangle 3">
+                <a:extLst>
+                  <a:ext uri="{FF2B5EF4-FFF2-40B4-BE49-F238E27FC236}">
+                    <a16:creationId xmlns:a16="http://schemas.microsoft.com/office/drawing/2014/main" id="{76A499B0-2E0B-4B2E-97B7-083AFF7070C7}"/>
+                  </a:ext>
+                </a:extLst>
+              </p:cNvPr>
+              <p:cNvSpPr/>
+              <p:nvPr/>
+            </p:nvSpPr>
+            <p:spPr>
+              <a:xfrm>
+                <a:off x="1453662" y="928922"/>
+                <a:ext cx="5685692" cy="1690271"/>
+              </a:xfrm>
+              <a:prstGeom prst="rect">
+                <a:avLst/>
+              </a:prstGeom>
+            </p:spPr>
+            <p:txBody>
+              <a:bodyPr wrap="square">
+                <a:spAutoFit/>
+              </a:bodyPr>
+              <a:lstStyle/>
+              <a:p>
+                <a:r>
+                  <a:rPr lang="fr-FR" sz="2400" dirty="0">
+                    <a:solidFill>
+                      <a:srgbClr val="282525"/>
+                    </a:solidFill>
+                    <a:latin typeface="Times New Roman" panose="02020603050405020304" pitchFamily="18" charset="0"/>
+                    <a:ea typeface="Times New Roman" panose="02020603050405020304" pitchFamily="18" charset="0"/>
+                  </a:rPr>
+                  <a:t>Donc dans ce triangle l’angle en A est ce que l’on cherche (</a:t>
+                </a:r>
+                <a14:m>
+                  <m:oMath xmlns:m="http://schemas.openxmlformats.org/officeDocument/2006/math">
+                    <m:sSub>
+                      <m:sSubPr>
+                        <m:ctrlPr>
+                          <a:rPr lang="fr-FR" sz="2400" i="1">
+                            <a:solidFill>
+                              <a:srgbClr val="282525"/>
+                            </a:solidFill>
+                            <a:effectLst/>
+                            <a:latin typeface="Cambria Math" panose="02040503050406030204" pitchFamily="18" charset="0"/>
+                            <a:ea typeface="Times New Roman" panose="02020603050405020304" pitchFamily="18" charset="0"/>
+                            <a:cs typeface="Times New Roman" panose="02020603050405020304" pitchFamily="18" charset="0"/>
+                          </a:rPr>
+                        </m:ctrlPr>
+                      </m:sSubPr>
+                      <m:e>
+                        <m:r>
+                          <a:rPr lang="fr-FR" sz="2400" i="1">
+                            <a:solidFill>
+                              <a:srgbClr val="282525"/>
+                            </a:solidFill>
+                            <a:effectLst/>
+                            <a:latin typeface="Cambria Math" panose="02040503050406030204" pitchFamily="18" charset="0"/>
+                            <a:ea typeface="Times New Roman" panose="02020603050405020304" pitchFamily="18" charset="0"/>
+                            <a:cs typeface="Times New Roman" panose="02020603050405020304" pitchFamily="18" charset="0"/>
+                          </a:rPr>
+                          <m:t>𝑅</m:t>
+                        </m:r>
+                      </m:e>
+                      <m:sub>
+                        <m:r>
+                          <a:rPr lang="fr-FR" sz="2400" i="1">
+                            <a:solidFill>
+                              <a:srgbClr val="282525"/>
+                            </a:solidFill>
+                            <a:effectLst/>
+                            <a:latin typeface="Cambria Math" panose="02040503050406030204" pitchFamily="18" charset="0"/>
+                            <a:ea typeface="Times New Roman" panose="02020603050405020304" pitchFamily="18" charset="0"/>
+                            <a:cs typeface="Times New Roman" panose="02020603050405020304" pitchFamily="18" charset="0"/>
+                          </a:rPr>
+                          <m:t>0</m:t>
+                        </m:r>
+                      </m:sub>
+                    </m:sSub>
+                  </m:oMath>
+                </a14:m>
+                <a:r>
+                  <a:rPr lang="fr-FR" sz="2400" dirty="0">
+                    <a:solidFill>
+                      <a:srgbClr val="282525"/>
+                    </a:solidFill>
+                    <a:effectLst/>
+                    <a:latin typeface="Times New Roman" panose="02020603050405020304" pitchFamily="18" charset="0"/>
+                    <a:ea typeface="Times New Roman" panose="02020603050405020304" pitchFamily="18" charset="0"/>
+                  </a:rPr>
+                  <a:t>), l’arc qui lui est opposée est l’arc BN, </a:t>
+                </a:r>
+                <a14:m>
+                  <m:oMath xmlns:m="http://schemas.openxmlformats.org/officeDocument/2006/math">
+                    <m:r>
+                      <a:rPr lang="fr-FR" sz="2400" i="1">
+                        <a:solidFill>
+                          <a:srgbClr val="282525"/>
+                        </a:solidFill>
+                        <a:effectLst/>
+                        <a:latin typeface="Cambria Math" panose="02040503050406030204" pitchFamily="18" charset="0"/>
+                        <a:ea typeface="Times New Roman" panose="02020603050405020304" pitchFamily="18" charset="0"/>
+                        <a:cs typeface="Times New Roman" panose="02020603050405020304" pitchFamily="18" charset="0"/>
+                      </a:rPr>
+                      <m:t>𝐵𝑁</m:t>
+                    </m:r>
+                    <m:r>
+                      <a:rPr lang="fr-FR" sz="2400" i="1">
+                        <a:solidFill>
+                          <a:srgbClr val="282525"/>
+                        </a:solidFill>
+                        <a:effectLst/>
+                        <a:latin typeface="Cambria Math" panose="02040503050406030204" pitchFamily="18" charset="0"/>
+                        <a:ea typeface="Times New Roman" panose="02020603050405020304" pitchFamily="18" charset="0"/>
+                        <a:cs typeface="Times New Roman" panose="02020603050405020304" pitchFamily="18" charset="0"/>
+                      </a:rPr>
+                      <m:t>=</m:t>
+                    </m:r>
+                    <m:f>
+                      <m:fPr>
+                        <m:ctrlPr>
+                          <a:rPr lang="fr-FR" sz="2400" i="1">
+                            <a:solidFill>
+                              <a:srgbClr val="282525"/>
+                            </a:solidFill>
+                            <a:effectLst/>
+                            <a:latin typeface="Cambria Math" panose="02040503050406030204" pitchFamily="18" charset="0"/>
+                            <a:ea typeface="Times New Roman" panose="02020603050405020304" pitchFamily="18" charset="0"/>
+                            <a:cs typeface="Times New Roman" panose="02020603050405020304" pitchFamily="18" charset="0"/>
+                          </a:rPr>
+                        </m:ctrlPr>
+                      </m:fPr>
+                      <m:num>
+                        <m:r>
+                          <a:rPr lang="fr-FR" sz="2400" i="1">
+                            <a:solidFill>
+                              <a:srgbClr val="282525"/>
+                            </a:solidFill>
+                            <a:effectLst/>
+                            <a:latin typeface="Cambria Math" panose="02040503050406030204" pitchFamily="18" charset="0"/>
+                            <a:ea typeface="Times New Roman" panose="02020603050405020304" pitchFamily="18" charset="0"/>
+                            <a:cs typeface="Times New Roman" panose="02020603050405020304" pitchFamily="18" charset="0"/>
+                          </a:rPr>
+                          <m:t>𝜋</m:t>
+                        </m:r>
+                      </m:num>
+                      <m:den>
+                        <m:r>
+                          <a:rPr lang="fr-FR" sz="2400" i="1">
+                            <a:solidFill>
+                              <a:srgbClr val="282525"/>
+                            </a:solidFill>
+                            <a:effectLst/>
+                            <a:latin typeface="Cambria Math" panose="02040503050406030204" pitchFamily="18" charset="0"/>
+                            <a:ea typeface="Times New Roman" panose="02020603050405020304" pitchFamily="18" charset="0"/>
+                            <a:cs typeface="Times New Roman" panose="02020603050405020304" pitchFamily="18" charset="0"/>
+                          </a:rPr>
+                          <m:t>2</m:t>
+                        </m:r>
+                      </m:den>
+                    </m:f>
+                    <m:r>
+                      <a:rPr lang="fr-FR" sz="2400" i="1">
+                        <a:solidFill>
+                          <a:srgbClr val="282525"/>
+                        </a:solidFill>
+                        <a:effectLst/>
+                        <a:latin typeface="Cambria Math" panose="02040503050406030204" pitchFamily="18" charset="0"/>
+                        <a:ea typeface="Times New Roman" panose="02020603050405020304" pitchFamily="18" charset="0"/>
+                        <a:cs typeface="Times New Roman" panose="02020603050405020304" pitchFamily="18" charset="0"/>
+                      </a:rPr>
+                      <m:t>−</m:t>
+                    </m:r>
+                    <m:sSub>
+                      <m:sSubPr>
+                        <m:ctrlPr>
+                          <a:rPr lang="fr-FR" sz="2400" i="1">
+                            <a:solidFill>
+                              <a:srgbClr val="282525"/>
+                            </a:solidFill>
+                            <a:effectLst/>
+                            <a:latin typeface="Cambria Math" panose="02040503050406030204" pitchFamily="18" charset="0"/>
+                            <a:ea typeface="Times New Roman" panose="02020603050405020304" pitchFamily="18" charset="0"/>
+                            <a:cs typeface="Times New Roman" panose="02020603050405020304" pitchFamily="18" charset="0"/>
+                          </a:rPr>
+                        </m:ctrlPr>
+                      </m:sSubPr>
+                      <m:e>
+                        <m:r>
+                          <a:rPr lang="fr-FR" sz="2400" i="1">
+                            <a:solidFill>
+                              <a:srgbClr val="282525"/>
+                            </a:solidFill>
+                            <a:effectLst/>
+                            <a:latin typeface="Cambria Math" panose="02040503050406030204" pitchFamily="18" charset="0"/>
+                            <a:ea typeface="Times New Roman" panose="02020603050405020304" pitchFamily="18" charset="0"/>
+                            <a:cs typeface="Times New Roman" panose="02020603050405020304" pitchFamily="18" charset="0"/>
+                          </a:rPr>
+                          <m:t>𝜑</m:t>
+                        </m:r>
+                      </m:e>
+                      <m:sub>
+                        <m:r>
+                          <a:rPr lang="fr-FR" sz="2400" i="1">
+                            <a:solidFill>
+                              <a:srgbClr val="282525"/>
+                            </a:solidFill>
+                            <a:effectLst/>
+                            <a:latin typeface="Cambria Math" panose="02040503050406030204" pitchFamily="18" charset="0"/>
+                            <a:ea typeface="Times New Roman" panose="02020603050405020304" pitchFamily="18" charset="0"/>
+                            <a:cs typeface="Times New Roman" panose="02020603050405020304" pitchFamily="18" charset="0"/>
+                          </a:rPr>
+                          <m:t>𝐵</m:t>
+                        </m:r>
+                      </m:sub>
+                    </m:sSub>
+                  </m:oMath>
+                </a14:m>
+                <a:r>
+                  <a:rPr lang="fr-FR" sz="2400" dirty="0">
+                    <a:solidFill>
+                      <a:srgbClr val="282525"/>
+                    </a:solidFill>
+                    <a:effectLst/>
+                    <a:latin typeface="Times New Roman" panose="02020603050405020304" pitchFamily="18" charset="0"/>
+                    <a:ea typeface="Times New Roman" panose="02020603050405020304" pitchFamily="18" charset="0"/>
+                  </a:rPr>
+                  <a:t> et l’angle au pôle est </a:t>
+                </a:r>
+                <a14:m>
+                  <m:oMath xmlns:m="http://schemas.openxmlformats.org/officeDocument/2006/math">
+                    <m:sSub>
+                      <m:sSubPr>
+                        <m:ctrlPr>
+                          <a:rPr lang="fr-FR" sz="2400" i="1">
+                            <a:solidFill>
+                              <a:srgbClr val="282525"/>
+                            </a:solidFill>
+                            <a:effectLst/>
+                            <a:latin typeface="Cambria Math" panose="02040503050406030204" pitchFamily="18" charset="0"/>
+                            <a:ea typeface="Times New Roman" panose="02020603050405020304" pitchFamily="18" charset="0"/>
+                            <a:cs typeface="Times New Roman" panose="02020603050405020304" pitchFamily="18" charset="0"/>
+                          </a:rPr>
+                        </m:ctrlPr>
+                      </m:sSubPr>
+                      <m:e>
+                        <m:r>
+                          <a:rPr lang="fr-FR" sz="2400" i="1">
+                            <a:solidFill>
+                              <a:srgbClr val="282525"/>
+                            </a:solidFill>
+                            <a:effectLst/>
+                            <a:latin typeface="Cambria Math" panose="02040503050406030204" pitchFamily="18" charset="0"/>
+                            <a:ea typeface="Times New Roman" panose="02020603050405020304" pitchFamily="18" charset="0"/>
+                            <a:cs typeface="Times New Roman" panose="02020603050405020304" pitchFamily="18" charset="0"/>
+                          </a:rPr>
+                          <m:t>𝛾</m:t>
+                        </m:r>
+                      </m:e>
+                      <m:sub>
+                        <m:r>
+                          <a:rPr lang="fr-FR" sz="2400" i="1">
+                            <a:solidFill>
+                              <a:srgbClr val="282525"/>
+                            </a:solidFill>
+                            <a:effectLst/>
+                            <a:latin typeface="Cambria Math" panose="02040503050406030204" pitchFamily="18" charset="0"/>
+                            <a:ea typeface="Times New Roman" panose="02020603050405020304" pitchFamily="18" charset="0"/>
+                            <a:cs typeface="Times New Roman" panose="02020603050405020304" pitchFamily="18" charset="0"/>
+                          </a:rPr>
+                          <m:t>𝐵</m:t>
+                        </m:r>
+                      </m:sub>
+                    </m:sSub>
+                    <m:r>
+                      <a:rPr lang="fr-FR" sz="2400" i="1">
+                        <a:solidFill>
+                          <a:srgbClr val="282525"/>
+                        </a:solidFill>
+                        <a:effectLst/>
+                        <a:latin typeface="Cambria Math" panose="02040503050406030204" pitchFamily="18" charset="0"/>
+                        <a:ea typeface="Times New Roman" panose="02020603050405020304" pitchFamily="18" charset="0"/>
+                        <a:cs typeface="Times New Roman" panose="02020603050405020304" pitchFamily="18" charset="0"/>
+                      </a:rPr>
+                      <m:t>− </m:t>
+                    </m:r>
+                    <m:sSub>
+                      <m:sSubPr>
+                        <m:ctrlPr>
+                          <a:rPr lang="fr-FR" sz="2400" i="1">
+                            <a:solidFill>
+                              <a:srgbClr val="282525"/>
+                            </a:solidFill>
+                            <a:effectLst/>
+                            <a:latin typeface="Cambria Math" panose="02040503050406030204" pitchFamily="18" charset="0"/>
+                            <a:ea typeface="Times New Roman" panose="02020603050405020304" pitchFamily="18" charset="0"/>
+                            <a:cs typeface="Times New Roman" panose="02020603050405020304" pitchFamily="18" charset="0"/>
+                          </a:rPr>
+                        </m:ctrlPr>
+                      </m:sSubPr>
+                      <m:e>
+                        <m:r>
+                          <a:rPr lang="fr-FR" sz="2400" i="1">
+                            <a:solidFill>
+                              <a:srgbClr val="282525"/>
+                            </a:solidFill>
+                            <a:effectLst/>
+                            <a:latin typeface="Cambria Math" panose="02040503050406030204" pitchFamily="18" charset="0"/>
+                            <a:ea typeface="Times New Roman" panose="02020603050405020304" pitchFamily="18" charset="0"/>
+                            <a:cs typeface="Times New Roman" panose="02020603050405020304" pitchFamily="18" charset="0"/>
+                          </a:rPr>
+                          <m:t>𝛾</m:t>
+                        </m:r>
+                      </m:e>
+                      <m:sub>
+                        <m:r>
+                          <a:rPr lang="fr-FR" sz="2400" i="1">
+                            <a:solidFill>
+                              <a:srgbClr val="282525"/>
+                            </a:solidFill>
+                            <a:effectLst/>
+                            <a:latin typeface="Cambria Math" panose="02040503050406030204" pitchFamily="18" charset="0"/>
+                            <a:ea typeface="Times New Roman" panose="02020603050405020304" pitchFamily="18" charset="0"/>
+                            <a:cs typeface="Times New Roman" panose="02020603050405020304" pitchFamily="18" charset="0"/>
+                          </a:rPr>
+                          <m:t>𝐴</m:t>
+                        </m:r>
+                      </m:sub>
+                    </m:sSub>
+                  </m:oMath>
+                </a14:m>
+                <a:r>
+                  <a:rPr lang="fr-FR" sz="2400" dirty="0">
+                    <a:solidFill>
+                      <a:srgbClr val="282525"/>
+                    </a:solidFill>
+                    <a:effectLst/>
+                    <a:latin typeface="Times New Roman" panose="02020603050405020304" pitchFamily="18" charset="0"/>
+                    <a:ea typeface="Times New Roman" panose="02020603050405020304" pitchFamily="18" charset="0"/>
+                  </a:rPr>
+                  <a:t> on obtient donc :</a:t>
+                </a:r>
+                <a:endParaRPr lang="fr-FR" sz="2400" dirty="0"/>
+              </a:p>
+            </p:txBody>
+          </p:sp>
+        </mc:Choice>
+        <mc:Fallback>
+          <p:sp>
+            <p:nvSpPr>
+              <p:cNvPr id="4" name="Rectangle 3">
+                <a:extLst>
+                  <a:ext uri="{FF2B5EF4-FFF2-40B4-BE49-F238E27FC236}">
+                    <a16:creationId xmlns:a16="http://schemas.microsoft.com/office/drawing/2014/main" id="{76A499B0-2E0B-4B2E-97B7-083AFF7070C7}"/>
+                  </a:ext>
+                </a:extLst>
+              </p:cNvPr>
+              <p:cNvSpPr>
+                <a:spLocks noRot="1" noChangeAspect="1" noMove="1" noResize="1" noEditPoints="1" noAdjustHandles="1" noChangeArrowheads="1" noChangeShapeType="1" noTextEdit="1"/>
+              </p:cNvSpPr>
+              <p:nvPr/>
+            </p:nvSpPr>
+            <p:spPr>
+              <a:xfrm>
+                <a:off x="1453662" y="928922"/>
+                <a:ext cx="5685692" cy="1690271"/>
+              </a:xfrm>
+              <a:prstGeom prst="rect">
+                <a:avLst/>
+              </a:prstGeom>
+              <a:blipFill>
+                <a:blip r:embed="rId4"/>
+                <a:stretch>
+                  <a:fillRect l="-1608" t="-2878" r="-2465" b="-6835"/>
+                </a:stretch>
+              </a:blipFill>
+            </p:spPr>
+            <p:txBody>
+              <a:bodyPr/>
+              <a:lstStyle/>
+              <a:p>
+                <a:r>
+                  <a:rPr lang="fr-FR">
+                    <a:noFill/>
+                  </a:rPr>
+                  <a:t> </a:t>
+                </a:r>
+              </a:p>
+            </p:txBody>
+          </p:sp>
+        </mc:Fallback>
+      </mc:AlternateContent>
+      <p:cxnSp>
+        <p:nvCxnSpPr>
+          <p:cNvPr id="6" name="Connecteur droit 5">
+            <a:extLst>
+              <a:ext uri="{FF2B5EF4-FFF2-40B4-BE49-F238E27FC236}">
+                <a16:creationId xmlns:a16="http://schemas.microsoft.com/office/drawing/2014/main" id="{3EED14BA-3697-4032-82DB-C2CEE60B10B6}"/>
+              </a:ext>
+            </a:extLst>
+          </p:cNvPr>
+          <p:cNvCxnSpPr>
+            <a:cxnSpLocks/>
+          </p:cNvCxnSpPr>
+          <p:nvPr/>
+        </p:nvCxnSpPr>
+        <p:spPr>
+          <a:xfrm>
+            <a:off x="7139354" y="928922"/>
+            <a:ext cx="0" cy="4463693"/>
+          </a:xfrm>
+          <a:prstGeom prst="line">
+            <a:avLst/>
+          </a:prstGeom>
+          <a:ln>
+            <a:headEnd type="none" w="med" len="med"/>
+            <a:tailEnd type="none" w="med" len="med"/>
+          </a:ln>
+          <a:effectLst/>
+        </p:spPr>
+        <p:style>
+          <a:lnRef idx="3">
+            <a:schemeClr val="dk1"/>
+          </a:lnRef>
+          <a:fillRef idx="0">
+            <a:schemeClr val="dk1"/>
+          </a:fillRef>
+          <a:effectRef idx="2">
+            <a:schemeClr val="dk1"/>
+          </a:effectRef>
+          <a:fontRef idx="minor">
+            <a:schemeClr val="tx1"/>
+          </a:fontRef>
+        </p:style>
+      </p:cxnSp>
+    </p:spTree>
+    <p:extLst>
+      <p:ext uri="{BB962C8B-B14F-4D97-AF65-F5344CB8AC3E}">
+        <p14:creationId xmlns:p14="http://schemas.microsoft.com/office/powerpoint/2010/main" val="3658532820"/>
+      </p:ext>
+    </p:extLst>
+  </p:cSld>
+  <p:clrMapOvr>
+    <a:masterClrMapping/>
+  </p:clrMapOvr>
+</p:sld>
+</file>
+
 <file path=ppt/theme/theme1.xml><?xml version="1.0" encoding="utf-8"?>
 <a:theme xmlns:a="http://schemas.openxmlformats.org/drawingml/2006/main" name="Parallaxe">
   <a:themeElements>
@@ -6605,4 +10116,299 @@
     </a:ext>
   </a:extLst>
 </a:theme>
+</file>
+
+<file path=ppt/theme/theme2.xml><?xml version="1.0" encoding="utf-8"?>
+<a:theme xmlns:a="http://schemas.openxmlformats.org/drawingml/2006/main" name="Thème Office">
+  <a:themeElements>
+    <a:clrScheme name="Office">
+      <a:dk1>
+        <a:sysClr val="windowText" lastClr="000000"/>
+      </a:dk1>
+      <a:lt1>
+        <a:sysClr val="window" lastClr="FFFFFF"/>
+      </a:lt1>
+      <a:dk2>
+        <a:srgbClr val="44546A"/>
+      </a:dk2>
+      <a:lt2>
+        <a:srgbClr val="E7E6E6"/>
+      </a:lt2>
+      <a:accent1>
+        <a:srgbClr val="4472C4"/>
+      </a:accent1>
+      <a:accent2>
+        <a:srgbClr val="ED7D31"/>
+      </a:accent2>
+      <a:accent3>
+        <a:srgbClr val="A5A5A5"/>
+      </a:accent3>
+      <a:accent4>
+        <a:srgbClr val="FFC000"/>
+      </a:accent4>
+      <a:accent5>
+        <a:srgbClr val="5B9BD5"/>
+      </a:accent5>
+      <a:accent6>
+        <a:srgbClr val="70AD47"/>
+      </a:accent6>
+      <a:hlink>
+        <a:srgbClr val="0563C1"/>
+      </a:hlink>
+      <a:folHlink>
+        <a:srgbClr val="954F72"/>
+      </a:folHlink>
+    </a:clrScheme>
+    <a:fontScheme name="Office">
+      <a:majorFont>
+        <a:latin typeface="Calibri Light" panose="020F0302020204030204"/>
+        <a:ea typeface=""/>
+        <a:cs typeface=""/>
+        <a:font script="Jpan" typeface="游ゴシック Light"/>
+        <a:font script="Hang" typeface="맑은 고딕"/>
+        <a:font script="Hans" typeface="等线 Light"/>
+        <a:font script="Hant" typeface="新細明體"/>
+        <a:font script="Arab" typeface="Times New Roman"/>
+        <a:font script="Hebr" typeface="Times New Roman"/>
+        <a:font script="Thai" typeface="Angsana New"/>
+        <a:font script="Ethi" typeface="Nyala"/>
+        <a:font script="Beng" typeface="Vrinda"/>
+        <a:font script="Gujr" typeface="Shruti"/>
+        <a:font script="Khmr" typeface="MoolBoran"/>
+        <a:font script="Knda" typeface="Tunga"/>
+        <a:font script="Guru" typeface="Raavi"/>
+        <a:font script="Cans" typeface="Euphemia"/>
+        <a:font script="Cher" typeface="Plantagenet Cherokee"/>
+        <a:font script="Yiii" typeface="Microsoft Yi Baiti"/>
+        <a:font script="Tibt" typeface="Microsoft Himalaya"/>
+        <a:font script="Thaa" typeface="MV Boli"/>
+        <a:font script="Deva" typeface="Mangal"/>
+        <a:font script="Telu" typeface="Gautami"/>
+        <a:font script="Taml" typeface="Latha"/>
+        <a:font script="Syrc" typeface="Estrangelo Edessa"/>
+        <a:font script="Orya" typeface="Kalinga"/>
+        <a:font script="Mlym" typeface="Kartika"/>
+        <a:font script="Laoo" typeface="DokChampa"/>
+        <a:font script="Sinh" typeface="Iskoola Pota"/>
+        <a:font script="Mong" typeface="Mongolian Baiti"/>
+        <a:font script="Viet" typeface="Times New Roman"/>
+        <a:font script="Uigh" typeface="Microsoft Uighur"/>
+        <a:font script="Geor" typeface="Sylfaen"/>
+        <a:font script="Armn" typeface="Arial"/>
+        <a:font script="Bugi" typeface="Leelawadee UI"/>
+        <a:font script="Bopo" typeface="Microsoft JhengHei"/>
+        <a:font script="Java" typeface="Javanese Text"/>
+        <a:font script="Lisu" typeface="Segoe UI"/>
+        <a:font script="Mymr" typeface="Myanmar Text"/>
+        <a:font script="Nkoo" typeface="Ebrima"/>
+        <a:font script="Olck" typeface="Nirmala UI"/>
+        <a:font script="Osma" typeface="Ebrima"/>
+        <a:font script="Phag" typeface="Phagspa"/>
+        <a:font script="Syrn" typeface="Estrangelo Edessa"/>
+        <a:font script="Syrj" typeface="Estrangelo Edessa"/>
+        <a:font script="Syre" typeface="Estrangelo Edessa"/>
+        <a:font script="Sora" typeface="Nirmala UI"/>
+        <a:font script="Tale" typeface="Microsoft Tai Le"/>
+        <a:font script="Talu" typeface="Microsoft New Tai Lue"/>
+        <a:font script="Tfng" typeface="Ebrima"/>
+      </a:majorFont>
+      <a:minorFont>
+        <a:latin typeface="Calibri" panose="020F0502020204030204"/>
+        <a:ea typeface=""/>
+        <a:cs typeface=""/>
+        <a:font script="Jpan" typeface="游ゴシック"/>
+        <a:font script="Hang" typeface="맑은 고딕"/>
+        <a:font script="Hans" typeface="等线"/>
+        <a:font script="Hant" typeface="新細明體"/>
+        <a:font script="Arab" typeface="Arial"/>
+        <a:font script="Hebr" typeface="Arial"/>
+        <a:font script="Thai" typeface="Cordia New"/>
+        <a:font script="Ethi" typeface="Nyala"/>
+        <a:font script="Beng" typeface="Vrinda"/>
+        <a:font script="Gujr" typeface="Shruti"/>
+        <a:font script="Khmr" typeface="DaunPenh"/>
+        <a:font script="Knda" typeface="Tunga"/>
+        <a:font script="Guru" typeface="Raavi"/>
+        <a:font script="Cans" typeface="Euphemia"/>
+        <a:font script="Cher" typeface="Plantagenet Cherokee"/>
+        <a:font script="Yiii" typeface="Microsoft Yi Baiti"/>
+        <a:font script="Tibt" typeface="Microsoft Himalaya"/>
+        <a:font script="Thaa" typeface="MV Boli"/>
+        <a:font script="Deva" typeface="Mangal"/>
+        <a:font script="Telu" typeface="Gautami"/>
+        <a:font script="Taml" typeface="Latha"/>
+        <a:font script="Syrc" typeface="Estrangelo Edessa"/>
+        <a:font script="Orya" typeface="Kalinga"/>
+        <a:font script="Mlym" typeface="Kartika"/>
+        <a:font script="Laoo" typeface="DokChampa"/>
+        <a:font script="Sinh" typeface="Iskoola Pota"/>
+        <a:font script="Mong" typeface="Mongolian Baiti"/>
+        <a:font script="Viet" typeface="Arial"/>
+        <a:font script="Uigh" typeface="Microsoft Uighur"/>
+        <a:font script="Geor" typeface="Sylfaen"/>
+        <a:font script="Armn" typeface="Arial"/>
+        <a:font script="Bugi" typeface="Leelawadee UI"/>
+        <a:font script="Bopo" typeface="Microsoft JhengHei"/>
+        <a:font script="Java" typeface="Javanese Text"/>
+        <a:font script="Lisu" typeface="Segoe UI"/>
+        <a:font script="Mymr" typeface="Myanmar Text"/>
+        <a:font script="Nkoo" typeface="Ebrima"/>
+        <a:font script="Olck" typeface="Nirmala UI"/>
+        <a:font script="Osma" typeface="Ebrima"/>
+        <a:font script="Phag" typeface="Phagspa"/>
+        <a:font script="Syrn" typeface="Estrangelo Edessa"/>
+        <a:font script="Syrj" typeface="Estrangelo Edessa"/>
+        <a:font script="Syre" typeface="Estrangelo Edessa"/>
+        <a:font script="Sora" typeface="Nirmala UI"/>
+        <a:font script="Tale" typeface="Microsoft Tai Le"/>
+        <a:font script="Talu" typeface="Microsoft New Tai Lue"/>
+        <a:font script="Tfng" typeface="Ebrima"/>
+      </a:minorFont>
+    </a:fontScheme>
+    <a:fmtScheme name="Office">
+      <a:fillStyleLst>
+        <a:solidFill>
+          <a:schemeClr val="phClr"/>
+        </a:solidFill>
+        <a:gradFill rotWithShape="1">
+          <a:gsLst>
+            <a:gs pos="0">
+              <a:schemeClr val="phClr">
+                <a:lumMod val="110000"/>
+                <a:satMod val="105000"/>
+                <a:tint val="67000"/>
+              </a:schemeClr>
+            </a:gs>
+            <a:gs pos="50000">
+              <a:schemeClr val="phClr">
+                <a:lumMod val="105000"/>
+                <a:satMod val="103000"/>
+                <a:tint val="73000"/>
+              </a:schemeClr>
+            </a:gs>
+            <a:gs pos="100000">
+              <a:schemeClr val="phClr">
+                <a:lumMod val="105000"/>
+                <a:satMod val="109000"/>
+                <a:tint val="81000"/>
+              </a:schemeClr>
+            </a:gs>
+          </a:gsLst>
+          <a:lin ang="5400000" scaled="0"/>
+        </a:gradFill>
+        <a:gradFill rotWithShape="1">
+          <a:gsLst>
+            <a:gs pos="0">
+              <a:schemeClr val="phClr">
+                <a:satMod val="103000"/>
+                <a:lumMod val="102000"/>
+                <a:tint val="94000"/>
+              </a:schemeClr>
+            </a:gs>
+            <a:gs pos="50000">
+              <a:schemeClr val="phClr">
+                <a:satMod val="110000"/>
+                <a:lumMod val="100000"/>
+                <a:shade val="100000"/>
+              </a:schemeClr>
+            </a:gs>
+            <a:gs pos="100000">
+              <a:schemeClr val="phClr">
+                <a:lumMod val="99000"/>
+                <a:satMod val="120000"/>
+                <a:shade val="78000"/>
+              </a:schemeClr>
+            </a:gs>
+          </a:gsLst>
+          <a:lin ang="5400000" scaled="0"/>
+        </a:gradFill>
+      </a:fillStyleLst>
+      <a:lnStyleLst>
+        <a:ln w="6350" cap="flat" cmpd="sng" algn="ctr">
+          <a:solidFill>
+            <a:schemeClr val="phClr"/>
+          </a:solidFill>
+          <a:prstDash val="solid"/>
+          <a:miter lim="800000"/>
+        </a:ln>
+        <a:ln w="12700" cap="flat" cmpd="sng" algn="ctr">
+          <a:solidFill>
+            <a:schemeClr val="phClr"/>
+          </a:solidFill>
+          <a:prstDash val="solid"/>
+          <a:miter lim="800000"/>
+        </a:ln>
+        <a:ln w="19050" cap="flat" cmpd="sng" algn="ctr">
+          <a:solidFill>
+            <a:schemeClr val="phClr"/>
+          </a:solidFill>
+          <a:prstDash val="solid"/>
+          <a:miter lim="800000"/>
+        </a:ln>
+      </a:lnStyleLst>
+      <a:effectStyleLst>
+        <a:effectStyle>
+          <a:effectLst/>
+        </a:effectStyle>
+        <a:effectStyle>
+          <a:effectLst/>
+        </a:effectStyle>
+        <a:effectStyle>
+          <a:effectLst>
+            <a:outerShdw blurRad="57150" dist="19050" dir="5400000" algn="ctr" rotWithShape="0">
+              <a:srgbClr val="000000">
+                <a:alpha val="63000"/>
+              </a:srgbClr>
+            </a:outerShdw>
+          </a:effectLst>
+        </a:effectStyle>
+      </a:effectStyleLst>
+      <a:bgFillStyleLst>
+        <a:solidFill>
+          <a:schemeClr val="phClr"/>
+        </a:solidFill>
+        <a:solidFill>
+          <a:schemeClr val="phClr">
+            <a:tint val="95000"/>
+            <a:satMod val="170000"/>
+          </a:schemeClr>
+        </a:solidFill>
+        <a:gradFill rotWithShape="1">
+          <a:gsLst>
+            <a:gs pos="0">
+              <a:schemeClr val="phClr">
+                <a:tint val="93000"/>
+                <a:satMod val="150000"/>
+                <a:shade val="98000"/>
+                <a:lumMod val="102000"/>
+              </a:schemeClr>
+            </a:gs>
+            <a:gs pos="50000">
+              <a:schemeClr val="phClr">
+                <a:tint val="98000"/>
+                <a:satMod val="130000"/>
+                <a:shade val="90000"/>
+                <a:lumMod val="103000"/>
+              </a:schemeClr>
+            </a:gs>
+            <a:gs pos="100000">
+              <a:schemeClr val="phClr">
+                <a:shade val="63000"/>
+                <a:satMod val="120000"/>
+              </a:schemeClr>
+            </a:gs>
+          </a:gsLst>
+          <a:lin ang="5400000" scaled="0"/>
+        </a:gradFill>
+      </a:bgFillStyleLst>
+    </a:fmtScheme>
+  </a:themeElements>
+  <a:objectDefaults/>
+  <a:extraClrSchemeLst/>
+  <a:extLst>
+    <a:ext uri="{05A4C25C-085E-4340-85A3-A5531E510DB2}">
+      <thm15:themeFamily xmlns:thm15="http://schemas.microsoft.com/office/thememl/2012/main" name="Office Theme" id="{62F939B6-93AF-4DB8-9C6B-D6C7DFDC589F}" vid="{4A3C46E8-61CC-4603-A589-7422A47A8E4A}"/>
+    </a:ext>
+  </a:extLst>
+</a:theme>
 </file>
--- a/CalculdeRouteAérienne.pptx
+++ b/CalculdeRouteAérienne.pptx
@@ -5,13 +5,21 @@
     <p:sldMasterId id="2147483648" r:id="rId1"/>
   </p:sldMasterIdLst>
   <p:notesMasterIdLst>
-    <p:notesMasterId r:id="rId6"/>
+    <p:notesMasterId r:id="rId14"/>
   </p:notesMasterIdLst>
   <p:sldIdLst>
     <p:sldId id="256" r:id="rId2"/>
-    <p:sldId id="257" r:id="rId3"/>
-    <p:sldId id="258" r:id="rId4"/>
-    <p:sldId id="259" r:id="rId5"/>
+    <p:sldId id="267" r:id="rId3"/>
+    <p:sldId id="260" r:id="rId4"/>
+    <p:sldId id="261" r:id="rId5"/>
+    <p:sldId id="266" r:id="rId6"/>
+    <p:sldId id="262" r:id="rId7"/>
+    <p:sldId id="264" r:id="rId8"/>
+    <p:sldId id="265" r:id="rId9"/>
+    <p:sldId id="263" r:id="rId10"/>
+    <p:sldId id="257" r:id="rId11"/>
+    <p:sldId id="258" r:id="rId12"/>
+    <p:sldId id="259" r:id="rId13"/>
   </p:sldIdLst>
   <p:sldSz cx="12192000" cy="6858000"/>
   <p:notesSz cx="6858000" cy="9144000"/>
@@ -110,7 +118,416 @@
       </a:defRPr>
     </a:lvl9pPr>
   </p:defaultTextStyle>
+  <p:extLst>
+    <p:ext uri="{EFAFB233-063F-42B5-8137-9DF3F51BA10A}">
+      <p15:sldGuideLst xmlns:p15="http://schemas.microsoft.com/office/powerpoint/2012/main"/>
+    </p:ext>
+  </p:extLst>
 </p:presentation>
+</file>
+
+<file path=ppt/changesInfos/changesInfo1.xml><?xml version="1.0" encoding="utf-8"?>
+<pc:chgInfo xmlns:a="http://schemas.openxmlformats.org/drawingml/2006/main" xmlns:r="http://schemas.openxmlformats.org/officeDocument/2006/relationships" xmlns:ac="http://schemas.microsoft.com/office/drawing/2013/main/command" xmlns:pc="http://schemas.microsoft.com/office/powerpoint/2013/main/command">
+  <pc:docChgLst>
+    <pc:chgData name="NASSIM ELABBOUBI" userId="f2cf5b4a597a1f45" providerId="LiveId" clId="{ED918A64-863D-438E-AD35-A64AAC5413C7}"/>
+    <pc:docChg chg="undo custSel addSld delSld modSld sldOrd">
+      <pc:chgData name="NASSIM ELABBOUBI" userId="f2cf5b4a597a1f45" providerId="LiveId" clId="{ED918A64-863D-438E-AD35-A64AAC5413C7}" dt="2017-12-19T19:13:41.106" v="684" actId="2696"/>
+      <pc:docMkLst>
+        <pc:docMk/>
+      </pc:docMkLst>
+      <pc:sldChg chg="modSp add">
+        <pc:chgData name="NASSIM ELABBOUBI" userId="f2cf5b4a597a1f45" providerId="LiveId" clId="{ED918A64-863D-438E-AD35-A64AAC5413C7}" dt="2017-12-19T18:57:24.565" v="403" actId="313"/>
+        <pc:sldMkLst>
+          <pc:docMk/>
+          <pc:sldMk cId="1480948323" sldId="260"/>
+        </pc:sldMkLst>
+        <pc:spChg chg="mod">
+          <ac:chgData name="NASSIM ELABBOUBI" userId="f2cf5b4a597a1f45" providerId="LiveId" clId="{ED918A64-863D-438E-AD35-A64AAC5413C7}" dt="2017-12-19T18:23:44.950" v="107" actId="313"/>
+          <ac:spMkLst>
+            <pc:docMk/>
+            <pc:sldMk cId="1480948323" sldId="260"/>
+            <ac:spMk id="2" creationId="{34417045-0BEE-4C71-A641-AC1C02B1FEDC}"/>
+          </ac:spMkLst>
+        </pc:spChg>
+        <pc:spChg chg="mod">
+          <ac:chgData name="NASSIM ELABBOUBI" userId="f2cf5b4a597a1f45" providerId="LiveId" clId="{ED918A64-863D-438E-AD35-A64AAC5413C7}" dt="2017-12-19T18:57:24.565" v="403" actId="313"/>
+          <ac:spMkLst>
+            <pc:docMk/>
+            <pc:sldMk cId="1480948323" sldId="260"/>
+            <ac:spMk id="3" creationId="{4B830EE6-3340-4E60-96DF-DDEB5FD93ECE}"/>
+          </ac:spMkLst>
+        </pc:spChg>
+      </pc:sldChg>
+      <pc:sldChg chg="addSp delSp modSp add">
+        <pc:chgData name="NASSIM ELABBOUBI" userId="f2cf5b4a597a1f45" providerId="LiveId" clId="{ED918A64-863D-438E-AD35-A64AAC5413C7}" dt="2017-12-19T18:25:51.120" v="131"/>
+        <pc:sldMkLst>
+          <pc:docMk/>
+          <pc:sldMk cId="3614839678" sldId="261"/>
+        </pc:sldMkLst>
+        <pc:spChg chg="mod">
+          <ac:chgData name="NASSIM ELABBOUBI" userId="f2cf5b4a597a1f45" providerId="LiveId" clId="{ED918A64-863D-438E-AD35-A64AAC5413C7}" dt="2017-12-19T18:25:51.120" v="131"/>
+          <ac:spMkLst>
+            <pc:docMk/>
+            <pc:sldMk cId="3614839678" sldId="261"/>
+            <ac:spMk id="2" creationId="{E32EE870-D56B-4576-AB3A-C5908E64CDE1}"/>
+          </ac:spMkLst>
+        </pc:spChg>
+        <pc:spChg chg="del">
+          <ac:chgData name="NASSIM ELABBOUBI" userId="f2cf5b4a597a1f45" providerId="LiveId" clId="{ED918A64-863D-438E-AD35-A64AAC5413C7}" dt="2017-12-19T18:24:03.128" v="122"/>
+          <ac:spMkLst>
+            <pc:docMk/>
+            <pc:sldMk cId="3614839678" sldId="261"/>
+            <ac:spMk id="3" creationId="{4DD9C4AE-55FF-46DA-8088-2400D5444C05}"/>
+          </ac:spMkLst>
+        </pc:spChg>
+        <pc:picChg chg="add mod">
+          <ac:chgData name="NASSIM ELABBOUBI" userId="f2cf5b4a597a1f45" providerId="LiveId" clId="{ED918A64-863D-438E-AD35-A64AAC5413C7}" dt="2017-12-19T18:24:07.045" v="124" actId="1076"/>
+          <ac:picMkLst>
+            <pc:docMk/>
+            <pc:sldMk cId="3614839678" sldId="261"/>
+            <ac:picMk id="5" creationId="{3B9733B3-CDE4-407D-9792-FB2BE37CC917}"/>
+          </ac:picMkLst>
+        </pc:picChg>
+      </pc:sldChg>
+      <pc:sldChg chg="addSp delSp modSp add ord setBg">
+        <pc:chgData name="NASSIM ELABBOUBI" userId="f2cf5b4a597a1f45" providerId="LiveId" clId="{ED918A64-863D-438E-AD35-A64AAC5413C7}" dt="2017-12-19T18:57:14.478" v="402"/>
+        <pc:sldMkLst>
+          <pc:docMk/>
+          <pc:sldMk cId="3711617238" sldId="262"/>
+        </pc:sldMkLst>
+        <pc:spChg chg="mod">
+          <ac:chgData name="NASSIM ELABBOUBI" userId="f2cf5b4a597a1f45" providerId="LiveId" clId="{ED918A64-863D-438E-AD35-A64AAC5413C7}" dt="2017-12-19T18:45:30.937" v="221" actId="1076"/>
+          <ac:spMkLst>
+            <pc:docMk/>
+            <pc:sldMk cId="3711617238" sldId="262"/>
+            <ac:spMk id="2" creationId="{D9E7650A-8B41-4F91-B9E8-E73229781BED}"/>
+          </ac:spMkLst>
+        </pc:spChg>
+        <pc:spChg chg="del">
+          <ac:chgData name="NASSIM ELABBOUBI" userId="f2cf5b4a597a1f45" providerId="LiveId" clId="{ED918A64-863D-438E-AD35-A64AAC5413C7}" dt="2017-12-19T18:34:12.357" v="133"/>
+          <ac:spMkLst>
+            <pc:docMk/>
+            <pc:sldMk cId="3711617238" sldId="262"/>
+            <ac:spMk id="3" creationId="{415145D1-F027-4113-A006-F15C63AB24FC}"/>
+          </ac:spMkLst>
+        </pc:spChg>
+        <pc:spChg chg="add del mod">
+          <ac:chgData name="NASSIM ELABBOUBI" userId="f2cf5b4a597a1f45" providerId="LiveId" clId="{ED918A64-863D-438E-AD35-A64AAC5413C7}" dt="2017-12-19T18:44:41.608" v="204"/>
+          <ac:spMkLst>
+            <pc:docMk/>
+            <pc:sldMk cId="3711617238" sldId="262"/>
+            <ac:spMk id="4" creationId="{920CE8EA-2B12-4513-A026-7C4F9272AAD1}"/>
+          </ac:spMkLst>
+        </pc:spChg>
+        <pc:spChg chg="add mod">
+          <ac:chgData name="NASSIM ELABBOUBI" userId="f2cf5b4a597a1f45" providerId="LiveId" clId="{ED918A64-863D-438E-AD35-A64AAC5413C7}" dt="2017-12-19T18:44:51.832" v="207" actId="1076"/>
+          <ac:spMkLst>
+            <pc:docMk/>
+            <pc:sldMk cId="3711617238" sldId="262"/>
+            <ac:spMk id="5" creationId="{2F741546-1437-4A27-8E35-33F1C6D1D8D9}"/>
+          </ac:spMkLst>
+        </pc:spChg>
+        <pc:spChg chg="add del">
+          <ac:chgData name="NASSIM ELABBOUBI" userId="f2cf5b4a597a1f45" providerId="LiveId" clId="{ED918A64-863D-438E-AD35-A64AAC5413C7}" dt="2017-12-19T18:42:57.218" v="183"/>
+          <ac:spMkLst>
+            <pc:docMk/>
+            <pc:sldMk cId="3711617238" sldId="262"/>
+            <ac:spMk id="6" creationId="{EB21C17F-E5A7-4760-B1FA-10D788EA4CED}"/>
+          </ac:spMkLst>
+        </pc:spChg>
+        <pc:picChg chg="add mod">
+          <ac:chgData name="NASSIM ELABBOUBI" userId="f2cf5b4a597a1f45" providerId="LiveId" clId="{ED918A64-863D-438E-AD35-A64AAC5413C7}" dt="2017-12-19T18:44:53.595" v="208" actId="1076"/>
+          <ac:picMkLst>
+            <pc:docMk/>
+            <pc:sldMk cId="3711617238" sldId="262"/>
+            <ac:picMk id="10" creationId="{83710E38-22C4-4AF1-BCA4-2E038F950C0C}"/>
+          </ac:picMkLst>
+        </pc:picChg>
+        <pc:picChg chg="add mod">
+          <ac:chgData name="NASSIM ELABBOUBI" userId="f2cf5b4a597a1f45" providerId="LiveId" clId="{ED918A64-863D-438E-AD35-A64AAC5413C7}" dt="2017-12-19T18:45:33.316" v="222" actId="1076"/>
+          <ac:picMkLst>
+            <pc:docMk/>
+            <pc:sldMk cId="3711617238" sldId="262"/>
+            <ac:picMk id="1026" creationId="{6C95D45F-916E-4FB8-8363-C9281E68D0D7}"/>
+          </ac:picMkLst>
+        </pc:picChg>
+        <pc:picChg chg="add mod">
+          <ac:chgData name="NASSIM ELABBOUBI" userId="f2cf5b4a597a1f45" providerId="LiveId" clId="{ED918A64-863D-438E-AD35-A64AAC5413C7}" dt="2017-12-19T18:36:50.912" v="155" actId="1076"/>
+          <ac:picMkLst>
+            <pc:docMk/>
+            <pc:sldMk cId="3711617238" sldId="262"/>
+            <ac:picMk id="1028" creationId="{A0886C62-781B-4113-8D43-AFDE321F1312}"/>
+          </ac:picMkLst>
+        </pc:picChg>
+        <pc:picChg chg="add mod">
+          <ac:chgData name="NASSIM ELABBOUBI" userId="f2cf5b4a597a1f45" providerId="LiveId" clId="{ED918A64-863D-438E-AD35-A64AAC5413C7}" dt="2017-12-19T18:44:40.019" v="201" actId="1076"/>
+          <ac:picMkLst>
+            <pc:docMk/>
+            <pc:sldMk cId="3711617238" sldId="262"/>
+            <ac:picMk id="1030" creationId="{5851560B-0B41-4706-B6D8-E5B65C348A3E}"/>
+          </ac:picMkLst>
+        </pc:picChg>
+        <pc:picChg chg="add mod">
+          <ac:chgData name="NASSIM ELABBOUBI" userId="f2cf5b4a597a1f45" providerId="LiveId" clId="{ED918A64-863D-438E-AD35-A64AAC5413C7}" dt="2017-12-19T18:44:41.075" v="202" actId="1076"/>
+          <ac:picMkLst>
+            <pc:docMk/>
+            <pc:sldMk cId="3711617238" sldId="262"/>
+            <ac:picMk id="1032" creationId="{46BA3C3D-0E54-4931-B96C-A48915E6AC0C}"/>
+          </ac:picMkLst>
+        </pc:picChg>
+        <pc:picChg chg="add mod">
+          <ac:chgData name="NASSIM ELABBOUBI" userId="f2cf5b4a597a1f45" providerId="LiveId" clId="{ED918A64-863D-438E-AD35-A64AAC5413C7}" dt="2017-12-19T18:36:57.728" v="160" actId="1076"/>
+          <ac:picMkLst>
+            <pc:docMk/>
+            <pc:sldMk cId="3711617238" sldId="262"/>
+            <ac:picMk id="1034" creationId="{79EC6A42-7A16-4B27-AF81-6F48BA0F51F0}"/>
+          </ac:picMkLst>
+        </pc:picChg>
+        <pc:picChg chg="add mod">
+          <ac:chgData name="NASSIM ELABBOUBI" userId="f2cf5b4a597a1f45" providerId="LiveId" clId="{ED918A64-863D-438E-AD35-A64AAC5413C7}" dt="2017-12-19T18:44:47.306" v="206" actId="1076"/>
+          <ac:picMkLst>
+            <pc:docMk/>
+            <pc:sldMk cId="3711617238" sldId="262"/>
+            <ac:picMk id="1036" creationId="{9BD1A80C-85D4-48F0-8309-1BBDEF9060DD}"/>
+          </ac:picMkLst>
+        </pc:picChg>
+      </pc:sldChg>
+      <pc:sldChg chg="modSp add">
+        <pc:chgData name="NASSIM ELABBOUBI" userId="f2cf5b4a597a1f45" providerId="LiveId" clId="{ED918A64-863D-438E-AD35-A64AAC5413C7}" dt="2017-12-19T18:21:03.264" v="48" actId="14100"/>
+        <pc:sldMkLst>
+          <pc:docMk/>
+          <pc:sldMk cId="3753509135" sldId="263"/>
+        </pc:sldMkLst>
+        <pc:spChg chg="mod">
+          <ac:chgData name="NASSIM ELABBOUBI" userId="f2cf5b4a597a1f45" providerId="LiveId" clId="{ED918A64-863D-438E-AD35-A64AAC5413C7}" dt="2017-12-19T18:21:03.264" v="48" actId="14100"/>
+          <ac:spMkLst>
+            <pc:docMk/>
+            <pc:sldMk cId="3753509135" sldId="263"/>
+            <ac:spMk id="2" creationId="{3FB4F291-F4D5-49E8-802E-9D82E908FD04}"/>
+          </ac:spMkLst>
+        </pc:spChg>
+      </pc:sldChg>
+      <pc:sldChg chg="addSp delSp modSp add">
+        <pc:chgData name="NASSIM ELABBOUBI" userId="f2cf5b4a597a1f45" providerId="LiveId" clId="{ED918A64-863D-438E-AD35-A64AAC5413C7}" dt="2017-12-19T18:49:37.886" v="278" actId="1076"/>
+        <pc:sldMkLst>
+          <pc:docMk/>
+          <pc:sldMk cId="1922908315" sldId="264"/>
+        </pc:sldMkLst>
+        <pc:spChg chg="mod">
+          <ac:chgData name="NASSIM ELABBOUBI" userId="f2cf5b4a597a1f45" providerId="LiveId" clId="{ED918A64-863D-438E-AD35-A64AAC5413C7}" dt="2017-12-19T18:47:02.482" v="227" actId="1076"/>
+          <ac:spMkLst>
+            <pc:docMk/>
+            <pc:sldMk cId="1922908315" sldId="264"/>
+            <ac:spMk id="2" creationId="{6A28DF12-319F-4A8D-B036-97CB9C8A38CD}"/>
+          </ac:spMkLst>
+        </pc:spChg>
+        <pc:spChg chg="del">
+          <ac:chgData name="NASSIM ELABBOUBI" userId="f2cf5b4a597a1f45" providerId="LiveId" clId="{ED918A64-863D-438E-AD35-A64AAC5413C7}" dt="2017-12-19T18:46:43.657" v="224"/>
+          <ac:spMkLst>
+            <pc:docMk/>
+            <pc:sldMk cId="1922908315" sldId="264"/>
+            <ac:spMk id="3" creationId="{A0950B62-FAB6-468E-BA37-6C2EECAAC1B6}"/>
+          </ac:spMkLst>
+        </pc:spChg>
+        <pc:spChg chg="add mod">
+          <ac:chgData name="NASSIM ELABBOUBI" userId="f2cf5b4a597a1f45" providerId="LiveId" clId="{ED918A64-863D-438E-AD35-A64AAC5413C7}" dt="2017-12-19T18:48:09.324" v="260" actId="1076"/>
+          <ac:spMkLst>
+            <pc:docMk/>
+            <pc:sldMk cId="1922908315" sldId="264"/>
+            <ac:spMk id="5" creationId="{24E0DBBD-0140-4AE5-9C92-561B944B932F}"/>
+          </ac:spMkLst>
+        </pc:spChg>
+        <pc:spChg chg="add mod">
+          <ac:chgData name="NASSIM ELABBOUBI" userId="f2cf5b4a597a1f45" providerId="LiveId" clId="{ED918A64-863D-438E-AD35-A64AAC5413C7}" dt="2017-12-19T18:48:06.878" v="259" actId="1076"/>
+          <ac:spMkLst>
+            <pc:docMk/>
+            <pc:sldMk cId="1922908315" sldId="264"/>
+            <ac:spMk id="6" creationId="{9D52BB9A-91B6-416F-8D28-FE3E29775BB7}"/>
+          </ac:spMkLst>
+        </pc:spChg>
+        <pc:spChg chg="add mod">
+          <ac:chgData name="NASSIM ELABBOUBI" userId="f2cf5b4a597a1f45" providerId="LiveId" clId="{ED918A64-863D-438E-AD35-A64AAC5413C7}" dt="2017-12-19T18:49:25.141" v="276"/>
+          <ac:spMkLst>
+            <pc:docMk/>
+            <pc:sldMk cId="1922908315" sldId="264"/>
+            <ac:spMk id="7" creationId="{80465DC0-FE95-4B4C-B405-0E02822C0412}"/>
+          </ac:spMkLst>
+        </pc:spChg>
+        <pc:spChg chg="add mod">
+          <ac:chgData name="NASSIM ELABBOUBI" userId="f2cf5b4a597a1f45" providerId="LiveId" clId="{ED918A64-863D-438E-AD35-A64AAC5413C7}" dt="2017-12-19T18:49:37.886" v="278" actId="1076"/>
+          <ac:spMkLst>
+            <pc:docMk/>
+            <pc:sldMk cId="1922908315" sldId="264"/>
+            <ac:spMk id="8" creationId="{0D4BA128-1005-40EC-A7A3-C8ADDCE9F23B}"/>
+          </ac:spMkLst>
+        </pc:spChg>
+        <pc:picChg chg="add mod">
+          <ac:chgData name="NASSIM ELABBOUBI" userId="f2cf5b4a597a1f45" providerId="LiveId" clId="{ED918A64-863D-438E-AD35-A64AAC5413C7}" dt="2017-12-19T18:46:49.437" v="225" actId="1076"/>
+          <ac:picMkLst>
+            <pc:docMk/>
+            <pc:sldMk cId="1922908315" sldId="264"/>
+            <ac:picMk id="4" creationId="{F394D19B-4F21-468B-90F5-EA8B0A225341}"/>
+          </ac:picMkLst>
+        </pc:picChg>
+      </pc:sldChg>
+      <pc:sldChg chg="addSp delSp modSp add">
+        <pc:chgData name="NASSIM ELABBOUBI" userId="f2cf5b4a597a1f45" providerId="LiveId" clId="{ED918A64-863D-438E-AD35-A64AAC5413C7}" dt="2017-12-19T18:58:03.744" v="408" actId="20577"/>
+        <pc:sldMkLst>
+          <pc:docMk/>
+          <pc:sldMk cId="2666293256" sldId="265"/>
+        </pc:sldMkLst>
+        <pc:spChg chg="del">
+          <ac:chgData name="NASSIM ELABBOUBI" userId="f2cf5b4a597a1f45" providerId="LiveId" clId="{ED918A64-863D-438E-AD35-A64AAC5413C7}" dt="2017-12-19T18:50:31.572" v="282" actId="478"/>
+          <ac:spMkLst>
+            <pc:docMk/>
+            <pc:sldMk cId="2666293256" sldId="265"/>
+            <ac:spMk id="2" creationId="{E250F47C-8E94-4D9D-84AC-CD20E1F7AE23}"/>
+          </ac:spMkLst>
+        </pc:spChg>
+        <pc:spChg chg="del">
+          <ac:chgData name="NASSIM ELABBOUBI" userId="f2cf5b4a597a1f45" providerId="LiveId" clId="{ED918A64-863D-438E-AD35-A64AAC5413C7}" dt="2017-12-19T18:50:30.276" v="281" actId="478"/>
+          <ac:spMkLst>
+            <pc:docMk/>
+            <pc:sldMk cId="2666293256" sldId="265"/>
+            <ac:spMk id="3" creationId="{331DAA83-8166-4FAD-A7D3-118A01B72CCD}"/>
+          </ac:spMkLst>
+        </pc:spChg>
+        <pc:spChg chg="add">
+          <ac:chgData name="NASSIM ELABBOUBI" userId="f2cf5b4a597a1f45" providerId="LiveId" clId="{ED918A64-863D-438E-AD35-A64AAC5413C7}" dt="2017-12-19T18:50:19.715" v="280"/>
+          <ac:spMkLst>
+            <pc:docMk/>
+            <pc:sldMk cId="2666293256" sldId="265"/>
+            <ac:spMk id="5" creationId="{0059C7EE-D5AC-4FEA-BA3B-485512EF5F88}"/>
+          </ac:spMkLst>
+        </pc:spChg>
+        <pc:spChg chg="add mod">
+          <ac:chgData name="NASSIM ELABBOUBI" userId="f2cf5b4a597a1f45" providerId="LiveId" clId="{ED918A64-863D-438E-AD35-A64AAC5413C7}" dt="2017-12-19T18:51:08.248" v="287" actId="20577"/>
+          <ac:spMkLst>
+            <pc:docMk/>
+            <pc:sldMk cId="2666293256" sldId="265"/>
+            <ac:spMk id="6" creationId="{218D772A-FD54-497D-90F4-A4BDF393EEB0}"/>
+          </ac:spMkLst>
+        </pc:spChg>
+        <pc:spChg chg="add mod">
+          <ac:chgData name="NASSIM ELABBOUBI" userId="f2cf5b4a597a1f45" providerId="LiveId" clId="{ED918A64-863D-438E-AD35-A64AAC5413C7}" dt="2017-12-19T18:54:31.985" v="320" actId="1076"/>
+          <ac:spMkLst>
+            <pc:docMk/>
+            <pc:sldMk cId="2666293256" sldId="265"/>
+            <ac:spMk id="7" creationId="{BF2E1C93-3A53-4BF6-B6A9-6C69FFAD4270}"/>
+          </ac:spMkLst>
+        </pc:spChg>
+        <pc:spChg chg="add mod">
+          <ac:chgData name="NASSIM ELABBOUBI" userId="f2cf5b4a597a1f45" providerId="LiveId" clId="{ED918A64-863D-438E-AD35-A64AAC5413C7}" dt="2017-12-19T18:52:48.750" v="294"/>
+          <ac:spMkLst>
+            <pc:docMk/>
+            <pc:sldMk cId="2666293256" sldId="265"/>
+            <ac:spMk id="8" creationId="{5ECB0416-037F-4073-9D84-77F038D4D2E8}"/>
+          </ac:spMkLst>
+        </pc:spChg>
+        <pc:spChg chg="add mod">
+          <ac:chgData name="NASSIM ELABBOUBI" userId="f2cf5b4a597a1f45" providerId="LiveId" clId="{ED918A64-863D-438E-AD35-A64AAC5413C7}" dt="2017-12-19T18:58:03.744" v="408" actId="20577"/>
+          <ac:spMkLst>
+            <pc:docMk/>
+            <pc:sldMk cId="2666293256" sldId="265"/>
+            <ac:spMk id="9" creationId="{CE75A64E-59C4-4285-A671-3FF2BF6DA8F6}"/>
+          </ac:spMkLst>
+        </pc:spChg>
+        <pc:picChg chg="add">
+          <ac:chgData name="NASSIM ELABBOUBI" userId="f2cf5b4a597a1f45" providerId="LiveId" clId="{ED918A64-863D-438E-AD35-A64AAC5413C7}" dt="2017-12-19T18:50:05.986" v="279"/>
+          <ac:picMkLst>
+            <pc:docMk/>
+            <pc:sldMk cId="2666293256" sldId="265"/>
+            <ac:picMk id="4" creationId="{86218A45-3769-42B9-AF21-9E70D8D41B81}"/>
+          </ac:picMkLst>
+        </pc:picChg>
+      </pc:sldChg>
+      <pc:sldChg chg="modSp add ord">
+        <pc:chgData name="NASSIM ELABBOUBI" userId="f2cf5b4a597a1f45" providerId="LiveId" clId="{ED918A64-863D-438E-AD35-A64AAC5413C7}" dt="2017-12-19T18:57:11.014" v="401"/>
+        <pc:sldMkLst>
+          <pc:docMk/>
+          <pc:sldMk cId="1175294507" sldId="266"/>
+        </pc:sldMkLst>
+        <pc:spChg chg="mod">
+          <ac:chgData name="NASSIM ELABBOUBI" userId="f2cf5b4a597a1f45" providerId="LiveId" clId="{ED918A64-863D-438E-AD35-A64AAC5413C7}" dt="2017-12-19T18:55:09.507" v="354" actId="313"/>
+          <ac:spMkLst>
+            <pc:docMk/>
+            <pc:sldMk cId="1175294507" sldId="266"/>
+            <ac:spMk id="2" creationId="{4BD5B281-ED7A-42EF-B740-6A2326D92A27}"/>
+          </ac:spMkLst>
+        </pc:spChg>
+        <pc:spChg chg="mod">
+          <ac:chgData name="NASSIM ELABBOUBI" userId="f2cf5b4a597a1f45" providerId="LiveId" clId="{ED918A64-863D-438E-AD35-A64AAC5413C7}" dt="2017-12-19T18:56:53.410" v="400" actId="122"/>
+          <ac:spMkLst>
+            <pc:docMk/>
+            <pc:sldMk cId="1175294507" sldId="266"/>
+            <ac:spMk id="3" creationId="{E838F7C2-09EE-4E40-ADC7-E5620982E7CE}"/>
+          </ac:spMkLst>
+        </pc:spChg>
+      </pc:sldChg>
+      <pc:sldChg chg="addSp delSp modSp add ord">
+        <pc:chgData name="NASSIM ELABBOUBI" userId="f2cf5b4a597a1f45" providerId="LiveId" clId="{ED918A64-863D-438E-AD35-A64AAC5413C7}" dt="2017-12-19T19:13:08.025" v="662" actId="1076"/>
+        <pc:sldMkLst>
+          <pc:docMk/>
+          <pc:sldMk cId="233642135" sldId="267"/>
+        </pc:sldMkLst>
+        <pc:spChg chg="mod">
+          <ac:chgData name="NASSIM ELABBOUBI" userId="f2cf5b4a597a1f45" providerId="LiveId" clId="{ED918A64-863D-438E-AD35-A64AAC5413C7}" dt="2017-12-19T19:12:15.844" v="656" actId="1076"/>
+          <ac:spMkLst>
+            <pc:docMk/>
+            <pc:sldMk cId="233642135" sldId="267"/>
+            <ac:spMk id="2" creationId="{564FC9B2-0931-4964-B397-38C43D397FB9}"/>
+          </ac:spMkLst>
+        </pc:spChg>
+        <pc:spChg chg="mod">
+          <ac:chgData name="NASSIM ELABBOUBI" userId="f2cf5b4a597a1f45" providerId="LiveId" clId="{ED918A64-863D-438E-AD35-A64AAC5413C7}" dt="2017-12-19T19:13:08.025" v="662" actId="1076"/>
+          <ac:spMkLst>
+            <pc:docMk/>
+            <pc:sldMk cId="233642135" sldId="267"/>
+            <ac:spMk id="3" creationId="{2ECBFFF1-C6FF-49B2-B48D-695D8EDC4858}"/>
+          </ac:spMkLst>
+        </pc:spChg>
+        <pc:spChg chg="add mod">
+          <ac:chgData name="NASSIM ELABBOUBI" userId="f2cf5b4a597a1f45" providerId="LiveId" clId="{ED918A64-863D-438E-AD35-A64AAC5413C7}" dt="2017-12-19T19:13:03.166" v="661" actId="1076"/>
+          <ac:spMkLst>
+            <pc:docMk/>
+            <pc:sldMk cId="233642135" sldId="267"/>
+            <ac:spMk id="4" creationId="{B6FB7DE0-7220-4FD5-BA48-3253C9335831}"/>
+          </ac:spMkLst>
+        </pc:spChg>
+        <pc:spChg chg="add del">
+          <ac:chgData name="NASSIM ELABBOUBI" userId="f2cf5b4a597a1f45" providerId="LiveId" clId="{ED918A64-863D-438E-AD35-A64AAC5413C7}" dt="2017-12-19T19:06:38.112" v="484"/>
+          <ac:spMkLst>
+            <pc:docMk/>
+            <pc:sldMk cId="233642135" sldId="267"/>
+            <ac:spMk id="5" creationId="{0FDD771F-F43B-4154-8D62-455EC0F318F4}"/>
+          </ac:spMkLst>
+        </pc:spChg>
+      </pc:sldChg>
+      <pc:sldChg chg="modSp add del">
+        <pc:chgData name="NASSIM ELABBOUBI" userId="f2cf5b4a597a1f45" providerId="LiveId" clId="{ED918A64-863D-438E-AD35-A64AAC5413C7}" dt="2017-12-19T19:13:27.380" v="682" actId="2696"/>
+        <pc:sldMkLst>
+          <pc:docMk/>
+          <pc:sldMk cId="1586243839" sldId="268"/>
+        </pc:sldMkLst>
+        <pc:spChg chg="mod">
+          <ac:chgData name="NASSIM ELABBOUBI" userId="f2cf5b4a597a1f45" providerId="LiveId" clId="{ED918A64-863D-438E-AD35-A64AAC5413C7}" dt="2017-12-19T19:13:22.360" v="681" actId="20577"/>
+          <ac:spMkLst>
+            <pc:docMk/>
+            <pc:sldMk cId="1586243839" sldId="268"/>
+            <ac:spMk id="2" creationId="{A6C36D08-1491-4FA5-9111-B46A0E75D25E}"/>
+          </ac:spMkLst>
+        </pc:spChg>
+      </pc:sldChg>
+      <pc:sldChg chg="add del">
+        <pc:chgData name="NASSIM ELABBOUBI" userId="f2cf5b4a597a1f45" providerId="LiveId" clId="{ED918A64-863D-438E-AD35-A64AAC5413C7}" dt="2017-12-19T19:13:41.106" v="684" actId="2696"/>
+        <pc:sldMkLst>
+          <pc:docMk/>
+          <pc:sldMk cId="3535345883" sldId="268"/>
+        </pc:sldMkLst>
+      </pc:sldChg>
+    </pc:docChg>
+  </pc:docChgLst>
+</pc:chgInfo>
 </file>
 
 <file path=ppt/notesMasters/notesMaster1.xml><?xml version="1.0" encoding="utf-8"?>
@@ -506,37 +923,6 @@
           <a:bodyPr/>
           <a:lstStyle/>
           <a:p>
-            <a:pPr marL="0" marR="0" lvl="0" indent="0" algn="l" defTabSz="914400" rtl="0" eaLnBrk="1" fontAlgn="auto" latinLnBrk="0" hangingPunct="1">
-              <a:lnSpc>
-                <a:spcPct val="100000"/>
-              </a:lnSpc>
-              <a:spcBef>
-                <a:spcPts val="0"/>
-              </a:spcBef>
-              <a:spcAft>
-                <a:spcPts val="0"/>
-              </a:spcAft>
-              <a:buClrTx/>
-              <a:buSzTx/>
-              <a:buFontTx/>
-              <a:buNone/>
-              <a:tabLst/>
-              <a:defRPr/>
-            </a:pPr>
-            <a:r>
-              <a:rPr lang="fr-FR" sz="1200" kern="1200" dirty="0">
-                <a:solidFill>
-                  <a:schemeClr val="tx1"/>
-                </a:solidFill>
-                <a:effectLst/>
-                <a:latin typeface="+mn-lt"/>
-                <a:ea typeface="+mn-ea"/>
-                <a:cs typeface="+mn-cs"/>
-              </a:rPr>
-              <a:t>Pour pouvoir naviguer sur une route orthodromique en suivant un cap il faut le calculer. Le pilote doit ensuite partitionner sa route pour vérifier s’il ne dévie pas, chaque fin de partition il doit récupérer ces coordonnée actuel et répéter l’opération de calcul de cap.</a:t>
-            </a:r>
-          </a:p>
-          <a:p>
             <a:endParaRPr lang="fr-FR" dirty="0"/>
           </a:p>
         </p:txBody>
@@ -558,7 +944,7 @@
           <a:p>
             <a:fld id="{4AD3E05C-2A7A-4B67-B246-8E4D9A066A55}" type="slidenum">
               <a:rPr lang="fr-FR" smtClean="0"/>
-              <a:t>2</a:t>
+              <a:t>4</a:t>
             </a:fld>
             <a:endParaRPr lang="fr-FR"/>
           </a:p>
@@ -567,7 +953,7 @@
     </p:spTree>
     <p:extLst>
       <p:ext uri="{BB962C8B-B14F-4D97-AF65-F5344CB8AC3E}">
-        <p14:creationId xmlns:p14="http://schemas.microsoft.com/office/powerpoint/2010/main" val="1202851567"/>
+        <p14:creationId xmlns:p14="http://schemas.microsoft.com/office/powerpoint/2010/main" val="619595782"/>
       </p:ext>
     </p:extLst>
   </p:cSld>
@@ -606,8 +992,291 @@
         </p:nvSpPr>
         <p:spPr/>
       </p:sp>
-      <mc:AlternateContent xmlns:mc="http://schemas.openxmlformats.org/markup-compatibility/2006">
-        <mc:Choice xmlns:a14="http://schemas.microsoft.com/office/drawing/2010/main" Requires="a14">
+      <p:sp>
+        <p:nvSpPr>
+          <p:cNvPr id="3" name="Espace réservé des notes 2"/>
+          <p:cNvSpPr>
+            <a:spLocks noGrp="1"/>
+          </p:cNvSpPr>
+          <p:nvPr>
+            <p:ph type="body" idx="1"/>
+          </p:nvPr>
+        </p:nvSpPr>
+        <p:spPr/>
+        <p:txBody>
+          <a:bodyPr/>
+          <a:lstStyle/>
+          <a:p>
+            <a:endParaRPr lang="fr-FR" dirty="0"/>
+          </a:p>
+        </p:txBody>
+      </p:sp>
+      <p:sp>
+        <p:nvSpPr>
+          <p:cNvPr id="4" name="Espace réservé du numéro de diapositive 3"/>
+          <p:cNvSpPr>
+            <a:spLocks noGrp="1"/>
+          </p:cNvSpPr>
+          <p:nvPr>
+            <p:ph type="sldNum" sz="quarter" idx="10"/>
+          </p:nvPr>
+        </p:nvSpPr>
+        <p:spPr/>
+        <p:txBody>
+          <a:bodyPr/>
+          <a:lstStyle/>
+          <a:p>
+            <a:fld id="{4AD3E05C-2A7A-4B67-B246-8E4D9A066A55}" type="slidenum">
+              <a:rPr lang="fr-FR" smtClean="0"/>
+              <a:t>5</a:t>
+            </a:fld>
+            <a:endParaRPr lang="fr-FR"/>
+          </a:p>
+        </p:txBody>
+      </p:sp>
+    </p:spTree>
+    <p:extLst>
+      <p:ext uri="{BB962C8B-B14F-4D97-AF65-F5344CB8AC3E}">
+        <p14:creationId xmlns:p14="http://schemas.microsoft.com/office/powerpoint/2010/main" val="3803258151"/>
+      </p:ext>
+    </p:extLst>
+  </p:cSld>
+  <p:clrMapOvr>
+    <a:masterClrMapping/>
+  </p:clrMapOvr>
+</p:notes>
+</file>
+
+<file path=ppt/notesSlides/notesSlide3.xml><?xml version="1.0" encoding="utf-8"?>
+<p:notes xmlns:a="http://schemas.openxmlformats.org/drawingml/2006/main" xmlns:r="http://schemas.openxmlformats.org/officeDocument/2006/relationships" xmlns:p="http://schemas.openxmlformats.org/presentationml/2006/main">
+  <p:cSld>
+    <p:spTree>
+      <p:nvGrpSpPr>
+        <p:cNvPr id="1" name=""/>
+        <p:cNvGrpSpPr/>
+        <p:nvPr/>
+      </p:nvGrpSpPr>
+      <p:grpSpPr>
+        <a:xfrm>
+          <a:off x="0" y="0"/>
+          <a:ext cx="0" cy="0"/>
+          <a:chOff x="0" y="0"/>
+          <a:chExt cx="0" cy="0"/>
+        </a:xfrm>
+      </p:grpSpPr>
+      <p:sp>
+        <p:nvSpPr>
+          <p:cNvPr id="2" name="Espace réservé de l'image des diapositives 1"/>
+          <p:cNvSpPr>
+            <a:spLocks noGrp="1" noRot="1" noChangeAspect="1"/>
+          </p:cNvSpPr>
+          <p:nvPr>
+            <p:ph type="sldImg"/>
+          </p:nvPr>
+        </p:nvSpPr>
+        <p:spPr/>
+      </p:sp>
+      <p:sp>
+        <p:nvSpPr>
+          <p:cNvPr id="3" name="Espace réservé des notes 2"/>
+          <p:cNvSpPr>
+            <a:spLocks noGrp="1"/>
+          </p:cNvSpPr>
+          <p:nvPr>
+            <p:ph type="body" idx="1"/>
+          </p:nvPr>
+        </p:nvSpPr>
+        <p:spPr/>
+        <p:txBody>
+          <a:bodyPr/>
+          <a:lstStyle/>
+          <a:p>
+            <a:endParaRPr lang="fr-FR" dirty="0"/>
+          </a:p>
+        </p:txBody>
+      </p:sp>
+      <p:sp>
+        <p:nvSpPr>
+          <p:cNvPr id="4" name="Espace réservé du numéro de diapositive 3"/>
+          <p:cNvSpPr>
+            <a:spLocks noGrp="1"/>
+          </p:cNvSpPr>
+          <p:nvPr>
+            <p:ph type="sldNum" sz="quarter" idx="10"/>
+          </p:nvPr>
+        </p:nvSpPr>
+        <p:spPr/>
+        <p:txBody>
+          <a:bodyPr/>
+          <a:lstStyle/>
+          <a:p>
+            <a:fld id="{4AD3E05C-2A7A-4B67-B246-8E4D9A066A55}" type="slidenum">
+              <a:rPr lang="fr-FR" smtClean="0"/>
+              <a:t>6</a:t>
+            </a:fld>
+            <a:endParaRPr lang="fr-FR"/>
+          </a:p>
+        </p:txBody>
+      </p:sp>
+    </p:spTree>
+    <p:extLst>
+      <p:ext uri="{BB962C8B-B14F-4D97-AF65-F5344CB8AC3E}">
+        <p14:creationId xmlns:p14="http://schemas.microsoft.com/office/powerpoint/2010/main" val="3565163954"/>
+      </p:ext>
+    </p:extLst>
+  </p:cSld>
+  <p:clrMapOvr>
+    <a:masterClrMapping/>
+  </p:clrMapOvr>
+</p:notes>
+</file>
+
+<file path=ppt/notesSlides/notesSlide4.xml><?xml version="1.0" encoding="utf-8"?>
+<p:notes xmlns:a="http://schemas.openxmlformats.org/drawingml/2006/main" xmlns:r="http://schemas.openxmlformats.org/officeDocument/2006/relationships" xmlns:p="http://schemas.openxmlformats.org/presentationml/2006/main">
+  <p:cSld>
+    <p:spTree>
+      <p:nvGrpSpPr>
+        <p:cNvPr id="1" name=""/>
+        <p:cNvGrpSpPr/>
+        <p:nvPr/>
+      </p:nvGrpSpPr>
+      <p:grpSpPr>
+        <a:xfrm>
+          <a:off x="0" y="0"/>
+          <a:ext cx="0" cy="0"/>
+          <a:chOff x="0" y="0"/>
+          <a:chExt cx="0" cy="0"/>
+        </a:xfrm>
+      </p:grpSpPr>
+      <p:sp>
+        <p:nvSpPr>
+          <p:cNvPr id="2" name="Espace réservé de l'image des diapositives 1"/>
+          <p:cNvSpPr>
+            <a:spLocks noGrp="1" noRot="1" noChangeAspect="1"/>
+          </p:cNvSpPr>
+          <p:nvPr>
+            <p:ph type="sldImg"/>
+          </p:nvPr>
+        </p:nvSpPr>
+        <p:spPr/>
+      </p:sp>
+      <p:sp>
+        <p:nvSpPr>
+          <p:cNvPr id="3" name="Espace réservé des notes 2"/>
+          <p:cNvSpPr>
+            <a:spLocks noGrp="1"/>
+          </p:cNvSpPr>
+          <p:nvPr>
+            <p:ph type="body" idx="1"/>
+          </p:nvPr>
+        </p:nvSpPr>
+        <p:spPr/>
+        <p:txBody>
+          <a:bodyPr/>
+          <a:lstStyle/>
+          <a:p>
+            <a:pPr marL="0" marR="0" lvl="0" indent="0" algn="l" defTabSz="914400" rtl="0" eaLnBrk="1" fontAlgn="auto" latinLnBrk="0" hangingPunct="1">
+              <a:lnSpc>
+                <a:spcPct val="100000"/>
+              </a:lnSpc>
+              <a:spcBef>
+                <a:spcPts val="0"/>
+              </a:spcBef>
+              <a:spcAft>
+                <a:spcPts val="0"/>
+              </a:spcAft>
+              <a:buClrTx/>
+              <a:buSzTx/>
+              <a:buFontTx/>
+              <a:buNone/>
+              <a:tabLst/>
+              <a:defRPr/>
+            </a:pPr>
+            <a:r>
+              <a:rPr lang="fr-FR" sz="1200" kern="1200" dirty="0">
+                <a:solidFill>
+                  <a:schemeClr val="tx1"/>
+                </a:solidFill>
+                <a:effectLst/>
+                <a:latin typeface="+mn-lt"/>
+                <a:ea typeface="+mn-ea"/>
+                <a:cs typeface="+mn-cs"/>
+              </a:rPr>
+              <a:t>Pour pouvoir naviguer sur une route orthodromique en suivant un cap il faut le calculer. Le pilote doit ensuite partitionner sa route pour vérifier s’il ne dévie pas, chaque fin de partition il doit récupérer ces coordonnée actuel et répéter l’opération de calcul de cap.</a:t>
+            </a:r>
+          </a:p>
+          <a:p>
+            <a:endParaRPr lang="fr-FR" dirty="0"/>
+          </a:p>
+        </p:txBody>
+      </p:sp>
+      <p:sp>
+        <p:nvSpPr>
+          <p:cNvPr id="4" name="Espace réservé du numéro de diapositive 3"/>
+          <p:cNvSpPr>
+            <a:spLocks noGrp="1"/>
+          </p:cNvSpPr>
+          <p:nvPr>
+            <p:ph type="sldNum" sz="quarter" idx="10"/>
+          </p:nvPr>
+        </p:nvSpPr>
+        <p:spPr/>
+        <p:txBody>
+          <a:bodyPr/>
+          <a:lstStyle/>
+          <a:p>
+            <a:fld id="{4AD3E05C-2A7A-4B67-B246-8E4D9A066A55}" type="slidenum">
+              <a:rPr lang="fr-FR" smtClean="0"/>
+              <a:t>10</a:t>
+            </a:fld>
+            <a:endParaRPr lang="fr-FR"/>
+          </a:p>
+        </p:txBody>
+      </p:sp>
+    </p:spTree>
+    <p:extLst>
+      <p:ext uri="{BB962C8B-B14F-4D97-AF65-F5344CB8AC3E}">
+        <p14:creationId xmlns:p14="http://schemas.microsoft.com/office/powerpoint/2010/main" val="1202851567"/>
+      </p:ext>
+    </p:extLst>
+  </p:cSld>
+  <p:clrMapOvr>
+    <a:masterClrMapping/>
+  </p:clrMapOvr>
+</p:notes>
+</file>
+
+<file path=ppt/notesSlides/notesSlide5.xml><?xml version="1.0" encoding="utf-8"?>
+<p:notes xmlns:a="http://schemas.openxmlformats.org/drawingml/2006/main" xmlns:r="http://schemas.openxmlformats.org/officeDocument/2006/relationships" xmlns:p="http://schemas.openxmlformats.org/presentationml/2006/main">
+  <p:cSld>
+    <p:spTree>
+      <p:nvGrpSpPr>
+        <p:cNvPr id="1" name=""/>
+        <p:cNvGrpSpPr/>
+        <p:nvPr/>
+      </p:nvGrpSpPr>
+      <p:grpSpPr>
+        <a:xfrm>
+          <a:off x="0" y="0"/>
+          <a:ext cx="0" cy="0"/>
+          <a:chOff x="0" y="0"/>
+          <a:chExt cx="0" cy="0"/>
+        </a:xfrm>
+      </p:grpSpPr>
+      <p:sp>
+        <p:nvSpPr>
+          <p:cNvPr id="2" name="Espace réservé de l'image des diapositives 1"/>
+          <p:cNvSpPr>
+            <a:spLocks noGrp="1" noRot="1" noChangeAspect="1"/>
+          </p:cNvSpPr>
+          <p:nvPr>
+            <p:ph type="sldImg"/>
+          </p:nvPr>
+        </p:nvSpPr>
+        <p:spPr/>
+      </p:sp>
+      <mc:AlternateContent xmlns:mc="http://schemas.openxmlformats.org/markup-compatibility/2006" xmlns:a14="http://schemas.microsoft.com/office/drawing/2010/main">
+        <mc:Choice Requires="a14">
           <p:sp>
             <p:nvSpPr>
               <p:cNvPr id="3" name="Espace réservé des notes 2"/>
@@ -1388,7 +2057,7 @@
             </p:txBody>
           </p:sp>
         </mc:Choice>
-        <mc:Fallback>
+        <mc:Fallback xmlns="">
           <p:sp>
             <p:nvSpPr>
               <p:cNvPr id="3" name="Espace réservé des notes 2"/>
@@ -1608,7 +2277,7 @@
           <a:p>
             <a:fld id="{4AD3E05C-2A7A-4B67-B246-8E4D9A066A55}" type="slidenum">
               <a:rPr lang="fr-FR" smtClean="0"/>
-              <a:t>3</a:t>
+              <a:t>11</a:t>
             </a:fld>
             <a:endParaRPr lang="fr-FR"/>
           </a:p>
@@ -1627,7 +2296,7 @@
 </p:notes>
 </file>
 
-<file path=ppt/notesSlides/notesSlide3.xml><?xml version="1.0" encoding="utf-8"?>
+<file path=ppt/notesSlides/notesSlide6.xml><?xml version="1.0" encoding="utf-8"?>
 <p:notes xmlns:a="http://schemas.openxmlformats.org/drawingml/2006/main" xmlns:r="http://schemas.openxmlformats.org/officeDocument/2006/relationships" xmlns:p="http://schemas.openxmlformats.org/presentationml/2006/main">
   <p:cSld>
     <p:spTree>
@@ -1692,7 +2361,7 @@
           <a:p>
             <a:fld id="{4AD3E05C-2A7A-4B67-B246-8E4D9A066A55}" type="slidenum">
               <a:rPr lang="fr-FR" smtClean="0"/>
-              <a:t>4</a:t>
+              <a:t>12</a:t>
             </a:fld>
             <a:endParaRPr lang="fr-FR"/>
           </a:p>
@@ -7951,7 +8620,7 @@
 </p:sld>
 </file>
 
-<file path=ppt/slides/slide2.xml><?xml version="1.0" encoding="utf-8"?>
+<file path=ppt/slides/slide10.xml><?xml version="1.0" encoding="utf-8"?>
 <p:sld xmlns:a="http://schemas.openxmlformats.org/drawingml/2006/main" xmlns:r="http://schemas.openxmlformats.org/officeDocument/2006/relationships" xmlns:p="http://schemas.openxmlformats.org/presentationml/2006/main">
   <p:cSld>
     <p:spTree>
@@ -8044,7 +8713,7 @@
 </p:sld>
 </file>
 
-<file path=ppt/slides/slide3.xml><?xml version="1.0" encoding="utf-8"?>
+<file path=ppt/slides/slide11.xml><?xml version="1.0" encoding="utf-8"?>
 <p:sld xmlns:a="http://schemas.openxmlformats.org/drawingml/2006/main" xmlns:r="http://schemas.openxmlformats.org/officeDocument/2006/relationships" xmlns:p="http://schemas.openxmlformats.org/presentationml/2006/main">
   <p:cSld>
     <p:spTree>
@@ -8125,8 +8794,8 @@
           </a:prstGeom>
         </p:spPr>
       </p:pic>
-      <mc:AlternateContent xmlns:mc="http://schemas.openxmlformats.org/markup-compatibility/2006">
-        <mc:Choice xmlns:a14="http://schemas.microsoft.com/office/drawing/2010/main" Requires="a14">
+      <mc:AlternateContent xmlns:mc="http://schemas.openxmlformats.org/markup-compatibility/2006" xmlns:a14="http://schemas.microsoft.com/office/drawing/2010/main">
+        <mc:Choice Requires="a14">
           <p:sp>
             <p:nvSpPr>
               <p:cNvPr id="5" name="Rectangle 4">
@@ -8154,6 +8823,7 @@
               </a:bodyPr>
               <a:lstStyle/>
               <a:p>
+                <a:pPr/>
                 <a14:m>
                   <m:oMathPara xmlns:m="http://schemas.openxmlformats.org/officeDocument/2006/math">
                     <m:oMathParaPr>
@@ -8163,7 +8833,7 @@
                       <m:f>
                         <m:fPr>
                           <m:ctrlPr>
-                            <a:rPr lang="fr-FR">
+                            <a:rPr lang="fr-FR" i="1">
                               <a:latin typeface="Cambria Math" panose="02040503050406030204" pitchFamily="18" charset="0"/>
                             </a:rPr>
                           </m:ctrlPr>
@@ -8399,7 +9069,7 @@
             </p:txBody>
           </p:sp>
         </mc:Choice>
-        <mc:Fallback>
+        <mc:Fallback xmlns="">
           <p:sp>
             <p:nvSpPr>
               <p:cNvPr id="5" name="Rectangle 4">
@@ -8457,7 +9127,7 @@
 </p:sld>
 </file>
 
-<file path=ppt/slides/slide4.xml><?xml version="1.0" encoding="utf-8"?>
+<file path=ppt/slides/slide12.xml><?xml version="1.0" encoding="utf-8"?>
 <p:sld xmlns:a="http://schemas.openxmlformats.org/drawingml/2006/main" xmlns:r="http://schemas.openxmlformats.org/officeDocument/2006/relationships" xmlns:p="http://schemas.openxmlformats.org/presentationml/2006/main">
   <p:cSld>
     <p:spTree>
@@ -8474,8 +9144,8 @@
           <a:chExt cx="0" cy="0"/>
         </a:xfrm>
       </p:grpSpPr>
-      <mc:AlternateContent xmlns:mc="http://schemas.openxmlformats.org/markup-compatibility/2006">
-        <mc:Choice xmlns:a14="http://schemas.microsoft.com/office/drawing/2010/main" Requires="a14">
+      <mc:AlternateContent xmlns:mc="http://schemas.openxmlformats.org/markup-compatibility/2006" xmlns:a14="http://schemas.microsoft.com/office/drawing/2010/main">
+        <mc:Choice Requires="a14">
           <p:sp>
             <p:nvSpPr>
               <p:cNvPr id="3" name="Espace réservé du contenu 2">
@@ -8516,33 +9186,45 @@
                       <m:f>
                         <m:fPr>
                           <m:ctrlPr>
-                            <a:rPr lang="fr-FR" i="1"/>
+                            <a:rPr lang="fr-FR" i="1">
+                              <a:latin typeface="Cambria Math" panose="02040503050406030204" pitchFamily="18" charset="0"/>
+                            </a:rPr>
                           </m:ctrlPr>
                         </m:fPr>
                         <m:num>
                           <m:func>
                             <m:funcPr>
                               <m:ctrlPr>
-                                <a:rPr lang="fr-FR" i="1"/>
+                                <a:rPr lang="fr-FR" i="1">
+                                  <a:latin typeface="Cambria Math" panose="02040503050406030204" pitchFamily="18" charset="0"/>
+                                </a:rPr>
                               </m:ctrlPr>
                             </m:funcPr>
                             <m:fName>
                               <m:r>
-                                <a:rPr lang="fr-FR" i="1"/>
+                                <a:rPr lang="fr-FR" i="1">
+                                  <a:latin typeface="Cambria Math" panose="02040503050406030204" pitchFamily="18" charset="0"/>
+                                </a:rPr>
                                 <m:t>𝑠𝑖𝑛</m:t>
                               </m:r>
                             </m:fName>
                             <m:e>
                               <m:r>
-                                <a:rPr lang="fr-FR" i="1"/>
+                                <a:rPr lang="fr-FR" i="1">
+                                  <a:latin typeface="Cambria Math" panose="02040503050406030204" pitchFamily="18" charset="0"/>
+                                </a:rPr>
                                 <m:t>(</m:t>
                               </m:r>
                               <m:r>
-                                <a:rPr lang="fr-FR" i="1"/>
+                                <a:rPr lang="fr-FR" i="1">
+                                  <a:latin typeface="Cambria Math" panose="02040503050406030204" pitchFamily="18" charset="0"/>
+                                </a:rPr>
                                 <m:t>𝐴𝐵</m:t>
                               </m:r>
                               <m:r>
-                                <a:rPr lang="fr-FR" i="1"/>
+                                <a:rPr lang="fr-FR" i="1">
+                                  <a:latin typeface="Cambria Math" panose="02040503050406030204" pitchFamily="18" charset="0"/>
+                                </a:rPr>
                                 <m:t>)</m:t>
                               </m:r>
                             </m:e>
@@ -8552,64 +9234,86 @@
                           <m:func>
                             <m:funcPr>
                               <m:ctrlPr>
-                                <a:rPr lang="fr-FR" i="1"/>
+                                <a:rPr lang="fr-FR" i="1">
+                                  <a:latin typeface="Cambria Math" panose="02040503050406030204" pitchFamily="18" charset="0"/>
+                                </a:rPr>
                               </m:ctrlPr>
                             </m:funcPr>
                             <m:fName>
                               <m:r>
-                                <a:rPr lang="fr-FR" i="1"/>
+                                <a:rPr lang="fr-FR" i="1">
+                                  <a:latin typeface="Cambria Math" panose="02040503050406030204" pitchFamily="18" charset="0"/>
+                                </a:rPr>
                                 <m:t>𝑠𝑖𝑛</m:t>
                               </m:r>
                             </m:fName>
                             <m:e>
                               <m:r>
-                                <a:rPr lang="fr-FR" i="1"/>
+                                <a:rPr lang="fr-FR" i="1">
+                                  <a:latin typeface="Cambria Math" panose="02040503050406030204" pitchFamily="18" charset="0"/>
+                                </a:rPr>
                                 <m:t>(</m:t>
                               </m:r>
                               <m:sSub>
                                 <m:sSubPr>
                                   <m:ctrlPr>
-                                    <a:rPr lang="fr-FR" i="1"/>
+                                    <a:rPr lang="fr-FR" i="1">
+                                      <a:latin typeface="Cambria Math" panose="02040503050406030204" pitchFamily="18" charset="0"/>
+                                    </a:rPr>
                                   </m:ctrlPr>
                                 </m:sSubPr>
                                 <m:e>
                                   <m:r>
-                                    <a:rPr lang="fr-FR" i="1"/>
+                                    <a:rPr lang="fr-FR" i="1">
+                                      <a:latin typeface="Cambria Math" panose="02040503050406030204" pitchFamily="18" charset="0"/>
+                                    </a:rPr>
                                     <m:t>𝛾</m:t>
                                   </m:r>
                                 </m:e>
                                 <m:sub>
                                   <m:r>
-                                    <a:rPr lang="fr-FR" i="1"/>
+                                    <a:rPr lang="fr-FR" i="1">
+                                      <a:latin typeface="Cambria Math" panose="02040503050406030204" pitchFamily="18" charset="0"/>
+                                    </a:rPr>
                                     <m:t>𝐵</m:t>
                                   </m:r>
                                 </m:sub>
                               </m:sSub>
                               <m:r>
-                                <a:rPr lang="fr-FR" i="1"/>
+                                <a:rPr lang="fr-FR" i="1">
+                                  <a:latin typeface="Cambria Math" panose="02040503050406030204" pitchFamily="18" charset="0"/>
+                                </a:rPr>
                                 <m:t>−</m:t>
                               </m:r>
                               <m:sSub>
                                 <m:sSubPr>
                                   <m:ctrlPr>
-                                    <a:rPr lang="fr-FR" i="1"/>
+                                    <a:rPr lang="fr-FR" i="1">
+                                      <a:latin typeface="Cambria Math" panose="02040503050406030204" pitchFamily="18" charset="0"/>
+                                    </a:rPr>
                                   </m:ctrlPr>
                                 </m:sSubPr>
                                 <m:e>
                                   <m:r>
-                                    <a:rPr lang="fr-FR" i="1"/>
+                                    <a:rPr lang="fr-FR" i="1">
+                                      <a:latin typeface="Cambria Math" panose="02040503050406030204" pitchFamily="18" charset="0"/>
+                                    </a:rPr>
                                     <m:t>𝛾</m:t>
                                   </m:r>
                                 </m:e>
                                 <m:sub>
                                   <m:r>
-                                    <a:rPr lang="fr-FR" i="1"/>
+                                    <a:rPr lang="fr-FR" i="1">
+                                      <a:latin typeface="Cambria Math" panose="02040503050406030204" pitchFamily="18" charset="0"/>
+                                    </a:rPr>
                                     <m:t>𝐴</m:t>
                                   </m:r>
                                 </m:sub>
                               </m:sSub>
                               <m:r>
-                                <a:rPr lang="fr-FR" i="1"/>
+                                <a:rPr lang="fr-FR" i="1">
+                                  <a:latin typeface="Cambria Math" panose="02040503050406030204" pitchFamily="18" charset="0"/>
+                                </a:rPr>
                                 <m:t>)</m:t>
                               </m:r>
                             </m:e>
@@ -8617,20 +9321,26 @@
                         </m:den>
                       </m:f>
                       <m:r>
-                        <a:rPr lang="fr-FR" i="1"/>
+                        <a:rPr lang="fr-FR" i="1">
+                          <a:latin typeface="Cambria Math" panose="02040503050406030204" pitchFamily="18" charset="0"/>
+                        </a:rPr>
                         <m:t>=</m:t>
                       </m:r>
                       <m:f>
                         <m:fPr>
                           <m:ctrlPr>
-                            <a:rPr lang="fr-FR" i="1"/>
+                            <a:rPr lang="fr-FR" i="1">
+                              <a:latin typeface="Cambria Math" panose="02040503050406030204" pitchFamily="18" charset="0"/>
+                            </a:rPr>
                           </m:ctrlPr>
                         </m:fPr>
                         <m:num>
                           <m:func>
                             <m:funcPr>
                               <m:ctrlPr>
-                                <a:rPr lang="fr-FR" i="1"/>
+                                <a:rPr lang="fr-FR" i="1">
+                                  <a:latin typeface="Cambria Math" panose="02040503050406030204" pitchFamily="18" charset="0"/>
+                                </a:rPr>
                               </m:ctrlPr>
                             </m:funcPr>
                             <m:fName>
@@ -8638,59 +9348,79 @@
                                 <m:rPr>
                                   <m:sty m:val="p"/>
                                 </m:rPr>
-                                <a:rPr lang="fr-FR"/>
+                                <a:rPr lang="fr-FR">
+                                  <a:latin typeface="Cambria Math" panose="02040503050406030204" pitchFamily="18" charset="0"/>
+                                </a:rPr>
                                 <m:t>sin</m:t>
                               </m:r>
                             </m:fName>
                             <m:e>
                               <m:r>
-                                <a:rPr lang="fr-FR" i="1"/>
+                                <a:rPr lang="fr-FR" i="1">
+                                  <a:latin typeface="Cambria Math" panose="02040503050406030204" pitchFamily="18" charset="0"/>
+                                </a:rPr>
                                 <m:t>(</m:t>
                               </m:r>
                               <m:f>
                                 <m:fPr>
                                   <m:ctrlPr>
-                                    <a:rPr lang="fr-FR" i="1"/>
+                                    <a:rPr lang="fr-FR" i="1">
+                                      <a:latin typeface="Cambria Math" panose="02040503050406030204" pitchFamily="18" charset="0"/>
+                                    </a:rPr>
                                   </m:ctrlPr>
                                 </m:fPr>
                                 <m:num>
                                   <m:r>
-                                    <a:rPr lang="fr-FR" i="1"/>
+                                    <a:rPr lang="fr-FR" i="1">
+                                      <a:latin typeface="Cambria Math" panose="02040503050406030204" pitchFamily="18" charset="0"/>
+                                    </a:rPr>
                                     <m:t>𝜋</m:t>
                                   </m:r>
                                 </m:num>
                                 <m:den>
                                   <m:r>
-                                    <a:rPr lang="fr-FR" i="1"/>
+                                    <a:rPr lang="fr-FR" i="1">
+                                      <a:latin typeface="Cambria Math" panose="02040503050406030204" pitchFamily="18" charset="0"/>
+                                    </a:rPr>
                                     <m:t>2</m:t>
                                   </m:r>
                                 </m:den>
                               </m:f>
                               <m:r>
-                                <a:rPr lang="fr-FR" i="1"/>
+                                <a:rPr lang="fr-FR" i="1">
+                                  <a:latin typeface="Cambria Math" panose="02040503050406030204" pitchFamily="18" charset="0"/>
+                                </a:rPr>
                                 <m:t>−</m:t>
                               </m:r>
                               <m:sSub>
                                 <m:sSubPr>
                                   <m:ctrlPr>
-                                    <a:rPr lang="fr-FR" i="1"/>
+                                    <a:rPr lang="fr-FR" i="1">
+                                      <a:latin typeface="Cambria Math" panose="02040503050406030204" pitchFamily="18" charset="0"/>
+                                    </a:rPr>
                                   </m:ctrlPr>
                                 </m:sSubPr>
                                 <m:e>
                                   <m:r>
-                                    <a:rPr lang="fr-FR" i="1"/>
+                                    <a:rPr lang="fr-FR" i="1">
+                                      <a:latin typeface="Cambria Math" panose="02040503050406030204" pitchFamily="18" charset="0"/>
+                                    </a:rPr>
                                     <m:t>𝜑</m:t>
                                   </m:r>
                                 </m:e>
                                 <m:sub>
                                   <m:r>
-                                    <a:rPr lang="fr-FR" i="1"/>
+                                    <a:rPr lang="fr-FR" i="1">
+                                      <a:latin typeface="Cambria Math" panose="02040503050406030204" pitchFamily="18" charset="0"/>
+                                    </a:rPr>
                                     <m:t>𝐵</m:t>
                                   </m:r>
                                 </m:sub>
                               </m:sSub>
                               <m:r>
-                                <a:rPr lang="fr-FR" i="1"/>
+                                <a:rPr lang="fr-FR" i="1">
+                                  <a:latin typeface="Cambria Math" panose="02040503050406030204" pitchFamily="18" charset="0"/>
+                                </a:rPr>
                                 <m:t>)</m:t>
                               </m:r>
                             </m:e>
@@ -8700,7 +9430,9 @@
                           <m:func>
                             <m:funcPr>
                               <m:ctrlPr>
-                                <a:rPr lang="fr-FR" i="1"/>
+                                <a:rPr lang="fr-FR" i="1">
+                                  <a:latin typeface="Cambria Math" panose="02040503050406030204" pitchFamily="18" charset="0"/>
+                                </a:rPr>
                               </m:ctrlPr>
                             </m:funcPr>
                             <m:fName>
@@ -8708,36 +9440,48 @@
                                 <m:rPr>
                                   <m:sty m:val="p"/>
                                 </m:rPr>
-                                <a:rPr lang="fr-FR"/>
+                                <a:rPr lang="fr-FR">
+                                  <a:latin typeface="Cambria Math" panose="02040503050406030204" pitchFamily="18" charset="0"/>
+                                </a:rPr>
                                 <m:t>sin</m:t>
                               </m:r>
                             </m:fName>
                             <m:e>
                               <m:r>
-                                <a:rPr lang="fr-FR" i="1"/>
+                                <a:rPr lang="fr-FR" i="1">
+                                  <a:latin typeface="Cambria Math" panose="02040503050406030204" pitchFamily="18" charset="0"/>
+                                </a:rPr>
                                 <m:t>(</m:t>
                               </m:r>
                               <m:sSub>
                                 <m:sSubPr>
                                   <m:ctrlPr>
-                                    <a:rPr lang="fr-FR" i="1"/>
+                                    <a:rPr lang="fr-FR" i="1">
+                                      <a:latin typeface="Cambria Math" panose="02040503050406030204" pitchFamily="18" charset="0"/>
+                                    </a:rPr>
                                   </m:ctrlPr>
                                 </m:sSubPr>
                                 <m:e>
                                   <m:r>
-                                    <a:rPr lang="fr-FR" i="1"/>
+                                    <a:rPr lang="fr-FR" i="1">
+                                      <a:latin typeface="Cambria Math" panose="02040503050406030204" pitchFamily="18" charset="0"/>
+                                    </a:rPr>
                                     <m:t>𝑅</m:t>
                                   </m:r>
                                 </m:e>
                                 <m:sub>
                                   <m:r>
-                                    <a:rPr lang="fr-FR" i="1"/>
+                                    <a:rPr lang="fr-FR" i="1">
+                                      <a:latin typeface="Cambria Math" panose="02040503050406030204" pitchFamily="18" charset="0"/>
+                                    </a:rPr>
                                     <m:t>0</m:t>
                                   </m:r>
                                 </m:sub>
                               </m:sSub>
                               <m:r>
-                                <a:rPr lang="fr-FR" i="1"/>
+                                <a:rPr lang="fr-FR" i="1">
+                                  <a:latin typeface="Cambria Math" panose="02040503050406030204" pitchFamily="18" charset="0"/>
+                                </a:rPr>
                                 <m:t>)</m:t>
                               </m:r>
                             </m:e>
@@ -8771,7 +9515,9 @@
                       <m:func>
                         <m:funcPr>
                           <m:ctrlPr>
-                            <a:rPr lang="fr-FR" i="1"/>
+                            <a:rPr lang="fr-FR" i="1">
+                              <a:latin typeface="Cambria Math" panose="02040503050406030204" pitchFamily="18" charset="0"/>
+                            </a:rPr>
                           </m:ctrlPr>
                         </m:funcPr>
                         <m:fName>
@@ -8779,53 +9525,71 @@
                             <m:rPr>
                               <m:sty m:val="p"/>
                             </m:rPr>
-                            <a:rPr lang="fr-FR"/>
+                            <a:rPr lang="fr-FR">
+                              <a:latin typeface="Cambria Math" panose="02040503050406030204" pitchFamily="18" charset="0"/>
+                            </a:rPr>
                             <m:t>sin</m:t>
                           </m:r>
                         </m:fName>
                         <m:e>
                           <m:r>
-                            <a:rPr lang="fr-FR" i="1"/>
+                            <a:rPr lang="fr-FR" i="1">
+                              <a:latin typeface="Cambria Math" panose="02040503050406030204" pitchFamily="18" charset="0"/>
+                            </a:rPr>
                             <m:t>(</m:t>
                           </m:r>
                           <m:f>
                             <m:fPr>
                               <m:ctrlPr>
-                                <a:rPr lang="fr-FR" i="1"/>
+                                <a:rPr lang="fr-FR" i="1">
+                                  <a:latin typeface="Cambria Math" panose="02040503050406030204" pitchFamily="18" charset="0"/>
+                                </a:rPr>
                               </m:ctrlPr>
                             </m:fPr>
                             <m:num>
                               <m:r>
-                                <a:rPr lang="fr-FR" i="1"/>
+                                <a:rPr lang="fr-FR" i="1">
+                                  <a:latin typeface="Cambria Math" panose="02040503050406030204" pitchFamily="18" charset="0"/>
+                                </a:rPr>
                                 <m:t>𝜋</m:t>
                               </m:r>
                             </m:num>
                             <m:den>
                               <m:r>
-                                <a:rPr lang="fr-FR" i="1"/>
+                                <a:rPr lang="fr-FR" i="1">
+                                  <a:latin typeface="Cambria Math" panose="02040503050406030204" pitchFamily="18" charset="0"/>
+                                </a:rPr>
                                 <m:t>2</m:t>
                               </m:r>
                             </m:den>
                           </m:f>
                           <m:r>
-                            <a:rPr lang="fr-FR" i="1"/>
+                            <a:rPr lang="fr-FR" i="1">
+                              <a:latin typeface="Cambria Math" panose="02040503050406030204" pitchFamily="18" charset="0"/>
+                            </a:rPr>
                             <m:t>−</m:t>
                           </m:r>
                           <m:sSub>
                             <m:sSubPr>
                               <m:ctrlPr>
-                                <a:rPr lang="fr-FR" i="1"/>
+                                <a:rPr lang="fr-FR" i="1">
+                                  <a:latin typeface="Cambria Math" panose="02040503050406030204" pitchFamily="18" charset="0"/>
+                                </a:rPr>
                               </m:ctrlPr>
                             </m:sSubPr>
                             <m:e>
                               <m:r>
-                                <a:rPr lang="fr-FR" i="1"/>
+                                <a:rPr lang="fr-FR" i="1">
+                                  <a:latin typeface="Cambria Math" panose="02040503050406030204" pitchFamily="18" charset="0"/>
+                                </a:rPr>
                                 <m:t>𝜑</m:t>
                               </m:r>
                             </m:e>
                             <m:sub>
                               <m:r>
-                                <a:rPr lang="fr-FR" i="1"/>
+                                <a:rPr lang="fr-FR" i="1">
+                                  <a:latin typeface="Cambria Math" panose="02040503050406030204" pitchFamily="18" charset="0"/>
+                                </a:rPr>
                                 <m:t>𝐵</m:t>
                               </m:r>
                             </m:sub>
@@ -8833,13 +9597,17 @@
                         </m:e>
                       </m:func>
                       <m:r>
-                        <a:rPr lang="fr-FR" i="1"/>
+                        <a:rPr lang="fr-FR" i="1">
+                          <a:latin typeface="Cambria Math" panose="02040503050406030204" pitchFamily="18" charset="0"/>
+                        </a:rPr>
                         <m:t>)=</m:t>
                       </m:r>
                       <m:func>
                         <m:funcPr>
                           <m:ctrlPr>
-                            <a:rPr lang="fr-FR" i="1"/>
+                            <a:rPr lang="fr-FR" i="1">
+                              <a:latin typeface="Cambria Math" panose="02040503050406030204" pitchFamily="18" charset="0"/>
+                            </a:rPr>
                           </m:ctrlPr>
                         </m:funcPr>
                         <m:fName>
@@ -8847,36 +9615,48 @@
                             <m:rPr>
                               <m:sty m:val="p"/>
                             </m:rPr>
-                            <a:rPr lang="fr-FR"/>
+                            <a:rPr lang="fr-FR">
+                              <a:latin typeface="Cambria Math" panose="02040503050406030204" pitchFamily="18" charset="0"/>
+                            </a:rPr>
                             <m:t>cos</m:t>
                           </m:r>
                         </m:fName>
                         <m:e>
                           <m:r>
-                            <a:rPr lang="fr-FR" i="1"/>
+                            <a:rPr lang="fr-FR" i="1">
+                              <a:latin typeface="Cambria Math" panose="02040503050406030204" pitchFamily="18" charset="0"/>
+                            </a:rPr>
                             <m:t>(</m:t>
                           </m:r>
                           <m:sSub>
                             <m:sSubPr>
                               <m:ctrlPr>
-                                <a:rPr lang="fr-FR" i="1"/>
+                                <a:rPr lang="fr-FR" i="1">
+                                  <a:latin typeface="Cambria Math" panose="02040503050406030204" pitchFamily="18" charset="0"/>
+                                </a:rPr>
                               </m:ctrlPr>
                             </m:sSubPr>
                             <m:e>
                               <m:r>
-                                <a:rPr lang="fr-FR" i="1"/>
+                                <a:rPr lang="fr-FR" i="1">
+                                  <a:latin typeface="Cambria Math" panose="02040503050406030204" pitchFamily="18" charset="0"/>
+                                </a:rPr>
                                 <m:t>𝜑</m:t>
                               </m:r>
                             </m:e>
                             <m:sub>
                               <m:r>
-                                <a:rPr lang="fr-FR" i="1"/>
+                                <a:rPr lang="fr-FR" i="1">
+                                  <a:latin typeface="Cambria Math" panose="02040503050406030204" pitchFamily="18" charset="0"/>
+                                </a:rPr>
                                 <m:t>𝐵</m:t>
                               </m:r>
                             </m:sub>
                           </m:sSub>
                           <m:r>
-                            <a:rPr lang="fr-FR" i="1"/>
+                            <a:rPr lang="fr-FR" i="1">
+                              <a:latin typeface="Cambria Math" panose="02040503050406030204" pitchFamily="18" charset="0"/>
+                            </a:rPr>
                             <m:t>)</m:t>
                           </m:r>
                         </m:e>
@@ -8908,14 +9688,18 @@
                       <m:f>
                         <m:fPr>
                           <m:ctrlPr>
-                            <a:rPr lang="fr-FR" i="1"/>
+                            <a:rPr lang="fr-FR" i="1">
+                              <a:latin typeface="Cambria Math" panose="02040503050406030204" pitchFamily="18" charset="0"/>
+                            </a:rPr>
                           </m:ctrlPr>
                         </m:fPr>
                         <m:num>
                           <m:func>
                             <m:funcPr>
                               <m:ctrlPr>
-                                <a:rPr lang="fr-FR" i="1"/>
+                                <a:rPr lang="fr-FR" i="1">
+                                  <a:latin typeface="Cambria Math" panose="02040503050406030204" pitchFamily="18" charset="0"/>
+                                </a:rPr>
                               </m:ctrlPr>
                             </m:funcPr>
                             <m:fName>
@@ -8923,21 +9707,29 @@
                                 <m:rPr>
                                   <m:sty m:val="p"/>
                                 </m:rPr>
-                                <a:rPr lang="fr-FR"/>
+                                <a:rPr lang="fr-FR">
+                                  <a:latin typeface="Cambria Math" panose="02040503050406030204" pitchFamily="18" charset="0"/>
+                                </a:rPr>
                                 <m:t>sin</m:t>
                               </m:r>
                             </m:fName>
                             <m:e>
                               <m:r>
-                                <a:rPr lang="fr-FR" i="1"/>
+                                <a:rPr lang="fr-FR" i="1">
+                                  <a:latin typeface="Cambria Math" panose="02040503050406030204" pitchFamily="18" charset="0"/>
+                                </a:rPr>
                                 <m:t>(</m:t>
                               </m:r>
                               <m:r>
-                                <a:rPr lang="fr-FR" i="1"/>
+                                <a:rPr lang="fr-FR" i="1">
+                                  <a:latin typeface="Cambria Math" panose="02040503050406030204" pitchFamily="18" charset="0"/>
+                                </a:rPr>
                                 <m:t>𝐴𝐵</m:t>
                               </m:r>
                               <m:r>
-                                <a:rPr lang="fr-FR" i="1"/>
+                                <a:rPr lang="fr-FR" i="1">
+                                  <a:latin typeface="Cambria Math" panose="02040503050406030204" pitchFamily="18" charset="0"/>
+                                </a:rPr>
                                 <m:t>)</m:t>
                               </m:r>
                             </m:e>
@@ -8947,7 +9739,9 @@
                           <m:func>
                             <m:funcPr>
                               <m:ctrlPr>
-                                <a:rPr lang="fr-FR" i="1"/>
+                                <a:rPr lang="fr-FR" i="1">
+                                  <a:latin typeface="Cambria Math" panose="02040503050406030204" pitchFamily="18" charset="0"/>
+                                </a:rPr>
                               </m:ctrlPr>
                             </m:funcPr>
                             <m:fName>
@@ -8955,59 +9749,79 @@
                                 <m:rPr>
                                   <m:sty m:val="p"/>
                                 </m:rPr>
-                                <a:rPr lang="fr-FR"/>
+                                <a:rPr lang="fr-FR">
+                                  <a:latin typeface="Cambria Math" panose="02040503050406030204" pitchFamily="18" charset="0"/>
+                                </a:rPr>
                                 <m:t>sin</m:t>
                               </m:r>
                             </m:fName>
                             <m:e>
                               <m:r>
-                                <a:rPr lang="fr-FR" i="1"/>
+                                <a:rPr lang="fr-FR" i="1">
+                                  <a:latin typeface="Cambria Math" panose="02040503050406030204" pitchFamily="18" charset="0"/>
+                                </a:rPr>
                                 <m:t>(</m:t>
                               </m:r>
                               <m:sSub>
                                 <m:sSubPr>
                                   <m:ctrlPr>
-                                    <a:rPr lang="fr-FR" i="1"/>
+                                    <a:rPr lang="fr-FR" i="1">
+                                      <a:latin typeface="Cambria Math" panose="02040503050406030204" pitchFamily="18" charset="0"/>
+                                    </a:rPr>
                                   </m:ctrlPr>
                                 </m:sSubPr>
                                 <m:e>
                                   <m:r>
-                                    <a:rPr lang="fr-FR" i="1"/>
+                                    <a:rPr lang="fr-FR" i="1">
+                                      <a:latin typeface="Cambria Math" panose="02040503050406030204" pitchFamily="18" charset="0"/>
+                                    </a:rPr>
                                     <m:t>𝛾</m:t>
                                   </m:r>
                                 </m:e>
                                 <m:sub>
                                   <m:r>
-                                    <a:rPr lang="fr-FR" i="1"/>
+                                    <a:rPr lang="fr-FR" i="1">
+                                      <a:latin typeface="Cambria Math" panose="02040503050406030204" pitchFamily="18" charset="0"/>
+                                    </a:rPr>
                                     <m:t>𝐵</m:t>
                                   </m:r>
                                 </m:sub>
                               </m:sSub>
                               <m:r>
-                                <a:rPr lang="fr-FR" i="1"/>
+                                <a:rPr lang="fr-FR" i="1">
+                                  <a:latin typeface="Cambria Math" panose="02040503050406030204" pitchFamily="18" charset="0"/>
+                                </a:rPr>
                                 <m:t>−</m:t>
                               </m:r>
                               <m:sSub>
                                 <m:sSubPr>
                                   <m:ctrlPr>
-                                    <a:rPr lang="fr-FR" i="1"/>
+                                    <a:rPr lang="fr-FR" i="1">
+                                      <a:latin typeface="Cambria Math" panose="02040503050406030204" pitchFamily="18" charset="0"/>
+                                    </a:rPr>
                                   </m:ctrlPr>
                                 </m:sSubPr>
                                 <m:e>
                                   <m:r>
-                                    <a:rPr lang="fr-FR" i="1"/>
+                                    <a:rPr lang="fr-FR" i="1">
+                                      <a:latin typeface="Cambria Math" panose="02040503050406030204" pitchFamily="18" charset="0"/>
+                                    </a:rPr>
                                     <m:t>𝛾</m:t>
                                   </m:r>
                                 </m:e>
                                 <m:sub>
                                   <m:r>
-                                    <a:rPr lang="fr-FR" i="1"/>
+                                    <a:rPr lang="fr-FR" i="1">
+                                      <a:latin typeface="Cambria Math" panose="02040503050406030204" pitchFamily="18" charset="0"/>
+                                    </a:rPr>
                                     <m:t>𝐴</m:t>
                                   </m:r>
                                 </m:sub>
                               </m:sSub>
                               <m:r>
-                                <a:rPr lang="fr-FR" i="1"/>
+                                <a:rPr lang="fr-FR" i="1">
+                                  <a:latin typeface="Cambria Math" panose="02040503050406030204" pitchFamily="18" charset="0"/>
+                                </a:rPr>
                                 <m:t>)</m:t>
                               </m:r>
                             </m:e>
@@ -9015,20 +9829,26 @@
                         </m:den>
                       </m:f>
                       <m:r>
-                        <a:rPr lang="fr-FR" i="1"/>
+                        <a:rPr lang="fr-FR" i="1">
+                          <a:latin typeface="Cambria Math" panose="02040503050406030204" pitchFamily="18" charset="0"/>
+                        </a:rPr>
                         <m:t>=</m:t>
                       </m:r>
                       <m:f>
                         <m:fPr>
                           <m:ctrlPr>
-                            <a:rPr lang="fr-FR" i="1"/>
+                            <a:rPr lang="fr-FR" i="1">
+                              <a:latin typeface="Cambria Math" panose="02040503050406030204" pitchFamily="18" charset="0"/>
+                            </a:rPr>
                           </m:ctrlPr>
                         </m:fPr>
                         <m:num>
                           <m:func>
                             <m:funcPr>
                               <m:ctrlPr>
-                                <a:rPr lang="fr-FR" i="1"/>
+                                <a:rPr lang="fr-FR" i="1">
+                                  <a:latin typeface="Cambria Math" panose="02040503050406030204" pitchFamily="18" charset="0"/>
+                                </a:rPr>
                               </m:ctrlPr>
                             </m:funcPr>
                             <m:fName>
@@ -9036,36 +9856,48 @@
                                 <m:rPr>
                                   <m:sty m:val="p"/>
                                 </m:rPr>
-                                <a:rPr lang="fr-FR"/>
+                                <a:rPr lang="fr-FR">
+                                  <a:latin typeface="Cambria Math" panose="02040503050406030204" pitchFamily="18" charset="0"/>
+                                </a:rPr>
                                 <m:t>cos</m:t>
                               </m:r>
                             </m:fName>
                             <m:e>
                               <m:r>
-                                <a:rPr lang="fr-FR" i="1"/>
+                                <a:rPr lang="fr-FR" i="1">
+                                  <a:latin typeface="Cambria Math" panose="02040503050406030204" pitchFamily="18" charset="0"/>
+                                </a:rPr>
                                 <m:t>(</m:t>
                               </m:r>
                               <m:sSub>
                                 <m:sSubPr>
                                   <m:ctrlPr>
-                                    <a:rPr lang="fr-FR" i="1"/>
+                                    <a:rPr lang="fr-FR" i="1">
+                                      <a:latin typeface="Cambria Math" panose="02040503050406030204" pitchFamily="18" charset="0"/>
+                                    </a:rPr>
                                   </m:ctrlPr>
                                 </m:sSubPr>
                                 <m:e>
                                   <m:r>
-                                    <a:rPr lang="fr-FR" i="1"/>
+                                    <a:rPr lang="fr-FR" i="1">
+                                      <a:latin typeface="Cambria Math" panose="02040503050406030204" pitchFamily="18" charset="0"/>
+                                    </a:rPr>
                                     <m:t>𝜑</m:t>
                                   </m:r>
                                 </m:e>
                                 <m:sub>
                                   <m:r>
-                                    <a:rPr lang="fr-FR" i="1"/>
+                                    <a:rPr lang="fr-FR" i="1">
+                                      <a:latin typeface="Cambria Math" panose="02040503050406030204" pitchFamily="18" charset="0"/>
+                                    </a:rPr>
                                     <m:t>𝐵</m:t>
                                   </m:r>
                                 </m:sub>
                               </m:sSub>
                               <m:r>
-                                <a:rPr lang="fr-FR" i="1"/>
+                                <a:rPr lang="fr-FR" i="1">
+                                  <a:latin typeface="Cambria Math" panose="02040503050406030204" pitchFamily="18" charset="0"/>
+                                </a:rPr>
                                 <m:t>)</m:t>
                               </m:r>
                             </m:e>
@@ -9075,7 +9907,9 @@
                           <m:func>
                             <m:funcPr>
                               <m:ctrlPr>
-                                <a:rPr lang="fr-FR" i="1"/>
+                                <a:rPr lang="fr-FR" i="1">
+                                  <a:latin typeface="Cambria Math" panose="02040503050406030204" pitchFamily="18" charset="0"/>
+                                </a:rPr>
                               </m:ctrlPr>
                             </m:funcPr>
                             <m:fName>
@@ -9083,36 +9917,48 @@
                                 <m:rPr>
                                   <m:sty m:val="p"/>
                                 </m:rPr>
-                                <a:rPr lang="fr-FR"/>
+                                <a:rPr lang="fr-FR">
+                                  <a:latin typeface="Cambria Math" panose="02040503050406030204" pitchFamily="18" charset="0"/>
+                                </a:rPr>
                                 <m:t>sin</m:t>
                               </m:r>
                             </m:fName>
                             <m:e>
                               <m:r>
-                                <a:rPr lang="fr-FR" i="1"/>
+                                <a:rPr lang="fr-FR" i="1">
+                                  <a:latin typeface="Cambria Math" panose="02040503050406030204" pitchFamily="18" charset="0"/>
+                                </a:rPr>
                                 <m:t>(</m:t>
                               </m:r>
                               <m:sSub>
                                 <m:sSubPr>
                                   <m:ctrlPr>
-                                    <a:rPr lang="fr-FR" i="1"/>
+                                    <a:rPr lang="fr-FR" i="1">
+                                      <a:latin typeface="Cambria Math" panose="02040503050406030204" pitchFamily="18" charset="0"/>
+                                    </a:rPr>
                                   </m:ctrlPr>
                                 </m:sSubPr>
                                 <m:e>
                                   <m:r>
-                                    <a:rPr lang="fr-FR" i="1"/>
+                                    <a:rPr lang="fr-FR" i="1">
+                                      <a:latin typeface="Cambria Math" panose="02040503050406030204" pitchFamily="18" charset="0"/>
+                                    </a:rPr>
                                     <m:t>𝑅</m:t>
                                   </m:r>
                                 </m:e>
                                 <m:sub>
                                   <m:r>
-                                    <a:rPr lang="fr-FR" i="1"/>
+                                    <a:rPr lang="fr-FR" i="1">
+                                      <a:latin typeface="Cambria Math" panose="02040503050406030204" pitchFamily="18" charset="0"/>
+                                    </a:rPr>
                                     <m:t>0</m:t>
                                   </m:r>
                                 </m:sub>
                               </m:sSub>
                               <m:r>
-                                <a:rPr lang="fr-FR" i="1"/>
+                                <a:rPr lang="fr-FR" i="1">
+                                  <a:latin typeface="Cambria Math" panose="02040503050406030204" pitchFamily="18" charset="0"/>
+                                </a:rPr>
                                 <m:t>)</m:t>
                               </m:r>
                             </m:e>
@@ -9146,7 +9992,9 @@
                       <m:func>
                         <m:funcPr>
                           <m:ctrlPr>
-                            <a:rPr lang="fr-FR" i="1"/>
+                            <a:rPr lang="fr-FR" i="1">
+                              <a:latin typeface="Cambria Math" panose="02040503050406030204" pitchFamily="18" charset="0"/>
+                            </a:rPr>
                           </m:ctrlPr>
                         </m:funcPr>
                         <m:fName>
@@ -9154,7 +10002,9 @@
                             <m:rPr>
                               <m:sty m:val="p"/>
                             </m:rPr>
-                            <a:rPr lang="fr-FR"/>
+                            <a:rPr lang="fr-FR">
+                              <a:latin typeface="Cambria Math" panose="02040503050406030204" pitchFamily="18" charset="0"/>
+                            </a:rPr>
                             <m:t>sin</m:t>
                           </m:r>
                         </m:fName>
@@ -9162,25 +10012,33 @@
                           <m:d>
                             <m:dPr>
                               <m:ctrlPr>
-                                <a:rPr lang="fr-FR" i="1"/>
+                                <a:rPr lang="fr-FR" i="1">
+                                  <a:latin typeface="Cambria Math" panose="02040503050406030204" pitchFamily="18" charset="0"/>
+                                </a:rPr>
                               </m:ctrlPr>
                             </m:dPr>
                             <m:e>
                               <m:sSub>
                                 <m:sSubPr>
                                   <m:ctrlPr>
-                                    <a:rPr lang="fr-FR" i="1"/>
+                                    <a:rPr lang="fr-FR" i="1">
+                                      <a:latin typeface="Cambria Math" panose="02040503050406030204" pitchFamily="18" charset="0"/>
+                                    </a:rPr>
                                   </m:ctrlPr>
                                 </m:sSubPr>
                                 <m:e>
                                   <m:r>
-                                    <a:rPr lang="fr-FR" i="1"/>
+                                    <a:rPr lang="fr-FR" i="1">
+                                      <a:latin typeface="Cambria Math" panose="02040503050406030204" pitchFamily="18" charset="0"/>
+                                    </a:rPr>
                                     <m:t>𝑅</m:t>
                                   </m:r>
                                 </m:e>
                                 <m:sub>
                                   <m:r>
-                                    <a:rPr lang="fr-FR" i="1"/>
+                                    <a:rPr lang="fr-FR" i="1">
+                                      <a:latin typeface="Cambria Math" panose="02040503050406030204" pitchFamily="18" charset="0"/>
+                                    </a:rPr>
                                     <m:t>0</m:t>
                                   </m:r>
                                 </m:sub>
@@ -9188,20 +10046,26 @@
                             </m:e>
                           </m:d>
                           <m:r>
-                            <a:rPr lang="fr-FR" i="1"/>
+                            <a:rPr lang="fr-FR" i="1">
+                              <a:latin typeface="Cambria Math" panose="02040503050406030204" pitchFamily="18" charset="0"/>
+                            </a:rPr>
                             <m:t>=</m:t>
                           </m:r>
                           <m:f>
                             <m:fPr>
                               <m:ctrlPr>
-                                <a:rPr lang="fr-FR" i="1"/>
+                                <a:rPr lang="fr-FR" i="1">
+                                  <a:latin typeface="Cambria Math" panose="02040503050406030204" pitchFamily="18" charset="0"/>
+                                </a:rPr>
                               </m:ctrlPr>
                             </m:fPr>
                             <m:num>
                               <m:func>
                                 <m:funcPr>
                                   <m:ctrlPr>
-                                    <a:rPr lang="fr-FR" i="1"/>
+                                    <a:rPr lang="fr-FR" i="1">
+                                      <a:latin typeface="Cambria Math" panose="02040503050406030204" pitchFamily="18" charset="0"/>
+                                    </a:rPr>
                                   </m:ctrlPr>
                                 </m:funcPr>
                                 <m:fName>
@@ -9209,7 +10073,9 @@
                                     <m:rPr>
                                       <m:sty m:val="p"/>
                                     </m:rPr>
-                                    <a:rPr lang="fr-FR"/>
+                                    <a:rPr lang="fr-FR">
+                                      <a:latin typeface="Cambria Math" panose="02040503050406030204" pitchFamily="18" charset="0"/>
+                                    </a:rPr>
                                     <m:t>cos</m:t>
                                   </m:r>
                                 </m:fName>
@@ -9217,25 +10083,33 @@
                                   <m:d>
                                     <m:dPr>
                                       <m:ctrlPr>
-                                        <a:rPr lang="fr-FR" i="1"/>
+                                        <a:rPr lang="fr-FR" i="1">
+                                          <a:latin typeface="Cambria Math" panose="02040503050406030204" pitchFamily="18" charset="0"/>
+                                        </a:rPr>
                                       </m:ctrlPr>
                                     </m:dPr>
                                     <m:e>
                                       <m:sSub>
                                         <m:sSubPr>
                                           <m:ctrlPr>
-                                            <a:rPr lang="fr-FR" i="1"/>
+                                            <a:rPr lang="fr-FR" i="1">
+                                              <a:latin typeface="Cambria Math" panose="02040503050406030204" pitchFamily="18" charset="0"/>
+                                            </a:rPr>
                                           </m:ctrlPr>
                                         </m:sSubPr>
                                         <m:e>
                                           <m:r>
-                                            <a:rPr lang="fr-FR" i="1"/>
+                                            <a:rPr lang="fr-FR" i="1">
+                                              <a:latin typeface="Cambria Math" panose="02040503050406030204" pitchFamily="18" charset="0"/>
+                                            </a:rPr>
                                             <m:t>𝜑</m:t>
                                           </m:r>
                                         </m:e>
                                         <m:sub>
                                           <m:r>
-                                            <a:rPr lang="fr-FR" i="1"/>
+                                            <a:rPr lang="fr-FR" i="1">
+                                              <a:latin typeface="Cambria Math" panose="02040503050406030204" pitchFamily="18" charset="0"/>
+                                            </a:rPr>
                                             <m:t>𝐵</m:t>
                                           </m:r>
                                         </m:sub>
@@ -9245,7 +10119,9 @@
                                   <m:func>
                                     <m:funcPr>
                                       <m:ctrlPr>
-                                        <a:rPr lang="fr-FR" i="1"/>
+                                        <a:rPr lang="fr-FR" i="1">
+                                          <a:latin typeface="Cambria Math" panose="02040503050406030204" pitchFamily="18" charset="0"/>
+                                        </a:rPr>
                                       </m:ctrlPr>
                                     </m:funcPr>
                                     <m:fName>
@@ -9253,59 +10129,79 @@
                                         <m:rPr>
                                           <m:sty m:val="p"/>
                                         </m:rPr>
-                                        <a:rPr lang="fr-FR"/>
+                                        <a:rPr lang="fr-FR">
+                                          <a:latin typeface="Cambria Math" panose="02040503050406030204" pitchFamily="18" charset="0"/>
+                                        </a:rPr>
                                         <m:t>sin</m:t>
                                       </m:r>
                                     </m:fName>
                                     <m:e>
                                       <m:r>
-                                        <a:rPr lang="fr-FR" i="1"/>
+                                        <a:rPr lang="fr-FR" i="1">
+                                          <a:latin typeface="Cambria Math" panose="02040503050406030204" pitchFamily="18" charset="0"/>
+                                        </a:rPr>
                                         <m:t>(</m:t>
                                       </m:r>
                                       <m:sSub>
                                         <m:sSubPr>
                                           <m:ctrlPr>
-                                            <a:rPr lang="fr-FR" i="1"/>
+                                            <a:rPr lang="fr-FR" i="1">
+                                              <a:latin typeface="Cambria Math" panose="02040503050406030204" pitchFamily="18" charset="0"/>
+                                            </a:rPr>
                                           </m:ctrlPr>
                                         </m:sSubPr>
                                         <m:e>
                                           <m:r>
-                                            <a:rPr lang="fr-FR" i="1"/>
+                                            <a:rPr lang="fr-FR" i="1">
+                                              <a:latin typeface="Cambria Math" panose="02040503050406030204" pitchFamily="18" charset="0"/>
+                                            </a:rPr>
                                             <m:t>𝛾</m:t>
                                           </m:r>
                                         </m:e>
                                         <m:sub>
                                           <m:r>
-                                            <a:rPr lang="fr-FR" i="1"/>
+                                            <a:rPr lang="fr-FR" i="1">
+                                              <a:latin typeface="Cambria Math" panose="02040503050406030204" pitchFamily="18" charset="0"/>
+                                            </a:rPr>
                                             <m:t>𝐴</m:t>
                                           </m:r>
                                         </m:sub>
                                       </m:sSub>
                                       <m:r>
-                                        <a:rPr lang="fr-FR" i="1"/>
+                                        <a:rPr lang="fr-FR" i="1">
+                                          <a:latin typeface="Cambria Math" panose="02040503050406030204" pitchFamily="18" charset="0"/>
+                                        </a:rPr>
                                         <m:t>−</m:t>
                                       </m:r>
                                       <m:sSub>
                                         <m:sSubPr>
                                           <m:ctrlPr>
-                                            <a:rPr lang="fr-FR" i="1"/>
+                                            <a:rPr lang="fr-FR" i="1">
+                                              <a:latin typeface="Cambria Math" panose="02040503050406030204" pitchFamily="18" charset="0"/>
+                                            </a:rPr>
                                           </m:ctrlPr>
                                         </m:sSubPr>
                                         <m:e>
                                           <m:r>
-                                            <a:rPr lang="fr-FR" i="1"/>
+                                            <a:rPr lang="fr-FR" i="1">
+                                              <a:latin typeface="Cambria Math" panose="02040503050406030204" pitchFamily="18" charset="0"/>
+                                            </a:rPr>
                                             <m:t>𝛾</m:t>
                                           </m:r>
                                         </m:e>
                                         <m:sub>
                                           <m:r>
-                                            <a:rPr lang="fr-FR" i="1"/>
+                                            <a:rPr lang="fr-FR" i="1">
+                                              <a:latin typeface="Cambria Math" panose="02040503050406030204" pitchFamily="18" charset="0"/>
+                                            </a:rPr>
                                             <m:t>𝐵</m:t>
                                           </m:r>
                                         </m:sub>
                                       </m:sSub>
                                       <m:r>
-                                        <a:rPr lang="fr-FR" i="1"/>
+                                        <a:rPr lang="fr-FR" i="1">
+                                          <a:latin typeface="Cambria Math" panose="02040503050406030204" pitchFamily="18" charset="0"/>
+                                        </a:rPr>
                                         <m:t>)</m:t>
                                       </m:r>
                                     </m:e>
@@ -9317,7 +10213,9 @@
                               <m:func>
                                 <m:funcPr>
                                   <m:ctrlPr>
-                                    <a:rPr lang="fr-FR" i="1"/>
+                                    <a:rPr lang="fr-FR" i="1">
+                                      <a:latin typeface="Cambria Math" panose="02040503050406030204" pitchFamily="18" charset="0"/>
+                                    </a:rPr>
                                   </m:ctrlPr>
                                 </m:funcPr>
                                 <m:fName>
@@ -9325,21 +10223,29 @@
                                     <m:rPr>
                                       <m:sty m:val="p"/>
                                     </m:rPr>
-                                    <a:rPr lang="fr-FR"/>
+                                    <a:rPr lang="fr-FR">
+                                      <a:latin typeface="Cambria Math" panose="02040503050406030204" pitchFamily="18" charset="0"/>
+                                    </a:rPr>
                                     <m:t>sin</m:t>
                                   </m:r>
                                 </m:fName>
                                 <m:e>
                                   <m:r>
-                                    <a:rPr lang="fr-FR" i="1"/>
+                                    <a:rPr lang="fr-FR" i="1">
+                                      <a:latin typeface="Cambria Math" panose="02040503050406030204" pitchFamily="18" charset="0"/>
+                                    </a:rPr>
                                     <m:t>(</m:t>
                                   </m:r>
                                   <m:r>
-                                    <a:rPr lang="fr-FR" i="1"/>
+                                    <a:rPr lang="fr-FR" i="1">
+                                      <a:latin typeface="Cambria Math" panose="02040503050406030204" pitchFamily="18" charset="0"/>
+                                    </a:rPr>
                                     <m:t>𝐴𝐵</m:t>
                                   </m:r>
                                   <m:r>
-                                    <a:rPr lang="fr-FR" i="1"/>
+                                    <a:rPr lang="fr-FR" i="1">
+                                      <a:latin typeface="Cambria Math" panose="02040503050406030204" pitchFamily="18" charset="0"/>
+                                    </a:rPr>
                                     <m:t>)</m:t>
                                   </m:r>
                                 </m:e>
@@ -9365,7 +10271,7 @@
             </p:txBody>
           </p:sp>
         </mc:Choice>
-        <mc:Fallback>
+        <mc:Fallback xmlns="">
           <p:sp>
             <p:nvSpPr>
               <p:cNvPr id="3" name="Espace réservé du contenu 2">
@@ -9409,8 +10315,8 @@
           </p:sp>
         </mc:Fallback>
       </mc:AlternateContent>
-      <mc:AlternateContent xmlns:mc="http://schemas.openxmlformats.org/markup-compatibility/2006">
-        <mc:Choice xmlns:a14="http://schemas.microsoft.com/office/drawing/2010/main" Requires="a14">
+      <mc:AlternateContent xmlns:mc="http://schemas.openxmlformats.org/markup-compatibility/2006" xmlns:a14="http://schemas.microsoft.com/office/drawing/2010/main">
+        <mc:Choice Requires="a14">
           <p:sp>
             <p:nvSpPr>
               <p:cNvPr id="4" name="Rectangle 3">
@@ -9761,7 +10667,7 @@
             </p:txBody>
           </p:sp>
         </mc:Choice>
-        <mc:Fallback>
+        <mc:Fallback xmlns="">
           <p:sp>
             <p:nvSpPr>
               <p:cNvPr id="4" name="Rectangle 3">
@@ -9853,6 +10759,5359 @@
     <p:extLst>
       <p:ext uri="{BB962C8B-B14F-4D97-AF65-F5344CB8AC3E}">
         <p14:creationId xmlns:p14="http://schemas.microsoft.com/office/powerpoint/2010/main" val="3658532820"/>
+      </p:ext>
+    </p:extLst>
+  </p:cSld>
+  <p:clrMapOvr>
+    <a:masterClrMapping/>
+  </p:clrMapOvr>
+</p:sld>
+</file>
+
+<file path=ppt/slides/slide2.xml><?xml version="1.0" encoding="utf-8"?>
+<p:sld xmlns:a="http://schemas.openxmlformats.org/drawingml/2006/main" xmlns:r="http://schemas.openxmlformats.org/officeDocument/2006/relationships" xmlns:p="http://schemas.openxmlformats.org/presentationml/2006/main">
+  <p:cSld>
+    <p:spTree>
+      <p:nvGrpSpPr>
+        <p:cNvPr id="1" name=""/>
+        <p:cNvGrpSpPr/>
+        <p:nvPr/>
+      </p:nvGrpSpPr>
+      <p:grpSpPr>
+        <a:xfrm>
+          <a:off x="0" y="0"/>
+          <a:ext cx="0" cy="0"/>
+          <a:chOff x="0" y="0"/>
+          <a:chExt cx="0" cy="0"/>
+        </a:xfrm>
+      </p:grpSpPr>
+      <p:sp>
+        <p:nvSpPr>
+          <p:cNvPr id="2" name="Titre 1">
+            <a:extLst>
+              <a:ext uri="{FF2B5EF4-FFF2-40B4-BE49-F238E27FC236}">
+                <a16:creationId xmlns:a16="http://schemas.microsoft.com/office/drawing/2014/main" id="{564FC9B2-0931-4964-B397-38C43D397FB9}"/>
+              </a:ext>
+            </a:extLst>
+          </p:cNvPr>
+          <p:cNvSpPr>
+            <a:spLocks noGrp="1"/>
+          </p:cNvSpPr>
+          <p:nvPr>
+            <p:ph type="title"/>
+          </p:nvPr>
+        </p:nvSpPr>
+        <p:spPr>
+          <a:xfrm>
+            <a:off x="1353682" y="-136070"/>
+            <a:ext cx="10018713" cy="1752599"/>
+          </a:xfrm>
+        </p:spPr>
+        <p:txBody>
+          <a:bodyPr/>
+          <a:lstStyle/>
+          <a:p>
+            <a:r>
+              <a:rPr lang="fr-FR" dirty="0"/>
+              <a:t>Quelque exercices</a:t>
+            </a:r>
+          </a:p>
+        </p:txBody>
+      </p:sp>
+      <p:sp>
+        <p:nvSpPr>
+          <p:cNvPr id="3" name="Espace réservé du contenu 2">
+            <a:extLst>
+              <a:ext uri="{FF2B5EF4-FFF2-40B4-BE49-F238E27FC236}">
+                <a16:creationId xmlns:a16="http://schemas.microsoft.com/office/drawing/2014/main" id="{2ECBFFF1-C6FF-49B2-B48D-695D8EDC4858}"/>
+              </a:ext>
+            </a:extLst>
+          </p:cNvPr>
+          <p:cNvSpPr>
+            <a:spLocks noGrp="1"/>
+          </p:cNvSpPr>
+          <p:nvPr>
+            <p:ph idx="1"/>
+          </p:nvPr>
+        </p:nvSpPr>
+        <p:spPr>
+          <a:xfrm>
+            <a:off x="852939" y="1812471"/>
+            <a:ext cx="5243061" cy="3864428"/>
+          </a:xfrm>
+        </p:spPr>
+        <p:txBody>
+          <a:bodyPr/>
+          <a:lstStyle/>
+          <a:p>
+            <a:r>
+              <a:rPr lang="fr-FR" dirty="0"/>
+              <a:t>Quelle est la longueur du parallèle de latitude ?		</a:t>
+            </a:r>
+          </a:p>
+          <a:p>
+            <a:pPr marL="457200" lvl="1" indent="0">
+              <a:buNone/>
+            </a:pPr>
+            <a:r>
+              <a:rPr lang="fr-FR" sz="1800" dirty="0"/>
+              <a:t>Périmètre d’un cercle:</a:t>
+            </a:r>
+          </a:p>
+          <a:p>
+            <a:pPr marL="457200" lvl="1" indent="0">
+              <a:buNone/>
+            </a:pPr>
+            <a:r>
+              <a:rPr lang="fr-FR" sz="1800" b="1" dirty="0"/>
+              <a:t> </a:t>
+            </a:r>
+            <a:r>
+              <a:rPr lang="en-US" sz="1800" dirty="0"/>
+              <a:t>2 * pi * (cos(L) * R) .</a:t>
+            </a:r>
+            <a:endParaRPr lang="fr-FR" sz="1800" dirty="0"/>
+          </a:p>
+          <a:p>
+            <a:pPr marL="457200" lvl="1" indent="0">
+              <a:buNone/>
+            </a:pPr>
+            <a:r>
+              <a:rPr lang="fr-FR" sz="1800" dirty="0"/>
+              <a:t>L est le degré de Latitude</a:t>
+            </a:r>
+          </a:p>
+          <a:p>
+            <a:pPr marL="457200" lvl="1" indent="0">
+              <a:buNone/>
+            </a:pPr>
+            <a:r>
+              <a:rPr lang="fr-FR" sz="1800" dirty="0"/>
+              <a:t>R est le rayon de la Terre</a:t>
+            </a:r>
+          </a:p>
+          <a:p>
+            <a:pPr lvl="1"/>
+            <a:endParaRPr lang="fr-FR" sz="1800" dirty="0"/>
+          </a:p>
+          <a:p>
+            <a:pPr marL="457200" lvl="1" indent="0">
+              <a:buNone/>
+            </a:pPr>
+            <a:r>
+              <a:rPr lang="en-US" sz="1800" dirty="0"/>
+              <a:t>2*pi*(cos(45)*6371= 28306 km</a:t>
+            </a:r>
+            <a:endParaRPr lang="fr-FR" sz="1800" dirty="0"/>
+          </a:p>
+          <a:p>
+            <a:endParaRPr lang="fr-FR" dirty="0"/>
+          </a:p>
+        </p:txBody>
+      </p:sp>
+      <p:sp>
+        <p:nvSpPr>
+          <p:cNvPr id="4" name="Espace réservé du contenu 2">
+            <a:extLst>
+              <a:ext uri="{FF2B5EF4-FFF2-40B4-BE49-F238E27FC236}">
+                <a16:creationId xmlns:a16="http://schemas.microsoft.com/office/drawing/2014/main" id="{B6FB7DE0-7220-4FD5-BA48-3253C9335831}"/>
+              </a:ext>
+            </a:extLst>
+          </p:cNvPr>
+          <p:cNvSpPr txBox="1">
+            <a:spLocks/>
+          </p:cNvSpPr>
+          <p:nvPr/>
+        </p:nvSpPr>
+        <p:spPr>
+          <a:xfrm>
+            <a:off x="5720780" y="1453243"/>
+            <a:ext cx="6471220" cy="5241471"/>
+          </a:xfrm>
+          <a:prstGeom prst="rect">
+            <a:avLst/>
+          </a:prstGeom>
+        </p:spPr>
+        <p:txBody>
+          <a:bodyPr vert="horz" lIns="91440" tIns="45720" rIns="91440" bIns="45720" rtlCol="0" anchor="ctr">
+            <a:normAutofit fontScale="32500" lnSpcReduction="20000"/>
+          </a:bodyPr>
+          <a:lstStyle>
+            <a:lvl1pPr marL="285750" indent="-285750" algn="l" defTabSz="457200" rtl="0" eaLnBrk="1" latinLnBrk="0" hangingPunct="1">
+              <a:spcBef>
+                <a:spcPct val="20000"/>
+              </a:spcBef>
+              <a:spcAft>
+                <a:spcPts val="600"/>
+              </a:spcAft>
+              <a:buClr>
+                <a:schemeClr val="accent1">
+                  <a:lumMod val="75000"/>
+                </a:schemeClr>
+              </a:buClr>
+              <a:buSzPct val="145000"/>
+              <a:buFont typeface="Arial"/>
+              <a:buChar char="•"/>
+              <a:defRPr sz="2400" kern="1200" cap="none">
+                <a:solidFill>
+                  <a:schemeClr val="tx1"/>
+                </a:solidFill>
+                <a:effectLst/>
+                <a:latin typeface="+mn-lt"/>
+                <a:ea typeface="+mn-ea"/>
+                <a:cs typeface="+mn-cs"/>
+              </a:defRPr>
+            </a:lvl1pPr>
+            <a:lvl2pPr marL="742950" indent="-285750" algn="l" defTabSz="457200" rtl="0" eaLnBrk="1" latinLnBrk="0" hangingPunct="1">
+              <a:spcBef>
+                <a:spcPct val="20000"/>
+              </a:spcBef>
+              <a:spcAft>
+                <a:spcPts val="600"/>
+              </a:spcAft>
+              <a:buClr>
+                <a:schemeClr val="accent1">
+                  <a:lumMod val="75000"/>
+                </a:schemeClr>
+              </a:buClr>
+              <a:buSzPct val="145000"/>
+              <a:buFont typeface="Arial"/>
+              <a:buChar char="•"/>
+              <a:defRPr sz="2000" kern="1200" cap="none">
+                <a:solidFill>
+                  <a:schemeClr val="tx1"/>
+                </a:solidFill>
+                <a:effectLst/>
+                <a:latin typeface="+mn-lt"/>
+                <a:ea typeface="+mn-ea"/>
+                <a:cs typeface="+mn-cs"/>
+              </a:defRPr>
+            </a:lvl2pPr>
+            <a:lvl3pPr marL="1200150" indent="-285750" algn="l" defTabSz="457200" rtl="0" eaLnBrk="1" latinLnBrk="0" hangingPunct="1">
+              <a:spcBef>
+                <a:spcPct val="20000"/>
+              </a:spcBef>
+              <a:spcAft>
+                <a:spcPts val="600"/>
+              </a:spcAft>
+              <a:buClr>
+                <a:schemeClr val="accent1">
+                  <a:lumMod val="75000"/>
+                </a:schemeClr>
+              </a:buClr>
+              <a:buSzPct val="145000"/>
+              <a:buFont typeface="Arial"/>
+              <a:buChar char="•"/>
+              <a:defRPr sz="1800" kern="1200" cap="none">
+                <a:solidFill>
+                  <a:schemeClr val="tx1"/>
+                </a:solidFill>
+                <a:effectLst/>
+                <a:latin typeface="+mn-lt"/>
+                <a:ea typeface="+mn-ea"/>
+                <a:cs typeface="+mn-cs"/>
+              </a:defRPr>
+            </a:lvl3pPr>
+            <a:lvl4pPr marL="1543050" indent="-171450" algn="l" defTabSz="457200" rtl="0" eaLnBrk="1" latinLnBrk="0" hangingPunct="1">
+              <a:spcBef>
+                <a:spcPct val="20000"/>
+              </a:spcBef>
+              <a:spcAft>
+                <a:spcPts val="600"/>
+              </a:spcAft>
+              <a:buClr>
+                <a:schemeClr val="accent1">
+                  <a:lumMod val="75000"/>
+                </a:schemeClr>
+              </a:buClr>
+              <a:buSzPct val="145000"/>
+              <a:buFont typeface="Arial"/>
+              <a:buChar char="•"/>
+              <a:defRPr sz="1600" kern="1200" cap="none">
+                <a:solidFill>
+                  <a:schemeClr val="tx1"/>
+                </a:solidFill>
+                <a:effectLst/>
+                <a:latin typeface="+mn-lt"/>
+                <a:ea typeface="+mn-ea"/>
+                <a:cs typeface="+mn-cs"/>
+              </a:defRPr>
+            </a:lvl4pPr>
+            <a:lvl5pPr marL="2000250" indent="-171450" algn="l" defTabSz="457200" rtl="0" eaLnBrk="1" latinLnBrk="0" hangingPunct="1">
+              <a:spcBef>
+                <a:spcPct val="20000"/>
+              </a:spcBef>
+              <a:spcAft>
+                <a:spcPts val="600"/>
+              </a:spcAft>
+              <a:buClr>
+                <a:schemeClr val="accent1">
+                  <a:lumMod val="75000"/>
+                </a:schemeClr>
+              </a:buClr>
+              <a:buSzPct val="145000"/>
+              <a:buFont typeface="Arial"/>
+              <a:buChar char="•"/>
+              <a:defRPr sz="1400" kern="1200" cap="none">
+                <a:solidFill>
+                  <a:schemeClr val="tx1"/>
+                </a:solidFill>
+                <a:effectLst/>
+                <a:latin typeface="+mn-lt"/>
+                <a:ea typeface="+mn-ea"/>
+                <a:cs typeface="+mn-cs"/>
+              </a:defRPr>
+            </a:lvl5pPr>
+            <a:lvl6pPr marL="2514600" indent="-228600" algn="l" defTabSz="457200" rtl="0" eaLnBrk="1" latinLnBrk="0" hangingPunct="1">
+              <a:spcBef>
+                <a:spcPct val="20000"/>
+              </a:spcBef>
+              <a:spcAft>
+                <a:spcPts val="600"/>
+              </a:spcAft>
+              <a:buClr>
+                <a:schemeClr val="accent1">
+                  <a:lumMod val="75000"/>
+                </a:schemeClr>
+              </a:buClr>
+              <a:buSzPct val="145000"/>
+              <a:buFont typeface="Arial"/>
+              <a:buChar char="•"/>
+              <a:defRPr sz="1400" kern="1200" cap="none">
+                <a:solidFill>
+                  <a:schemeClr val="tx1"/>
+                </a:solidFill>
+                <a:effectLst/>
+                <a:latin typeface="+mn-lt"/>
+                <a:ea typeface="+mn-ea"/>
+                <a:cs typeface="+mn-cs"/>
+              </a:defRPr>
+            </a:lvl6pPr>
+            <a:lvl7pPr marL="2971800" indent="-228600" algn="l" defTabSz="457200" rtl="0" eaLnBrk="1" latinLnBrk="0" hangingPunct="1">
+              <a:spcBef>
+                <a:spcPct val="20000"/>
+              </a:spcBef>
+              <a:spcAft>
+                <a:spcPts val="600"/>
+              </a:spcAft>
+              <a:buClr>
+                <a:schemeClr val="accent1">
+                  <a:lumMod val="75000"/>
+                </a:schemeClr>
+              </a:buClr>
+              <a:buSzPct val="145000"/>
+              <a:buFont typeface="Arial"/>
+              <a:buChar char="•"/>
+              <a:defRPr sz="1400" kern="1200" cap="none">
+                <a:solidFill>
+                  <a:schemeClr val="tx1"/>
+                </a:solidFill>
+                <a:effectLst/>
+                <a:latin typeface="+mn-lt"/>
+                <a:ea typeface="+mn-ea"/>
+                <a:cs typeface="+mn-cs"/>
+              </a:defRPr>
+            </a:lvl7pPr>
+            <a:lvl8pPr marL="3429000" indent="-228600" algn="l" defTabSz="457200" rtl="0" eaLnBrk="1" latinLnBrk="0" hangingPunct="1">
+              <a:spcBef>
+                <a:spcPct val="20000"/>
+              </a:spcBef>
+              <a:spcAft>
+                <a:spcPts val="600"/>
+              </a:spcAft>
+              <a:buClr>
+                <a:schemeClr val="accent1">
+                  <a:lumMod val="75000"/>
+                </a:schemeClr>
+              </a:buClr>
+              <a:buSzPct val="145000"/>
+              <a:buFont typeface="Arial"/>
+              <a:buChar char="•"/>
+              <a:defRPr sz="1400" kern="1200" cap="none">
+                <a:solidFill>
+                  <a:schemeClr val="tx1"/>
+                </a:solidFill>
+                <a:effectLst/>
+                <a:latin typeface="+mn-lt"/>
+                <a:ea typeface="+mn-ea"/>
+                <a:cs typeface="+mn-cs"/>
+              </a:defRPr>
+            </a:lvl8pPr>
+            <a:lvl9pPr marL="3886200" indent="-228600" algn="l" defTabSz="457200" rtl="0" eaLnBrk="1" latinLnBrk="0" hangingPunct="1">
+              <a:spcBef>
+                <a:spcPct val="20000"/>
+              </a:spcBef>
+              <a:spcAft>
+                <a:spcPts val="600"/>
+              </a:spcAft>
+              <a:buClr>
+                <a:schemeClr val="accent1">
+                  <a:lumMod val="75000"/>
+                </a:schemeClr>
+              </a:buClr>
+              <a:buSzPct val="145000"/>
+              <a:buFont typeface="Arial"/>
+              <a:buChar char="•"/>
+              <a:defRPr sz="1400" kern="1200" cap="none">
+                <a:solidFill>
+                  <a:schemeClr val="tx1"/>
+                </a:solidFill>
+                <a:effectLst/>
+                <a:latin typeface="+mn-lt"/>
+                <a:ea typeface="+mn-ea"/>
+                <a:cs typeface="+mn-cs"/>
+              </a:defRPr>
+            </a:lvl9pPr>
+          </a:lstStyle>
+          <a:p>
+            <a:r>
+              <a:rPr lang="fr-FR" sz="4900" dirty="0"/>
+              <a:t>Que vaut la distance entre </a:t>
+            </a:r>
+            <a:r>
+              <a:rPr lang="fr-FR" sz="4900" i="1" dirty="0"/>
+              <a:t>A </a:t>
+            </a:r>
+            <a:r>
+              <a:rPr lang="fr-FR" sz="4900" dirty="0"/>
+              <a:t>et </a:t>
+            </a:r>
+            <a:r>
+              <a:rPr lang="fr-FR" sz="4900" i="1" dirty="0"/>
+              <a:t>B </a:t>
+            </a:r>
+            <a:r>
+              <a:rPr lang="fr-FR" sz="4900" dirty="0"/>
+              <a:t>lorsque l’on se déplace sur le parallèle de latitude </a:t>
+            </a:r>
+            <a:r>
+              <a:rPr lang="fr-FR" sz="4900" i="1" dirty="0"/>
+              <a:t>' </a:t>
+            </a:r>
+            <a:r>
+              <a:rPr lang="fr-FR" sz="4900" dirty="0"/>
+              <a:t>?Et lorsque l’on se déplace sur le méridien de </a:t>
+            </a:r>
+            <a:r>
+              <a:rPr lang="fr-FR" sz="4900" i="1" dirty="0"/>
+              <a:t>A </a:t>
+            </a:r>
+            <a:r>
+              <a:rPr lang="fr-FR" sz="4900" dirty="0"/>
+              <a:t>jusqu’au pôle nord puis jus qu’au méridien de </a:t>
+            </a:r>
+            <a:r>
+              <a:rPr lang="fr-FR" sz="4900" i="1" dirty="0"/>
+              <a:t>B </a:t>
+            </a:r>
+            <a:r>
+              <a:rPr lang="fr-FR" sz="4900" dirty="0"/>
+              <a:t>vers le sud jusqu’en </a:t>
+            </a:r>
+            <a:r>
+              <a:rPr lang="fr-FR" sz="4900" i="1" dirty="0"/>
+              <a:t>B </a:t>
+            </a:r>
+            <a:r>
+              <a:rPr lang="fr-FR" sz="4900" dirty="0"/>
+              <a:t>? Donner les valeurs lorsque </a:t>
+            </a:r>
+            <a:r>
+              <a:rPr lang="fr-FR" sz="4900" i="1" dirty="0"/>
+              <a:t> </a:t>
+            </a:r>
+            <a:r>
+              <a:rPr lang="fr-FR" sz="4900" dirty="0"/>
+              <a:t>= 45 °.	</a:t>
+            </a:r>
+          </a:p>
+          <a:p>
+            <a:pPr marL="457200" lvl="1" indent="0">
+              <a:buNone/>
+            </a:pPr>
+            <a:r>
+              <a:rPr lang="en-US" sz="4900" dirty="0"/>
+              <a:t>2*pi*R(°/360)</a:t>
+            </a:r>
+            <a:endParaRPr lang="fr-FR" sz="4900" dirty="0"/>
+          </a:p>
+          <a:p>
+            <a:pPr marL="457200" lvl="1" indent="0">
+              <a:buNone/>
+            </a:pPr>
+            <a:endParaRPr lang="fr-FR" sz="4900" dirty="0"/>
+          </a:p>
+          <a:p>
+            <a:pPr marL="457200" lvl="1" indent="0">
+              <a:buNone/>
+            </a:pPr>
+            <a:r>
+              <a:rPr lang="fr-FR" sz="4900" dirty="0"/>
+              <a:t>R est le rayon calculer a l’aide de la taille de notre longitude longueur/2*pi</a:t>
+            </a:r>
+          </a:p>
+          <a:p>
+            <a:pPr marL="457200" lvl="1" indent="0">
+              <a:buNone/>
+            </a:pPr>
+            <a:r>
+              <a:rPr lang="fr-FR" sz="4900" dirty="0"/>
+              <a:t>° est la différence en degré des 2 points</a:t>
+            </a:r>
+          </a:p>
+          <a:p>
+            <a:pPr marL="457200" lvl="1" indent="0">
+              <a:buNone/>
+            </a:pPr>
+            <a:r>
+              <a:rPr lang="fr-FR" sz="4900" dirty="0"/>
+              <a:t> </a:t>
+            </a:r>
+          </a:p>
+          <a:p>
+            <a:pPr marL="457200" lvl="1" indent="0">
+              <a:buNone/>
+            </a:pPr>
+            <a:r>
+              <a:rPr lang="fr-FR" sz="4900" dirty="0"/>
+              <a:t>Parallèle </a:t>
+            </a:r>
+          </a:p>
+          <a:p>
+            <a:pPr marL="457200" lvl="1" indent="0">
+              <a:buNone/>
+            </a:pPr>
+            <a:r>
+              <a:rPr lang="fr-FR" sz="4900" dirty="0"/>
+              <a:t>2*pi* (28306/(2*pi))*(180/360)=14153 km</a:t>
+            </a:r>
+          </a:p>
+          <a:p>
+            <a:pPr marL="457200" lvl="1" indent="0">
+              <a:buNone/>
+            </a:pPr>
+            <a:r>
+              <a:rPr lang="fr-FR" sz="4900" dirty="0"/>
+              <a:t>Méridien</a:t>
+            </a:r>
+          </a:p>
+          <a:p>
+            <a:pPr marL="457200" lvl="1" indent="0">
+              <a:buNone/>
+            </a:pPr>
+            <a:r>
+              <a:rPr lang="fr-FR" sz="4900" dirty="0"/>
+              <a:t>2*pi*6371*(90/360)= 10008 km</a:t>
+            </a:r>
+          </a:p>
+          <a:p>
+            <a:r>
+              <a:rPr lang="fr-FR" sz="4900" dirty="0"/>
+              <a:t>15 L de kérosène par km donc gain de 62175 l économisé en partant sur le méridien</a:t>
+            </a:r>
+          </a:p>
+          <a:p>
+            <a:endParaRPr lang="fr-FR" sz="2000" dirty="0"/>
+          </a:p>
+          <a:p>
+            <a:pPr marL="457200" lvl="1" indent="0">
+              <a:buNone/>
+            </a:pPr>
+            <a:endParaRPr lang="fr-FR" sz="4900" dirty="0"/>
+          </a:p>
+          <a:p>
+            <a:pPr marL="0" indent="0">
+              <a:buNone/>
+            </a:pPr>
+            <a:endParaRPr lang="fr-FR" sz="1800" dirty="0"/>
+          </a:p>
+          <a:p>
+            <a:endParaRPr lang="fr-FR" dirty="0"/>
+          </a:p>
+        </p:txBody>
+      </p:sp>
+    </p:spTree>
+    <p:extLst>
+      <p:ext uri="{BB962C8B-B14F-4D97-AF65-F5344CB8AC3E}">
+        <p14:creationId xmlns:p14="http://schemas.microsoft.com/office/powerpoint/2010/main" val="233642135"/>
+      </p:ext>
+    </p:extLst>
+  </p:cSld>
+  <p:clrMapOvr>
+    <a:masterClrMapping/>
+  </p:clrMapOvr>
+</p:sld>
+</file>
+
+<file path=ppt/slides/slide3.xml><?xml version="1.0" encoding="utf-8"?>
+<p:sld xmlns:a="http://schemas.openxmlformats.org/drawingml/2006/main" xmlns:r="http://schemas.openxmlformats.org/officeDocument/2006/relationships" xmlns:p="http://schemas.openxmlformats.org/presentationml/2006/main">
+  <p:cSld>
+    <p:spTree>
+      <p:nvGrpSpPr>
+        <p:cNvPr id="1" name=""/>
+        <p:cNvGrpSpPr/>
+        <p:nvPr/>
+      </p:nvGrpSpPr>
+      <p:grpSpPr>
+        <a:xfrm>
+          <a:off x="0" y="0"/>
+          <a:ext cx="0" cy="0"/>
+          <a:chOff x="0" y="0"/>
+          <a:chExt cx="0" cy="0"/>
+        </a:xfrm>
+      </p:grpSpPr>
+      <p:sp>
+        <p:nvSpPr>
+          <p:cNvPr id="2" name="Titre 1">
+            <a:extLst>
+              <a:ext uri="{FF2B5EF4-FFF2-40B4-BE49-F238E27FC236}">
+                <a16:creationId xmlns:a16="http://schemas.microsoft.com/office/drawing/2014/main" id="{34417045-0BEE-4C71-A641-AC1C02B1FEDC}"/>
+              </a:ext>
+            </a:extLst>
+          </p:cNvPr>
+          <p:cNvSpPr>
+            <a:spLocks noGrp="1"/>
+          </p:cNvSpPr>
+          <p:nvPr>
+            <p:ph type="title"/>
+          </p:nvPr>
+        </p:nvSpPr>
+        <p:spPr/>
+        <p:txBody>
+          <a:bodyPr/>
+          <a:lstStyle/>
+          <a:p>
+            <a:r>
+              <a:rPr lang="fr-FR" dirty="0"/>
+              <a:t>Calcul orthodromique</a:t>
+            </a:r>
+          </a:p>
+        </p:txBody>
+      </p:sp>
+      <p:sp>
+        <p:nvSpPr>
+          <p:cNvPr id="3" name="Espace réservé du contenu 2">
+            <a:extLst>
+              <a:ext uri="{FF2B5EF4-FFF2-40B4-BE49-F238E27FC236}">
+                <a16:creationId xmlns:a16="http://schemas.microsoft.com/office/drawing/2014/main" id="{4B830EE6-3340-4E60-96DF-DDEB5FD93ECE}"/>
+              </a:ext>
+            </a:extLst>
+          </p:cNvPr>
+          <p:cNvSpPr>
+            <a:spLocks noGrp="1"/>
+          </p:cNvSpPr>
+          <p:nvPr>
+            <p:ph idx="1"/>
+          </p:nvPr>
+        </p:nvSpPr>
+        <p:spPr/>
+        <p:txBody>
+          <a:bodyPr/>
+          <a:lstStyle/>
+          <a:p>
+            <a:r>
+              <a:rPr lang="fr-FR" dirty="0"/>
+              <a:t>Loxodromie: La loxodromie désigne le chemin a cap constant entre deux points d’une Sphère. Sur un planisphère c'est une droite qui coupe les méridiens avec un angle constant.</a:t>
+            </a:r>
+          </a:p>
+          <a:p>
+            <a:r>
+              <a:rPr lang="fr-FR" dirty="0"/>
+              <a:t>L’orthodromie désigne le chemin le plus court entre deux points d’une sphère, donc le plus petit des deux arcs du grand cercle passant par ces deux points. </a:t>
+            </a:r>
+          </a:p>
+        </p:txBody>
+      </p:sp>
+    </p:spTree>
+    <p:extLst>
+      <p:ext uri="{BB962C8B-B14F-4D97-AF65-F5344CB8AC3E}">
+        <p14:creationId xmlns:p14="http://schemas.microsoft.com/office/powerpoint/2010/main" val="1480948323"/>
+      </p:ext>
+    </p:extLst>
+  </p:cSld>
+  <p:clrMapOvr>
+    <a:masterClrMapping/>
+  </p:clrMapOvr>
+</p:sld>
+</file>
+
+<file path=ppt/slides/slide4.xml><?xml version="1.0" encoding="utf-8"?>
+<p:sld xmlns:a="http://schemas.openxmlformats.org/drawingml/2006/main" xmlns:r="http://schemas.openxmlformats.org/officeDocument/2006/relationships" xmlns:p="http://schemas.openxmlformats.org/presentationml/2006/main">
+  <p:cSld>
+    <p:spTree>
+      <p:nvGrpSpPr>
+        <p:cNvPr id="1" name=""/>
+        <p:cNvGrpSpPr/>
+        <p:nvPr/>
+      </p:nvGrpSpPr>
+      <p:grpSpPr>
+        <a:xfrm>
+          <a:off x="0" y="0"/>
+          <a:ext cx="0" cy="0"/>
+          <a:chOff x="0" y="0"/>
+          <a:chExt cx="0" cy="0"/>
+        </a:xfrm>
+      </p:grpSpPr>
+      <p:sp>
+        <p:nvSpPr>
+          <p:cNvPr id="2" name="Titre 1">
+            <a:extLst>
+              <a:ext uri="{FF2B5EF4-FFF2-40B4-BE49-F238E27FC236}">
+                <a16:creationId xmlns:a16="http://schemas.microsoft.com/office/drawing/2014/main" id="{E32EE870-D56B-4576-AB3A-C5908E64CDE1}"/>
+              </a:ext>
+            </a:extLst>
+          </p:cNvPr>
+          <p:cNvSpPr>
+            <a:spLocks noGrp="1"/>
+          </p:cNvSpPr>
+          <p:nvPr>
+            <p:ph type="title"/>
+          </p:nvPr>
+        </p:nvSpPr>
+        <p:spPr/>
+        <p:txBody>
+          <a:bodyPr/>
+          <a:lstStyle/>
+          <a:p>
+            <a:r>
+              <a:rPr lang="fr-FR" dirty="0"/>
+              <a:t>Calcule orthodromique </a:t>
+            </a:r>
+          </a:p>
+        </p:txBody>
+      </p:sp>
+      <p:pic>
+        <p:nvPicPr>
+          <p:cNvPr id="5" name="Espace réservé du contenu 4">
+            <a:extLst>
+              <a:ext uri="{FF2B5EF4-FFF2-40B4-BE49-F238E27FC236}">
+                <a16:creationId xmlns:a16="http://schemas.microsoft.com/office/drawing/2014/main" id="{3B9733B3-CDE4-407D-9792-FB2BE37CC917}"/>
+              </a:ext>
+            </a:extLst>
+          </p:cNvPr>
+          <p:cNvPicPr>
+            <a:picLocks noGrp="1" noChangeAspect="1"/>
+          </p:cNvPicPr>
+          <p:nvPr>
+            <p:ph idx="1"/>
+          </p:nvPr>
+        </p:nvPicPr>
+        <p:blipFill>
+          <a:blip r:embed="rId3"/>
+          <a:stretch>
+            <a:fillRect/>
+          </a:stretch>
+        </p:blipFill>
+        <p:spPr>
+          <a:xfrm>
+            <a:off x="3314700" y="1958707"/>
+            <a:ext cx="6020517" cy="4921789"/>
+          </a:xfrm>
+        </p:spPr>
+      </p:pic>
+    </p:spTree>
+    <p:extLst>
+      <p:ext uri="{BB962C8B-B14F-4D97-AF65-F5344CB8AC3E}">
+        <p14:creationId xmlns:p14="http://schemas.microsoft.com/office/powerpoint/2010/main" val="3614839678"/>
+      </p:ext>
+    </p:extLst>
+  </p:cSld>
+  <p:clrMapOvr>
+    <a:masterClrMapping/>
+  </p:clrMapOvr>
+</p:sld>
+</file>
+
+<file path=ppt/slides/slide5.xml><?xml version="1.0" encoding="utf-8"?>
+<p:sld xmlns:a="http://schemas.openxmlformats.org/drawingml/2006/main" xmlns:r="http://schemas.openxmlformats.org/officeDocument/2006/relationships" xmlns:p="http://schemas.openxmlformats.org/presentationml/2006/main">
+  <p:cSld>
+    <p:spTree>
+      <p:nvGrpSpPr>
+        <p:cNvPr id="1" name=""/>
+        <p:cNvGrpSpPr/>
+        <p:nvPr/>
+      </p:nvGrpSpPr>
+      <p:grpSpPr>
+        <a:xfrm>
+          <a:off x="0" y="0"/>
+          <a:ext cx="0" cy="0"/>
+          <a:chOff x="0" y="0"/>
+          <a:chExt cx="0" cy="0"/>
+        </a:xfrm>
+      </p:grpSpPr>
+      <p:sp>
+        <p:nvSpPr>
+          <p:cNvPr id="2" name="Titre 1">
+            <a:extLst>
+              <a:ext uri="{FF2B5EF4-FFF2-40B4-BE49-F238E27FC236}">
+                <a16:creationId xmlns:a16="http://schemas.microsoft.com/office/drawing/2014/main" id="{4BD5B281-ED7A-42EF-B740-6A2326D92A27}"/>
+              </a:ext>
+            </a:extLst>
+          </p:cNvPr>
+          <p:cNvSpPr>
+            <a:spLocks noGrp="1"/>
+          </p:cNvSpPr>
+          <p:nvPr>
+            <p:ph type="title"/>
+          </p:nvPr>
+        </p:nvSpPr>
+        <p:spPr/>
+        <p:txBody>
+          <a:bodyPr/>
+          <a:lstStyle/>
+          <a:p>
+            <a:r>
+              <a:rPr lang="fr-FR" dirty="0"/>
+              <a:t>Calcul orthodromique</a:t>
+            </a:r>
+          </a:p>
+        </p:txBody>
+      </p:sp>
+      <p:sp>
+        <p:nvSpPr>
+          <p:cNvPr id="3" name="Espace réservé du contenu 2">
+            <a:extLst>
+              <a:ext uri="{FF2B5EF4-FFF2-40B4-BE49-F238E27FC236}">
+                <a16:creationId xmlns:a16="http://schemas.microsoft.com/office/drawing/2014/main" id="{E838F7C2-09EE-4E40-ADC7-E5620982E7CE}"/>
+              </a:ext>
+            </a:extLst>
+          </p:cNvPr>
+          <p:cNvSpPr>
+            <a:spLocks noGrp="1"/>
+          </p:cNvSpPr>
+          <p:nvPr>
+            <p:ph idx="1"/>
+          </p:nvPr>
+        </p:nvSpPr>
+        <p:spPr/>
+        <p:txBody>
+          <a:bodyPr/>
+          <a:lstStyle/>
+          <a:p>
+            <a:pPr marL="0" indent="0" algn="ctr">
+              <a:buNone/>
+            </a:pPr>
+            <a:r>
+              <a:rPr lang="fr-FR" dirty="0"/>
+              <a:t>78°55’’3’ =&gt; 78 + 55/60 + 3/3600 =78,9175</a:t>
+            </a:r>
+          </a:p>
+        </p:txBody>
+      </p:sp>
+    </p:spTree>
+    <p:extLst>
+      <p:ext uri="{BB962C8B-B14F-4D97-AF65-F5344CB8AC3E}">
+        <p14:creationId xmlns:p14="http://schemas.microsoft.com/office/powerpoint/2010/main" val="1175294507"/>
+      </p:ext>
+    </p:extLst>
+  </p:cSld>
+  <p:clrMapOvr>
+    <a:masterClrMapping/>
+  </p:clrMapOvr>
+</p:sld>
+</file>
+
+<file path=ppt/slides/slide6.xml><?xml version="1.0" encoding="utf-8"?>
+<p:sld xmlns:a="http://schemas.openxmlformats.org/drawingml/2006/main" xmlns:r="http://schemas.openxmlformats.org/officeDocument/2006/relationships" xmlns:p="http://schemas.openxmlformats.org/presentationml/2006/main">
+  <p:cSld>
+    <p:bg>
+      <p:bgPr>
+        <a:noFill/>
+        <a:effectLst/>
+      </p:bgPr>
+    </p:bg>
+    <p:spTree>
+      <p:nvGrpSpPr>
+        <p:cNvPr id="1" name=""/>
+        <p:cNvGrpSpPr/>
+        <p:nvPr/>
+      </p:nvGrpSpPr>
+      <p:grpSpPr>
+        <a:xfrm>
+          <a:off x="0" y="0"/>
+          <a:ext cx="0" cy="0"/>
+          <a:chOff x="0" y="0"/>
+          <a:chExt cx="0" cy="0"/>
+        </a:xfrm>
+      </p:grpSpPr>
+      <p:sp>
+        <p:nvSpPr>
+          <p:cNvPr id="2" name="Titre 1">
+            <a:extLst>
+              <a:ext uri="{FF2B5EF4-FFF2-40B4-BE49-F238E27FC236}">
+                <a16:creationId xmlns:a16="http://schemas.microsoft.com/office/drawing/2014/main" id="{D9E7650A-8B41-4F91-B9E8-E73229781BED}"/>
+              </a:ext>
+            </a:extLst>
+          </p:cNvPr>
+          <p:cNvSpPr>
+            <a:spLocks noGrp="1"/>
+          </p:cNvSpPr>
+          <p:nvPr>
+            <p:ph type="title"/>
+          </p:nvPr>
+        </p:nvSpPr>
+        <p:spPr>
+          <a:xfrm>
+            <a:off x="1152066" y="-33568"/>
+            <a:ext cx="10018713" cy="1752599"/>
+          </a:xfrm>
+        </p:spPr>
+        <p:txBody>
+          <a:bodyPr/>
+          <a:lstStyle/>
+          <a:p>
+            <a:r>
+              <a:rPr lang="fr-FR" dirty="0"/>
+              <a:t>Calcule orthodromique </a:t>
+            </a:r>
+            <a:br>
+              <a:rPr lang="fr-FR" dirty="0"/>
+            </a:br>
+            <a:r>
+              <a:rPr lang="fr-FR" dirty="0"/>
+              <a:t>Mille Marin</a:t>
+            </a:r>
+          </a:p>
+        </p:txBody>
+      </p:sp>
+      <p:pic>
+        <p:nvPicPr>
+          <p:cNvPr id="1026" name="Picture 2" descr="Résultat de recherche d'images pour &quot;terre horloge&quot;">
+            <a:extLst>
+              <a:ext uri="{FF2B5EF4-FFF2-40B4-BE49-F238E27FC236}">
+                <a16:creationId xmlns:a16="http://schemas.microsoft.com/office/drawing/2014/main" id="{6C95D45F-916E-4FB8-8363-C9281E68D0D7}"/>
+              </a:ext>
+            </a:extLst>
+          </p:cNvPr>
+          <p:cNvPicPr>
+            <a:picLocks noGrp="1" noChangeAspect="1" noChangeArrowheads="1"/>
+          </p:cNvPicPr>
+          <p:nvPr>
+            <p:ph idx="1"/>
+          </p:nvPr>
+        </p:nvPicPr>
+        <p:blipFill>
+          <a:blip r:embed="rId3">
+            <a:extLst>
+              <a:ext uri="{28A0092B-C50C-407E-A947-70E740481C1C}">
+                <a14:useLocalDpi xmlns:a14="http://schemas.microsoft.com/office/drawing/2010/main" val="0"/>
+              </a:ext>
+            </a:extLst>
+          </a:blip>
+          <a:srcRect/>
+          <a:stretch>
+            <a:fillRect/>
+          </a:stretch>
+        </p:blipFill>
+        <p:spPr bwMode="auto">
+          <a:xfrm>
+            <a:off x="3966504" y="1444632"/>
+            <a:ext cx="4389835" cy="4389835"/>
+          </a:xfrm>
+          <a:prstGeom prst="rect">
+            <a:avLst/>
+          </a:prstGeom>
+          <a:noFill/>
+          <a:extLst>
+            <a:ext uri="{909E8E84-426E-40DD-AFC4-6F175D3DCCD1}">
+              <a14:hiddenFill xmlns:a14="http://schemas.microsoft.com/office/drawing/2010/main">
+                <a:solidFill>
+                  <a:srgbClr val="FFFFFF"/>
+                </a:solidFill>
+              </a14:hiddenFill>
+            </a:ext>
+          </a:extLst>
+        </p:spPr>
+      </p:pic>
+      <p:pic>
+        <p:nvPicPr>
+          <p:cNvPr id="1028" name="Picture 4" descr="Résultat de recherche d'images pour &quot;point d'interrogation&quot;">
+            <a:extLst>
+              <a:ext uri="{FF2B5EF4-FFF2-40B4-BE49-F238E27FC236}">
+                <a16:creationId xmlns:a16="http://schemas.microsoft.com/office/drawing/2014/main" id="{A0886C62-781B-4113-8D43-AFDE321F1312}"/>
+              </a:ext>
+            </a:extLst>
+          </p:cNvPr>
+          <p:cNvPicPr>
+            <a:picLocks noChangeAspect="1" noChangeArrowheads="1"/>
+          </p:cNvPicPr>
+          <p:nvPr/>
+        </p:nvPicPr>
+        <p:blipFill>
+          <a:blip r:embed="rId4">
+            <a:extLst>
+              <a:ext uri="{28A0092B-C50C-407E-A947-70E740481C1C}">
+                <a14:useLocalDpi xmlns:a14="http://schemas.microsoft.com/office/drawing/2010/main" val="0"/>
+              </a:ext>
+            </a:extLst>
+          </a:blip>
+          <a:srcRect/>
+          <a:stretch>
+            <a:fillRect/>
+          </a:stretch>
+        </p:blipFill>
+        <p:spPr bwMode="auto">
+          <a:xfrm rot="3595213">
+            <a:off x="9791748" y="836500"/>
+            <a:ext cx="1695450" cy="1695450"/>
+          </a:xfrm>
+          <a:prstGeom prst="rect">
+            <a:avLst/>
+          </a:prstGeom>
+          <a:noFill/>
+          <a:extLst>
+            <a:ext uri="{909E8E84-426E-40DD-AFC4-6F175D3DCCD1}">
+              <a14:hiddenFill xmlns:a14="http://schemas.microsoft.com/office/drawing/2010/main">
+                <a:solidFill>
+                  <a:srgbClr val="FFFFFF"/>
+                </a:solidFill>
+              </a14:hiddenFill>
+            </a:ext>
+          </a:extLst>
+        </p:spPr>
+      </p:pic>
+      <p:pic>
+        <p:nvPicPr>
+          <p:cNvPr id="1030" name="Picture 6" descr="Résultat de recherche d'images pour &quot;point d'interrogation&quot;">
+            <a:extLst>
+              <a:ext uri="{FF2B5EF4-FFF2-40B4-BE49-F238E27FC236}">
+                <a16:creationId xmlns:a16="http://schemas.microsoft.com/office/drawing/2014/main" id="{5851560B-0B41-4706-B6D8-E5B65C348A3E}"/>
+              </a:ext>
+            </a:extLst>
+          </p:cNvPr>
+          <p:cNvPicPr>
+            <a:picLocks noChangeAspect="1" noChangeArrowheads="1"/>
+          </p:cNvPicPr>
+          <p:nvPr/>
+        </p:nvPicPr>
+        <p:blipFill>
+          <a:blip r:embed="rId4">
+            <a:extLst>
+              <a:ext uri="{28A0092B-C50C-407E-A947-70E740481C1C}">
+                <a14:useLocalDpi xmlns:a14="http://schemas.microsoft.com/office/drawing/2010/main" val="0"/>
+              </a:ext>
+            </a:extLst>
+          </a:blip>
+          <a:srcRect/>
+          <a:stretch>
+            <a:fillRect/>
+          </a:stretch>
+        </p:blipFill>
+        <p:spPr bwMode="auto">
+          <a:xfrm rot="16611029">
+            <a:off x="429865" y="2463464"/>
+            <a:ext cx="1695450" cy="1695450"/>
+          </a:xfrm>
+          <a:prstGeom prst="rect">
+            <a:avLst/>
+          </a:prstGeom>
+          <a:noFill/>
+          <a:extLst>
+            <a:ext uri="{909E8E84-426E-40DD-AFC4-6F175D3DCCD1}">
+              <a14:hiddenFill xmlns:a14="http://schemas.microsoft.com/office/drawing/2010/main">
+                <a:solidFill>
+                  <a:srgbClr val="FFFFFF"/>
+                </a:solidFill>
+              </a14:hiddenFill>
+            </a:ext>
+          </a:extLst>
+        </p:spPr>
+      </p:pic>
+      <p:pic>
+        <p:nvPicPr>
+          <p:cNvPr id="1032" name="Picture 8" descr="Résultat de recherche d'images pour &quot;point d'interrogation&quot;">
+            <a:extLst>
+              <a:ext uri="{FF2B5EF4-FFF2-40B4-BE49-F238E27FC236}">
+                <a16:creationId xmlns:a16="http://schemas.microsoft.com/office/drawing/2014/main" id="{46BA3C3D-0E54-4931-B96C-A48915E6AC0C}"/>
+              </a:ext>
+            </a:extLst>
+          </p:cNvPr>
+          <p:cNvPicPr>
+            <a:picLocks noChangeAspect="1" noChangeArrowheads="1"/>
+          </p:cNvPicPr>
+          <p:nvPr/>
+        </p:nvPicPr>
+        <p:blipFill>
+          <a:blip r:embed="rId4">
+            <a:extLst>
+              <a:ext uri="{28A0092B-C50C-407E-A947-70E740481C1C}">
+                <a14:useLocalDpi xmlns:a14="http://schemas.microsoft.com/office/drawing/2010/main" val="0"/>
+              </a:ext>
+            </a:extLst>
+          </a:blip>
+          <a:srcRect/>
+          <a:stretch>
+            <a:fillRect/>
+          </a:stretch>
+        </p:blipFill>
+        <p:spPr bwMode="auto">
+          <a:xfrm rot="18678379">
+            <a:off x="632149" y="683493"/>
+            <a:ext cx="1695450" cy="1695450"/>
+          </a:xfrm>
+          <a:prstGeom prst="rect">
+            <a:avLst/>
+          </a:prstGeom>
+          <a:noFill/>
+          <a:extLst>
+            <a:ext uri="{909E8E84-426E-40DD-AFC4-6F175D3DCCD1}">
+              <a14:hiddenFill xmlns:a14="http://schemas.microsoft.com/office/drawing/2010/main">
+                <a:solidFill>
+                  <a:srgbClr val="FFFFFF"/>
+                </a:solidFill>
+              </a14:hiddenFill>
+            </a:ext>
+          </a:extLst>
+        </p:spPr>
+      </p:pic>
+      <p:pic>
+        <p:nvPicPr>
+          <p:cNvPr id="1034" name="Picture 10" descr="Résultat de recherche d'images pour &quot;point d'interrogation&quot;">
+            <a:extLst>
+              <a:ext uri="{FF2B5EF4-FFF2-40B4-BE49-F238E27FC236}">
+                <a16:creationId xmlns:a16="http://schemas.microsoft.com/office/drawing/2014/main" id="{79EC6A42-7A16-4B27-AF81-6F48BA0F51F0}"/>
+              </a:ext>
+            </a:extLst>
+          </p:cNvPr>
+          <p:cNvPicPr>
+            <a:picLocks noChangeAspect="1" noChangeArrowheads="1"/>
+          </p:cNvPicPr>
+          <p:nvPr/>
+        </p:nvPicPr>
+        <p:blipFill>
+          <a:blip r:embed="rId4">
+            <a:extLst>
+              <a:ext uri="{28A0092B-C50C-407E-A947-70E740481C1C}">
+                <a14:useLocalDpi xmlns:a14="http://schemas.microsoft.com/office/drawing/2010/main" val="0"/>
+              </a:ext>
+            </a:extLst>
+          </a:blip>
+          <a:srcRect/>
+          <a:stretch>
+            <a:fillRect/>
+          </a:stretch>
+        </p:blipFill>
+        <p:spPr bwMode="auto">
+          <a:xfrm rot="5400000">
+            <a:off x="10102468" y="2842670"/>
+            <a:ext cx="1695450" cy="1695450"/>
+          </a:xfrm>
+          <a:prstGeom prst="rect">
+            <a:avLst/>
+          </a:prstGeom>
+          <a:noFill/>
+          <a:extLst>
+            <a:ext uri="{909E8E84-426E-40DD-AFC4-6F175D3DCCD1}">
+              <a14:hiddenFill xmlns:a14="http://schemas.microsoft.com/office/drawing/2010/main">
+                <a:solidFill>
+                  <a:srgbClr val="FFFFFF"/>
+                </a:solidFill>
+              </a14:hiddenFill>
+            </a:ext>
+          </a:extLst>
+        </p:spPr>
+      </p:pic>
+      <p:pic>
+        <p:nvPicPr>
+          <p:cNvPr id="1036" name="Picture 12" descr="Résultat de recherche d'images pour &quot;point d'interrogation&quot;">
+            <a:extLst>
+              <a:ext uri="{FF2B5EF4-FFF2-40B4-BE49-F238E27FC236}">
+                <a16:creationId xmlns:a16="http://schemas.microsoft.com/office/drawing/2014/main" id="{9BD1A80C-85D4-48F0-8309-1BBDEF9060DD}"/>
+              </a:ext>
+            </a:extLst>
+          </p:cNvPr>
+          <p:cNvPicPr>
+            <a:picLocks noChangeAspect="1" noChangeArrowheads="1"/>
+          </p:cNvPicPr>
+          <p:nvPr/>
+        </p:nvPicPr>
+        <p:blipFill>
+          <a:blip r:embed="rId4">
+            <a:extLst>
+              <a:ext uri="{28A0092B-C50C-407E-A947-70E740481C1C}">
+                <a14:useLocalDpi xmlns:a14="http://schemas.microsoft.com/office/drawing/2010/main" val="0"/>
+              </a:ext>
+            </a:extLst>
+          </a:blip>
+          <a:srcRect/>
+          <a:stretch>
+            <a:fillRect/>
+          </a:stretch>
+        </p:blipFill>
+        <p:spPr bwMode="auto">
+          <a:xfrm rot="8359637">
+            <a:off x="9850202" y="4204269"/>
+            <a:ext cx="1695450" cy="1695450"/>
+          </a:xfrm>
+          <a:prstGeom prst="rect">
+            <a:avLst/>
+          </a:prstGeom>
+          <a:noFill/>
+          <a:extLst>
+            <a:ext uri="{909E8E84-426E-40DD-AFC4-6F175D3DCCD1}">
+              <a14:hiddenFill xmlns:a14="http://schemas.microsoft.com/office/drawing/2010/main">
+                <a:solidFill>
+                  <a:srgbClr val="FFFFFF"/>
+                </a:solidFill>
+              </a14:hiddenFill>
+            </a:ext>
+          </a:extLst>
+        </p:spPr>
+      </p:pic>
+      <p:pic>
+        <p:nvPicPr>
+          <p:cNvPr id="10" name="Picture 6" descr="Résultat de recherche d'images pour &quot;point d'interrogation&quot;">
+            <a:extLst>
+              <a:ext uri="{FF2B5EF4-FFF2-40B4-BE49-F238E27FC236}">
+                <a16:creationId xmlns:a16="http://schemas.microsoft.com/office/drawing/2014/main" id="{83710E38-22C4-4AF1-BCA4-2E038F950C0C}"/>
+              </a:ext>
+            </a:extLst>
+          </p:cNvPr>
+          <p:cNvPicPr>
+            <a:picLocks noChangeAspect="1" noChangeArrowheads="1"/>
+          </p:cNvPicPr>
+          <p:nvPr/>
+        </p:nvPicPr>
+        <p:blipFill>
+          <a:blip r:embed="rId4">
+            <a:extLst>
+              <a:ext uri="{28A0092B-C50C-407E-A947-70E740481C1C}">
+                <a14:useLocalDpi xmlns:a14="http://schemas.microsoft.com/office/drawing/2010/main" val="0"/>
+              </a:ext>
+            </a:extLst>
+          </a:blip>
+          <a:srcRect/>
+          <a:stretch>
+            <a:fillRect/>
+          </a:stretch>
+        </p:blipFill>
+        <p:spPr bwMode="auto">
+          <a:xfrm rot="13945517">
+            <a:off x="682364" y="3980636"/>
+            <a:ext cx="1695450" cy="1695450"/>
+          </a:xfrm>
+          <a:prstGeom prst="rect">
+            <a:avLst/>
+          </a:prstGeom>
+          <a:noFill/>
+          <a:extLst>
+            <a:ext uri="{909E8E84-426E-40DD-AFC4-6F175D3DCCD1}">
+              <a14:hiddenFill xmlns:a14="http://schemas.microsoft.com/office/drawing/2010/main">
+                <a:solidFill>
+                  <a:srgbClr val="FFFFFF"/>
+                </a:solidFill>
+              </a14:hiddenFill>
+            </a:ext>
+          </a:extLst>
+        </p:spPr>
+      </p:pic>
+      <p:sp>
+        <p:nvSpPr>
+          <p:cNvPr id="5" name="Rectangle 13">
+            <a:extLst>
+              <a:ext uri="{FF2B5EF4-FFF2-40B4-BE49-F238E27FC236}">
+                <a16:creationId xmlns:a16="http://schemas.microsoft.com/office/drawing/2014/main" id="{2F741546-1437-4A27-8E35-33F1C6D1D8D9}"/>
+              </a:ext>
+            </a:extLst>
+          </p:cNvPr>
+          <p:cNvSpPr>
+            <a:spLocks noChangeArrowheads="1"/>
+          </p:cNvSpPr>
+          <p:nvPr/>
+        </p:nvSpPr>
+        <p:spPr bwMode="auto">
+          <a:xfrm>
+            <a:off x="958814" y="5944987"/>
+            <a:ext cx="10726466" cy="923330"/>
+          </a:xfrm>
+          <a:prstGeom prst="rect">
+            <a:avLst/>
+          </a:prstGeom>
+          <a:noFill/>
+          <a:ln>
+            <a:noFill/>
+          </a:ln>
+          <a:effectLst/>
+        </p:spPr>
+        <p:txBody>
+          <a:bodyPr vert="horz" wrap="square" lIns="91440" tIns="45720" rIns="91440" bIns="45720" numCol="1" anchor="ctr" anchorCtr="0" compatLnSpc="1">
+            <a:prstTxWarp prst="textNoShape">
+              <a:avLst/>
+            </a:prstTxWarp>
+            <a:spAutoFit/>
+          </a:bodyPr>
+          <a:lstStyle>
+            <a:lvl1pPr eaLnBrk="0" fontAlgn="base" hangingPunct="0">
+              <a:spcBef>
+                <a:spcPct val="0"/>
+              </a:spcBef>
+              <a:spcAft>
+                <a:spcPct val="0"/>
+              </a:spcAft>
+              <a:defRPr>
+                <a:solidFill>
+                  <a:schemeClr val="tx1"/>
+                </a:solidFill>
+                <a:latin typeface="Arial" panose="020B0604020202020204" pitchFamily="34" charset="0"/>
+              </a:defRPr>
+            </a:lvl1pPr>
+            <a:lvl2pPr eaLnBrk="0" fontAlgn="base" hangingPunct="0">
+              <a:spcBef>
+                <a:spcPct val="0"/>
+              </a:spcBef>
+              <a:spcAft>
+                <a:spcPct val="0"/>
+              </a:spcAft>
+              <a:defRPr>
+                <a:solidFill>
+                  <a:schemeClr val="tx1"/>
+                </a:solidFill>
+                <a:latin typeface="Arial" panose="020B0604020202020204" pitchFamily="34" charset="0"/>
+              </a:defRPr>
+            </a:lvl2pPr>
+            <a:lvl3pPr eaLnBrk="0" fontAlgn="base" hangingPunct="0">
+              <a:spcBef>
+                <a:spcPct val="0"/>
+              </a:spcBef>
+              <a:spcAft>
+                <a:spcPct val="0"/>
+              </a:spcAft>
+              <a:defRPr>
+                <a:solidFill>
+                  <a:schemeClr val="tx1"/>
+                </a:solidFill>
+                <a:latin typeface="Arial" panose="020B0604020202020204" pitchFamily="34" charset="0"/>
+              </a:defRPr>
+            </a:lvl3pPr>
+            <a:lvl4pPr eaLnBrk="0" fontAlgn="base" hangingPunct="0">
+              <a:spcBef>
+                <a:spcPct val="0"/>
+              </a:spcBef>
+              <a:spcAft>
+                <a:spcPct val="0"/>
+              </a:spcAft>
+              <a:defRPr>
+                <a:solidFill>
+                  <a:schemeClr val="tx1"/>
+                </a:solidFill>
+                <a:latin typeface="Arial" panose="020B0604020202020204" pitchFamily="34" charset="0"/>
+              </a:defRPr>
+            </a:lvl4pPr>
+            <a:lvl5pPr eaLnBrk="0" fontAlgn="base" hangingPunct="0">
+              <a:spcBef>
+                <a:spcPct val="0"/>
+              </a:spcBef>
+              <a:spcAft>
+                <a:spcPct val="0"/>
+              </a:spcAft>
+              <a:defRPr>
+                <a:solidFill>
+                  <a:schemeClr val="tx1"/>
+                </a:solidFill>
+                <a:latin typeface="Arial" panose="020B0604020202020204" pitchFamily="34" charset="0"/>
+              </a:defRPr>
+            </a:lvl5pPr>
+            <a:lvl6pPr eaLnBrk="0" fontAlgn="base" hangingPunct="0">
+              <a:spcBef>
+                <a:spcPct val="0"/>
+              </a:spcBef>
+              <a:spcAft>
+                <a:spcPct val="0"/>
+              </a:spcAft>
+              <a:defRPr>
+                <a:solidFill>
+                  <a:schemeClr val="tx1"/>
+                </a:solidFill>
+                <a:latin typeface="Arial" panose="020B0604020202020204" pitchFamily="34" charset="0"/>
+              </a:defRPr>
+            </a:lvl6pPr>
+            <a:lvl7pPr eaLnBrk="0" fontAlgn="base" hangingPunct="0">
+              <a:spcBef>
+                <a:spcPct val="0"/>
+              </a:spcBef>
+              <a:spcAft>
+                <a:spcPct val="0"/>
+              </a:spcAft>
+              <a:defRPr>
+                <a:solidFill>
+                  <a:schemeClr val="tx1"/>
+                </a:solidFill>
+                <a:latin typeface="Arial" panose="020B0604020202020204" pitchFamily="34" charset="0"/>
+              </a:defRPr>
+            </a:lvl7pPr>
+            <a:lvl8pPr eaLnBrk="0" fontAlgn="base" hangingPunct="0">
+              <a:spcBef>
+                <a:spcPct val="0"/>
+              </a:spcBef>
+              <a:spcAft>
+                <a:spcPct val="0"/>
+              </a:spcAft>
+              <a:defRPr>
+                <a:solidFill>
+                  <a:schemeClr val="tx1"/>
+                </a:solidFill>
+                <a:latin typeface="Arial" panose="020B0604020202020204" pitchFamily="34" charset="0"/>
+              </a:defRPr>
+            </a:lvl8pPr>
+            <a:lvl9pPr eaLnBrk="0" fontAlgn="base" hangingPunct="0">
+              <a:spcBef>
+                <a:spcPct val="0"/>
+              </a:spcBef>
+              <a:spcAft>
+                <a:spcPct val="0"/>
+              </a:spcAft>
+              <a:defRPr>
+                <a:solidFill>
+                  <a:schemeClr val="tx1"/>
+                </a:solidFill>
+                <a:latin typeface="Arial" panose="020B0604020202020204" pitchFamily="34" charset="0"/>
+              </a:defRPr>
+            </a:lvl9pPr>
+          </a:lstStyle>
+          <a:p>
+            <a:pPr lvl="0" defTabSz="914400"/>
+            <a:r>
+              <a:rPr kumimoji="0" lang="fr-FR" altLang="fr-FR" i="0" u="none" strike="noStrike" cap="none" normalizeH="0" baseline="0" dirty="0">
+                <a:ln>
+                  <a:noFill/>
+                </a:ln>
+                <a:effectLst/>
+                <a:latin typeface="Arial" panose="020B0604020202020204" pitchFamily="34" charset="0"/>
+              </a:rPr>
+              <a:t>Le </a:t>
+            </a:r>
+            <a:r>
+              <a:rPr kumimoji="0" lang="fr-FR" altLang="fr-FR" i="0" u="none" strike="noStrike" cap="none" normalizeH="0" baseline="0" dirty="0">
+                <a:ln>
+                  <a:noFill/>
+                </a:ln>
+                <a:effectLst/>
+                <a:latin typeface="Arial" panose="020B0604020202020204" pitchFamily="34" charset="0"/>
+                <a:cs typeface="Arial" panose="020B0604020202020204" pitchFamily="34" charset="0"/>
+              </a:rPr>
+              <a:t>mille marin (ou mille marin international</a:t>
+            </a:r>
+            <a:r>
+              <a:rPr lang="fr-FR" altLang="fr-FR" dirty="0">
+                <a:cs typeface="Arial" panose="020B0604020202020204" pitchFamily="34" charset="0"/>
+              </a:rPr>
+              <a:t>), </a:t>
+            </a:r>
+            <a:r>
+              <a:rPr kumimoji="0" lang="fr-FR" altLang="fr-FR" i="0" u="none" strike="noStrike" cap="none" normalizeH="0" baseline="0" dirty="0">
+                <a:ln>
+                  <a:noFill/>
+                </a:ln>
+                <a:effectLst/>
+                <a:latin typeface="Arial" panose="020B0604020202020204" pitchFamily="34" charset="0"/>
+                <a:cs typeface="Arial" panose="020B0604020202020204" pitchFamily="34" charset="0"/>
+              </a:rPr>
+              <a:t>u nautique est une unité de mesure de distance, située en dehors du Système international d'unités, utilisée en navigation maritime et aérienne, valant par convention 1 852 mètres.</a:t>
+            </a:r>
+            <a:r>
+              <a:rPr kumimoji="0" lang="fr-FR" altLang="fr-FR" i="0" u="none" strike="noStrike" cap="none" normalizeH="0" baseline="0" dirty="0">
+                <a:ln>
+                  <a:noFill/>
+                </a:ln>
+                <a:effectLst/>
+              </a:rPr>
+              <a:t> </a:t>
+            </a:r>
+          </a:p>
+        </p:txBody>
+      </p:sp>
+    </p:spTree>
+    <p:extLst>
+      <p:ext uri="{BB962C8B-B14F-4D97-AF65-F5344CB8AC3E}">
+        <p14:creationId xmlns:p14="http://schemas.microsoft.com/office/powerpoint/2010/main" val="3711617238"/>
+      </p:ext>
+    </p:extLst>
+  </p:cSld>
+  <p:clrMapOvr>
+    <a:masterClrMapping/>
+  </p:clrMapOvr>
+</p:sld>
+</file>
+
+<file path=ppt/slides/slide7.xml><?xml version="1.0" encoding="utf-8"?>
+<p:sld xmlns:a="http://schemas.openxmlformats.org/drawingml/2006/main" xmlns:r="http://schemas.openxmlformats.org/officeDocument/2006/relationships" xmlns:p="http://schemas.openxmlformats.org/presentationml/2006/main">
+  <p:cSld>
+    <p:spTree>
+      <p:nvGrpSpPr>
+        <p:cNvPr id="1" name=""/>
+        <p:cNvGrpSpPr/>
+        <p:nvPr/>
+      </p:nvGrpSpPr>
+      <p:grpSpPr>
+        <a:xfrm>
+          <a:off x="0" y="0"/>
+          <a:ext cx="0" cy="0"/>
+          <a:chOff x="0" y="0"/>
+          <a:chExt cx="0" cy="0"/>
+        </a:xfrm>
+      </p:grpSpPr>
+      <p:sp>
+        <p:nvSpPr>
+          <p:cNvPr id="2" name="Titre 1">
+            <a:extLst>
+              <a:ext uri="{FF2B5EF4-FFF2-40B4-BE49-F238E27FC236}">
+                <a16:creationId xmlns:a16="http://schemas.microsoft.com/office/drawing/2014/main" id="{6A28DF12-319F-4A8D-B036-97CB9C8A38CD}"/>
+              </a:ext>
+            </a:extLst>
+          </p:cNvPr>
+          <p:cNvSpPr>
+            <a:spLocks noGrp="1"/>
+          </p:cNvSpPr>
+          <p:nvPr>
+            <p:ph type="title"/>
+          </p:nvPr>
+        </p:nvSpPr>
+        <p:spPr>
+          <a:xfrm>
+            <a:off x="4316526" y="-212271"/>
+            <a:ext cx="10018713" cy="1752599"/>
+          </a:xfrm>
+        </p:spPr>
+        <p:txBody>
+          <a:bodyPr/>
+          <a:lstStyle/>
+          <a:p>
+            <a:r>
+              <a:rPr lang="fr-FR" dirty="0"/>
+              <a:t>Calcule orthodromique </a:t>
+            </a:r>
+          </a:p>
+        </p:txBody>
+      </p:sp>
+      <p:pic>
+        <p:nvPicPr>
+          <p:cNvPr id="4" name="Espace réservé du contenu 3" descr="https://upload.wikimedia.org/wikipedia/commons/thumb/8/8b/Coord_LatLong2.svg/360px-Coord_LatLong2.svg.png">
+            <a:extLst>
+              <a:ext uri="{FF2B5EF4-FFF2-40B4-BE49-F238E27FC236}">
+                <a16:creationId xmlns:a16="http://schemas.microsoft.com/office/drawing/2014/main" id="{F394D19B-4F21-468B-90F5-EA8B0A225341}"/>
+              </a:ext>
+            </a:extLst>
+          </p:cNvPr>
+          <p:cNvPicPr>
+            <a:picLocks noGrp="1"/>
+          </p:cNvPicPr>
+          <p:nvPr>
+            <p:ph idx="1"/>
+          </p:nvPr>
+        </p:nvPicPr>
+        <p:blipFill>
+          <a:blip r:embed="rId2">
+            <a:extLst>
+              <a:ext uri="{28A0092B-C50C-407E-A947-70E740481C1C}">
+                <a14:useLocalDpi xmlns:a14="http://schemas.microsoft.com/office/drawing/2010/main" val="0"/>
+              </a:ext>
+            </a:extLst>
+          </a:blip>
+          <a:srcRect/>
+          <a:stretch>
+            <a:fillRect/>
+          </a:stretch>
+        </p:blipFill>
+        <p:spPr bwMode="auto">
+          <a:xfrm>
+            <a:off x="1192326" y="544285"/>
+            <a:ext cx="3124200" cy="3124200"/>
+          </a:xfrm>
+          <a:prstGeom prst="rect">
+            <a:avLst/>
+          </a:prstGeom>
+          <a:noFill/>
+          <a:ln>
+            <a:noFill/>
+          </a:ln>
+        </p:spPr>
+      </p:pic>
+      <mc:AlternateContent xmlns:mc="http://schemas.openxmlformats.org/markup-compatibility/2006">
+        <mc:Choice xmlns:a14="http://schemas.microsoft.com/office/drawing/2010/main" Requires="a14">
+          <p:sp>
+            <p:nvSpPr>
+              <p:cNvPr id="5" name="Rectangle 4">
+                <a:extLst>
+                  <a:ext uri="{FF2B5EF4-FFF2-40B4-BE49-F238E27FC236}">
+                    <a16:creationId xmlns:a16="http://schemas.microsoft.com/office/drawing/2014/main" id="{24E0DBBD-0140-4AE5-9C92-561B944B932F}"/>
+                  </a:ext>
+                </a:extLst>
+              </p:cNvPr>
+              <p:cNvSpPr/>
+              <p:nvPr/>
+            </p:nvSpPr>
+            <p:spPr>
+              <a:xfrm>
+                <a:off x="5803905" y="2717090"/>
+                <a:ext cx="5482591" cy="984052"/>
+              </a:xfrm>
+              <a:prstGeom prst="rect">
+                <a:avLst/>
+              </a:prstGeom>
+            </p:spPr>
+            <p:txBody>
+              <a:bodyPr wrap="none">
+                <a:spAutoFit/>
+              </a:bodyPr>
+              <a:lstStyle/>
+              <a:p>
+                <a14:m>
+                  <m:oMathPara xmlns:m="http://schemas.openxmlformats.org/officeDocument/2006/math">
+                    <m:oMathParaPr>
+                      <m:jc m:val="centerGroup"/>
+                    </m:oMathParaPr>
+                    <m:oMath xmlns:m="http://schemas.openxmlformats.org/officeDocument/2006/math">
+                      <m:acc>
+                        <m:accPr>
+                          <m:chr m:val="⃗"/>
+                          <m:ctrlPr>
+                            <a:rPr lang="fr-FR">
+                              <a:latin typeface="Cambria Math" panose="02040503050406030204" pitchFamily="18" charset="0"/>
+                            </a:rPr>
+                          </m:ctrlPr>
+                        </m:accPr>
+                        <m:e>
+                          <m:r>
+                            <a:rPr lang="fr-FR" i="1">
+                              <a:latin typeface="Cambria Math" panose="02040503050406030204" pitchFamily="18" charset="0"/>
+                            </a:rPr>
+                            <m:t>𝑂𝐴</m:t>
+                          </m:r>
+                        </m:e>
+                      </m:acc>
+                      <m:r>
+                        <a:rPr lang="fr-FR" i="0">
+                          <a:latin typeface="Cambria Math" panose="02040503050406030204" pitchFamily="18" charset="0"/>
+                        </a:rPr>
+                        <m:t>.</m:t>
+                      </m:r>
+                      <m:acc>
+                        <m:accPr>
+                          <m:chr m:val="⃗"/>
+                          <m:ctrlPr>
+                            <a:rPr lang="fr-FR" i="1">
+                              <a:latin typeface="Cambria Math" panose="02040503050406030204" pitchFamily="18" charset="0"/>
+                            </a:rPr>
+                          </m:ctrlPr>
+                        </m:accPr>
+                        <m:e>
+                          <m:r>
+                            <a:rPr lang="fr-FR" i="1">
+                              <a:latin typeface="Cambria Math" panose="02040503050406030204" pitchFamily="18" charset="0"/>
+                            </a:rPr>
+                            <m:t>𝑂𝐵</m:t>
+                          </m:r>
+                        </m:e>
+                      </m:acc>
+                      <m:r>
+                        <a:rPr lang="fr-FR" i="0">
+                          <a:latin typeface="Cambria Math" panose="02040503050406030204" pitchFamily="18" charset="0"/>
+                        </a:rPr>
+                        <m:t>=</m:t>
+                      </m:r>
+                      <m:d>
+                        <m:dPr>
+                          <m:ctrlPr>
+                            <a:rPr lang="fr-FR" i="1">
+                              <a:latin typeface="Cambria Math" panose="02040503050406030204" pitchFamily="18" charset="0"/>
+                            </a:rPr>
+                          </m:ctrlPr>
+                        </m:dPr>
+                        <m:e>
+                          <m:eqArr>
+                            <m:eqArrPr>
+                              <m:ctrlPr>
+                                <a:rPr lang="fr-FR" i="1">
+                                  <a:latin typeface="Cambria Math" panose="02040503050406030204" pitchFamily="18" charset="0"/>
+                                </a:rPr>
+                              </m:ctrlPr>
+                            </m:eqArrPr>
+                            <m:e>
+                              <m:r>
+                                <a:rPr lang="fr-FR" i="0">
+                                  <a:latin typeface="Cambria Math" panose="02040503050406030204" pitchFamily="18" charset="0"/>
+                                </a:rPr>
+                                <m:t>&amp;</m:t>
+                              </m:r>
+                              <m:func>
+                                <m:funcPr>
+                                  <m:ctrlPr>
+                                    <a:rPr lang="fr-FR" i="1">
+                                      <a:latin typeface="Cambria Math" panose="02040503050406030204" pitchFamily="18" charset="0"/>
+                                    </a:rPr>
+                                  </m:ctrlPr>
+                                </m:funcPr>
+                                <m:fName>
+                                  <m:r>
+                                    <m:rPr>
+                                      <m:sty m:val="p"/>
+                                    </m:rPr>
+                                    <a:rPr lang="fr-FR" i="0">
+                                      <a:latin typeface="Cambria Math" panose="02040503050406030204" pitchFamily="18" charset="0"/>
+                                    </a:rPr>
+                                    <m:t>cos</m:t>
+                                  </m:r>
+                                </m:fName>
+                                <m:e>
+                                  <m:d>
+                                    <m:dPr>
+                                      <m:ctrlPr>
+                                        <a:rPr lang="fr-FR" i="1">
+                                          <a:latin typeface="Cambria Math" panose="02040503050406030204" pitchFamily="18" charset="0"/>
+                                        </a:rPr>
+                                      </m:ctrlPr>
+                                    </m:dPr>
+                                    <m:e>
+                                      <m:r>
+                                        <m:rPr>
+                                          <m:sty m:val="p"/>
+                                        </m:rPr>
+                                        <a:rPr lang="fr-FR" i="0">
+                                          <a:latin typeface="Cambria Math" panose="02040503050406030204" pitchFamily="18" charset="0"/>
+                                        </a:rPr>
+                                        <m:t>λA</m:t>
+                                      </m:r>
+                                    </m:e>
+                                  </m:d>
+                                </m:e>
+                              </m:func>
+                              <m:func>
+                                <m:funcPr>
+                                  <m:ctrlPr>
+                                    <a:rPr lang="fr-FR" i="1">
+                                      <a:latin typeface="Cambria Math" panose="02040503050406030204" pitchFamily="18" charset="0"/>
+                                    </a:rPr>
+                                  </m:ctrlPr>
+                                </m:funcPr>
+                                <m:fName>
+                                  <m:r>
+                                    <m:rPr>
+                                      <m:sty m:val="p"/>
+                                    </m:rPr>
+                                    <a:rPr lang="fr-FR" i="0">
+                                      <a:latin typeface="Cambria Math" panose="02040503050406030204" pitchFamily="18" charset="0"/>
+                                    </a:rPr>
+                                    <m:t>cos</m:t>
+                                  </m:r>
+                                </m:fName>
+                                <m:e>
+                                  <m:d>
+                                    <m:dPr>
+                                      <m:ctrlPr>
+                                        <a:rPr lang="fr-FR" i="1">
+                                          <a:latin typeface="Cambria Math" panose="02040503050406030204" pitchFamily="18" charset="0"/>
+                                        </a:rPr>
+                                      </m:ctrlPr>
+                                    </m:dPr>
+                                    <m:e>
+                                      <m:r>
+                                        <m:rPr>
+                                          <m:sty m:val="p"/>
+                                        </m:rPr>
+                                        <a:rPr lang="fr-FR" i="0">
+                                          <a:latin typeface="Cambria Math" panose="02040503050406030204" pitchFamily="18" charset="0"/>
+                                        </a:rPr>
+                                        <m:t>φA</m:t>
+                                      </m:r>
+                                    </m:e>
+                                  </m:d>
+                                </m:e>
+                              </m:func>
+                            </m:e>
+                            <m:e>
+                              <m:r>
+                                <a:rPr lang="fr-FR" i="0">
+                                  <a:latin typeface="Cambria Math" panose="02040503050406030204" pitchFamily="18" charset="0"/>
+                                </a:rPr>
+                                <m:t>&amp;</m:t>
+                              </m:r>
+                              <m:func>
+                                <m:funcPr>
+                                  <m:ctrlPr>
+                                    <a:rPr lang="fr-FR" i="1">
+                                      <a:latin typeface="Cambria Math" panose="02040503050406030204" pitchFamily="18" charset="0"/>
+                                    </a:rPr>
+                                  </m:ctrlPr>
+                                </m:funcPr>
+                                <m:fName>
+                                  <m:r>
+                                    <m:rPr>
+                                      <m:sty m:val="p"/>
+                                    </m:rPr>
+                                    <a:rPr lang="fr-FR" i="0">
+                                      <a:latin typeface="Cambria Math" panose="02040503050406030204" pitchFamily="18" charset="0"/>
+                                    </a:rPr>
+                                    <m:t>sin</m:t>
+                                  </m:r>
+                                </m:fName>
+                                <m:e>
+                                  <m:d>
+                                    <m:dPr>
+                                      <m:ctrlPr>
+                                        <a:rPr lang="fr-FR" i="1">
+                                          <a:latin typeface="Cambria Math" panose="02040503050406030204" pitchFamily="18" charset="0"/>
+                                        </a:rPr>
+                                      </m:ctrlPr>
+                                    </m:dPr>
+                                    <m:e>
+                                      <m:r>
+                                        <m:rPr>
+                                          <m:sty m:val="p"/>
+                                        </m:rPr>
+                                        <a:rPr lang="fr-FR" i="0">
+                                          <a:latin typeface="Cambria Math" panose="02040503050406030204" pitchFamily="18" charset="0"/>
+                                        </a:rPr>
+                                        <m:t>λA</m:t>
+                                      </m:r>
+                                    </m:e>
+                                  </m:d>
+                                </m:e>
+                              </m:func>
+                              <m:func>
+                                <m:funcPr>
+                                  <m:ctrlPr>
+                                    <a:rPr lang="fr-FR" i="1">
+                                      <a:latin typeface="Cambria Math" panose="02040503050406030204" pitchFamily="18" charset="0"/>
+                                    </a:rPr>
+                                  </m:ctrlPr>
+                                </m:funcPr>
+                                <m:fName>
+                                  <m:r>
+                                    <m:rPr>
+                                      <m:sty m:val="p"/>
+                                    </m:rPr>
+                                    <a:rPr lang="fr-FR" i="0">
+                                      <a:latin typeface="Cambria Math" panose="02040503050406030204" pitchFamily="18" charset="0"/>
+                                    </a:rPr>
+                                    <m:t>cos</m:t>
+                                  </m:r>
+                                </m:fName>
+                                <m:e>
+                                  <m:d>
+                                    <m:dPr>
+                                      <m:ctrlPr>
+                                        <a:rPr lang="fr-FR" i="1">
+                                          <a:latin typeface="Cambria Math" panose="02040503050406030204" pitchFamily="18" charset="0"/>
+                                        </a:rPr>
+                                      </m:ctrlPr>
+                                    </m:dPr>
+                                    <m:e>
+                                      <m:r>
+                                        <m:rPr>
+                                          <m:sty m:val="p"/>
+                                        </m:rPr>
+                                        <a:rPr lang="fr-FR" i="0">
+                                          <a:latin typeface="Cambria Math" panose="02040503050406030204" pitchFamily="18" charset="0"/>
+                                        </a:rPr>
+                                        <m:t>φA</m:t>
+                                      </m:r>
+                                    </m:e>
+                                  </m:d>
+                                </m:e>
+                              </m:func>
+                              <m:r>
+                                <a:rPr lang="fr-FR" i="0">
+                                  <a:latin typeface="Cambria Math" panose="02040503050406030204" pitchFamily="18" charset="0"/>
+                                </a:rPr>
+                                <m:t>  </m:t>
+                              </m:r>
+                            </m:e>
+                            <m:e>
+                              <m:r>
+                                <a:rPr lang="fr-FR" i="0">
+                                  <a:latin typeface="Cambria Math" panose="02040503050406030204" pitchFamily="18" charset="0"/>
+                                </a:rPr>
+                                <m:t>&amp;</m:t>
+                              </m:r>
+                              <m:func>
+                                <m:funcPr>
+                                  <m:ctrlPr>
+                                    <a:rPr lang="fr-FR" i="1">
+                                      <a:latin typeface="Cambria Math" panose="02040503050406030204" pitchFamily="18" charset="0"/>
+                                    </a:rPr>
+                                  </m:ctrlPr>
+                                </m:funcPr>
+                                <m:fName>
+                                  <m:r>
+                                    <m:rPr>
+                                      <m:sty m:val="p"/>
+                                    </m:rPr>
+                                    <a:rPr lang="fr-FR" i="0">
+                                      <a:latin typeface="Cambria Math" panose="02040503050406030204" pitchFamily="18" charset="0"/>
+                                    </a:rPr>
+                                    <m:t>sin</m:t>
+                                  </m:r>
+                                </m:fName>
+                                <m:e>
+                                  <m:d>
+                                    <m:dPr>
+                                      <m:ctrlPr>
+                                        <a:rPr lang="fr-FR" i="1">
+                                          <a:latin typeface="Cambria Math" panose="02040503050406030204" pitchFamily="18" charset="0"/>
+                                        </a:rPr>
+                                      </m:ctrlPr>
+                                    </m:dPr>
+                                    <m:e>
+                                      <m:r>
+                                        <a:rPr lang="fr-FR" i="1">
+                                          <a:latin typeface="Cambria Math" panose="02040503050406030204" pitchFamily="18" charset="0"/>
+                                        </a:rPr>
+                                        <m:t>𝜑</m:t>
+                                      </m:r>
+                                      <m:r>
+                                        <a:rPr lang="fr-FR" i="1">
+                                          <a:latin typeface="Cambria Math" panose="02040503050406030204" pitchFamily="18" charset="0"/>
+                                        </a:rPr>
+                                        <m:t>𝐴</m:t>
+                                      </m:r>
+                                    </m:e>
+                                  </m:d>
+                                </m:e>
+                              </m:func>
+                            </m:e>
+                          </m:eqArr>
+                        </m:e>
+                      </m:d>
+                      <m:r>
+                        <a:rPr lang="fr-FR" i="0">
+                          <a:latin typeface="Cambria Math" panose="02040503050406030204" pitchFamily="18" charset="0"/>
+                        </a:rPr>
+                        <m:t>∗</m:t>
+                      </m:r>
+                      <m:d>
+                        <m:dPr>
+                          <m:ctrlPr>
+                            <a:rPr lang="fr-FR" i="1">
+                              <a:latin typeface="Cambria Math" panose="02040503050406030204" pitchFamily="18" charset="0"/>
+                            </a:rPr>
+                          </m:ctrlPr>
+                        </m:dPr>
+                        <m:e>
+                          <m:eqArr>
+                            <m:eqArrPr>
+                              <m:ctrlPr>
+                                <a:rPr lang="fr-FR" i="1">
+                                  <a:latin typeface="Cambria Math" panose="02040503050406030204" pitchFamily="18" charset="0"/>
+                                </a:rPr>
+                              </m:ctrlPr>
+                            </m:eqArrPr>
+                            <m:e>
+                              <m:r>
+                                <a:rPr lang="fr-FR" i="0">
+                                  <a:latin typeface="Cambria Math" panose="02040503050406030204" pitchFamily="18" charset="0"/>
+                                </a:rPr>
+                                <m:t>&amp;</m:t>
+                              </m:r>
+                              <m:func>
+                                <m:funcPr>
+                                  <m:ctrlPr>
+                                    <a:rPr lang="fr-FR" i="1">
+                                      <a:latin typeface="Cambria Math" panose="02040503050406030204" pitchFamily="18" charset="0"/>
+                                    </a:rPr>
+                                  </m:ctrlPr>
+                                </m:funcPr>
+                                <m:fName>
+                                  <m:r>
+                                    <m:rPr>
+                                      <m:sty m:val="p"/>
+                                    </m:rPr>
+                                    <a:rPr lang="fr-FR" i="0">
+                                      <a:latin typeface="Cambria Math" panose="02040503050406030204" pitchFamily="18" charset="0"/>
+                                    </a:rPr>
+                                    <m:t>cos</m:t>
+                                  </m:r>
+                                </m:fName>
+                                <m:e>
+                                  <m:d>
+                                    <m:dPr>
+                                      <m:ctrlPr>
+                                        <a:rPr lang="fr-FR" i="1">
+                                          <a:latin typeface="Cambria Math" panose="02040503050406030204" pitchFamily="18" charset="0"/>
+                                        </a:rPr>
+                                      </m:ctrlPr>
+                                    </m:dPr>
+                                    <m:e>
+                                      <m:r>
+                                        <m:rPr>
+                                          <m:sty m:val="p"/>
+                                        </m:rPr>
+                                        <a:rPr lang="fr-FR" i="0">
+                                          <a:latin typeface="Cambria Math" panose="02040503050406030204" pitchFamily="18" charset="0"/>
+                                        </a:rPr>
+                                        <m:t>λB</m:t>
+                                      </m:r>
+                                    </m:e>
+                                  </m:d>
+                                </m:e>
+                              </m:func>
+                              <m:func>
+                                <m:funcPr>
+                                  <m:ctrlPr>
+                                    <a:rPr lang="fr-FR" i="1">
+                                      <a:latin typeface="Cambria Math" panose="02040503050406030204" pitchFamily="18" charset="0"/>
+                                    </a:rPr>
+                                  </m:ctrlPr>
+                                </m:funcPr>
+                                <m:fName>
+                                  <m:r>
+                                    <m:rPr>
+                                      <m:sty m:val="p"/>
+                                    </m:rPr>
+                                    <a:rPr lang="fr-FR" i="0">
+                                      <a:latin typeface="Cambria Math" panose="02040503050406030204" pitchFamily="18" charset="0"/>
+                                    </a:rPr>
+                                    <m:t>cos</m:t>
+                                  </m:r>
+                                </m:fName>
+                                <m:e>
+                                  <m:d>
+                                    <m:dPr>
+                                      <m:ctrlPr>
+                                        <a:rPr lang="fr-FR" i="1">
+                                          <a:latin typeface="Cambria Math" panose="02040503050406030204" pitchFamily="18" charset="0"/>
+                                        </a:rPr>
+                                      </m:ctrlPr>
+                                    </m:dPr>
+                                    <m:e>
+                                      <m:r>
+                                        <m:rPr>
+                                          <m:sty m:val="p"/>
+                                        </m:rPr>
+                                        <a:rPr lang="fr-FR" i="0">
+                                          <a:latin typeface="Cambria Math" panose="02040503050406030204" pitchFamily="18" charset="0"/>
+                                        </a:rPr>
+                                        <m:t>φB</m:t>
+                                      </m:r>
+                                    </m:e>
+                                  </m:d>
+                                </m:e>
+                              </m:func>
+                            </m:e>
+                            <m:e>
+                              <m:r>
+                                <a:rPr lang="fr-FR" i="0">
+                                  <a:latin typeface="Cambria Math" panose="02040503050406030204" pitchFamily="18" charset="0"/>
+                                </a:rPr>
+                                <m:t>&amp;</m:t>
+                              </m:r>
+                              <m:func>
+                                <m:funcPr>
+                                  <m:ctrlPr>
+                                    <a:rPr lang="fr-FR" i="1">
+                                      <a:latin typeface="Cambria Math" panose="02040503050406030204" pitchFamily="18" charset="0"/>
+                                    </a:rPr>
+                                  </m:ctrlPr>
+                                </m:funcPr>
+                                <m:fName>
+                                  <m:r>
+                                    <m:rPr>
+                                      <m:sty m:val="p"/>
+                                    </m:rPr>
+                                    <a:rPr lang="fr-FR" i="0">
+                                      <a:latin typeface="Cambria Math" panose="02040503050406030204" pitchFamily="18" charset="0"/>
+                                    </a:rPr>
+                                    <m:t>sin</m:t>
+                                  </m:r>
+                                </m:fName>
+                                <m:e>
+                                  <m:d>
+                                    <m:dPr>
+                                      <m:ctrlPr>
+                                        <a:rPr lang="fr-FR" i="1">
+                                          <a:latin typeface="Cambria Math" panose="02040503050406030204" pitchFamily="18" charset="0"/>
+                                        </a:rPr>
+                                      </m:ctrlPr>
+                                    </m:dPr>
+                                    <m:e>
+                                      <m:r>
+                                        <m:rPr>
+                                          <m:sty m:val="p"/>
+                                        </m:rPr>
+                                        <a:rPr lang="fr-FR" i="0">
+                                          <a:latin typeface="Cambria Math" panose="02040503050406030204" pitchFamily="18" charset="0"/>
+                                        </a:rPr>
+                                        <m:t>λB</m:t>
+                                      </m:r>
+                                    </m:e>
+                                  </m:d>
+                                </m:e>
+                              </m:func>
+                              <m:func>
+                                <m:funcPr>
+                                  <m:ctrlPr>
+                                    <a:rPr lang="fr-FR" i="1">
+                                      <a:latin typeface="Cambria Math" panose="02040503050406030204" pitchFamily="18" charset="0"/>
+                                    </a:rPr>
+                                  </m:ctrlPr>
+                                </m:funcPr>
+                                <m:fName>
+                                  <m:r>
+                                    <m:rPr>
+                                      <m:sty m:val="p"/>
+                                    </m:rPr>
+                                    <a:rPr lang="fr-FR" i="0">
+                                      <a:latin typeface="Cambria Math" panose="02040503050406030204" pitchFamily="18" charset="0"/>
+                                    </a:rPr>
+                                    <m:t>cos</m:t>
+                                  </m:r>
+                                </m:fName>
+                                <m:e>
+                                  <m:d>
+                                    <m:dPr>
+                                      <m:ctrlPr>
+                                        <a:rPr lang="fr-FR" i="1">
+                                          <a:latin typeface="Cambria Math" panose="02040503050406030204" pitchFamily="18" charset="0"/>
+                                        </a:rPr>
+                                      </m:ctrlPr>
+                                    </m:dPr>
+                                    <m:e>
+                                      <m:r>
+                                        <m:rPr>
+                                          <m:sty m:val="p"/>
+                                        </m:rPr>
+                                        <a:rPr lang="fr-FR" i="0">
+                                          <a:latin typeface="Cambria Math" panose="02040503050406030204" pitchFamily="18" charset="0"/>
+                                        </a:rPr>
+                                        <m:t>φB</m:t>
+                                      </m:r>
+                                    </m:e>
+                                  </m:d>
+                                </m:e>
+                              </m:func>
+                              <m:r>
+                                <a:rPr lang="fr-FR" i="0">
+                                  <a:latin typeface="Cambria Math" panose="02040503050406030204" pitchFamily="18" charset="0"/>
+                                </a:rPr>
+                                <m:t>  </m:t>
+                              </m:r>
+                            </m:e>
+                            <m:e>
+                              <m:r>
+                                <a:rPr lang="fr-FR" i="0">
+                                  <a:latin typeface="Cambria Math" panose="02040503050406030204" pitchFamily="18" charset="0"/>
+                                </a:rPr>
+                                <m:t>&amp;</m:t>
+                              </m:r>
+                              <m:func>
+                                <m:funcPr>
+                                  <m:ctrlPr>
+                                    <a:rPr lang="fr-FR" i="1">
+                                      <a:latin typeface="Cambria Math" panose="02040503050406030204" pitchFamily="18" charset="0"/>
+                                    </a:rPr>
+                                  </m:ctrlPr>
+                                </m:funcPr>
+                                <m:fName>
+                                  <m:r>
+                                    <m:rPr>
+                                      <m:sty m:val="p"/>
+                                    </m:rPr>
+                                    <a:rPr lang="fr-FR" i="0">
+                                      <a:latin typeface="Cambria Math" panose="02040503050406030204" pitchFamily="18" charset="0"/>
+                                    </a:rPr>
+                                    <m:t>sin</m:t>
+                                  </m:r>
+                                </m:fName>
+                                <m:e>
+                                  <m:d>
+                                    <m:dPr>
+                                      <m:ctrlPr>
+                                        <a:rPr lang="fr-FR" i="1">
+                                          <a:latin typeface="Cambria Math" panose="02040503050406030204" pitchFamily="18" charset="0"/>
+                                        </a:rPr>
+                                      </m:ctrlPr>
+                                    </m:dPr>
+                                    <m:e>
+                                      <m:r>
+                                        <a:rPr lang="fr-FR" i="1">
+                                          <a:latin typeface="Cambria Math" panose="02040503050406030204" pitchFamily="18" charset="0"/>
+                                        </a:rPr>
+                                        <m:t>𝜑</m:t>
+                                      </m:r>
+                                      <m:r>
+                                        <a:rPr lang="fr-FR" i="1">
+                                          <a:latin typeface="Cambria Math" panose="02040503050406030204" pitchFamily="18" charset="0"/>
+                                        </a:rPr>
+                                        <m:t>𝐵</m:t>
+                                      </m:r>
+                                    </m:e>
+                                  </m:d>
+                                </m:e>
+                              </m:func>
+                            </m:e>
+                          </m:eqArr>
+                        </m:e>
+                      </m:d>
+                    </m:oMath>
+                  </m:oMathPara>
+                </a14:m>
+                <a:endParaRPr lang="fr-FR" dirty="0"/>
+              </a:p>
+            </p:txBody>
+          </p:sp>
+        </mc:Choice>
+        <mc:Fallback>
+          <p:sp>
+            <p:nvSpPr>
+              <p:cNvPr id="5" name="Rectangle 4">
+                <a:extLst>
+                  <a:ext uri="{FF2B5EF4-FFF2-40B4-BE49-F238E27FC236}">
+                    <a16:creationId xmlns:a16="http://schemas.microsoft.com/office/drawing/2014/main" id="{24E0DBBD-0140-4AE5-9C92-561B944B932F}"/>
+                  </a:ext>
+                </a:extLst>
+              </p:cNvPr>
+              <p:cNvSpPr>
+                <a:spLocks noRot="1" noChangeAspect="1" noMove="1" noResize="1" noEditPoints="1" noAdjustHandles="1" noChangeArrowheads="1" noChangeShapeType="1" noTextEdit="1"/>
+              </p:cNvSpPr>
+              <p:nvPr/>
+            </p:nvSpPr>
+            <p:spPr>
+              <a:xfrm>
+                <a:off x="5803905" y="2717090"/>
+                <a:ext cx="5482591" cy="984052"/>
+              </a:xfrm>
+              <a:prstGeom prst="rect">
+                <a:avLst/>
+              </a:prstGeom>
+              <a:blipFill>
+                <a:blip r:embed="rId3"/>
+                <a:stretch>
+                  <a:fillRect/>
+                </a:stretch>
+              </a:blipFill>
+            </p:spPr>
+            <p:txBody>
+              <a:bodyPr/>
+              <a:lstStyle/>
+              <a:p>
+                <a:r>
+                  <a:rPr lang="fr-FR">
+                    <a:noFill/>
+                  </a:rPr>
+                  <a:t> </a:t>
+                </a:r>
+              </a:p>
+            </p:txBody>
+          </p:sp>
+        </mc:Fallback>
+      </mc:AlternateContent>
+      <mc:AlternateContent xmlns:mc="http://schemas.openxmlformats.org/markup-compatibility/2006">
+        <mc:Choice xmlns:a14="http://schemas.microsoft.com/office/drawing/2010/main" Requires="a14">
+          <p:sp>
+            <p:nvSpPr>
+              <p:cNvPr id="6" name="Rectangle 5">
+                <a:extLst>
+                  <a:ext uri="{FF2B5EF4-FFF2-40B4-BE49-F238E27FC236}">
+                    <a16:creationId xmlns:a16="http://schemas.microsoft.com/office/drawing/2014/main" id="{9D52BB9A-91B6-416F-8D28-FE3E29775BB7}"/>
+                  </a:ext>
+                </a:extLst>
+              </p:cNvPr>
+              <p:cNvSpPr/>
+              <p:nvPr/>
+            </p:nvSpPr>
+            <p:spPr>
+              <a:xfrm>
+                <a:off x="7240902" y="1540328"/>
+                <a:ext cx="2608598" cy="823239"/>
+              </a:xfrm>
+              <a:prstGeom prst="rect">
+                <a:avLst/>
+              </a:prstGeom>
+            </p:spPr>
+            <p:txBody>
+              <a:bodyPr wrap="none">
+                <a:spAutoFit/>
+              </a:bodyPr>
+              <a:lstStyle/>
+              <a:p>
+                <a14:m>
+                  <m:oMathPara xmlns:m="http://schemas.openxmlformats.org/officeDocument/2006/math">
+                    <m:oMathParaPr>
+                      <m:jc m:val="centerGroup"/>
+                    </m:oMathParaPr>
+                    <m:oMath xmlns:m="http://schemas.openxmlformats.org/officeDocument/2006/math">
+                      <m:acc>
+                        <m:accPr>
+                          <m:chr m:val="⃗"/>
+                          <m:ctrlPr>
+                            <a:rPr lang="fr-FR" smtClean="0">
+                              <a:latin typeface="Cambria Math" panose="02040503050406030204" pitchFamily="18" charset="0"/>
+                            </a:rPr>
+                          </m:ctrlPr>
+                        </m:accPr>
+                        <m:e>
+                          <m:r>
+                            <a:rPr lang="fr-FR" i="1">
+                              <a:latin typeface="Cambria Math" panose="02040503050406030204" pitchFamily="18" charset="0"/>
+                            </a:rPr>
+                            <m:t>𝑂𝐴</m:t>
+                          </m:r>
+                        </m:e>
+                      </m:acc>
+                      <m:r>
+                        <a:rPr lang="fr-FR" i="0">
+                          <a:latin typeface="Cambria Math" panose="02040503050406030204" pitchFamily="18" charset="0"/>
+                        </a:rPr>
+                        <m:t>.</m:t>
+                      </m:r>
+                      <m:acc>
+                        <m:accPr>
+                          <m:chr m:val="⃗"/>
+                          <m:ctrlPr>
+                            <a:rPr lang="fr-FR" i="1">
+                              <a:latin typeface="Cambria Math" panose="02040503050406030204" pitchFamily="18" charset="0"/>
+                            </a:rPr>
+                          </m:ctrlPr>
+                        </m:accPr>
+                        <m:e>
+                          <m:r>
+                            <a:rPr lang="fr-FR" i="1">
+                              <a:latin typeface="Cambria Math" panose="02040503050406030204" pitchFamily="18" charset="0"/>
+                            </a:rPr>
+                            <m:t>𝑂𝐵</m:t>
+                          </m:r>
+                        </m:e>
+                      </m:acc>
+                      <m:r>
+                        <a:rPr lang="fr-FR" i="0">
+                          <a:latin typeface="Cambria Math" panose="02040503050406030204" pitchFamily="18" charset="0"/>
+                        </a:rPr>
+                        <m:t>=</m:t>
+                      </m:r>
+                      <m:d>
+                        <m:dPr>
+                          <m:ctrlPr>
+                            <a:rPr lang="fr-FR" i="1">
+                              <a:latin typeface="Cambria Math" panose="02040503050406030204" pitchFamily="18" charset="0"/>
+                            </a:rPr>
+                          </m:ctrlPr>
+                        </m:dPr>
+                        <m:e>
+                          <m:eqArr>
+                            <m:eqArrPr>
+                              <m:ctrlPr>
+                                <a:rPr lang="fr-FR" i="1">
+                                  <a:latin typeface="Cambria Math" panose="02040503050406030204" pitchFamily="18" charset="0"/>
+                                </a:rPr>
+                              </m:ctrlPr>
+                            </m:eqArrPr>
+                            <m:e>
+                              <m:r>
+                                <a:rPr lang="fr-FR" i="0">
+                                  <a:latin typeface="Cambria Math" panose="02040503050406030204" pitchFamily="18" charset="0"/>
+                                </a:rPr>
+                                <m:t>&amp;</m:t>
+                              </m:r>
+                              <m:r>
+                                <a:rPr lang="fr-FR" b="0" i="1" smtClean="0">
+                                  <a:latin typeface="Cambria Math" panose="02040503050406030204" pitchFamily="18" charset="0"/>
+                                </a:rPr>
+                                <m:t>𝑋𝐴</m:t>
+                              </m:r>
+                            </m:e>
+                            <m:e>
+                              <m:r>
+                                <a:rPr lang="fr-FR" i="0">
+                                  <a:latin typeface="Cambria Math" panose="02040503050406030204" pitchFamily="18" charset="0"/>
+                                </a:rPr>
+                                <m:t>&amp;</m:t>
+                              </m:r>
+                              <m:r>
+                                <a:rPr lang="fr-FR" b="0" i="1" smtClean="0">
+                                  <a:latin typeface="Cambria Math" panose="02040503050406030204" pitchFamily="18" charset="0"/>
+                                </a:rPr>
+                                <m:t>𝑌𝐴</m:t>
+                              </m:r>
+                            </m:e>
+                            <m:e>
+                              <m:r>
+                                <a:rPr lang="fr-FR" i="0">
+                                  <a:latin typeface="Cambria Math" panose="02040503050406030204" pitchFamily="18" charset="0"/>
+                                </a:rPr>
+                                <m:t>&amp;</m:t>
+                              </m:r>
+                              <m:r>
+                                <a:rPr lang="fr-FR" b="0" i="1" smtClean="0">
+                                  <a:latin typeface="Cambria Math" panose="02040503050406030204" pitchFamily="18" charset="0"/>
+                                </a:rPr>
+                                <m:t>𝑍𝐴</m:t>
+                              </m:r>
+                            </m:e>
+                          </m:eqArr>
+                        </m:e>
+                      </m:d>
+                      <m:r>
+                        <a:rPr lang="fr-FR" i="0">
+                          <a:latin typeface="Cambria Math" panose="02040503050406030204" pitchFamily="18" charset="0"/>
+                        </a:rPr>
+                        <m:t>∗</m:t>
+                      </m:r>
+                      <m:d>
+                        <m:dPr>
+                          <m:ctrlPr>
+                            <a:rPr lang="fr-FR" i="1">
+                              <a:latin typeface="Cambria Math" panose="02040503050406030204" pitchFamily="18" charset="0"/>
+                            </a:rPr>
+                          </m:ctrlPr>
+                        </m:dPr>
+                        <m:e>
+                          <m:eqArr>
+                            <m:eqArrPr>
+                              <m:ctrlPr>
+                                <a:rPr lang="fr-FR" i="1">
+                                  <a:latin typeface="Cambria Math" panose="02040503050406030204" pitchFamily="18" charset="0"/>
+                                </a:rPr>
+                              </m:ctrlPr>
+                            </m:eqArrPr>
+                            <m:e>
+                              <m:r>
+                                <a:rPr lang="fr-FR">
+                                  <a:latin typeface="Cambria Math" panose="02040503050406030204" pitchFamily="18" charset="0"/>
+                                </a:rPr>
+                                <m:t>&amp;</m:t>
+                              </m:r>
+                              <m:r>
+                                <a:rPr lang="fr-FR" i="1">
+                                  <a:latin typeface="Cambria Math" panose="02040503050406030204" pitchFamily="18" charset="0"/>
+                                </a:rPr>
+                                <m:t>𝑋</m:t>
+                              </m:r>
+                              <m:r>
+                                <a:rPr lang="fr-FR" b="0" i="1" smtClean="0">
+                                  <a:latin typeface="Cambria Math" panose="02040503050406030204" pitchFamily="18" charset="0"/>
+                                </a:rPr>
+                                <m:t>𝐵</m:t>
+                              </m:r>
+                            </m:e>
+                            <m:e>
+                              <m:r>
+                                <a:rPr lang="fr-FR">
+                                  <a:latin typeface="Cambria Math" panose="02040503050406030204" pitchFamily="18" charset="0"/>
+                                </a:rPr>
+                                <m:t>&amp;</m:t>
+                              </m:r>
+                              <m:r>
+                                <a:rPr lang="fr-FR" i="1">
+                                  <a:latin typeface="Cambria Math" panose="02040503050406030204" pitchFamily="18" charset="0"/>
+                                </a:rPr>
+                                <m:t>𝑌</m:t>
+                              </m:r>
+                              <m:r>
+                                <a:rPr lang="fr-FR" b="0" i="1" smtClean="0">
+                                  <a:latin typeface="Cambria Math" panose="02040503050406030204" pitchFamily="18" charset="0"/>
+                                </a:rPr>
+                                <m:t>𝐵</m:t>
+                              </m:r>
+                            </m:e>
+                            <m:e>
+                              <m:r>
+                                <a:rPr lang="fr-FR">
+                                  <a:latin typeface="Cambria Math" panose="02040503050406030204" pitchFamily="18" charset="0"/>
+                                </a:rPr>
+                                <m:t>&amp;</m:t>
+                              </m:r>
+                              <m:r>
+                                <a:rPr lang="fr-FR" i="1">
+                                  <a:latin typeface="Cambria Math" panose="02040503050406030204" pitchFamily="18" charset="0"/>
+                                </a:rPr>
+                                <m:t>𝑍</m:t>
+                              </m:r>
+                              <m:r>
+                                <a:rPr lang="fr-FR" b="0" i="1" smtClean="0">
+                                  <a:latin typeface="Cambria Math" panose="02040503050406030204" pitchFamily="18" charset="0"/>
+                                </a:rPr>
+                                <m:t>𝐵</m:t>
+                              </m:r>
+                            </m:e>
+                          </m:eqArr>
+                        </m:e>
+                      </m:d>
+                    </m:oMath>
+                  </m:oMathPara>
+                </a14:m>
+                <a:endParaRPr lang="fr-FR" dirty="0"/>
+              </a:p>
+            </p:txBody>
+          </p:sp>
+        </mc:Choice>
+        <mc:Fallback>
+          <p:sp>
+            <p:nvSpPr>
+              <p:cNvPr id="6" name="Rectangle 5">
+                <a:extLst>
+                  <a:ext uri="{FF2B5EF4-FFF2-40B4-BE49-F238E27FC236}">
+                    <a16:creationId xmlns:a16="http://schemas.microsoft.com/office/drawing/2014/main" id="{9D52BB9A-91B6-416F-8D28-FE3E29775BB7}"/>
+                  </a:ext>
+                </a:extLst>
+              </p:cNvPr>
+              <p:cNvSpPr>
+                <a:spLocks noRot="1" noChangeAspect="1" noMove="1" noResize="1" noEditPoints="1" noAdjustHandles="1" noChangeArrowheads="1" noChangeShapeType="1" noTextEdit="1"/>
+              </p:cNvSpPr>
+              <p:nvPr/>
+            </p:nvSpPr>
+            <p:spPr>
+              <a:xfrm>
+                <a:off x="7240902" y="1540328"/>
+                <a:ext cx="2608598" cy="823239"/>
+              </a:xfrm>
+              <a:prstGeom prst="rect">
+                <a:avLst/>
+              </a:prstGeom>
+              <a:blipFill>
+                <a:blip r:embed="rId4"/>
+                <a:stretch>
+                  <a:fillRect/>
+                </a:stretch>
+              </a:blipFill>
+            </p:spPr>
+            <p:txBody>
+              <a:bodyPr/>
+              <a:lstStyle/>
+              <a:p>
+                <a:r>
+                  <a:rPr lang="fr-FR">
+                    <a:noFill/>
+                  </a:rPr>
+                  <a:t> </a:t>
+                </a:r>
+              </a:p>
+            </p:txBody>
+          </p:sp>
+        </mc:Fallback>
+      </mc:AlternateContent>
+      <mc:AlternateContent xmlns:mc="http://schemas.openxmlformats.org/markup-compatibility/2006">
+        <mc:Choice xmlns:a14="http://schemas.microsoft.com/office/drawing/2010/main" Requires="a14">
+          <p:sp>
+            <p:nvSpPr>
+              <p:cNvPr id="7" name="Rectangle 6">
+                <a:extLst>
+                  <a:ext uri="{FF2B5EF4-FFF2-40B4-BE49-F238E27FC236}">
+                    <a16:creationId xmlns:a16="http://schemas.microsoft.com/office/drawing/2014/main" id="{80465DC0-FE95-4B4C-B405-0E02822C0412}"/>
+                  </a:ext>
+                </a:extLst>
+              </p:cNvPr>
+              <p:cNvSpPr/>
+              <p:nvPr/>
+            </p:nvSpPr>
+            <p:spPr>
+              <a:xfrm>
+                <a:off x="5497200" y="4422587"/>
+                <a:ext cx="6096000" cy="639983"/>
+              </a:xfrm>
+              <a:prstGeom prst="rect">
+                <a:avLst/>
+              </a:prstGeom>
+            </p:spPr>
+            <p:txBody>
+              <a:bodyPr>
+                <a:spAutoFit/>
+              </a:bodyPr>
+              <a:lstStyle/>
+              <a:p>
+                <a14:m>
+                  <m:oMathPara xmlns:m="http://schemas.openxmlformats.org/officeDocument/2006/math">
+                    <m:oMathParaPr>
+                      <m:jc m:val="centerGroup"/>
+                    </m:oMathParaPr>
+                    <m:oMath xmlns:m="http://schemas.openxmlformats.org/officeDocument/2006/math">
+                      <m:r>
+                        <a:rPr lang="fr-FR" smtClean="0">
+                          <a:latin typeface="Cambria Math" panose="02040503050406030204" pitchFamily="18" charset="0"/>
+                        </a:rPr>
+                        <m:t>=</m:t>
+                      </m:r>
+                      <m:func>
+                        <m:funcPr>
+                          <m:ctrlPr>
+                            <a:rPr lang="fr-FR" i="1">
+                              <a:latin typeface="Cambria Math" panose="02040503050406030204" pitchFamily="18" charset="0"/>
+                            </a:rPr>
+                          </m:ctrlPr>
+                        </m:funcPr>
+                        <m:fName>
+                          <m:d>
+                            <m:dPr>
+                              <m:endChr m:val=""/>
+                              <m:ctrlPr>
+                                <a:rPr lang="fr-FR" i="1">
+                                  <a:latin typeface="Cambria Math" panose="02040503050406030204" pitchFamily="18" charset="0"/>
+                                </a:rPr>
+                              </m:ctrlPr>
+                            </m:dPr>
+                            <m:e>
+                              <m:r>
+                                <m:rPr>
+                                  <m:sty m:val="p"/>
+                                </m:rPr>
+                                <a:rPr lang="fr-FR" i="0">
+                                  <a:latin typeface="Cambria Math" panose="02040503050406030204" pitchFamily="18" charset="0"/>
+                                </a:rPr>
+                                <m:t>cos</m:t>
+                              </m:r>
+                            </m:e>
+                          </m:d>
+                        </m:fName>
+                        <m:e>
+                          <m:d>
+                            <m:dPr>
+                              <m:ctrlPr>
+                                <a:rPr lang="fr-FR" i="1">
+                                  <a:latin typeface="Cambria Math" panose="02040503050406030204" pitchFamily="18" charset="0"/>
+                                </a:rPr>
+                              </m:ctrlPr>
+                            </m:dPr>
+                            <m:e>
+                              <m:r>
+                                <m:rPr>
+                                  <m:sty m:val="p"/>
+                                </m:rPr>
+                                <a:rPr lang="fr-FR" i="0">
+                                  <a:latin typeface="Cambria Math" panose="02040503050406030204" pitchFamily="18" charset="0"/>
+                                </a:rPr>
+                                <m:t>λA</m:t>
+                              </m:r>
+                            </m:e>
+                          </m:d>
+                        </m:e>
+                      </m:func>
+                      <m:r>
+                        <a:rPr lang="fr-FR" i="0">
+                          <a:latin typeface="Cambria Math" panose="02040503050406030204" pitchFamily="18" charset="0"/>
+                        </a:rPr>
+                        <m:t>∗</m:t>
+                      </m:r>
+                      <m:r>
+                        <m:rPr>
+                          <m:sty m:val="p"/>
+                        </m:rPr>
+                        <a:rPr lang="fr-FR" i="0" smtClean="0">
+                          <a:solidFill>
+                            <a:srgbClr val="FF0000"/>
+                          </a:solidFill>
+                          <a:latin typeface="Cambria Math" panose="02040503050406030204" pitchFamily="18" charset="0"/>
+                        </a:rPr>
+                        <m:t>co</m:t>
+                      </m:r>
+                      <m:func>
+                        <m:funcPr>
+                          <m:ctrlPr>
+                            <a:rPr lang="fr-FR" i="1">
+                              <a:solidFill>
+                                <a:srgbClr val="FF0000"/>
+                              </a:solidFill>
+                              <a:latin typeface="Cambria Math" panose="02040503050406030204" pitchFamily="18" charset="0"/>
+                            </a:rPr>
+                          </m:ctrlPr>
+                        </m:funcPr>
+                        <m:fName>
+                          <m:r>
+                            <m:rPr>
+                              <m:sty m:val="p"/>
+                            </m:rPr>
+                            <a:rPr lang="fr-FR" i="0">
+                              <a:solidFill>
+                                <a:srgbClr val="FF0000"/>
+                              </a:solidFill>
+                              <a:latin typeface="Cambria Math" panose="02040503050406030204" pitchFamily="18" charset="0"/>
+                            </a:rPr>
+                            <m:t>s</m:t>
+                          </m:r>
+                        </m:fName>
+                        <m:e>
+                          <m:r>
+                            <a:rPr lang="fr-FR" i="0">
+                              <a:solidFill>
+                                <a:srgbClr val="FF0000"/>
+                              </a:solidFill>
+                              <a:latin typeface="Cambria Math" panose="02040503050406030204" pitchFamily="18" charset="0"/>
+                            </a:rPr>
+                            <m:t>(</m:t>
+                          </m:r>
+                        </m:e>
+                      </m:func>
+                      <m:r>
+                        <m:rPr>
+                          <m:sty m:val="p"/>
+                        </m:rPr>
+                        <a:rPr lang="fr-FR" i="0">
+                          <a:solidFill>
+                            <a:srgbClr val="FF0000"/>
+                          </a:solidFill>
+                          <a:latin typeface="Cambria Math" panose="02040503050406030204" pitchFamily="18" charset="0"/>
+                        </a:rPr>
+                        <m:t>φA</m:t>
+                      </m:r>
+                      <m:r>
+                        <a:rPr lang="fr-FR" b="0" i="0" smtClean="0">
+                          <a:solidFill>
+                            <a:srgbClr val="FF0000"/>
+                          </a:solidFill>
+                          <a:latin typeface="Cambria Math" panose="02040503050406030204" pitchFamily="18" charset="0"/>
+                        </a:rPr>
+                        <m:t>)</m:t>
+                      </m:r>
+                      <m:r>
+                        <a:rPr lang="fr-FR" i="0">
+                          <a:latin typeface="Cambria Math" panose="02040503050406030204" pitchFamily="18" charset="0"/>
+                        </a:rPr>
+                        <m:t>)∗(</m:t>
+                      </m:r>
+                      <m:r>
+                        <m:rPr>
+                          <m:sty m:val="p"/>
+                        </m:rPr>
+                        <a:rPr lang="fr-FR" i="0">
+                          <a:latin typeface="Cambria Math" panose="02040503050406030204" pitchFamily="18" charset="0"/>
+                        </a:rPr>
+                        <m:t>co</m:t>
+                      </m:r>
+                      <m:func>
+                        <m:funcPr>
+                          <m:ctrlPr>
+                            <a:rPr lang="fr-FR" i="1">
+                              <a:latin typeface="Cambria Math" panose="02040503050406030204" pitchFamily="18" charset="0"/>
+                            </a:rPr>
+                          </m:ctrlPr>
+                        </m:funcPr>
+                        <m:fName>
+                          <m:r>
+                            <m:rPr>
+                              <m:sty m:val="p"/>
+                            </m:rPr>
+                            <a:rPr lang="fr-FR" i="0">
+                              <a:latin typeface="Cambria Math" panose="02040503050406030204" pitchFamily="18" charset="0"/>
+                            </a:rPr>
+                            <m:t>s</m:t>
+                          </m:r>
+                        </m:fName>
+                        <m:e>
+                          <m:r>
+                            <a:rPr lang="fr-FR" i="0">
+                              <a:latin typeface="Cambria Math" panose="02040503050406030204" pitchFamily="18" charset="0"/>
+                            </a:rPr>
+                            <m:t>(</m:t>
+                          </m:r>
+                        </m:e>
+                      </m:func>
+                      <m:r>
+                        <m:rPr>
+                          <m:sty m:val="p"/>
+                        </m:rPr>
+                        <a:rPr lang="fr-FR" i="0">
+                          <a:latin typeface="Cambria Math" panose="02040503050406030204" pitchFamily="18" charset="0"/>
+                        </a:rPr>
+                        <m:t>λB</m:t>
+                      </m:r>
+                      <m:r>
+                        <a:rPr lang="fr-FR" i="0">
+                          <a:latin typeface="Cambria Math" panose="02040503050406030204" pitchFamily="18" charset="0"/>
+                        </a:rPr>
+                        <m:t>)∗</m:t>
+                      </m:r>
+                      <m:r>
+                        <m:rPr>
+                          <m:sty m:val="p"/>
+                        </m:rPr>
+                        <a:rPr lang="fr-FR" i="0" smtClean="0">
+                          <a:solidFill>
+                            <a:srgbClr val="00B050"/>
+                          </a:solidFill>
+                          <a:latin typeface="Cambria Math" panose="02040503050406030204" pitchFamily="18" charset="0"/>
+                        </a:rPr>
+                        <m:t>co</m:t>
+                      </m:r>
+                      <m:func>
+                        <m:funcPr>
+                          <m:ctrlPr>
+                            <a:rPr lang="fr-FR" i="1">
+                              <a:solidFill>
+                                <a:srgbClr val="00B050"/>
+                              </a:solidFill>
+                              <a:latin typeface="Cambria Math" panose="02040503050406030204" pitchFamily="18" charset="0"/>
+                            </a:rPr>
+                          </m:ctrlPr>
+                        </m:funcPr>
+                        <m:fName>
+                          <m:r>
+                            <m:rPr>
+                              <m:sty m:val="p"/>
+                            </m:rPr>
+                            <a:rPr lang="fr-FR" i="0">
+                              <a:solidFill>
+                                <a:srgbClr val="00B050"/>
+                              </a:solidFill>
+                              <a:latin typeface="Cambria Math" panose="02040503050406030204" pitchFamily="18" charset="0"/>
+                            </a:rPr>
+                            <m:t>s</m:t>
+                          </m:r>
+                        </m:fName>
+                        <m:e>
+                          <m:r>
+                            <a:rPr lang="fr-FR" i="0">
+                              <a:solidFill>
+                                <a:srgbClr val="00B050"/>
+                              </a:solidFill>
+                              <a:latin typeface="Cambria Math" panose="02040503050406030204" pitchFamily="18" charset="0"/>
+                            </a:rPr>
+                            <m:t>(</m:t>
+                          </m:r>
+                        </m:e>
+                      </m:func>
+                      <m:r>
+                        <m:rPr>
+                          <m:sty m:val="p"/>
+                        </m:rPr>
+                        <a:rPr lang="fr-FR" i="0">
+                          <a:solidFill>
+                            <a:srgbClr val="00B050"/>
+                          </a:solidFill>
+                          <a:latin typeface="Cambria Math" panose="02040503050406030204" pitchFamily="18" charset="0"/>
+                        </a:rPr>
+                        <m:t>φB</m:t>
+                      </m:r>
+                      <m:r>
+                        <a:rPr lang="fr-FR" i="0" smtClean="0">
+                          <a:solidFill>
+                            <a:srgbClr val="00B050"/>
+                          </a:solidFill>
+                          <a:latin typeface="Cambria Math" panose="02040503050406030204" pitchFamily="18" charset="0"/>
+                        </a:rPr>
+                        <m:t>)</m:t>
+                      </m:r>
+                      <m:r>
+                        <a:rPr lang="fr-FR" i="0">
+                          <a:latin typeface="Cambria Math" panose="02040503050406030204" pitchFamily="18" charset="0"/>
+                        </a:rPr>
+                        <m:t>)+(</m:t>
+                      </m:r>
+                      <m:func>
+                        <m:funcPr>
+                          <m:ctrlPr>
+                            <a:rPr lang="fr-FR" i="1">
+                              <a:latin typeface="Cambria Math" panose="02040503050406030204" pitchFamily="18" charset="0"/>
+                            </a:rPr>
+                          </m:ctrlPr>
+                        </m:funcPr>
+                        <m:fName>
+                          <m:r>
+                            <m:rPr>
+                              <m:sty m:val="p"/>
+                            </m:rPr>
+                            <a:rPr lang="fr-FR" i="0">
+                              <a:latin typeface="Cambria Math" panose="02040503050406030204" pitchFamily="18" charset="0"/>
+                            </a:rPr>
+                            <m:t>sin</m:t>
+                          </m:r>
+                        </m:fName>
+                        <m:e>
+                          <m:d>
+                            <m:dPr>
+                              <m:ctrlPr>
+                                <a:rPr lang="fr-FR" i="1">
+                                  <a:latin typeface="Cambria Math" panose="02040503050406030204" pitchFamily="18" charset="0"/>
+                                </a:rPr>
+                              </m:ctrlPr>
+                            </m:dPr>
+                            <m:e>
+                              <m:r>
+                                <m:rPr>
+                                  <m:sty m:val="p"/>
+                                </m:rPr>
+                                <a:rPr lang="fr-FR" i="0">
+                                  <a:latin typeface="Cambria Math" panose="02040503050406030204" pitchFamily="18" charset="0"/>
+                                </a:rPr>
+                                <m:t>λA</m:t>
+                              </m:r>
+                            </m:e>
+                          </m:d>
+                        </m:e>
+                      </m:func>
+                      <m:r>
+                        <a:rPr lang="fr-FR" b="0" i="1" smtClean="0">
+                          <a:latin typeface="Cambria Math" panose="02040503050406030204" pitchFamily="18" charset="0"/>
+                        </a:rPr>
+                        <m:t>∗</m:t>
+                      </m:r>
+                      <m:func>
+                        <m:funcPr>
+                          <m:ctrlPr>
+                            <a:rPr lang="fr-FR" i="1" smtClean="0">
+                              <a:solidFill>
+                                <a:srgbClr val="FF0000"/>
+                              </a:solidFill>
+                              <a:latin typeface="Cambria Math" panose="02040503050406030204" pitchFamily="18" charset="0"/>
+                            </a:rPr>
+                          </m:ctrlPr>
+                        </m:funcPr>
+                        <m:fName>
+                          <m:r>
+                            <m:rPr>
+                              <m:sty m:val="p"/>
+                            </m:rPr>
+                            <a:rPr lang="fr-FR" i="0">
+                              <a:solidFill>
+                                <a:srgbClr val="FF0000"/>
+                              </a:solidFill>
+                              <a:latin typeface="Cambria Math" panose="02040503050406030204" pitchFamily="18" charset="0"/>
+                            </a:rPr>
+                            <m:t>cos</m:t>
+                          </m:r>
+                        </m:fName>
+                        <m:e>
+                          <m:d>
+                            <m:dPr>
+                              <m:ctrlPr>
+                                <a:rPr lang="fr-FR" i="1">
+                                  <a:solidFill>
+                                    <a:srgbClr val="FF0000"/>
+                                  </a:solidFill>
+                                  <a:latin typeface="Cambria Math" panose="02040503050406030204" pitchFamily="18" charset="0"/>
+                                </a:rPr>
+                              </m:ctrlPr>
+                            </m:dPr>
+                            <m:e>
+                              <m:r>
+                                <m:rPr>
+                                  <m:sty m:val="p"/>
+                                </m:rPr>
+                                <a:rPr lang="fr-FR" i="0">
+                                  <a:solidFill>
+                                    <a:srgbClr val="FF0000"/>
+                                  </a:solidFill>
+                                  <a:latin typeface="Cambria Math" panose="02040503050406030204" pitchFamily="18" charset="0"/>
+                                </a:rPr>
+                                <m:t>φA</m:t>
+                              </m:r>
+                            </m:e>
+                          </m:d>
+                        </m:e>
+                      </m:func>
+                      <m:r>
+                        <a:rPr lang="fr-FR" i="0">
+                          <a:latin typeface="Cambria Math" panose="02040503050406030204" pitchFamily="18" charset="0"/>
+                        </a:rPr>
+                        <m:t>)∗(</m:t>
+                      </m:r>
+                      <m:func>
+                        <m:funcPr>
+                          <m:ctrlPr>
+                            <a:rPr lang="fr-FR" i="1">
+                              <a:latin typeface="Cambria Math" panose="02040503050406030204" pitchFamily="18" charset="0"/>
+                            </a:rPr>
+                          </m:ctrlPr>
+                        </m:funcPr>
+                        <m:fName>
+                          <m:r>
+                            <m:rPr>
+                              <m:sty m:val="p"/>
+                            </m:rPr>
+                            <a:rPr lang="fr-FR" i="0">
+                              <a:latin typeface="Cambria Math" panose="02040503050406030204" pitchFamily="18" charset="0"/>
+                            </a:rPr>
+                            <m:t>sin</m:t>
+                          </m:r>
+                        </m:fName>
+                        <m:e>
+                          <m:d>
+                            <m:dPr>
+                              <m:ctrlPr>
+                                <a:rPr lang="fr-FR" i="1">
+                                  <a:latin typeface="Cambria Math" panose="02040503050406030204" pitchFamily="18" charset="0"/>
+                                </a:rPr>
+                              </m:ctrlPr>
+                            </m:dPr>
+                            <m:e>
+                              <m:r>
+                                <m:rPr>
+                                  <m:sty m:val="p"/>
+                                </m:rPr>
+                                <a:rPr lang="fr-FR" i="0">
+                                  <a:latin typeface="Cambria Math" panose="02040503050406030204" pitchFamily="18" charset="0"/>
+                                </a:rPr>
+                                <m:t>λB</m:t>
+                              </m:r>
+                            </m:e>
+                          </m:d>
+                        </m:e>
+                      </m:func>
+                      <m:func>
+                        <m:funcPr>
+                          <m:ctrlPr>
+                            <a:rPr lang="fr-FR" i="1" smtClean="0">
+                              <a:solidFill>
+                                <a:srgbClr val="00B050"/>
+                              </a:solidFill>
+                              <a:latin typeface="Cambria Math" panose="02040503050406030204" pitchFamily="18" charset="0"/>
+                            </a:rPr>
+                          </m:ctrlPr>
+                        </m:funcPr>
+                        <m:fName>
+                          <m:r>
+                            <a:rPr lang="fr-FR" i="0">
+                              <a:solidFill>
+                                <a:srgbClr val="00B050"/>
+                              </a:solidFill>
+                              <a:latin typeface="Cambria Math" panose="02040503050406030204" pitchFamily="18" charset="0"/>
+                            </a:rPr>
+                            <m:t>∗</m:t>
+                          </m:r>
+                          <m:r>
+                            <m:rPr>
+                              <m:sty m:val="p"/>
+                            </m:rPr>
+                            <a:rPr lang="fr-FR" i="0">
+                              <a:solidFill>
+                                <a:srgbClr val="00B050"/>
+                              </a:solidFill>
+                              <a:latin typeface="Cambria Math" panose="02040503050406030204" pitchFamily="18" charset="0"/>
+                            </a:rPr>
+                            <m:t>cos</m:t>
+                          </m:r>
+                        </m:fName>
+                        <m:e>
+                          <m:d>
+                            <m:dPr>
+                              <m:ctrlPr>
+                                <a:rPr lang="fr-FR" i="1">
+                                  <a:solidFill>
+                                    <a:srgbClr val="00B050"/>
+                                  </a:solidFill>
+                                  <a:latin typeface="Cambria Math" panose="02040503050406030204" pitchFamily="18" charset="0"/>
+                                </a:rPr>
+                              </m:ctrlPr>
+                            </m:dPr>
+                            <m:e>
+                              <m:r>
+                                <m:rPr>
+                                  <m:sty m:val="p"/>
+                                </m:rPr>
+                                <a:rPr lang="fr-FR" i="0">
+                                  <a:solidFill>
+                                    <a:srgbClr val="00B050"/>
+                                  </a:solidFill>
+                                  <a:latin typeface="Cambria Math" panose="02040503050406030204" pitchFamily="18" charset="0"/>
+                                </a:rPr>
+                                <m:t>φB</m:t>
+                              </m:r>
+                            </m:e>
+                          </m:d>
+                        </m:e>
+                      </m:func>
+                      <m:r>
+                        <a:rPr lang="fr-FR" i="0">
+                          <a:latin typeface="Cambria Math" panose="02040503050406030204" pitchFamily="18" charset="0"/>
+                        </a:rPr>
+                        <m:t>)+</m:t>
+                      </m:r>
+                      <m:func>
+                        <m:funcPr>
+                          <m:ctrlPr>
+                            <a:rPr lang="fr-FR" i="1">
+                              <a:latin typeface="Cambria Math" panose="02040503050406030204" pitchFamily="18" charset="0"/>
+                            </a:rPr>
+                          </m:ctrlPr>
+                        </m:funcPr>
+                        <m:fName>
+                          <m:r>
+                            <m:rPr>
+                              <m:sty m:val="p"/>
+                            </m:rPr>
+                            <a:rPr lang="fr-FR" i="0">
+                              <a:latin typeface="Cambria Math" panose="02040503050406030204" pitchFamily="18" charset="0"/>
+                            </a:rPr>
+                            <m:t>sin</m:t>
+                          </m:r>
+                        </m:fName>
+                        <m:e>
+                          <m:d>
+                            <m:dPr>
+                              <m:ctrlPr>
+                                <a:rPr lang="fr-FR" i="1">
+                                  <a:latin typeface="Cambria Math" panose="02040503050406030204" pitchFamily="18" charset="0"/>
+                                </a:rPr>
+                              </m:ctrlPr>
+                            </m:dPr>
+                            <m:e>
+                              <m:r>
+                                <a:rPr lang="fr-FR" i="1">
+                                  <a:latin typeface="Cambria Math" panose="02040503050406030204" pitchFamily="18" charset="0"/>
+                                </a:rPr>
+                                <m:t>𝜑</m:t>
+                              </m:r>
+                              <m:r>
+                                <a:rPr lang="fr-FR" i="1">
+                                  <a:latin typeface="Cambria Math" panose="02040503050406030204" pitchFamily="18" charset="0"/>
+                                </a:rPr>
+                                <m:t>𝐴</m:t>
+                              </m:r>
+                            </m:e>
+                          </m:d>
+                        </m:e>
+                      </m:func>
+                      <m:r>
+                        <a:rPr lang="fr-FR" i="0">
+                          <a:latin typeface="Cambria Math" panose="02040503050406030204" pitchFamily="18" charset="0"/>
+                        </a:rPr>
+                        <m:t>∗</m:t>
+                      </m:r>
+                      <m:func>
+                        <m:funcPr>
+                          <m:ctrlPr>
+                            <a:rPr lang="fr-FR" i="1">
+                              <a:latin typeface="Cambria Math" panose="02040503050406030204" pitchFamily="18" charset="0"/>
+                            </a:rPr>
+                          </m:ctrlPr>
+                        </m:funcPr>
+                        <m:fName>
+                          <m:r>
+                            <m:rPr>
+                              <m:sty m:val="p"/>
+                            </m:rPr>
+                            <a:rPr lang="fr-FR" i="0">
+                              <a:latin typeface="Cambria Math" panose="02040503050406030204" pitchFamily="18" charset="0"/>
+                            </a:rPr>
+                            <m:t>sin</m:t>
+                          </m:r>
+                        </m:fName>
+                        <m:e>
+                          <m:d>
+                            <m:dPr>
+                              <m:ctrlPr>
+                                <a:rPr lang="fr-FR" i="1">
+                                  <a:latin typeface="Cambria Math" panose="02040503050406030204" pitchFamily="18" charset="0"/>
+                                </a:rPr>
+                              </m:ctrlPr>
+                            </m:dPr>
+                            <m:e>
+                              <m:r>
+                                <a:rPr lang="fr-FR" i="1">
+                                  <a:latin typeface="Cambria Math" panose="02040503050406030204" pitchFamily="18" charset="0"/>
+                                </a:rPr>
+                                <m:t>𝜑</m:t>
+                              </m:r>
+                              <m:r>
+                                <a:rPr lang="fr-FR" i="1">
+                                  <a:latin typeface="Cambria Math" panose="02040503050406030204" pitchFamily="18" charset="0"/>
+                                </a:rPr>
+                                <m:t>𝐵</m:t>
+                              </m:r>
+                            </m:e>
+                          </m:d>
+                        </m:e>
+                      </m:func>
+                    </m:oMath>
+                  </m:oMathPara>
+                </a14:m>
+                <a:endParaRPr lang="fr-FR" dirty="0"/>
+              </a:p>
+            </p:txBody>
+          </p:sp>
+        </mc:Choice>
+        <mc:Fallback>
+          <p:sp>
+            <p:nvSpPr>
+              <p:cNvPr id="7" name="Rectangle 6">
+                <a:extLst>
+                  <a:ext uri="{FF2B5EF4-FFF2-40B4-BE49-F238E27FC236}">
+                    <a16:creationId xmlns:a16="http://schemas.microsoft.com/office/drawing/2014/main" id="{80465DC0-FE95-4B4C-B405-0E02822C0412}"/>
+                  </a:ext>
+                </a:extLst>
+              </p:cNvPr>
+              <p:cNvSpPr>
+                <a:spLocks noRot="1" noChangeAspect="1" noMove="1" noResize="1" noEditPoints="1" noAdjustHandles="1" noChangeArrowheads="1" noChangeShapeType="1" noTextEdit="1"/>
+              </p:cNvSpPr>
+              <p:nvPr/>
+            </p:nvSpPr>
+            <p:spPr>
+              <a:xfrm>
+                <a:off x="5497200" y="4422587"/>
+                <a:ext cx="6096000" cy="639983"/>
+              </a:xfrm>
+              <a:prstGeom prst="rect">
+                <a:avLst/>
+              </a:prstGeom>
+              <a:blipFill>
+                <a:blip r:embed="rId5"/>
+                <a:stretch>
+                  <a:fillRect l="-300" t="-68571" b="-65714"/>
+                </a:stretch>
+              </a:blipFill>
+            </p:spPr>
+            <p:txBody>
+              <a:bodyPr/>
+              <a:lstStyle/>
+              <a:p>
+                <a:r>
+                  <a:rPr lang="fr-FR">
+                    <a:noFill/>
+                  </a:rPr>
+                  <a:t> </a:t>
+                </a:r>
+              </a:p>
+            </p:txBody>
+          </p:sp>
+        </mc:Fallback>
+      </mc:AlternateContent>
+      <mc:AlternateContent xmlns:mc="http://schemas.openxmlformats.org/markup-compatibility/2006">
+        <mc:Choice xmlns:a14="http://schemas.microsoft.com/office/drawing/2010/main" Requires="a14">
+          <p:sp>
+            <p:nvSpPr>
+              <p:cNvPr id="8" name="Rectangle 7">
+                <a:extLst>
+                  <a:ext uri="{FF2B5EF4-FFF2-40B4-BE49-F238E27FC236}">
+                    <a16:creationId xmlns:a16="http://schemas.microsoft.com/office/drawing/2014/main" id="{0D4BA128-1005-40EC-A7A3-C8ADDCE9F23B}"/>
+                  </a:ext>
+                </a:extLst>
+              </p:cNvPr>
+              <p:cNvSpPr/>
+              <p:nvPr/>
+            </p:nvSpPr>
+            <p:spPr>
+              <a:xfrm>
+                <a:off x="5497200" y="5464023"/>
+                <a:ext cx="6096000" cy="639983"/>
+              </a:xfrm>
+              <a:prstGeom prst="rect">
+                <a:avLst/>
+              </a:prstGeom>
+            </p:spPr>
+            <p:txBody>
+              <a:bodyPr>
+                <a:spAutoFit/>
+              </a:bodyPr>
+              <a:lstStyle/>
+              <a:p>
+                <a14:m>
+                  <m:oMathPara xmlns:m="http://schemas.openxmlformats.org/officeDocument/2006/math">
+                    <m:oMathParaPr>
+                      <m:jc m:val="centerGroup"/>
+                    </m:oMathParaPr>
+                    <m:oMath xmlns:m="http://schemas.openxmlformats.org/officeDocument/2006/math">
+                      <m:d>
+                        <m:dPr>
+                          <m:begChr m:val=""/>
+                          <m:ctrlPr>
+                            <a:rPr lang="fr-FR">
+                              <a:latin typeface="Cambria Math" panose="02040503050406030204" pitchFamily="18" charset="0"/>
+                            </a:rPr>
+                          </m:ctrlPr>
+                        </m:dPr>
+                        <m:e>
+                          <m:r>
+                            <a:rPr lang="fr-FR">
+                              <a:latin typeface="Cambria Math" panose="02040503050406030204" pitchFamily="18" charset="0"/>
+                            </a:rPr>
+                            <m:t>=</m:t>
+                          </m:r>
+                          <m:func>
+                            <m:funcPr>
+                              <m:ctrlPr>
+                                <a:rPr lang="fr-FR" i="1">
+                                  <a:latin typeface="Cambria Math" panose="02040503050406030204" pitchFamily="18" charset="0"/>
+                                </a:rPr>
+                              </m:ctrlPr>
+                            </m:funcPr>
+                            <m:fName>
+                              <m:r>
+                                <m:rPr>
+                                  <m:sty m:val="p"/>
+                                </m:rPr>
+                                <a:rPr lang="fr-FR" i="0">
+                                  <a:latin typeface="Cambria Math" panose="02040503050406030204" pitchFamily="18" charset="0"/>
+                                </a:rPr>
+                                <m:t>cos</m:t>
+                              </m:r>
+                            </m:fName>
+                            <m:e>
+                              <m:d>
+                                <m:dPr>
+                                  <m:ctrlPr>
+                                    <a:rPr lang="fr-FR" i="1">
+                                      <a:latin typeface="Cambria Math" panose="02040503050406030204" pitchFamily="18" charset="0"/>
+                                    </a:rPr>
+                                  </m:ctrlPr>
+                                </m:dPr>
+                                <m:e>
+                                  <m:r>
+                                    <m:rPr>
+                                      <m:sty m:val="p"/>
+                                    </m:rPr>
+                                    <a:rPr lang="fr-FR" i="0">
+                                      <a:latin typeface="Cambria Math" panose="02040503050406030204" pitchFamily="18" charset="0"/>
+                                    </a:rPr>
+                                    <m:t>λA</m:t>
+                                  </m:r>
+                                </m:e>
+                              </m:d>
+                            </m:e>
+                          </m:func>
+                          <m:r>
+                            <a:rPr lang="fr-FR" i="0">
+                              <a:latin typeface="Cambria Math" panose="02040503050406030204" pitchFamily="18" charset="0"/>
+                            </a:rPr>
+                            <m:t>∗</m:t>
+                          </m:r>
+                          <m:func>
+                            <m:funcPr>
+                              <m:ctrlPr>
+                                <a:rPr lang="fr-FR" i="1">
+                                  <a:latin typeface="Cambria Math" panose="02040503050406030204" pitchFamily="18" charset="0"/>
+                                </a:rPr>
+                              </m:ctrlPr>
+                            </m:funcPr>
+                            <m:fName>
+                              <m:r>
+                                <m:rPr>
+                                  <m:sty m:val="p"/>
+                                </m:rPr>
+                                <a:rPr lang="fr-FR" i="0">
+                                  <a:latin typeface="Cambria Math" panose="02040503050406030204" pitchFamily="18" charset="0"/>
+                                </a:rPr>
+                                <m:t>cos</m:t>
+                              </m:r>
+                            </m:fName>
+                            <m:e>
+                              <m:d>
+                                <m:dPr>
+                                  <m:ctrlPr>
+                                    <a:rPr lang="fr-FR" i="1">
+                                      <a:latin typeface="Cambria Math" panose="02040503050406030204" pitchFamily="18" charset="0"/>
+                                    </a:rPr>
+                                  </m:ctrlPr>
+                                </m:dPr>
+                                <m:e>
+                                  <m:r>
+                                    <m:rPr>
+                                      <m:sty m:val="p"/>
+                                    </m:rPr>
+                                    <a:rPr lang="fr-FR" i="0">
+                                      <a:latin typeface="Cambria Math" panose="02040503050406030204" pitchFamily="18" charset="0"/>
+                                    </a:rPr>
+                                    <m:t>λB</m:t>
+                                  </m:r>
+                                </m:e>
+                              </m:d>
+                            </m:e>
+                          </m:func>
+                          <m:r>
+                            <a:rPr lang="fr-FR" i="0">
+                              <a:latin typeface="Cambria Math" panose="02040503050406030204" pitchFamily="18" charset="0"/>
+                            </a:rPr>
+                            <m:t>∗(</m:t>
+                          </m:r>
+                          <m:func>
+                            <m:funcPr>
+                              <m:ctrlPr>
+                                <a:rPr lang="fr-FR" i="1">
+                                  <a:latin typeface="Cambria Math" panose="02040503050406030204" pitchFamily="18" charset="0"/>
+                                </a:rPr>
+                              </m:ctrlPr>
+                            </m:funcPr>
+                            <m:fName>
+                              <m:r>
+                                <m:rPr>
+                                  <m:sty m:val="p"/>
+                                </m:rPr>
+                                <a:rPr lang="fr-FR" i="0">
+                                  <a:latin typeface="Cambria Math" panose="02040503050406030204" pitchFamily="18" charset="0"/>
+                                </a:rPr>
+                                <m:t>cos</m:t>
+                              </m:r>
+                            </m:fName>
+                            <m:e>
+                              <m:d>
+                                <m:dPr>
+                                  <m:ctrlPr>
+                                    <a:rPr lang="fr-FR" i="1">
+                                      <a:latin typeface="Cambria Math" panose="02040503050406030204" pitchFamily="18" charset="0"/>
+                                    </a:rPr>
+                                  </m:ctrlPr>
+                                </m:dPr>
+                                <m:e>
+                                  <m:r>
+                                    <m:rPr>
+                                      <m:sty m:val="p"/>
+                                    </m:rPr>
+                                    <a:rPr lang="fr-FR" i="0">
+                                      <a:latin typeface="Cambria Math" panose="02040503050406030204" pitchFamily="18" charset="0"/>
+                                    </a:rPr>
+                                    <m:t>λA</m:t>
+                                  </m:r>
+                                </m:e>
+                              </m:d>
+                            </m:e>
+                          </m:func>
+                          <m:r>
+                            <a:rPr lang="fr-FR" i="0">
+                              <a:latin typeface="Cambria Math" panose="02040503050406030204" pitchFamily="18" charset="0"/>
+                            </a:rPr>
+                            <m:t>∗</m:t>
+                          </m:r>
+                          <m:func>
+                            <m:funcPr>
+                              <m:ctrlPr>
+                                <a:rPr lang="fr-FR" i="1">
+                                  <a:latin typeface="Cambria Math" panose="02040503050406030204" pitchFamily="18" charset="0"/>
+                                </a:rPr>
+                              </m:ctrlPr>
+                            </m:funcPr>
+                            <m:fName>
+                              <m:r>
+                                <m:rPr>
+                                  <m:sty m:val="p"/>
+                                </m:rPr>
+                                <a:rPr lang="fr-FR" i="0">
+                                  <a:latin typeface="Cambria Math" panose="02040503050406030204" pitchFamily="18" charset="0"/>
+                                </a:rPr>
+                                <m:t>cos</m:t>
+                              </m:r>
+                            </m:fName>
+                            <m:e>
+                              <m:d>
+                                <m:dPr>
+                                  <m:ctrlPr>
+                                    <a:rPr lang="fr-FR" i="1">
+                                      <a:latin typeface="Cambria Math" panose="02040503050406030204" pitchFamily="18" charset="0"/>
+                                    </a:rPr>
+                                  </m:ctrlPr>
+                                </m:dPr>
+                                <m:e>
+                                  <m:r>
+                                    <m:rPr>
+                                      <m:sty m:val="p"/>
+                                    </m:rPr>
+                                    <a:rPr lang="fr-FR" i="0">
+                                      <a:latin typeface="Cambria Math" panose="02040503050406030204" pitchFamily="18" charset="0"/>
+                                    </a:rPr>
+                                    <m:t>λB</m:t>
+                                  </m:r>
+                                </m:e>
+                              </m:d>
+                            </m:e>
+                          </m:func>
+                          <m:r>
+                            <a:rPr lang="fr-FR" i="0">
+                              <a:latin typeface="Cambria Math" panose="02040503050406030204" pitchFamily="18" charset="0"/>
+                            </a:rPr>
+                            <m:t>+</m:t>
+                          </m:r>
+                          <m:func>
+                            <m:funcPr>
+                              <m:ctrlPr>
+                                <a:rPr lang="fr-FR" i="1">
+                                  <a:latin typeface="Cambria Math" panose="02040503050406030204" pitchFamily="18" charset="0"/>
+                                </a:rPr>
+                              </m:ctrlPr>
+                            </m:funcPr>
+                            <m:fName>
+                              <m:r>
+                                <m:rPr>
+                                  <m:sty m:val="p"/>
+                                </m:rPr>
+                                <a:rPr lang="fr-FR" i="0">
+                                  <a:latin typeface="Cambria Math" panose="02040503050406030204" pitchFamily="18" charset="0"/>
+                                </a:rPr>
+                                <m:t>sin</m:t>
+                              </m:r>
+                            </m:fName>
+                            <m:e>
+                              <m:d>
+                                <m:dPr>
+                                  <m:ctrlPr>
+                                    <a:rPr lang="fr-FR" i="1">
+                                      <a:latin typeface="Cambria Math" panose="02040503050406030204" pitchFamily="18" charset="0"/>
+                                    </a:rPr>
+                                  </m:ctrlPr>
+                                </m:dPr>
+                                <m:e>
+                                  <m:r>
+                                    <m:rPr>
+                                      <m:sty m:val="p"/>
+                                    </m:rPr>
+                                    <a:rPr lang="fr-FR" i="0">
+                                      <a:latin typeface="Cambria Math" panose="02040503050406030204" pitchFamily="18" charset="0"/>
+                                    </a:rPr>
+                                    <m:t>λA</m:t>
+                                  </m:r>
+                                </m:e>
+                              </m:d>
+                            </m:e>
+                          </m:func>
+                          <m:r>
+                            <a:rPr lang="fr-FR" i="0">
+                              <a:latin typeface="Cambria Math" panose="02040503050406030204" pitchFamily="18" charset="0"/>
+                            </a:rPr>
+                            <m:t>∗</m:t>
+                          </m:r>
+                          <m:r>
+                            <m:rPr>
+                              <m:sty m:val="p"/>
+                            </m:rPr>
+                            <a:rPr lang="fr-FR" i="0">
+                              <a:latin typeface="Cambria Math" panose="02040503050406030204" pitchFamily="18" charset="0"/>
+                            </a:rPr>
+                            <m:t>sinλB</m:t>
+                          </m:r>
+                          <m:r>
+                            <a:rPr lang="fr-FR" i="0">
+                              <a:latin typeface="Cambria Math" panose="02040503050406030204" pitchFamily="18" charset="0"/>
+                            </a:rPr>
+                            <m:t>)+</m:t>
+                          </m:r>
+                          <m:func>
+                            <m:funcPr>
+                              <m:ctrlPr>
+                                <a:rPr lang="fr-FR" i="1">
+                                  <a:latin typeface="Cambria Math" panose="02040503050406030204" pitchFamily="18" charset="0"/>
+                                </a:rPr>
+                              </m:ctrlPr>
+                            </m:funcPr>
+                            <m:fName>
+                              <m:r>
+                                <m:rPr>
+                                  <m:sty m:val="p"/>
+                                </m:rPr>
+                                <a:rPr lang="fr-FR" i="0">
+                                  <a:latin typeface="Cambria Math" panose="02040503050406030204" pitchFamily="18" charset="0"/>
+                                </a:rPr>
+                                <m:t>sin</m:t>
+                              </m:r>
+                            </m:fName>
+                            <m:e>
+                              <m:d>
+                                <m:dPr>
+                                  <m:ctrlPr>
+                                    <a:rPr lang="fr-FR" i="1">
+                                      <a:latin typeface="Cambria Math" panose="02040503050406030204" pitchFamily="18" charset="0"/>
+                                    </a:rPr>
+                                  </m:ctrlPr>
+                                </m:dPr>
+                                <m:e>
+                                  <m:r>
+                                    <m:rPr>
+                                      <m:sty m:val="p"/>
+                                    </m:rPr>
+                                    <a:rPr lang="fr-FR" i="0">
+                                      <a:latin typeface="Cambria Math" panose="02040503050406030204" pitchFamily="18" charset="0"/>
+                                    </a:rPr>
+                                    <m:t>φA</m:t>
+                                  </m:r>
+                                </m:e>
+                              </m:d>
+                            </m:e>
+                          </m:func>
+                          <m:r>
+                            <a:rPr lang="fr-FR" i="0">
+                              <a:latin typeface="Cambria Math" panose="02040503050406030204" pitchFamily="18" charset="0"/>
+                            </a:rPr>
+                            <m:t>∗</m:t>
+                          </m:r>
+                          <m:r>
+                            <m:rPr>
+                              <m:sty m:val="p"/>
+                            </m:rPr>
+                            <a:rPr lang="fr-FR" i="0">
+                              <a:latin typeface="Cambria Math" panose="02040503050406030204" pitchFamily="18" charset="0"/>
+                            </a:rPr>
+                            <m:t>si</m:t>
+                          </m:r>
+                          <m:func>
+                            <m:funcPr>
+                              <m:ctrlPr>
+                                <a:rPr lang="fr-FR" i="1">
+                                  <a:latin typeface="Cambria Math" panose="02040503050406030204" pitchFamily="18" charset="0"/>
+                                </a:rPr>
+                              </m:ctrlPr>
+                            </m:funcPr>
+                            <m:fName>
+                              <m:r>
+                                <m:rPr>
+                                  <m:sty m:val="p"/>
+                                </m:rPr>
+                                <a:rPr lang="fr-FR" i="0">
+                                  <a:latin typeface="Cambria Math" panose="02040503050406030204" pitchFamily="18" charset="0"/>
+                                </a:rPr>
+                                <m:t>n</m:t>
+                              </m:r>
+                            </m:fName>
+                            <m:e>
+                              <m:r>
+                                <a:rPr lang="fr-FR" i="0">
+                                  <a:latin typeface="Cambria Math" panose="02040503050406030204" pitchFamily="18" charset="0"/>
+                                </a:rPr>
+                                <m:t>(</m:t>
+                              </m:r>
+                            </m:e>
+                          </m:func>
+                          <m:r>
+                            <m:rPr>
+                              <m:sty m:val="p"/>
+                            </m:rPr>
+                            <a:rPr lang="fr-FR" i="0">
+                              <a:latin typeface="Cambria Math" panose="02040503050406030204" pitchFamily="18" charset="0"/>
+                            </a:rPr>
+                            <m:t>φB</m:t>
+                          </m:r>
+                        </m:e>
+                      </m:d>
+                    </m:oMath>
+                  </m:oMathPara>
+                </a14:m>
+                <a:endParaRPr lang="fr-FR" dirty="0"/>
+              </a:p>
+            </p:txBody>
+          </p:sp>
+        </mc:Choice>
+        <mc:Fallback>
+          <p:sp>
+            <p:nvSpPr>
+              <p:cNvPr id="8" name="Rectangle 7">
+                <a:extLst>
+                  <a:ext uri="{FF2B5EF4-FFF2-40B4-BE49-F238E27FC236}">
+                    <a16:creationId xmlns:a16="http://schemas.microsoft.com/office/drawing/2014/main" id="{0D4BA128-1005-40EC-A7A3-C8ADDCE9F23B}"/>
+                  </a:ext>
+                </a:extLst>
+              </p:cNvPr>
+              <p:cNvSpPr>
+                <a:spLocks noRot="1" noChangeAspect="1" noMove="1" noResize="1" noEditPoints="1" noAdjustHandles="1" noChangeArrowheads="1" noChangeShapeType="1" noTextEdit="1"/>
+              </p:cNvSpPr>
+              <p:nvPr/>
+            </p:nvSpPr>
+            <p:spPr>
+              <a:xfrm>
+                <a:off x="5497200" y="5464023"/>
+                <a:ext cx="6096000" cy="639983"/>
+              </a:xfrm>
+              <a:prstGeom prst="rect">
+                <a:avLst/>
+              </a:prstGeom>
+              <a:blipFill>
+                <a:blip r:embed="rId6"/>
+                <a:stretch>
+                  <a:fillRect t="-27619" b="-106667"/>
+                </a:stretch>
+              </a:blipFill>
+            </p:spPr>
+            <p:txBody>
+              <a:bodyPr/>
+              <a:lstStyle/>
+              <a:p>
+                <a:r>
+                  <a:rPr lang="fr-FR">
+                    <a:noFill/>
+                  </a:rPr>
+                  <a:t> </a:t>
+                </a:r>
+              </a:p>
+            </p:txBody>
+          </p:sp>
+        </mc:Fallback>
+      </mc:AlternateContent>
+    </p:spTree>
+    <p:extLst>
+      <p:ext uri="{BB962C8B-B14F-4D97-AF65-F5344CB8AC3E}">
+        <p14:creationId xmlns:p14="http://schemas.microsoft.com/office/powerpoint/2010/main" val="1922908315"/>
+      </p:ext>
+    </p:extLst>
+  </p:cSld>
+  <p:clrMapOvr>
+    <a:masterClrMapping/>
+  </p:clrMapOvr>
+</p:sld>
+</file>
+
+<file path=ppt/slides/slide8.xml><?xml version="1.0" encoding="utf-8"?>
+<p:sld xmlns:a="http://schemas.openxmlformats.org/drawingml/2006/main" xmlns:r="http://schemas.openxmlformats.org/officeDocument/2006/relationships" xmlns:p="http://schemas.openxmlformats.org/presentationml/2006/main">
+  <p:cSld>
+    <p:spTree>
+      <p:nvGrpSpPr>
+        <p:cNvPr id="1" name=""/>
+        <p:cNvGrpSpPr/>
+        <p:nvPr/>
+      </p:nvGrpSpPr>
+      <p:grpSpPr>
+        <a:xfrm>
+          <a:off x="0" y="0"/>
+          <a:ext cx="0" cy="0"/>
+          <a:chOff x="0" y="0"/>
+          <a:chExt cx="0" cy="0"/>
+        </a:xfrm>
+      </p:grpSpPr>
+      <p:pic>
+        <p:nvPicPr>
+          <p:cNvPr id="4" name="Espace réservé du contenu 3" descr="https://upload.wikimedia.org/wikipedia/commons/thumb/8/8b/Coord_LatLong2.svg/360px-Coord_LatLong2.svg.png">
+            <a:extLst>
+              <a:ext uri="{FF2B5EF4-FFF2-40B4-BE49-F238E27FC236}">
+                <a16:creationId xmlns:a16="http://schemas.microsoft.com/office/drawing/2014/main" id="{86218A45-3769-42B9-AF21-9E70D8D41B81}"/>
+              </a:ext>
+            </a:extLst>
+          </p:cNvPr>
+          <p:cNvPicPr>
+            <a:picLocks/>
+          </p:cNvPicPr>
+          <p:nvPr/>
+        </p:nvPicPr>
+        <p:blipFill>
+          <a:blip r:embed="rId2">
+            <a:extLst>
+              <a:ext uri="{28A0092B-C50C-407E-A947-70E740481C1C}">
+                <a14:useLocalDpi xmlns:a14="http://schemas.microsoft.com/office/drawing/2010/main" val="0"/>
+              </a:ext>
+            </a:extLst>
+          </a:blip>
+          <a:srcRect/>
+          <a:stretch>
+            <a:fillRect/>
+          </a:stretch>
+        </p:blipFill>
+        <p:spPr bwMode="auto">
+          <a:xfrm>
+            <a:off x="1192326" y="544285"/>
+            <a:ext cx="3124200" cy="3124200"/>
+          </a:xfrm>
+          <a:prstGeom prst="rect">
+            <a:avLst/>
+          </a:prstGeom>
+          <a:noFill/>
+          <a:ln>
+            <a:noFill/>
+          </a:ln>
+        </p:spPr>
+      </p:pic>
+      <p:sp>
+        <p:nvSpPr>
+          <p:cNvPr id="5" name="Titre 1">
+            <a:extLst>
+              <a:ext uri="{FF2B5EF4-FFF2-40B4-BE49-F238E27FC236}">
+                <a16:creationId xmlns:a16="http://schemas.microsoft.com/office/drawing/2014/main" id="{0059C7EE-D5AC-4FEA-BA3B-485512EF5F88}"/>
+              </a:ext>
+            </a:extLst>
+          </p:cNvPr>
+          <p:cNvSpPr txBox="1">
+            <a:spLocks/>
+          </p:cNvSpPr>
+          <p:nvPr/>
+        </p:nvSpPr>
+        <p:spPr>
+          <a:xfrm>
+            <a:off x="4316526" y="-212271"/>
+            <a:ext cx="10018713" cy="1752599"/>
+          </a:xfrm>
+          <a:prstGeom prst="rect">
+            <a:avLst/>
+          </a:prstGeom>
+          <a:effectLst/>
+        </p:spPr>
+        <p:txBody>
+          <a:bodyPr vert="horz" lIns="91440" tIns="45720" rIns="91440" bIns="45720" rtlCol="0" anchor="ctr">
+            <a:normAutofit/>
+          </a:bodyPr>
+          <a:lstStyle>
+            <a:lvl1pPr algn="ctr" defTabSz="457200" rtl="0" eaLnBrk="1" latinLnBrk="0" hangingPunct="1">
+              <a:spcBef>
+                <a:spcPct val="0"/>
+              </a:spcBef>
+              <a:buNone/>
+              <a:defRPr sz="4000" kern="1200" cap="none">
+                <a:ln w="3175" cmpd="sng">
+                  <a:noFill/>
+                </a:ln>
+                <a:solidFill>
+                  <a:schemeClr val="tx1"/>
+                </a:solidFill>
+                <a:effectLst/>
+                <a:latin typeface="+mj-lt"/>
+                <a:ea typeface="+mj-ea"/>
+                <a:cs typeface="+mj-cs"/>
+              </a:defRPr>
+            </a:lvl1pPr>
+            <a:lvl2pPr eaLnBrk="1" hangingPunct="1">
+              <a:defRPr>
+                <a:solidFill>
+                  <a:schemeClr val="tx2"/>
+                </a:solidFill>
+              </a:defRPr>
+            </a:lvl2pPr>
+            <a:lvl3pPr eaLnBrk="1" hangingPunct="1">
+              <a:defRPr>
+                <a:solidFill>
+                  <a:schemeClr val="tx2"/>
+                </a:solidFill>
+              </a:defRPr>
+            </a:lvl3pPr>
+            <a:lvl4pPr eaLnBrk="1" hangingPunct="1">
+              <a:defRPr>
+                <a:solidFill>
+                  <a:schemeClr val="tx2"/>
+                </a:solidFill>
+              </a:defRPr>
+            </a:lvl4pPr>
+            <a:lvl5pPr eaLnBrk="1" hangingPunct="1">
+              <a:defRPr>
+                <a:solidFill>
+                  <a:schemeClr val="tx2"/>
+                </a:solidFill>
+              </a:defRPr>
+            </a:lvl5pPr>
+            <a:lvl6pPr eaLnBrk="1" hangingPunct="1">
+              <a:defRPr>
+                <a:solidFill>
+                  <a:schemeClr val="tx2"/>
+                </a:solidFill>
+              </a:defRPr>
+            </a:lvl6pPr>
+            <a:lvl7pPr eaLnBrk="1" hangingPunct="1">
+              <a:defRPr>
+                <a:solidFill>
+                  <a:schemeClr val="tx2"/>
+                </a:solidFill>
+              </a:defRPr>
+            </a:lvl7pPr>
+            <a:lvl8pPr eaLnBrk="1" hangingPunct="1">
+              <a:defRPr>
+                <a:solidFill>
+                  <a:schemeClr val="tx2"/>
+                </a:solidFill>
+              </a:defRPr>
+            </a:lvl8pPr>
+            <a:lvl9pPr eaLnBrk="1" hangingPunct="1">
+              <a:defRPr>
+                <a:solidFill>
+                  <a:schemeClr val="tx2"/>
+                </a:solidFill>
+              </a:defRPr>
+            </a:lvl9pPr>
+          </a:lstStyle>
+          <a:p>
+            <a:r>
+              <a:rPr lang="fr-FR"/>
+              <a:t>Calcule orthodromique </a:t>
+            </a:r>
+            <a:endParaRPr lang="fr-FR" dirty="0"/>
+          </a:p>
+        </p:txBody>
+      </p:sp>
+      <mc:AlternateContent xmlns:mc="http://schemas.openxmlformats.org/markup-compatibility/2006">
+        <mc:Choice xmlns:a14="http://schemas.microsoft.com/office/drawing/2010/main" Requires="a14">
+          <p:sp>
+            <p:nvSpPr>
+              <p:cNvPr id="6" name="Rectangle 5">
+                <a:extLst>
+                  <a:ext uri="{FF2B5EF4-FFF2-40B4-BE49-F238E27FC236}">
+                    <a16:creationId xmlns:a16="http://schemas.microsoft.com/office/drawing/2014/main" id="{218D772A-FD54-497D-90F4-A4BDF393EEB0}"/>
+                  </a:ext>
+                </a:extLst>
+              </p:cNvPr>
+              <p:cNvSpPr/>
+              <p:nvPr/>
+            </p:nvSpPr>
+            <p:spPr>
+              <a:xfrm>
+                <a:off x="5938072" y="1466402"/>
+                <a:ext cx="6096000" cy="639983"/>
+              </a:xfrm>
+              <a:prstGeom prst="rect">
+                <a:avLst/>
+              </a:prstGeom>
+            </p:spPr>
+            <p:txBody>
+              <a:bodyPr>
+                <a:spAutoFit/>
+              </a:bodyPr>
+              <a:lstStyle/>
+              <a:p>
+                <a14:m>
+                  <m:oMathPara xmlns:m="http://schemas.openxmlformats.org/officeDocument/2006/math">
+                    <m:oMathParaPr>
+                      <m:jc m:val="centerGroup"/>
+                    </m:oMathParaPr>
+                    <m:oMath xmlns:m="http://schemas.openxmlformats.org/officeDocument/2006/math">
+                      <m:d>
+                        <m:dPr>
+                          <m:begChr m:val=""/>
+                          <m:ctrlPr>
+                            <a:rPr lang="fr-FR" smtClean="0">
+                              <a:latin typeface="Cambria Math" panose="02040503050406030204" pitchFamily="18" charset="0"/>
+                            </a:rPr>
+                          </m:ctrlPr>
+                        </m:dPr>
+                        <m:e>
+                          <m:r>
+                            <a:rPr lang="fr-FR">
+                              <a:latin typeface="Cambria Math" panose="02040503050406030204" pitchFamily="18" charset="0"/>
+                            </a:rPr>
+                            <m:t>=</m:t>
+                          </m:r>
+                          <m:func>
+                            <m:funcPr>
+                              <m:ctrlPr>
+                                <a:rPr lang="fr-FR" i="1">
+                                  <a:latin typeface="Cambria Math" panose="02040503050406030204" pitchFamily="18" charset="0"/>
+                                </a:rPr>
+                              </m:ctrlPr>
+                            </m:funcPr>
+                            <m:fName>
+                              <m:r>
+                                <m:rPr>
+                                  <m:sty m:val="p"/>
+                                </m:rPr>
+                                <a:rPr lang="fr-FR" i="0">
+                                  <a:latin typeface="Cambria Math" panose="02040503050406030204" pitchFamily="18" charset="0"/>
+                                </a:rPr>
+                                <m:t>cos</m:t>
+                              </m:r>
+                            </m:fName>
+                            <m:e>
+                              <m:d>
+                                <m:dPr>
+                                  <m:ctrlPr>
+                                    <a:rPr lang="fr-FR" i="1">
+                                      <a:latin typeface="Cambria Math" panose="02040503050406030204" pitchFamily="18" charset="0"/>
+                                    </a:rPr>
+                                  </m:ctrlPr>
+                                </m:dPr>
+                                <m:e>
+                                  <m:r>
+                                    <m:rPr>
+                                      <m:sty m:val="p"/>
+                                    </m:rPr>
+                                    <a:rPr lang="fr-FR" i="0">
+                                      <a:latin typeface="Cambria Math" panose="02040503050406030204" pitchFamily="18" charset="0"/>
+                                    </a:rPr>
+                                    <m:t>λA</m:t>
+                                  </m:r>
+                                </m:e>
+                              </m:d>
+                            </m:e>
+                          </m:func>
+                          <m:r>
+                            <a:rPr lang="fr-FR" i="0">
+                              <a:latin typeface="Cambria Math" panose="02040503050406030204" pitchFamily="18" charset="0"/>
+                            </a:rPr>
+                            <m:t>∗</m:t>
+                          </m:r>
+                          <m:func>
+                            <m:funcPr>
+                              <m:ctrlPr>
+                                <a:rPr lang="fr-FR" i="1">
+                                  <a:latin typeface="Cambria Math" panose="02040503050406030204" pitchFamily="18" charset="0"/>
+                                </a:rPr>
+                              </m:ctrlPr>
+                            </m:funcPr>
+                            <m:fName>
+                              <m:r>
+                                <m:rPr>
+                                  <m:sty m:val="p"/>
+                                </m:rPr>
+                                <a:rPr lang="fr-FR" i="0">
+                                  <a:latin typeface="Cambria Math" panose="02040503050406030204" pitchFamily="18" charset="0"/>
+                                </a:rPr>
+                                <m:t>cos</m:t>
+                              </m:r>
+                            </m:fName>
+                            <m:e>
+                              <m:d>
+                                <m:dPr>
+                                  <m:ctrlPr>
+                                    <a:rPr lang="fr-FR" i="1">
+                                      <a:latin typeface="Cambria Math" panose="02040503050406030204" pitchFamily="18" charset="0"/>
+                                    </a:rPr>
+                                  </m:ctrlPr>
+                                </m:dPr>
+                                <m:e>
+                                  <m:r>
+                                    <m:rPr>
+                                      <m:sty m:val="p"/>
+                                    </m:rPr>
+                                    <a:rPr lang="fr-FR" i="0">
+                                      <a:latin typeface="Cambria Math" panose="02040503050406030204" pitchFamily="18" charset="0"/>
+                                    </a:rPr>
+                                    <m:t>λB</m:t>
+                                  </m:r>
+                                </m:e>
+                              </m:d>
+                            </m:e>
+                          </m:func>
+                          <m:r>
+                            <a:rPr lang="fr-FR" i="0">
+                              <a:latin typeface="Cambria Math" panose="02040503050406030204" pitchFamily="18" charset="0"/>
+                            </a:rPr>
+                            <m:t>∗</m:t>
+                          </m:r>
+                          <m:r>
+                            <a:rPr lang="fr-FR" i="0" smtClean="0">
+                              <a:solidFill>
+                                <a:srgbClr val="0070C0"/>
+                              </a:solidFill>
+                              <a:latin typeface="Cambria Math" panose="02040503050406030204" pitchFamily="18" charset="0"/>
+                            </a:rPr>
+                            <m:t>(</m:t>
+                          </m:r>
+                          <m:func>
+                            <m:funcPr>
+                              <m:ctrlPr>
+                                <a:rPr lang="fr-FR" i="1">
+                                  <a:solidFill>
+                                    <a:srgbClr val="0070C0"/>
+                                  </a:solidFill>
+                                  <a:latin typeface="Cambria Math" panose="02040503050406030204" pitchFamily="18" charset="0"/>
+                                </a:rPr>
+                              </m:ctrlPr>
+                            </m:funcPr>
+                            <m:fName>
+                              <m:r>
+                                <m:rPr>
+                                  <m:sty m:val="p"/>
+                                </m:rPr>
+                                <a:rPr lang="fr-FR" i="0">
+                                  <a:solidFill>
+                                    <a:srgbClr val="0070C0"/>
+                                  </a:solidFill>
+                                  <a:latin typeface="Cambria Math" panose="02040503050406030204" pitchFamily="18" charset="0"/>
+                                </a:rPr>
+                                <m:t>cos</m:t>
+                              </m:r>
+                            </m:fName>
+                            <m:e>
+                              <m:d>
+                                <m:dPr>
+                                  <m:ctrlPr>
+                                    <a:rPr lang="fr-FR" i="1">
+                                      <a:solidFill>
+                                        <a:srgbClr val="0070C0"/>
+                                      </a:solidFill>
+                                      <a:latin typeface="Cambria Math" panose="02040503050406030204" pitchFamily="18" charset="0"/>
+                                    </a:rPr>
+                                  </m:ctrlPr>
+                                </m:dPr>
+                                <m:e>
+                                  <m:r>
+                                    <m:rPr>
+                                      <m:sty m:val="p"/>
+                                    </m:rPr>
+                                    <a:rPr lang="fr-FR" i="0">
+                                      <a:solidFill>
+                                        <a:srgbClr val="0070C0"/>
+                                      </a:solidFill>
+                                      <a:latin typeface="Cambria Math" panose="02040503050406030204" pitchFamily="18" charset="0"/>
+                                    </a:rPr>
+                                    <m:t>λA</m:t>
+                                  </m:r>
+                                </m:e>
+                              </m:d>
+                            </m:e>
+                          </m:func>
+                          <m:r>
+                            <a:rPr lang="fr-FR" i="0">
+                              <a:solidFill>
+                                <a:srgbClr val="0070C0"/>
+                              </a:solidFill>
+                              <a:latin typeface="Cambria Math" panose="02040503050406030204" pitchFamily="18" charset="0"/>
+                            </a:rPr>
+                            <m:t>∗</m:t>
+                          </m:r>
+                          <m:func>
+                            <m:funcPr>
+                              <m:ctrlPr>
+                                <a:rPr lang="fr-FR" i="1">
+                                  <a:solidFill>
+                                    <a:srgbClr val="0070C0"/>
+                                  </a:solidFill>
+                                  <a:latin typeface="Cambria Math" panose="02040503050406030204" pitchFamily="18" charset="0"/>
+                                </a:rPr>
+                              </m:ctrlPr>
+                            </m:funcPr>
+                            <m:fName>
+                              <m:r>
+                                <m:rPr>
+                                  <m:sty m:val="p"/>
+                                </m:rPr>
+                                <a:rPr lang="fr-FR" i="0">
+                                  <a:solidFill>
+                                    <a:srgbClr val="0070C0"/>
+                                  </a:solidFill>
+                                  <a:latin typeface="Cambria Math" panose="02040503050406030204" pitchFamily="18" charset="0"/>
+                                </a:rPr>
+                                <m:t>cos</m:t>
+                              </m:r>
+                            </m:fName>
+                            <m:e>
+                              <m:d>
+                                <m:dPr>
+                                  <m:ctrlPr>
+                                    <a:rPr lang="fr-FR" i="1">
+                                      <a:solidFill>
+                                        <a:srgbClr val="0070C0"/>
+                                      </a:solidFill>
+                                      <a:latin typeface="Cambria Math" panose="02040503050406030204" pitchFamily="18" charset="0"/>
+                                    </a:rPr>
+                                  </m:ctrlPr>
+                                </m:dPr>
+                                <m:e>
+                                  <m:r>
+                                    <m:rPr>
+                                      <m:sty m:val="p"/>
+                                    </m:rPr>
+                                    <a:rPr lang="fr-FR" i="0">
+                                      <a:solidFill>
+                                        <a:srgbClr val="0070C0"/>
+                                      </a:solidFill>
+                                      <a:latin typeface="Cambria Math" panose="02040503050406030204" pitchFamily="18" charset="0"/>
+                                    </a:rPr>
+                                    <m:t>λB</m:t>
+                                  </m:r>
+                                </m:e>
+                              </m:d>
+                            </m:e>
+                          </m:func>
+                          <m:r>
+                            <a:rPr lang="fr-FR" i="0">
+                              <a:solidFill>
+                                <a:srgbClr val="0070C0"/>
+                              </a:solidFill>
+                              <a:latin typeface="Cambria Math" panose="02040503050406030204" pitchFamily="18" charset="0"/>
+                            </a:rPr>
+                            <m:t>+</m:t>
+                          </m:r>
+                          <m:func>
+                            <m:funcPr>
+                              <m:ctrlPr>
+                                <a:rPr lang="fr-FR" i="1">
+                                  <a:solidFill>
+                                    <a:srgbClr val="0070C0"/>
+                                  </a:solidFill>
+                                  <a:latin typeface="Cambria Math" panose="02040503050406030204" pitchFamily="18" charset="0"/>
+                                </a:rPr>
+                              </m:ctrlPr>
+                            </m:funcPr>
+                            <m:fName>
+                              <m:r>
+                                <m:rPr>
+                                  <m:sty m:val="p"/>
+                                </m:rPr>
+                                <a:rPr lang="fr-FR" i="0">
+                                  <a:solidFill>
+                                    <a:srgbClr val="0070C0"/>
+                                  </a:solidFill>
+                                  <a:latin typeface="Cambria Math" panose="02040503050406030204" pitchFamily="18" charset="0"/>
+                                </a:rPr>
+                                <m:t>sin</m:t>
+                              </m:r>
+                            </m:fName>
+                            <m:e>
+                              <m:d>
+                                <m:dPr>
+                                  <m:ctrlPr>
+                                    <a:rPr lang="fr-FR" i="1">
+                                      <a:solidFill>
+                                        <a:srgbClr val="0070C0"/>
+                                      </a:solidFill>
+                                      <a:latin typeface="Cambria Math" panose="02040503050406030204" pitchFamily="18" charset="0"/>
+                                    </a:rPr>
+                                  </m:ctrlPr>
+                                </m:dPr>
+                                <m:e>
+                                  <m:r>
+                                    <m:rPr>
+                                      <m:sty m:val="p"/>
+                                    </m:rPr>
+                                    <a:rPr lang="fr-FR" i="0">
+                                      <a:solidFill>
+                                        <a:srgbClr val="0070C0"/>
+                                      </a:solidFill>
+                                      <a:latin typeface="Cambria Math" panose="02040503050406030204" pitchFamily="18" charset="0"/>
+                                    </a:rPr>
+                                    <m:t>λA</m:t>
+                                  </m:r>
+                                </m:e>
+                              </m:d>
+                            </m:e>
+                          </m:func>
+                          <m:r>
+                            <a:rPr lang="fr-FR" i="0">
+                              <a:solidFill>
+                                <a:srgbClr val="0070C0"/>
+                              </a:solidFill>
+                              <a:latin typeface="Cambria Math" panose="02040503050406030204" pitchFamily="18" charset="0"/>
+                            </a:rPr>
+                            <m:t>∗</m:t>
+                          </m:r>
+                          <m:r>
+                            <m:rPr>
+                              <m:sty m:val="p"/>
+                            </m:rPr>
+                            <a:rPr lang="fr-FR" i="0">
+                              <a:solidFill>
+                                <a:srgbClr val="0070C0"/>
+                              </a:solidFill>
+                              <a:latin typeface="Cambria Math" panose="02040503050406030204" pitchFamily="18" charset="0"/>
+                            </a:rPr>
+                            <m:t>sinλB</m:t>
+                          </m:r>
+                          <m:r>
+                            <a:rPr lang="fr-FR" b="0" i="0" smtClean="0">
+                              <a:solidFill>
+                                <a:srgbClr val="0070C0"/>
+                              </a:solidFill>
+                              <a:latin typeface="Cambria Math" panose="02040503050406030204" pitchFamily="18" charset="0"/>
+                            </a:rPr>
+                            <m:t>)</m:t>
+                          </m:r>
+                          <m:r>
+                            <a:rPr lang="fr-FR" i="0">
+                              <a:latin typeface="Cambria Math" panose="02040503050406030204" pitchFamily="18" charset="0"/>
+                            </a:rPr>
+                            <m:t>+</m:t>
+                          </m:r>
+                          <m:func>
+                            <m:funcPr>
+                              <m:ctrlPr>
+                                <a:rPr lang="fr-FR" i="1">
+                                  <a:latin typeface="Cambria Math" panose="02040503050406030204" pitchFamily="18" charset="0"/>
+                                </a:rPr>
+                              </m:ctrlPr>
+                            </m:funcPr>
+                            <m:fName>
+                              <m:r>
+                                <m:rPr>
+                                  <m:sty m:val="p"/>
+                                </m:rPr>
+                                <a:rPr lang="fr-FR" i="0">
+                                  <a:latin typeface="Cambria Math" panose="02040503050406030204" pitchFamily="18" charset="0"/>
+                                </a:rPr>
+                                <m:t>sin</m:t>
+                              </m:r>
+                            </m:fName>
+                            <m:e>
+                              <m:d>
+                                <m:dPr>
+                                  <m:ctrlPr>
+                                    <a:rPr lang="fr-FR" i="1">
+                                      <a:latin typeface="Cambria Math" panose="02040503050406030204" pitchFamily="18" charset="0"/>
+                                    </a:rPr>
+                                  </m:ctrlPr>
+                                </m:dPr>
+                                <m:e>
+                                  <m:r>
+                                    <m:rPr>
+                                      <m:sty m:val="p"/>
+                                    </m:rPr>
+                                    <a:rPr lang="fr-FR" i="0">
+                                      <a:latin typeface="Cambria Math" panose="02040503050406030204" pitchFamily="18" charset="0"/>
+                                    </a:rPr>
+                                    <m:t>φA</m:t>
+                                  </m:r>
+                                </m:e>
+                              </m:d>
+                            </m:e>
+                          </m:func>
+                          <m:r>
+                            <a:rPr lang="fr-FR" i="0">
+                              <a:latin typeface="Cambria Math" panose="02040503050406030204" pitchFamily="18" charset="0"/>
+                            </a:rPr>
+                            <m:t>∗</m:t>
+                          </m:r>
+                          <m:r>
+                            <m:rPr>
+                              <m:sty m:val="p"/>
+                            </m:rPr>
+                            <a:rPr lang="fr-FR" i="0">
+                              <a:latin typeface="Cambria Math" panose="02040503050406030204" pitchFamily="18" charset="0"/>
+                            </a:rPr>
+                            <m:t>si</m:t>
+                          </m:r>
+                          <m:func>
+                            <m:funcPr>
+                              <m:ctrlPr>
+                                <a:rPr lang="fr-FR" i="1">
+                                  <a:latin typeface="Cambria Math" panose="02040503050406030204" pitchFamily="18" charset="0"/>
+                                </a:rPr>
+                              </m:ctrlPr>
+                            </m:funcPr>
+                            <m:fName>
+                              <m:r>
+                                <m:rPr>
+                                  <m:sty m:val="p"/>
+                                </m:rPr>
+                                <a:rPr lang="fr-FR" i="0">
+                                  <a:latin typeface="Cambria Math" panose="02040503050406030204" pitchFamily="18" charset="0"/>
+                                </a:rPr>
+                                <m:t>n</m:t>
+                              </m:r>
+                            </m:fName>
+                            <m:e>
+                              <m:r>
+                                <a:rPr lang="fr-FR" i="0">
+                                  <a:latin typeface="Cambria Math" panose="02040503050406030204" pitchFamily="18" charset="0"/>
+                                </a:rPr>
+                                <m:t>(</m:t>
+                              </m:r>
+                            </m:e>
+                          </m:func>
+                          <m:r>
+                            <m:rPr>
+                              <m:sty m:val="p"/>
+                            </m:rPr>
+                            <a:rPr lang="fr-FR" i="0">
+                              <a:latin typeface="Cambria Math" panose="02040503050406030204" pitchFamily="18" charset="0"/>
+                            </a:rPr>
+                            <m:t>φB</m:t>
+                          </m:r>
+                        </m:e>
+                      </m:d>
+                    </m:oMath>
+                  </m:oMathPara>
+                </a14:m>
+                <a:endParaRPr lang="fr-FR" dirty="0"/>
+              </a:p>
+            </p:txBody>
+          </p:sp>
+        </mc:Choice>
+        <mc:Fallback>
+          <p:sp>
+            <p:nvSpPr>
+              <p:cNvPr id="6" name="Rectangle 5">
+                <a:extLst>
+                  <a:ext uri="{FF2B5EF4-FFF2-40B4-BE49-F238E27FC236}">
+                    <a16:creationId xmlns:a16="http://schemas.microsoft.com/office/drawing/2014/main" id="{218D772A-FD54-497D-90F4-A4BDF393EEB0}"/>
+                  </a:ext>
+                </a:extLst>
+              </p:cNvPr>
+              <p:cNvSpPr>
+                <a:spLocks noRot="1" noChangeAspect="1" noMove="1" noResize="1" noEditPoints="1" noAdjustHandles="1" noChangeArrowheads="1" noChangeShapeType="1" noTextEdit="1"/>
+              </p:cNvSpPr>
+              <p:nvPr/>
+            </p:nvSpPr>
+            <p:spPr>
+              <a:xfrm>
+                <a:off x="5938072" y="1466402"/>
+                <a:ext cx="6096000" cy="639983"/>
+              </a:xfrm>
+              <a:prstGeom prst="rect">
+                <a:avLst/>
+              </a:prstGeom>
+              <a:blipFill>
+                <a:blip r:embed="rId3"/>
+                <a:stretch>
+                  <a:fillRect t="-27619" b="-106667"/>
+                </a:stretch>
+              </a:blipFill>
+            </p:spPr>
+            <p:txBody>
+              <a:bodyPr/>
+              <a:lstStyle/>
+              <a:p>
+                <a:r>
+                  <a:rPr lang="fr-FR">
+                    <a:noFill/>
+                  </a:rPr>
+                  <a:t> </a:t>
+                </a:r>
+              </a:p>
+            </p:txBody>
+          </p:sp>
+        </mc:Fallback>
+      </mc:AlternateContent>
+      <p:sp>
+        <p:nvSpPr>
+          <p:cNvPr id="7" name="Rectangle 6">
+            <a:extLst>
+              <a:ext uri="{FF2B5EF4-FFF2-40B4-BE49-F238E27FC236}">
+                <a16:creationId xmlns:a16="http://schemas.microsoft.com/office/drawing/2014/main" id="{BF2E1C93-3A53-4BF6-B6A9-6C69FFAD4270}"/>
+              </a:ext>
+            </a:extLst>
+          </p:cNvPr>
+          <p:cNvSpPr/>
+          <p:nvPr/>
+        </p:nvSpPr>
+        <p:spPr>
+          <a:xfrm>
+            <a:off x="7659376" y="2235074"/>
+            <a:ext cx="4163384" cy="369332"/>
+          </a:xfrm>
+          <a:prstGeom prst="rect">
+            <a:avLst/>
+          </a:prstGeom>
+        </p:spPr>
+        <p:txBody>
+          <a:bodyPr wrap="none">
+            <a:spAutoFit/>
+          </a:bodyPr>
+          <a:lstStyle/>
+          <a:p>
+            <a:r>
+              <a:rPr lang="es-ES" dirty="0">
+                <a:solidFill>
+                  <a:srgbClr val="0070C0"/>
+                </a:solidFill>
+                <a:latin typeface="Times New Roman" panose="02020603050405020304" pitchFamily="18" charset="0"/>
+              </a:rPr>
+              <a:t>cos(A - B) = cos(A).cos(B) + sin(A).sin(B)</a:t>
+            </a:r>
+            <a:endParaRPr lang="fr-FR" dirty="0">
+              <a:solidFill>
+                <a:srgbClr val="0070C0"/>
+              </a:solidFill>
+            </a:endParaRPr>
+          </a:p>
+        </p:txBody>
+      </p:sp>
+      <mc:AlternateContent xmlns:mc="http://schemas.openxmlformats.org/markup-compatibility/2006">
+        <mc:Choice xmlns:a14="http://schemas.microsoft.com/office/drawing/2010/main" Requires="a14">
+          <p:sp>
+            <p:nvSpPr>
+              <p:cNvPr id="8" name="Rectangle 7">
+                <a:extLst>
+                  <a:ext uri="{FF2B5EF4-FFF2-40B4-BE49-F238E27FC236}">
+                    <a16:creationId xmlns:a16="http://schemas.microsoft.com/office/drawing/2014/main" id="{5ECB0416-037F-4073-9D84-77F038D4D2E8}"/>
+                  </a:ext>
+                </a:extLst>
+              </p:cNvPr>
+              <p:cNvSpPr/>
+              <p:nvPr/>
+            </p:nvSpPr>
+            <p:spPr>
+              <a:xfrm>
+                <a:off x="5938072" y="2819284"/>
+                <a:ext cx="5884688" cy="369332"/>
+              </a:xfrm>
+              <a:prstGeom prst="rect">
+                <a:avLst/>
+              </a:prstGeom>
+            </p:spPr>
+            <p:txBody>
+              <a:bodyPr wrap="none">
+                <a:spAutoFit/>
+              </a:bodyPr>
+              <a:lstStyle/>
+              <a:p>
+                <a14:m>
+                  <m:oMathPara xmlns:m="http://schemas.openxmlformats.org/officeDocument/2006/math">
+                    <m:oMathParaPr>
+                      <m:jc m:val="centerGroup"/>
+                    </m:oMathParaPr>
+                    <m:oMath xmlns:m="http://schemas.openxmlformats.org/officeDocument/2006/math">
+                      <m:d>
+                        <m:dPr>
+                          <m:begChr m:val=""/>
+                          <m:ctrlPr>
+                            <a:rPr lang="fr-FR">
+                              <a:latin typeface="Cambria Math" panose="02040503050406030204" pitchFamily="18" charset="0"/>
+                            </a:rPr>
+                          </m:ctrlPr>
+                        </m:dPr>
+                        <m:e>
+                          <m:r>
+                            <a:rPr lang="fr-FR">
+                              <a:latin typeface="Cambria Math" panose="02040503050406030204" pitchFamily="18" charset="0"/>
+                            </a:rPr>
+                            <m:t>=</m:t>
+                          </m:r>
+                          <m:func>
+                            <m:funcPr>
+                              <m:ctrlPr>
+                                <a:rPr lang="fr-FR" i="1">
+                                  <a:latin typeface="Cambria Math" panose="02040503050406030204" pitchFamily="18" charset="0"/>
+                                </a:rPr>
+                              </m:ctrlPr>
+                            </m:funcPr>
+                            <m:fName>
+                              <m:r>
+                                <m:rPr>
+                                  <m:sty m:val="p"/>
+                                </m:rPr>
+                                <a:rPr lang="fr-FR" i="0">
+                                  <a:latin typeface="Cambria Math" panose="02040503050406030204" pitchFamily="18" charset="0"/>
+                                </a:rPr>
+                                <m:t>cos</m:t>
+                              </m:r>
+                            </m:fName>
+                            <m:e>
+                              <m:d>
+                                <m:dPr>
+                                  <m:ctrlPr>
+                                    <a:rPr lang="fr-FR" i="1">
+                                      <a:latin typeface="Cambria Math" panose="02040503050406030204" pitchFamily="18" charset="0"/>
+                                    </a:rPr>
+                                  </m:ctrlPr>
+                                </m:dPr>
+                                <m:e>
+                                  <m:r>
+                                    <m:rPr>
+                                      <m:sty m:val="p"/>
+                                    </m:rPr>
+                                    <a:rPr lang="fr-FR" i="0">
+                                      <a:latin typeface="Cambria Math" panose="02040503050406030204" pitchFamily="18" charset="0"/>
+                                    </a:rPr>
+                                    <m:t>λA</m:t>
+                                  </m:r>
+                                </m:e>
+                              </m:d>
+                            </m:e>
+                          </m:func>
+                          <m:r>
+                            <a:rPr lang="fr-FR" i="0">
+                              <a:latin typeface="Cambria Math" panose="02040503050406030204" pitchFamily="18" charset="0"/>
+                            </a:rPr>
+                            <m:t>∗</m:t>
+                          </m:r>
+                          <m:func>
+                            <m:funcPr>
+                              <m:ctrlPr>
+                                <a:rPr lang="fr-FR" i="1">
+                                  <a:latin typeface="Cambria Math" panose="02040503050406030204" pitchFamily="18" charset="0"/>
+                                </a:rPr>
+                              </m:ctrlPr>
+                            </m:funcPr>
+                            <m:fName>
+                              <m:r>
+                                <m:rPr>
+                                  <m:sty m:val="p"/>
+                                </m:rPr>
+                                <a:rPr lang="fr-FR" i="0">
+                                  <a:latin typeface="Cambria Math" panose="02040503050406030204" pitchFamily="18" charset="0"/>
+                                </a:rPr>
+                                <m:t>cos</m:t>
+                              </m:r>
+                            </m:fName>
+                            <m:e>
+                              <m:d>
+                                <m:dPr>
+                                  <m:ctrlPr>
+                                    <a:rPr lang="fr-FR" i="1">
+                                      <a:latin typeface="Cambria Math" panose="02040503050406030204" pitchFamily="18" charset="0"/>
+                                    </a:rPr>
+                                  </m:ctrlPr>
+                                </m:dPr>
+                                <m:e>
+                                  <m:r>
+                                    <m:rPr>
+                                      <m:sty m:val="p"/>
+                                    </m:rPr>
+                                    <a:rPr lang="fr-FR" i="0">
+                                      <a:latin typeface="Cambria Math" panose="02040503050406030204" pitchFamily="18" charset="0"/>
+                                    </a:rPr>
+                                    <m:t>λB</m:t>
+                                  </m:r>
+                                </m:e>
+                              </m:d>
+                              <m:r>
+                                <a:rPr lang="fr-FR" i="0">
+                                  <a:latin typeface="Cambria Math" panose="02040503050406030204" pitchFamily="18" charset="0"/>
+                                </a:rPr>
+                                <m:t>∗</m:t>
+                              </m:r>
+                              <m:func>
+                                <m:funcPr>
+                                  <m:ctrlPr>
+                                    <a:rPr lang="fr-FR" i="1" smtClean="0">
+                                      <a:solidFill>
+                                        <a:srgbClr val="0070C0"/>
+                                      </a:solidFill>
+                                      <a:latin typeface="Cambria Math" panose="02040503050406030204" pitchFamily="18" charset="0"/>
+                                    </a:rPr>
+                                  </m:ctrlPr>
+                                </m:funcPr>
+                                <m:fName>
+                                  <m:r>
+                                    <m:rPr>
+                                      <m:sty m:val="p"/>
+                                    </m:rPr>
+                                    <a:rPr lang="fr-FR" i="0">
+                                      <a:solidFill>
+                                        <a:srgbClr val="0070C0"/>
+                                      </a:solidFill>
+                                      <a:latin typeface="Cambria Math" panose="02040503050406030204" pitchFamily="18" charset="0"/>
+                                    </a:rPr>
+                                    <m:t>cos</m:t>
+                                  </m:r>
+                                </m:fName>
+                                <m:e>
+                                  <m:d>
+                                    <m:dPr>
+                                      <m:ctrlPr>
+                                        <a:rPr lang="fr-FR" i="1">
+                                          <a:solidFill>
+                                            <a:srgbClr val="0070C0"/>
+                                          </a:solidFill>
+                                          <a:latin typeface="Cambria Math" panose="02040503050406030204" pitchFamily="18" charset="0"/>
+                                        </a:rPr>
+                                      </m:ctrlPr>
+                                    </m:dPr>
+                                    <m:e>
+                                      <m:r>
+                                        <m:rPr>
+                                          <m:sty m:val="p"/>
+                                        </m:rPr>
+                                        <a:rPr lang="fr-FR" i="0">
+                                          <a:solidFill>
+                                            <a:srgbClr val="0070C0"/>
+                                          </a:solidFill>
+                                          <a:latin typeface="Cambria Math" panose="02040503050406030204" pitchFamily="18" charset="0"/>
+                                        </a:rPr>
+                                        <m:t>λB</m:t>
+                                      </m:r>
+                                      <m:r>
+                                        <a:rPr lang="fr-FR" i="0">
+                                          <a:solidFill>
+                                            <a:srgbClr val="0070C0"/>
+                                          </a:solidFill>
+                                          <a:latin typeface="Cambria Math" panose="02040503050406030204" pitchFamily="18" charset="0"/>
+                                        </a:rPr>
+                                        <m:t>−</m:t>
+                                      </m:r>
+                                      <m:r>
+                                        <m:rPr>
+                                          <m:sty m:val="p"/>
+                                        </m:rPr>
+                                        <a:rPr lang="fr-FR" i="0">
+                                          <a:solidFill>
+                                            <a:srgbClr val="0070C0"/>
+                                          </a:solidFill>
+                                          <a:latin typeface="Cambria Math" panose="02040503050406030204" pitchFamily="18" charset="0"/>
+                                        </a:rPr>
+                                        <m:t>λA</m:t>
+                                      </m:r>
+                                    </m:e>
+                                  </m:d>
+                                </m:e>
+                              </m:func>
+                            </m:e>
+                          </m:func>
+                          <m:r>
+                            <a:rPr lang="fr-FR" i="0">
+                              <a:latin typeface="Cambria Math" panose="02040503050406030204" pitchFamily="18" charset="0"/>
+                            </a:rPr>
+                            <m:t>+</m:t>
+                          </m:r>
+                          <m:func>
+                            <m:funcPr>
+                              <m:ctrlPr>
+                                <a:rPr lang="fr-FR" i="1">
+                                  <a:latin typeface="Cambria Math" panose="02040503050406030204" pitchFamily="18" charset="0"/>
+                                </a:rPr>
+                              </m:ctrlPr>
+                            </m:funcPr>
+                            <m:fName>
+                              <m:r>
+                                <m:rPr>
+                                  <m:sty m:val="p"/>
+                                </m:rPr>
+                                <a:rPr lang="fr-FR" i="0">
+                                  <a:latin typeface="Cambria Math" panose="02040503050406030204" pitchFamily="18" charset="0"/>
+                                </a:rPr>
+                                <m:t>sin</m:t>
+                              </m:r>
+                            </m:fName>
+                            <m:e>
+                              <m:d>
+                                <m:dPr>
+                                  <m:ctrlPr>
+                                    <a:rPr lang="fr-FR" i="1">
+                                      <a:latin typeface="Cambria Math" panose="02040503050406030204" pitchFamily="18" charset="0"/>
+                                    </a:rPr>
+                                  </m:ctrlPr>
+                                </m:dPr>
+                                <m:e>
+                                  <m:r>
+                                    <m:rPr>
+                                      <m:sty m:val="p"/>
+                                    </m:rPr>
+                                    <a:rPr lang="fr-FR" i="0">
+                                      <a:latin typeface="Cambria Math" panose="02040503050406030204" pitchFamily="18" charset="0"/>
+                                    </a:rPr>
+                                    <m:t>φA</m:t>
+                                  </m:r>
+                                </m:e>
+                              </m:d>
+                            </m:e>
+                          </m:func>
+                          <m:r>
+                            <a:rPr lang="fr-FR" i="0">
+                              <a:latin typeface="Cambria Math" panose="02040503050406030204" pitchFamily="18" charset="0"/>
+                            </a:rPr>
+                            <m:t>∗</m:t>
+                          </m:r>
+                          <m:r>
+                            <m:rPr>
+                              <m:sty m:val="p"/>
+                            </m:rPr>
+                            <a:rPr lang="fr-FR" i="0">
+                              <a:latin typeface="Cambria Math" panose="02040503050406030204" pitchFamily="18" charset="0"/>
+                            </a:rPr>
+                            <m:t>si</m:t>
+                          </m:r>
+                          <m:func>
+                            <m:funcPr>
+                              <m:ctrlPr>
+                                <a:rPr lang="fr-FR" i="1">
+                                  <a:latin typeface="Cambria Math" panose="02040503050406030204" pitchFamily="18" charset="0"/>
+                                </a:rPr>
+                              </m:ctrlPr>
+                            </m:funcPr>
+                            <m:fName>
+                              <m:r>
+                                <m:rPr>
+                                  <m:sty m:val="p"/>
+                                </m:rPr>
+                                <a:rPr lang="fr-FR" i="0">
+                                  <a:latin typeface="Cambria Math" panose="02040503050406030204" pitchFamily="18" charset="0"/>
+                                </a:rPr>
+                                <m:t>n</m:t>
+                              </m:r>
+                            </m:fName>
+                            <m:e>
+                              <m:r>
+                                <a:rPr lang="fr-FR" i="0">
+                                  <a:latin typeface="Cambria Math" panose="02040503050406030204" pitchFamily="18" charset="0"/>
+                                </a:rPr>
+                                <m:t>(</m:t>
+                              </m:r>
+                            </m:e>
+                          </m:func>
+                          <m:r>
+                            <m:rPr>
+                              <m:sty m:val="p"/>
+                            </m:rPr>
+                            <a:rPr lang="fr-FR" i="0">
+                              <a:latin typeface="Cambria Math" panose="02040503050406030204" pitchFamily="18" charset="0"/>
+                            </a:rPr>
+                            <m:t>φB</m:t>
+                          </m:r>
+                        </m:e>
+                      </m:d>
+                    </m:oMath>
+                  </m:oMathPara>
+                </a14:m>
+                <a:endParaRPr lang="fr-FR" dirty="0"/>
+              </a:p>
+            </p:txBody>
+          </p:sp>
+        </mc:Choice>
+        <mc:Fallback>
+          <p:sp>
+            <p:nvSpPr>
+              <p:cNvPr id="8" name="Rectangle 7">
+                <a:extLst>
+                  <a:ext uri="{FF2B5EF4-FFF2-40B4-BE49-F238E27FC236}">
+                    <a16:creationId xmlns:a16="http://schemas.microsoft.com/office/drawing/2014/main" id="{5ECB0416-037F-4073-9D84-77F038D4D2E8}"/>
+                  </a:ext>
+                </a:extLst>
+              </p:cNvPr>
+              <p:cNvSpPr>
+                <a:spLocks noRot="1" noChangeAspect="1" noMove="1" noResize="1" noEditPoints="1" noAdjustHandles="1" noChangeArrowheads="1" noChangeShapeType="1" noTextEdit="1"/>
+              </p:cNvSpPr>
+              <p:nvPr/>
+            </p:nvSpPr>
+            <p:spPr>
+              <a:xfrm>
+                <a:off x="5938072" y="2819284"/>
+                <a:ext cx="5884688" cy="369332"/>
+              </a:xfrm>
+              <a:prstGeom prst="rect">
+                <a:avLst/>
+              </a:prstGeom>
+              <a:blipFill>
+                <a:blip r:embed="rId4"/>
+                <a:stretch>
+                  <a:fillRect t="-119672" r="-8394" b="-183607"/>
+                </a:stretch>
+              </a:blipFill>
+            </p:spPr>
+            <p:txBody>
+              <a:bodyPr/>
+              <a:lstStyle/>
+              <a:p>
+                <a:r>
+                  <a:rPr lang="fr-FR">
+                    <a:noFill/>
+                  </a:rPr>
+                  <a:t> </a:t>
+                </a:r>
+              </a:p>
+            </p:txBody>
+          </p:sp>
+        </mc:Fallback>
+      </mc:AlternateContent>
+      <mc:AlternateContent xmlns:mc="http://schemas.openxmlformats.org/markup-compatibility/2006">
+        <mc:Choice xmlns:a14="http://schemas.microsoft.com/office/drawing/2010/main" Requires="a14">
+          <p:sp>
+            <p:nvSpPr>
+              <p:cNvPr id="9" name="Rectangle 8">
+                <a:extLst>
+                  <a:ext uri="{FF2B5EF4-FFF2-40B4-BE49-F238E27FC236}">
+                    <a16:creationId xmlns:a16="http://schemas.microsoft.com/office/drawing/2014/main" id="{CE75A64E-59C4-4285-A671-3FF2BF6DA8F6}"/>
+                  </a:ext>
+                </a:extLst>
+              </p:cNvPr>
+              <p:cNvSpPr/>
+              <p:nvPr/>
+            </p:nvSpPr>
+            <p:spPr>
+              <a:xfrm>
+                <a:off x="861655" y="4253595"/>
+                <a:ext cx="11355160" cy="954107"/>
+              </a:xfrm>
+              <a:prstGeom prst="rect">
+                <a:avLst/>
+              </a:prstGeom>
+            </p:spPr>
+            <p:txBody>
+              <a:bodyPr wrap="none">
+                <a:spAutoFit/>
+              </a:bodyPr>
+              <a:lstStyle/>
+              <a:p>
+                <a:endParaRPr lang="fr-FR" sz="2800" b="0" i="0" dirty="0">
+                  <a:solidFill>
+                    <a:srgbClr val="FF0000"/>
+                  </a:solidFill>
+                  <a:latin typeface="Cambria Math" panose="02040503050406030204" pitchFamily="18" charset="0"/>
+                </a:endParaRPr>
+              </a:p>
+              <a:p>
+                <a:r>
+                  <a:rPr lang="fr-FR" sz="2800" dirty="0">
+                    <a:solidFill>
+                      <a:srgbClr val="FF0000"/>
+                    </a:solidFill>
+                  </a:rPr>
+                  <a:t>1,852*60*</a:t>
+                </a:r>
+                <a14:m>
+                  <m:oMath xmlns:m="http://schemas.openxmlformats.org/officeDocument/2006/math">
+                    <m:d>
+                      <m:dPr>
+                        <m:begChr m:val=""/>
+                        <m:ctrlPr>
+                          <a:rPr lang="fr-FR" sz="2800" smtClean="0">
+                            <a:solidFill>
+                              <a:srgbClr val="FF0000"/>
+                            </a:solidFill>
+                            <a:latin typeface="Cambria Math" panose="02040503050406030204" pitchFamily="18" charset="0"/>
+                          </a:rPr>
+                        </m:ctrlPr>
+                      </m:dPr>
+                      <m:e>
+                        <m:r>
+                          <a:rPr lang="fr-FR" sz="2800" b="0" i="1" smtClean="0">
+                            <a:solidFill>
+                              <a:srgbClr val="FF0000"/>
+                            </a:solidFill>
+                            <a:latin typeface="Cambria Math" panose="02040503050406030204" pitchFamily="18" charset="0"/>
+                          </a:rPr>
+                          <m:t>𝑎</m:t>
+                        </m:r>
+                        <m:r>
+                          <a:rPr lang="fr-FR" sz="2800" i="1">
+                            <a:solidFill>
+                              <a:srgbClr val="FF0000"/>
+                            </a:solidFill>
+                            <a:latin typeface="Cambria Math" panose="02040503050406030204" pitchFamily="18" charset="0"/>
+                          </a:rPr>
+                          <m:t>𝑟𝑐𝑜𝑠</m:t>
+                        </m:r>
+                        <m:r>
+                          <a:rPr lang="fr-FR" sz="2800" i="0">
+                            <a:solidFill>
+                              <a:srgbClr val="FF0000"/>
+                            </a:solidFill>
+                            <a:latin typeface="Cambria Math" panose="02040503050406030204" pitchFamily="18" charset="0"/>
+                          </a:rPr>
+                          <m:t>(</m:t>
+                        </m:r>
+                        <m:func>
+                          <m:funcPr>
+                            <m:ctrlPr>
+                              <a:rPr lang="fr-FR" sz="2800" i="1">
+                                <a:solidFill>
+                                  <a:srgbClr val="FF0000"/>
+                                </a:solidFill>
+                                <a:latin typeface="Cambria Math" panose="02040503050406030204" pitchFamily="18" charset="0"/>
+                              </a:rPr>
+                            </m:ctrlPr>
+                          </m:funcPr>
+                          <m:fName>
+                            <m:r>
+                              <m:rPr>
+                                <m:sty m:val="p"/>
+                              </m:rPr>
+                              <a:rPr lang="fr-FR" sz="2800" i="0">
+                                <a:solidFill>
+                                  <a:srgbClr val="FF0000"/>
+                                </a:solidFill>
+                                <a:latin typeface="Cambria Math" panose="02040503050406030204" pitchFamily="18" charset="0"/>
+                              </a:rPr>
+                              <m:t>cos</m:t>
+                            </m:r>
+                          </m:fName>
+                          <m:e>
+                            <m:d>
+                              <m:dPr>
+                                <m:ctrlPr>
+                                  <a:rPr lang="fr-FR" sz="2800" i="1">
+                                    <a:solidFill>
+                                      <a:srgbClr val="FF0000"/>
+                                    </a:solidFill>
+                                    <a:latin typeface="Cambria Math" panose="02040503050406030204" pitchFamily="18" charset="0"/>
+                                  </a:rPr>
+                                </m:ctrlPr>
+                              </m:dPr>
+                              <m:e>
+                                <m:r>
+                                  <m:rPr>
+                                    <m:sty m:val="p"/>
+                                  </m:rPr>
+                                  <a:rPr lang="fr-FR" sz="2800" i="0">
+                                    <a:solidFill>
+                                      <a:srgbClr val="FF0000"/>
+                                    </a:solidFill>
+                                    <a:latin typeface="Cambria Math" panose="02040503050406030204" pitchFamily="18" charset="0"/>
+                                  </a:rPr>
+                                  <m:t>λA</m:t>
+                                </m:r>
+                              </m:e>
+                            </m:d>
+                          </m:e>
+                        </m:func>
+                        <m:r>
+                          <a:rPr lang="fr-FR" sz="2800" i="0">
+                            <a:solidFill>
+                              <a:srgbClr val="FF0000"/>
+                            </a:solidFill>
+                            <a:latin typeface="Cambria Math" panose="02040503050406030204" pitchFamily="18" charset="0"/>
+                          </a:rPr>
+                          <m:t>∗</m:t>
+                        </m:r>
+                        <m:func>
+                          <m:funcPr>
+                            <m:ctrlPr>
+                              <a:rPr lang="fr-FR" sz="2800" i="1">
+                                <a:solidFill>
+                                  <a:srgbClr val="FF0000"/>
+                                </a:solidFill>
+                                <a:latin typeface="Cambria Math" panose="02040503050406030204" pitchFamily="18" charset="0"/>
+                              </a:rPr>
+                            </m:ctrlPr>
+                          </m:funcPr>
+                          <m:fName>
+                            <m:r>
+                              <m:rPr>
+                                <m:sty m:val="p"/>
+                              </m:rPr>
+                              <a:rPr lang="fr-FR" sz="2800" i="0">
+                                <a:solidFill>
+                                  <a:srgbClr val="FF0000"/>
+                                </a:solidFill>
+                                <a:latin typeface="Cambria Math" panose="02040503050406030204" pitchFamily="18" charset="0"/>
+                              </a:rPr>
+                              <m:t>cos</m:t>
+                            </m:r>
+                          </m:fName>
+                          <m:e>
+                            <m:d>
+                              <m:dPr>
+                                <m:ctrlPr>
+                                  <a:rPr lang="fr-FR" sz="2800" i="1">
+                                    <a:solidFill>
+                                      <a:srgbClr val="FF0000"/>
+                                    </a:solidFill>
+                                    <a:latin typeface="Cambria Math" panose="02040503050406030204" pitchFamily="18" charset="0"/>
+                                  </a:rPr>
+                                </m:ctrlPr>
+                              </m:dPr>
+                              <m:e>
+                                <m:r>
+                                  <m:rPr>
+                                    <m:sty m:val="p"/>
+                                  </m:rPr>
+                                  <a:rPr lang="fr-FR" sz="2800" i="0">
+                                    <a:solidFill>
+                                      <a:srgbClr val="FF0000"/>
+                                    </a:solidFill>
+                                    <a:latin typeface="Cambria Math" panose="02040503050406030204" pitchFamily="18" charset="0"/>
+                                  </a:rPr>
+                                  <m:t>λB</m:t>
+                                </m:r>
+                              </m:e>
+                            </m:d>
+                            <m:r>
+                              <a:rPr lang="fr-FR" sz="2800" i="0">
+                                <a:solidFill>
+                                  <a:srgbClr val="FF0000"/>
+                                </a:solidFill>
+                                <a:latin typeface="Cambria Math" panose="02040503050406030204" pitchFamily="18" charset="0"/>
+                              </a:rPr>
+                              <m:t>∗</m:t>
+                            </m:r>
+                            <m:func>
+                              <m:funcPr>
+                                <m:ctrlPr>
+                                  <a:rPr lang="fr-FR" sz="2800" i="1">
+                                    <a:solidFill>
+                                      <a:srgbClr val="FF0000"/>
+                                    </a:solidFill>
+                                    <a:latin typeface="Cambria Math" panose="02040503050406030204" pitchFamily="18" charset="0"/>
+                                  </a:rPr>
+                                </m:ctrlPr>
+                              </m:funcPr>
+                              <m:fName>
+                                <m:r>
+                                  <m:rPr>
+                                    <m:sty m:val="p"/>
+                                  </m:rPr>
+                                  <a:rPr lang="fr-FR" sz="2800" i="0">
+                                    <a:solidFill>
+                                      <a:srgbClr val="FF0000"/>
+                                    </a:solidFill>
+                                    <a:latin typeface="Cambria Math" panose="02040503050406030204" pitchFamily="18" charset="0"/>
+                                  </a:rPr>
+                                  <m:t>cos</m:t>
+                                </m:r>
+                              </m:fName>
+                              <m:e>
+                                <m:d>
+                                  <m:dPr>
+                                    <m:ctrlPr>
+                                      <a:rPr lang="fr-FR" sz="2800" i="1">
+                                        <a:solidFill>
+                                          <a:srgbClr val="FF0000"/>
+                                        </a:solidFill>
+                                        <a:latin typeface="Cambria Math" panose="02040503050406030204" pitchFamily="18" charset="0"/>
+                                      </a:rPr>
+                                    </m:ctrlPr>
+                                  </m:dPr>
+                                  <m:e>
+                                    <m:r>
+                                      <m:rPr>
+                                        <m:sty m:val="p"/>
+                                      </m:rPr>
+                                      <a:rPr lang="fr-FR" sz="2800" i="0">
+                                        <a:solidFill>
+                                          <a:srgbClr val="FF0000"/>
+                                        </a:solidFill>
+                                        <a:latin typeface="Cambria Math" panose="02040503050406030204" pitchFamily="18" charset="0"/>
+                                      </a:rPr>
+                                      <m:t>λB</m:t>
+                                    </m:r>
+                                    <m:r>
+                                      <a:rPr lang="fr-FR" sz="2800" i="0">
+                                        <a:solidFill>
+                                          <a:srgbClr val="FF0000"/>
+                                        </a:solidFill>
+                                        <a:latin typeface="Cambria Math" panose="02040503050406030204" pitchFamily="18" charset="0"/>
+                                      </a:rPr>
+                                      <m:t>−</m:t>
+                                    </m:r>
+                                    <m:r>
+                                      <m:rPr>
+                                        <m:sty m:val="p"/>
+                                      </m:rPr>
+                                      <a:rPr lang="fr-FR" sz="2800" i="0">
+                                        <a:solidFill>
+                                          <a:srgbClr val="FF0000"/>
+                                        </a:solidFill>
+                                        <a:latin typeface="Cambria Math" panose="02040503050406030204" pitchFamily="18" charset="0"/>
+                                      </a:rPr>
+                                      <m:t>λA</m:t>
+                                    </m:r>
+                                  </m:e>
+                                </m:d>
+                              </m:e>
+                            </m:func>
+                          </m:e>
+                        </m:func>
+                        <m:r>
+                          <a:rPr lang="fr-FR" sz="2800" i="0">
+                            <a:solidFill>
+                              <a:srgbClr val="FF0000"/>
+                            </a:solidFill>
+                            <a:latin typeface="Cambria Math" panose="02040503050406030204" pitchFamily="18" charset="0"/>
+                          </a:rPr>
+                          <m:t>+</m:t>
+                        </m:r>
+                        <m:func>
+                          <m:funcPr>
+                            <m:ctrlPr>
+                              <a:rPr lang="fr-FR" sz="2800" i="1">
+                                <a:solidFill>
+                                  <a:srgbClr val="FF0000"/>
+                                </a:solidFill>
+                                <a:latin typeface="Cambria Math" panose="02040503050406030204" pitchFamily="18" charset="0"/>
+                              </a:rPr>
+                            </m:ctrlPr>
+                          </m:funcPr>
+                          <m:fName>
+                            <m:r>
+                              <m:rPr>
+                                <m:sty m:val="p"/>
+                              </m:rPr>
+                              <a:rPr lang="fr-FR" sz="2800" i="0">
+                                <a:solidFill>
+                                  <a:srgbClr val="FF0000"/>
+                                </a:solidFill>
+                                <a:latin typeface="Cambria Math" panose="02040503050406030204" pitchFamily="18" charset="0"/>
+                              </a:rPr>
+                              <m:t>sin</m:t>
+                            </m:r>
+                          </m:fName>
+                          <m:e>
+                            <m:d>
+                              <m:dPr>
+                                <m:ctrlPr>
+                                  <a:rPr lang="fr-FR" sz="2800" i="1">
+                                    <a:solidFill>
+                                      <a:srgbClr val="FF0000"/>
+                                    </a:solidFill>
+                                    <a:latin typeface="Cambria Math" panose="02040503050406030204" pitchFamily="18" charset="0"/>
+                                  </a:rPr>
+                                </m:ctrlPr>
+                              </m:dPr>
+                              <m:e>
+                                <m:r>
+                                  <m:rPr>
+                                    <m:sty m:val="p"/>
+                                  </m:rPr>
+                                  <a:rPr lang="fr-FR" sz="2800" i="0">
+                                    <a:solidFill>
+                                      <a:srgbClr val="FF0000"/>
+                                    </a:solidFill>
+                                    <a:latin typeface="Cambria Math" panose="02040503050406030204" pitchFamily="18" charset="0"/>
+                                  </a:rPr>
+                                  <m:t>φA</m:t>
+                                </m:r>
+                              </m:e>
+                            </m:d>
+                          </m:e>
+                        </m:func>
+                        <m:r>
+                          <a:rPr lang="fr-FR" sz="2800" i="0">
+                            <a:solidFill>
+                              <a:srgbClr val="FF0000"/>
+                            </a:solidFill>
+                            <a:latin typeface="Cambria Math" panose="02040503050406030204" pitchFamily="18" charset="0"/>
+                          </a:rPr>
+                          <m:t>∗</m:t>
+                        </m:r>
+                        <m:r>
+                          <m:rPr>
+                            <m:sty m:val="p"/>
+                          </m:rPr>
+                          <a:rPr lang="fr-FR" sz="2800" i="0">
+                            <a:solidFill>
+                              <a:srgbClr val="FF0000"/>
+                            </a:solidFill>
+                            <a:latin typeface="Cambria Math" panose="02040503050406030204" pitchFamily="18" charset="0"/>
+                          </a:rPr>
+                          <m:t>si</m:t>
+                        </m:r>
+                        <m:func>
+                          <m:funcPr>
+                            <m:ctrlPr>
+                              <a:rPr lang="fr-FR" sz="2800" i="1">
+                                <a:solidFill>
+                                  <a:srgbClr val="FF0000"/>
+                                </a:solidFill>
+                                <a:latin typeface="Cambria Math" panose="02040503050406030204" pitchFamily="18" charset="0"/>
+                              </a:rPr>
+                            </m:ctrlPr>
+                          </m:funcPr>
+                          <m:fName>
+                            <m:r>
+                              <m:rPr>
+                                <m:sty m:val="p"/>
+                              </m:rPr>
+                              <a:rPr lang="fr-FR" sz="2800" i="0">
+                                <a:solidFill>
+                                  <a:srgbClr val="FF0000"/>
+                                </a:solidFill>
+                                <a:latin typeface="Cambria Math" panose="02040503050406030204" pitchFamily="18" charset="0"/>
+                              </a:rPr>
+                              <m:t>n</m:t>
+                            </m:r>
+                          </m:fName>
+                          <m:e>
+                            <m:r>
+                              <a:rPr lang="fr-FR" sz="2800" i="0">
+                                <a:solidFill>
+                                  <a:srgbClr val="FF0000"/>
+                                </a:solidFill>
+                                <a:latin typeface="Cambria Math" panose="02040503050406030204" pitchFamily="18" charset="0"/>
+                              </a:rPr>
+                              <m:t>(</m:t>
+                            </m:r>
+                          </m:e>
+                        </m:func>
+                        <m:r>
+                          <m:rPr>
+                            <m:sty m:val="p"/>
+                          </m:rPr>
+                          <a:rPr lang="fr-FR" sz="2800" i="0">
+                            <a:solidFill>
+                              <a:srgbClr val="FF0000"/>
+                            </a:solidFill>
+                            <a:latin typeface="Cambria Math" panose="02040503050406030204" pitchFamily="18" charset="0"/>
+                          </a:rPr>
+                          <m:t>φB</m:t>
+                        </m:r>
+                        <m:r>
+                          <a:rPr lang="fr-FR" sz="2800" b="0" i="0" smtClean="0">
+                            <a:solidFill>
+                              <a:srgbClr val="FF0000"/>
+                            </a:solidFill>
+                            <a:latin typeface="Cambria Math" panose="02040503050406030204" pitchFamily="18" charset="0"/>
+                          </a:rPr>
+                          <m:t>)</m:t>
+                        </m:r>
+                      </m:e>
+                    </m:d>
+                  </m:oMath>
+                </a14:m>
+                <a:endParaRPr lang="fr-FR" sz="2800" dirty="0">
+                  <a:solidFill>
+                    <a:srgbClr val="FF0000"/>
+                  </a:solidFill>
+                </a:endParaRPr>
+              </a:p>
+            </p:txBody>
+          </p:sp>
+        </mc:Choice>
+        <mc:Fallback>
+          <p:sp>
+            <p:nvSpPr>
+              <p:cNvPr id="9" name="Rectangle 8">
+                <a:extLst>
+                  <a:ext uri="{FF2B5EF4-FFF2-40B4-BE49-F238E27FC236}">
+                    <a16:creationId xmlns:a16="http://schemas.microsoft.com/office/drawing/2014/main" id="{CE75A64E-59C4-4285-A671-3FF2BF6DA8F6}"/>
+                  </a:ext>
+                </a:extLst>
+              </p:cNvPr>
+              <p:cNvSpPr>
+                <a:spLocks noRot="1" noChangeAspect="1" noMove="1" noResize="1" noEditPoints="1" noAdjustHandles="1" noChangeArrowheads="1" noChangeShapeType="1" noTextEdit="1"/>
+              </p:cNvSpPr>
+              <p:nvPr/>
+            </p:nvSpPr>
+            <p:spPr>
+              <a:xfrm>
+                <a:off x="861655" y="4253595"/>
+                <a:ext cx="11355160" cy="954107"/>
+              </a:xfrm>
+              <a:prstGeom prst="rect">
+                <a:avLst/>
+              </a:prstGeom>
+              <a:blipFill>
+                <a:blip r:embed="rId5"/>
+                <a:stretch>
+                  <a:fillRect l="-1074" b="-17949"/>
+                </a:stretch>
+              </a:blipFill>
+            </p:spPr>
+            <p:txBody>
+              <a:bodyPr/>
+              <a:lstStyle/>
+              <a:p>
+                <a:r>
+                  <a:rPr lang="fr-FR">
+                    <a:noFill/>
+                  </a:rPr>
+                  <a:t> </a:t>
+                </a:r>
+              </a:p>
+            </p:txBody>
+          </p:sp>
+        </mc:Fallback>
+      </mc:AlternateContent>
+    </p:spTree>
+    <p:extLst>
+      <p:ext uri="{BB962C8B-B14F-4D97-AF65-F5344CB8AC3E}">
+        <p14:creationId xmlns:p14="http://schemas.microsoft.com/office/powerpoint/2010/main" val="2666293256"/>
+      </p:ext>
+    </p:extLst>
+  </p:cSld>
+  <p:clrMapOvr>
+    <a:masterClrMapping/>
+  </p:clrMapOvr>
+</p:sld>
+</file>
+
+<file path=ppt/slides/slide9.xml><?xml version="1.0" encoding="utf-8"?>
+<p:sld xmlns:a="http://schemas.openxmlformats.org/drawingml/2006/main" xmlns:r="http://schemas.openxmlformats.org/officeDocument/2006/relationships" xmlns:p="http://schemas.openxmlformats.org/presentationml/2006/main">
+  <p:cSld>
+    <p:spTree>
+      <p:nvGrpSpPr>
+        <p:cNvPr id="1" name=""/>
+        <p:cNvGrpSpPr/>
+        <p:nvPr/>
+      </p:nvGrpSpPr>
+      <p:grpSpPr>
+        <a:xfrm>
+          <a:off x="0" y="0"/>
+          <a:ext cx="0" cy="0"/>
+          <a:chOff x="0" y="0"/>
+          <a:chExt cx="0" cy="0"/>
+        </a:xfrm>
+      </p:grpSpPr>
+      <p:sp>
+        <p:nvSpPr>
+          <p:cNvPr id="2" name="Titre 1">
+            <a:extLst>
+              <a:ext uri="{FF2B5EF4-FFF2-40B4-BE49-F238E27FC236}">
+                <a16:creationId xmlns:a16="http://schemas.microsoft.com/office/drawing/2014/main" id="{3FB4F291-F4D5-49E8-802E-9D82E908FD04}"/>
+              </a:ext>
+            </a:extLst>
+          </p:cNvPr>
+          <p:cNvSpPr>
+            <a:spLocks noGrp="1"/>
+          </p:cNvSpPr>
+          <p:nvPr>
+            <p:ph type="title"/>
+          </p:nvPr>
+        </p:nvSpPr>
+        <p:spPr>
+          <a:xfrm>
+            <a:off x="688977" y="685800"/>
+            <a:ext cx="10814047" cy="5105400"/>
+          </a:xfrm>
+        </p:spPr>
+        <p:txBody>
+          <a:bodyPr/>
+          <a:lstStyle/>
+          <a:p>
+            <a:r>
+              <a:rPr lang="fr-FR" dirty="0"/>
+              <a:t>Calcul route initial</a:t>
+            </a:r>
+          </a:p>
+        </p:txBody>
+      </p:sp>
+      <p:sp>
+        <p:nvSpPr>
+          <p:cNvPr id="3" name="Espace réservé du contenu 2">
+            <a:extLst>
+              <a:ext uri="{FF2B5EF4-FFF2-40B4-BE49-F238E27FC236}">
+                <a16:creationId xmlns:a16="http://schemas.microsoft.com/office/drawing/2014/main" id="{6F9BF39B-63F8-4DA9-9C07-F6CDF7737993}"/>
+              </a:ext>
+            </a:extLst>
+          </p:cNvPr>
+          <p:cNvSpPr>
+            <a:spLocks noGrp="1"/>
+          </p:cNvSpPr>
+          <p:nvPr>
+            <p:ph idx="1"/>
+          </p:nvPr>
+        </p:nvSpPr>
+        <p:spPr/>
+        <p:txBody>
+          <a:bodyPr/>
+          <a:lstStyle/>
+          <a:p>
+            <a:endParaRPr lang="fr-FR"/>
+          </a:p>
+        </p:txBody>
+      </p:sp>
+    </p:spTree>
+    <p:extLst>
+      <p:ext uri="{BB962C8B-B14F-4D97-AF65-F5344CB8AC3E}">
+        <p14:creationId xmlns:p14="http://schemas.microsoft.com/office/powerpoint/2010/main" val="3753509135"/>
       </p:ext>
     </p:extLst>
   </p:cSld>

--- a/CalculdeRouteAérienne.pptx
+++ b/CalculdeRouteAérienne.pptx
@@ -131,7 +131,7 @@
   <pc:docChgLst>
     <pc:chgData name="NASSIM ELABBOUBI" userId="f2cf5b4a597a1f45" providerId="LiveId" clId="{ED918A64-863D-438E-AD35-A64AAC5413C7}"/>
     <pc:docChg chg="undo custSel addSld delSld modSld sldOrd">
-      <pc:chgData name="NASSIM ELABBOUBI" userId="f2cf5b4a597a1f45" providerId="LiveId" clId="{ED918A64-863D-438E-AD35-A64AAC5413C7}" dt="2017-12-19T19:13:41.106" v="684" actId="2696"/>
+      <pc:chgData name="NASSIM ELABBOUBI" userId="f2cf5b4a597a1f45" providerId="LiveId" clId="{ED918A64-863D-438E-AD35-A64AAC5413C7}" dt="2017-12-20T07:14:28.851" v="687"/>
       <pc:docMkLst>
         <pc:docMk/>
       </pc:docMkLst>
@@ -190,7 +190,7 @@
         </pc:picChg>
       </pc:sldChg>
       <pc:sldChg chg="addSp delSp modSp add ord setBg">
-        <pc:chgData name="NASSIM ELABBOUBI" userId="f2cf5b4a597a1f45" providerId="LiveId" clId="{ED918A64-863D-438E-AD35-A64AAC5413C7}" dt="2017-12-19T18:57:14.478" v="402"/>
+        <pc:chgData name="NASSIM ELABBOUBI" userId="f2cf5b4a597a1f45" providerId="LiveId" clId="{ED918A64-863D-438E-AD35-A64AAC5413C7}" dt="2017-12-20T07:14:28.851" v="687"/>
         <pc:sldMkLst>
           <pc:docMk/>
           <pc:sldMk cId="3711617238" sldId="262"/>
@@ -219,8 +219,8 @@
             <ac:spMk id="4" creationId="{920CE8EA-2B12-4513-A026-7C4F9272AAD1}"/>
           </ac:spMkLst>
         </pc:spChg>
-        <pc:spChg chg="add mod">
-          <ac:chgData name="NASSIM ELABBOUBI" userId="f2cf5b4a597a1f45" providerId="LiveId" clId="{ED918A64-863D-438E-AD35-A64AAC5413C7}" dt="2017-12-19T18:44:51.832" v="207" actId="1076"/>
+        <pc:spChg chg="add del mod">
+          <ac:chgData name="NASSIM ELABBOUBI" userId="f2cf5b4a597a1f45" providerId="LiveId" clId="{ED918A64-863D-438E-AD35-A64AAC5413C7}" dt="2017-12-20T07:14:28.851" v="687"/>
           <ac:spMkLst>
             <pc:docMk/>
             <pc:sldMk cId="3711617238" sldId="262"/>
@@ -1091,6 +1091,109 @@
           <a:bodyPr/>
           <a:lstStyle/>
           <a:p>
+            <a:pPr marL="0" marR="0" lvl="0" indent="0" algn="l" defTabSz="914400" rtl="0" eaLnBrk="1" fontAlgn="auto" latinLnBrk="0" hangingPunct="1">
+              <a:lnSpc>
+                <a:spcPct val="100000"/>
+              </a:lnSpc>
+              <a:spcBef>
+                <a:spcPts val="0"/>
+              </a:spcBef>
+              <a:spcAft>
+                <a:spcPts val="0"/>
+              </a:spcAft>
+              <a:buClrTx/>
+              <a:buSzTx/>
+              <a:buFontTx/>
+              <a:buNone/>
+              <a:tabLst/>
+              <a:defRPr/>
+            </a:pPr>
+            <a:r>
+              <a:rPr kumimoji="0" lang="fr-FR" altLang="fr-FR" i="0" u="none" strike="noStrike" cap="none" normalizeH="0" baseline="0" dirty="0">
+                <a:ln>
+                  <a:noFill/>
+                </a:ln>
+                <a:effectLst/>
+                <a:latin typeface="Arial" panose="020B0604020202020204" pitchFamily="34" charset="0"/>
+              </a:rPr>
+              <a:t>Le </a:t>
+            </a:r>
+            <a:r>
+              <a:rPr kumimoji="0" lang="fr-FR" altLang="fr-FR" i="0" u="none" strike="noStrike" cap="none" normalizeH="0" baseline="0" dirty="0">
+                <a:ln>
+                  <a:noFill/>
+                </a:ln>
+                <a:effectLst/>
+                <a:latin typeface="Arial" panose="020B0604020202020204" pitchFamily="34" charset="0"/>
+                <a:cs typeface="Arial" panose="020B0604020202020204" pitchFamily="34" charset="0"/>
+              </a:rPr>
+              <a:t>mille marin (ou mille marin international</a:t>
+            </a:r>
+            <a:r>
+              <a:rPr lang="fr-FR" altLang="fr-FR" dirty="0">
+                <a:cs typeface="Arial" panose="020B0604020202020204" pitchFamily="34" charset="0"/>
+              </a:rPr>
+              <a:t>), </a:t>
+            </a:r>
+            <a:r>
+              <a:rPr kumimoji="0" lang="fr-FR" altLang="fr-FR" i="0" u="none" strike="noStrike" cap="none" normalizeH="0" baseline="0" dirty="0">
+                <a:ln>
+                  <a:noFill/>
+                </a:ln>
+                <a:effectLst/>
+                <a:latin typeface="Arial" panose="020B0604020202020204" pitchFamily="34" charset="0"/>
+                <a:cs typeface="Arial" panose="020B0604020202020204" pitchFamily="34" charset="0"/>
+              </a:rPr>
+              <a:t>u nautique est une unité de mesure de distance, située en dehors du Système international d'unités, utilisée en navigation maritime et aérienne, valant par convention 1 852 mètres.</a:t>
+            </a:r>
+            <a:r>
+              <a:rPr kumimoji="0" lang="fr-FR" altLang="fr-FR" i="0" u="none" strike="noStrike" cap="none" normalizeH="0" baseline="0" dirty="0">
+                <a:ln>
+                  <a:noFill/>
+                </a:ln>
+                <a:effectLst/>
+              </a:rPr>
+              <a:t> </a:t>
+            </a:r>
+          </a:p>
+          <a:p>
+            <a:r>
+              <a:rPr lang="fr-FR" sz="1200" b="0" i="0" kern="1200">
+                <a:solidFill>
+                  <a:schemeClr val="tx1"/>
+                </a:solidFill>
+                <a:effectLst/>
+                <a:latin typeface="+mn-lt"/>
+                <a:ea typeface="+mn-ea"/>
+                <a:cs typeface="+mn-cs"/>
+              </a:rPr>
+              <a:t>Sa valeur, historiquement égale à la </a:t>
+            </a:r>
+            <a:r>
+              <a:rPr lang="fr-FR" sz="1200" b="0" i="0" u="none" strike="noStrike" kern="1200">
+                <a:solidFill>
+                  <a:schemeClr val="tx1"/>
+                </a:solidFill>
+                <a:effectLst/>
+                <a:latin typeface="+mn-lt"/>
+                <a:ea typeface="+mn-ea"/>
+                <a:cs typeface="+mn-cs"/>
+                <a:hlinkClick r:id="rId3" tooltip="Longueur d'un arc"/>
+              </a:rPr>
+              <a:t>longueur d'un arc</a:t>
+            </a:r>
+            <a:r>
+              <a:rPr lang="fr-FR" sz="1200" b="0" i="0" kern="1200">
+                <a:solidFill>
+                  <a:schemeClr val="tx1"/>
+                </a:solidFill>
+                <a:effectLst/>
+                <a:latin typeface="+mn-lt"/>
+                <a:ea typeface="+mn-ea"/>
+                <a:cs typeface="+mn-cs"/>
+              </a:rPr>
+              <a:t> à la surface de la Terre correspondant à une minute d'angle en latitude, est d'une utilisation pratique lorsque la position d'un avion ou d'un navire est exprimée en degrés et minutes</a:t>
+            </a:r>
             <a:endParaRPr lang="fr-FR" dirty="0"/>
           </a:p>
         </p:txBody>
@@ -12005,221 +12108,6 @@
           </a:extLst>
         </p:spPr>
       </p:pic>
-      <p:sp>
-        <p:nvSpPr>
-          <p:cNvPr id="5" name="Rectangle 13">
-            <a:extLst>
-              <a:ext uri="{FF2B5EF4-FFF2-40B4-BE49-F238E27FC236}">
-                <a16:creationId xmlns:a16="http://schemas.microsoft.com/office/drawing/2014/main" id="{2F741546-1437-4A27-8E35-33F1C6D1D8D9}"/>
-              </a:ext>
-            </a:extLst>
-          </p:cNvPr>
-          <p:cNvSpPr>
-            <a:spLocks noChangeArrowheads="1"/>
-          </p:cNvSpPr>
-          <p:nvPr/>
-        </p:nvSpPr>
-        <p:spPr bwMode="auto">
-          <a:xfrm>
-            <a:off x="958814" y="5944987"/>
-            <a:ext cx="10726466" cy="923330"/>
-          </a:xfrm>
-          <a:prstGeom prst="rect">
-            <a:avLst/>
-          </a:prstGeom>
-          <a:noFill/>
-          <a:ln>
-            <a:noFill/>
-          </a:ln>
-          <a:effectLst/>
-        </p:spPr>
-        <p:txBody>
-          <a:bodyPr vert="horz" wrap="square" lIns="91440" tIns="45720" rIns="91440" bIns="45720" numCol="1" anchor="ctr" anchorCtr="0" compatLnSpc="1">
-            <a:prstTxWarp prst="textNoShape">
-              <a:avLst/>
-            </a:prstTxWarp>
-            <a:spAutoFit/>
-          </a:bodyPr>
-          <a:lstStyle>
-            <a:lvl1pPr eaLnBrk="0" fontAlgn="base" hangingPunct="0">
-              <a:spcBef>
-                <a:spcPct val="0"/>
-              </a:spcBef>
-              <a:spcAft>
-                <a:spcPct val="0"/>
-              </a:spcAft>
-              <a:defRPr>
-                <a:solidFill>
-                  <a:schemeClr val="tx1"/>
-                </a:solidFill>
-                <a:latin typeface="Arial" panose="020B0604020202020204" pitchFamily="34" charset="0"/>
-              </a:defRPr>
-            </a:lvl1pPr>
-            <a:lvl2pPr eaLnBrk="0" fontAlgn="base" hangingPunct="0">
-              <a:spcBef>
-                <a:spcPct val="0"/>
-              </a:spcBef>
-              <a:spcAft>
-                <a:spcPct val="0"/>
-              </a:spcAft>
-              <a:defRPr>
-                <a:solidFill>
-                  <a:schemeClr val="tx1"/>
-                </a:solidFill>
-                <a:latin typeface="Arial" panose="020B0604020202020204" pitchFamily="34" charset="0"/>
-              </a:defRPr>
-            </a:lvl2pPr>
-            <a:lvl3pPr eaLnBrk="0" fontAlgn="base" hangingPunct="0">
-              <a:spcBef>
-                <a:spcPct val="0"/>
-              </a:spcBef>
-              <a:spcAft>
-                <a:spcPct val="0"/>
-              </a:spcAft>
-              <a:defRPr>
-                <a:solidFill>
-                  <a:schemeClr val="tx1"/>
-                </a:solidFill>
-                <a:latin typeface="Arial" panose="020B0604020202020204" pitchFamily="34" charset="0"/>
-              </a:defRPr>
-            </a:lvl3pPr>
-            <a:lvl4pPr eaLnBrk="0" fontAlgn="base" hangingPunct="0">
-              <a:spcBef>
-                <a:spcPct val="0"/>
-              </a:spcBef>
-              <a:spcAft>
-                <a:spcPct val="0"/>
-              </a:spcAft>
-              <a:defRPr>
-                <a:solidFill>
-                  <a:schemeClr val="tx1"/>
-                </a:solidFill>
-                <a:latin typeface="Arial" panose="020B0604020202020204" pitchFamily="34" charset="0"/>
-              </a:defRPr>
-            </a:lvl4pPr>
-            <a:lvl5pPr eaLnBrk="0" fontAlgn="base" hangingPunct="0">
-              <a:spcBef>
-                <a:spcPct val="0"/>
-              </a:spcBef>
-              <a:spcAft>
-                <a:spcPct val="0"/>
-              </a:spcAft>
-              <a:defRPr>
-                <a:solidFill>
-                  <a:schemeClr val="tx1"/>
-                </a:solidFill>
-                <a:latin typeface="Arial" panose="020B0604020202020204" pitchFamily="34" charset="0"/>
-              </a:defRPr>
-            </a:lvl5pPr>
-            <a:lvl6pPr eaLnBrk="0" fontAlgn="base" hangingPunct="0">
-              <a:spcBef>
-                <a:spcPct val="0"/>
-              </a:spcBef>
-              <a:spcAft>
-                <a:spcPct val="0"/>
-              </a:spcAft>
-              <a:defRPr>
-                <a:solidFill>
-                  <a:schemeClr val="tx1"/>
-                </a:solidFill>
-                <a:latin typeface="Arial" panose="020B0604020202020204" pitchFamily="34" charset="0"/>
-              </a:defRPr>
-            </a:lvl6pPr>
-            <a:lvl7pPr eaLnBrk="0" fontAlgn="base" hangingPunct="0">
-              <a:spcBef>
-                <a:spcPct val="0"/>
-              </a:spcBef>
-              <a:spcAft>
-                <a:spcPct val="0"/>
-              </a:spcAft>
-              <a:defRPr>
-                <a:solidFill>
-                  <a:schemeClr val="tx1"/>
-                </a:solidFill>
-                <a:latin typeface="Arial" panose="020B0604020202020204" pitchFamily="34" charset="0"/>
-              </a:defRPr>
-            </a:lvl7pPr>
-            <a:lvl8pPr eaLnBrk="0" fontAlgn="base" hangingPunct="0">
-              <a:spcBef>
-                <a:spcPct val="0"/>
-              </a:spcBef>
-              <a:spcAft>
-                <a:spcPct val="0"/>
-              </a:spcAft>
-              <a:defRPr>
-                <a:solidFill>
-                  <a:schemeClr val="tx1"/>
-                </a:solidFill>
-                <a:latin typeface="Arial" panose="020B0604020202020204" pitchFamily="34" charset="0"/>
-              </a:defRPr>
-            </a:lvl8pPr>
-            <a:lvl9pPr eaLnBrk="0" fontAlgn="base" hangingPunct="0">
-              <a:spcBef>
-                <a:spcPct val="0"/>
-              </a:spcBef>
-              <a:spcAft>
-                <a:spcPct val="0"/>
-              </a:spcAft>
-              <a:defRPr>
-                <a:solidFill>
-                  <a:schemeClr val="tx1"/>
-                </a:solidFill>
-                <a:latin typeface="Arial" panose="020B0604020202020204" pitchFamily="34" charset="0"/>
-              </a:defRPr>
-            </a:lvl9pPr>
-          </a:lstStyle>
-          <a:p>
-            <a:pPr lvl="0" defTabSz="914400"/>
-            <a:r>
-              <a:rPr kumimoji="0" lang="fr-FR" altLang="fr-FR" i="0" u="none" strike="noStrike" cap="none" normalizeH="0" baseline="0" dirty="0">
-                <a:ln>
-                  <a:noFill/>
-                </a:ln>
-                <a:effectLst/>
-                <a:latin typeface="Arial" panose="020B0604020202020204" pitchFamily="34" charset="0"/>
-              </a:rPr>
-              <a:t>Le </a:t>
-            </a:r>
-            <a:r>
-              <a:rPr kumimoji="0" lang="fr-FR" altLang="fr-FR" i="0" u="none" strike="noStrike" cap="none" normalizeH="0" baseline="0" dirty="0">
-                <a:ln>
-                  <a:noFill/>
-                </a:ln>
-                <a:effectLst/>
-                <a:latin typeface="Arial" panose="020B0604020202020204" pitchFamily="34" charset="0"/>
-                <a:cs typeface="Arial" panose="020B0604020202020204" pitchFamily="34" charset="0"/>
-              </a:rPr>
-              <a:t>mille marin (ou mille marin international</a:t>
-            </a:r>
-            <a:r>
-              <a:rPr lang="fr-FR" altLang="fr-FR" dirty="0">
-                <a:cs typeface="Arial" panose="020B0604020202020204" pitchFamily="34" charset="0"/>
-              </a:rPr>
-              <a:t>), </a:t>
-            </a:r>
-            <a:r>
-              <a:rPr kumimoji="0" lang="fr-FR" altLang="fr-FR" i="0" u="none" strike="noStrike" cap="none" normalizeH="0" baseline="0" dirty="0">
-                <a:ln>
-                  <a:noFill/>
-                </a:ln>
-                <a:effectLst/>
-                <a:latin typeface="Arial" panose="020B0604020202020204" pitchFamily="34" charset="0"/>
-                <a:cs typeface="Arial" panose="020B0604020202020204" pitchFamily="34" charset="0"/>
-              </a:rPr>
-              <a:t>u nautique est une unité de mesure de distance, située en dehors du Système international d'unités, utilisée en navigation maritime et aérienne, valant par convention 1 852 mètres.</a:t>
-            </a:r>
-            <a:r>
-              <a:rPr kumimoji="0" lang="fr-FR" altLang="fr-FR" i="0" u="none" strike="noStrike" cap="none" normalizeH="0" baseline="0" dirty="0">
-                <a:ln>
-                  <a:noFill/>
-                </a:ln>
-                <a:effectLst/>
-              </a:rPr>
-              <a:t> </a:t>
-            </a:r>
-          </a:p>
-        </p:txBody>
-      </p:sp>
     </p:spTree>
     <p:extLst>
       <p:ext uri="{BB962C8B-B14F-4D97-AF65-F5344CB8AC3E}">
